--- a/Documents/Soutenance.pptx
+++ b/Documents/Soutenance.pptx
@@ -5,7 +5,7 @@
     <p:sldMasterId id="2147483648" r:id="rId1"/>
   </p:sldMasterIdLst>
   <p:notesMasterIdLst>
-    <p:notesMasterId r:id="rId15"/>
+    <p:notesMasterId r:id="rId17"/>
   </p:notesMasterIdLst>
   <p:sldIdLst>
     <p:sldId id="256" r:id="rId2"/>
@@ -13,14 +13,16 @@
     <p:sldId id="258" r:id="rId4"/>
     <p:sldId id="259" r:id="rId5"/>
     <p:sldId id="260" r:id="rId6"/>
-    <p:sldId id="262" r:id="rId7"/>
-    <p:sldId id="264" r:id="rId8"/>
-    <p:sldId id="265" r:id="rId9"/>
-    <p:sldId id="266" r:id="rId10"/>
-    <p:sldId id="267" r:id="rId11"/>
-    <p:sldId id="268" r:id="rId12"/>
-    <p:sldId id="261" r:id="rId13"/>
-    <p:sldId id="263" r:id="rId14"/>
+    <p:sldId id="269" r:id="rId7"/>
+    <p:sldId id="270" r:id="rId8"/>
+    <p:sldId id="262" r:id="rId9"/>
+    <p:sldId id="264" r:id="rId10"/>
+    <p:sldId id="265" r:id="rId11"/>
+    <p:sldId id="266" r:id="rId12"/>
+    <p:sldId id="267" r:id="rId13"/>
+    <p:sldId id="268" r:id="rId14"/>
+    <p:sldId id="261" r:id="rId15"/>
+    <p:sldId id="263" r:id="rId16"/>
   </p:sldIdLst>
   <p:sldSz cx="12192000" cy="6858000"/>
   <p:notesSz cx="6858000" cy="9144000"/>
@@ -209,7 +211,7 @@
           <a:p>
             <a:fld id="{343186F5-8CA8-4006-A6F7-848E92B45C6D}" type="datetimeFigureOut">
               <a:rPr lang="fr-FR" smtClean="0"/>
-              <a:t>08/12/2019</a:t>
+              <a:t>14/12/2019</a:t>
             </a:fld>
             <a:endParaRPr lang="fr-FR"/>
           </a:p>
@@ -666,7 +668,7 @@
           <a:effectLst/>
           <a:extLst>
             <a:ext uri="{91240B29-F687-4f45-9708-019B960494DF}">
-              <a14:hiddenLine xmlns:a14="http://schemas.microsoft.com/office/drawing/2010/main" xmlns="" w="9525">
+              <a14:hiddenLine xmlns="" xmlns:a14="http://schemas.microsoft.com/office/drawing/2010/main" w="9525">
                 <a:solidFill>
                   <a:srgbClr val="000000"/>
                 </a:solidFill>
@@ -858,7 +860,7 @@
           <a:p>
             <a:fld id="{E8E128D4-2B97-4D00-8C41-A15A8E2CCECC}" type="datetime1">
               <a:rPr lang="en-US" smtClean="0"/>
-              <a:t>12/8/2019</a:t>
+              <a:t>12/14/2019</a:t>
             </a:fld>
             <a:endParaRPr lang="en-US" dirty="0"/>
           </a:p>
@@ -1172,7 +1174,7 @@
           <a:p>
             <a:fld id="{0ADF2495-361B-45CB-857D-390A82607E03}" type="datetime1">
               <a:rPr lang="en-US" smtClean="0"/>
-              <a:t>12/8/2019</a:t>
+              <a:t>12/14/2019</a:t>
             </a:fld>
             <a:endParaRPr lang="en-US" dirty="0"/>
           </a:p>
@@ -1656,7 +1658,7 @@
           <a:p>
             <a:fld id="{A28C0335-E3E1-44D8-A3A1-5B0C46B38F9D}" type="datetime1">
               <a:rPr lang="en-US" smtClean="0"/>
-              <a:t>12/8/2019</a:t>
+              <a:t>12/14/2019</a:t>
             </a:fld>
             <a:endParaRPr lang="en-US" dirty="0"/>
           </a:p>
@@ -2021,7 +2023,7 @@
           <a:p>
             <a:fld id="{B5A23270-DE5F-496B-8618-20F475962898}" type="datetime1">
               <a:rPr lang="en-US" smtClean="0"/>
-              <a:t>12/8/2019</a:t>
+              <a:t>12/14/2019</a:t>
             </a:fld>
             <a:endParaRPr lang="en-US" dirty="0"/>
           </a:p>
@@ -2172,7 +2174,7 @@
           <a:ln/>
           <a:extLst>
             <a:ext uri="{91240B29-F687-4f45-9708-019B960494DF}">
-              <a14:hiddenLine xmlns:a14="http://schemas.microsoft.com/office/drawing/2010/main" xmlns="" w="9525">
+              <a14:hiddenLine xmlns="" xmlns:a14="http://schemas.microsoft.com/office/drawing/2010/main" w="9525">
                 <a:solidFill>
                   <a:srgbClr val="000000"/>
                 </a:solidFill>
@@ -2290,7 +2292,7 @@
           <a:p>
             <a:fld id="{981C065D-8039-45C2-9EFC-A0A7E76FCBF3}" type="datetime1">
               <a:rPr lang="en-US" smtClean="0"/>
-              <a:t>12/8/2019</a:t>
+              <a:t>12/14/2019</a:t>
             </a:fld>
             <a:endParaRPr lang="en-US" dirty="0"/>
           </a:p>
@@ -2443,7 +2445,7 @@
           <a:ln/>
           <a:extLst>
             <a:ext uri="{91240B29-F687-4f45-9708-019B960494DF}">
-              <a14:hiddenLine xmlns:a14="http://schemas.microsoft.com/office/drawing/2010/main" xmlns="" w="9525">
+              <a14:hiddenLine xmlns="" xmlns:a14="http://schemas.microsoft.com/office/drawing/2010/main" w="9525">
                 <a:solidFill>
                   <a:srgbClr val="000000"/>
                 </a:solidFill>
@@ -2571,7 +2573,7 @@
           <a:p>
             <a:fld id="{3506392F-2B30-4259-B6A7-2291A3D54088}" type="datetime1">
               <a:rPr lang="en-US" smtClean="0"/>
-              <a:t>12/8/2019</a:t>
+              <a:t>12/14/2019</a:t>
             </a:fld>
             <a:endParaRPr lang="en-US" dirty="0"/>
           </a:p>
@@ -2722,7 +2724,7 @@
           <a:ln/>
           <a:extLst>
             <a:ext uri="{91240B29-F687-4f45-9708-019B960494DF}">
-              <a14:hiddenLine xmlns:a14="http://schemas.microsoft.com/office/drawing/2010/main" xmlns="" w="9525">
+              <a14:hiddenLine xmlns="" xmlns:a14="http://schemas.microsoft.com/office/drawing/2010/main" w="9525">
                 <a:solidFill>
                   <a:srgbClr val="000000"/>
                 </a:solidFill>
@@ -2850,7 +2852,7 @@
           <a:p>
             <a:fld id="{025D745B-7098-44C1-B3DD-89E9D8CF84AB}" type="datetime1">
               <a:rPr lang="en-US" smtClean="0"/>
-              <a:t>12/8/2019</a:t>
+              <a:t>12/14/2019</a:t>
             </a:fld>
             <a:endParaRPr lang="en-US" dirty="0"/>
           </a:p>
@@ -3189,7 +3191,7 @@
           <a:p>
             <a:fld id="{3F19069D-161A-4725-B5E8-57ED88226824}" type="datetime1">
               <a:rPr lang="en-US" smtClean="0"/>
-              <a:t>12/8/2019</a:t>
+              <a:t>12/14/2019</a:t>
             </a:fld>
             <a:endParaRPr lang="en-US" dirty="0"/>
           </a:p>
@@ -3340,7 +3342,7 @@
           <a:ln/>
           <a:extLst>
             <a:ext uri="{91240B29-F687-4f45-9708-019B960494DF}">
-              <a14:hiddenLine xmlns:a14="http://schemas.microsoft.com/office/drawing/2010/main" xmlns="" w="9525">
+              <a14:hiddenLine xmlns="" xmlns:a14="http://schemas.microsoft.com/office/drawing/2010/main" w="9525">
                 <a:solidFill>
                   <a:srgbClr val="000000"/>
                 </a:solidFill>
@@ -3524,7 +3526,7 @@
           <a:p>
             <a:fld id="{CB61BCF9-CA4A-419C-B350-318DFFC1AA0F}" type="datetime1">
               <a:rPr lang="en-US" smtClean="0"/>
-              <a:t>12/8/2019</a:t>
+              <a:t>12/14/2019</a:t>
             </a:fld>
             <a:endParaRPr lang="en-US" dirty="0"/>
           </a:p>
@@ -3675,7 +3677,7 @@
           <a:ln/>
           <a:extLst>
             <a:ext uri="{91240B29-F687-4f45-9708-019B960494DF}">
-              <a14:hiddenLine xmlns:a14="http://schemas.microsoft.com/office/drawing/2010/main" xmlns="" w="9525">
+              <a14:hiddenLine xmlns="" xmlns:a14="http://schemas.microsoft.com/office/drawing/2010/main" w="9525">
                 <a:solidFill>
                   <a:srgbClr val="000000"/>
                 </a:solidFill>
@@ -3997,7 +3999,7 @@
           <a:p>
             <a:fld id="{B6A20A7B-6AB4-472D-A146-775736AA170D}" type="datetime1">
               <a:rPr lang="en-US" smtClean="0"/>
-              <a:t>12/8/2019</a:t>
+              <a:t>12/14/2019</a:t>
             </a:fld>
             <a:endParaRPr lang="en-US" dirty="0"/>
           </a:p>
@@ -4148,7 +4150,7 @@
           <a:ln/>
           <a:extLst>
             <a:ext uri="{91240B29-F687-4f45-9708-019B960494DF}">
-              <a14:hiddenLine xmlns:a14="http://schemas.microsoft.com/office/drawing/2010/main" xmlns="" w="9525">
+              <a14:hiddenLine xmlns="" xmlns:a14="http://schemas.microsoft.com/office/drawing/2010/main" w="9525">
                 <a:solidFill>
                   <a:srgbClr val="000000"/>
                 </a:solidFill>
@@ -4214,7 +4216,7 @@
           <a:p>
             <a:fld id="{6A05F030-1C8A-458D-9A5F-E00D2780AC95}" type="datetime1">
               <a:rPr lang="en-US" smtClean="0"/>
-              <a:t>12/8/2019</a:t>
+              <a:t>12/14/2019</a:t>
             </a:fld>
             <a:endParaRPr lang="en-US" dirty="0"/>
           </a:p>
@@ -4305,7 +4307,7 @@
           <a:p>
             <a:fld id="{1240D710-5DF4-4012-8BB8-3CF58D6F2A7C}" type="datetime1">
               <a:rPr lang="en-US" smtClean="0"/>
-              <a:t>12/8/2019</a:t>
+              <a:t>12/14/2019</a:t>
             </a:fld>
             <a:endParaRPr lang="en-US" dirty="0"/>
           </a:p>
@@ -4569,7 +4571,7 @@
           <a:ln/>
           <a:extLst>
             <a:ext uri="{91240B29-F687-4f45-9708-019B960494DF}">
-              <a14:hiddenLine xmlns:a14="http://schemas.microsoft.com/office/drawing/2010/main" xmlns="" w="9525">
+              <a14:hiddenLine xmlns="" xmlns:a14="http://schemas.microsoft.com/office/drawing/2010/main" w="9525">
                 <a:solidFill>
                   <a:srgbClr val="000000"/>
                 </a:solidFill>
@@ -4768,7 +4770,7 @@
           <a:p>
             <a:fld id="{99722D52-B400-41CA-B334-A9A689063FEF}" type="datetime1">
               <a:rPr lang="en-US" smtClean="0"/>
-              <a:t>12/8/2019</a:t>
+              <a:t>12/14/2019</a:t>
             </a:fld>
             <a:endParaRPr lang="en-US" dirty="0"/>
           </a:p>
@@ -5077,7 +5079,7 @@
           <a:p>
             <a:fld id="{1BA3EDCC-E7EC-4434-8C60-B9D7A27CCF7C}" type="datetime1">
               <a:rPr lang="en-US" smtClean="0"/>
-              <a:t>12/8/2019</a:t>
+              <a:t>12/14/2019</a:t>
             </a:fld>
             <a:endParaRPr lang="en-US" dirty="0"/>
           </a:p>
@@ -5343,7 +5345,7 @@
           <a:p>
             <a:fld id="{4F8E49D7-EEDD-4A8F-B044-C9278821D1B7}" type="datetime1">
               <a:rPr lang="en-US" smtClean="0"/>
-              <a:t>12/8/2019</a:t>
+              <a:t>12/14/2019</a:t>
             </a:fld>
             <a:endParaRPr lang="en-US" dirty="0"/>
           </a:p>
@@ -6087,2868 +6089,6 @@
         </p:nvSpPr>
         <p:spPr>
           <a:xfrm>
-            <a:off x="654697" y="157281"/>
-            <a:ext cx="3572529" cy="1569660"/>
-          </a:xfrm>
-          <a:prstGeom prst="rect">
-            <a:avLst/>
-          </a:prstGeom>
-          <a:noFill/>
-          <a:ln w="57150">
-            <a:solidFill>
-              <a:schemeClr val="tx1"/>
-            </a:solidFill>
-          </a:ln>
-          <a:effectLst>
-            <a:outerShdw blurRad="50800" dist="38100" dir="2700000" algn="tl" rotWithShape="0">
-              <a:prstClr val="black">
-                <a:alpha val="40000"/>
-              </a:prstClr>
-            </a:outerShdw>
-          </a:effectLst>
-        </p:spPr>
-        <p:style>
-          <a:lnRef idx="2">
-            <a:schemeClr val="accent5"/>
-          </a:lnRef>
-          <a:fillRef idx="1">
-            <a:schemeClr val="lt1"/>
-          </a:fillRef>
-          <a:effectRef idx="0">
-            <a:schemeClr val="accent5"/>
-          </a:effectRef>
-          <a:fontRef idx="minor">
-            <a:schemeClr val="dk1"/>
-          </a:fontRef>
-        </p:style>
-        <p:txBody>
-          <a:bodyPr wrap="square" rtlCol="0">
-            <a:spAutoFit/>
-          </a:bodyPr>
-          <a:lstStyle/>
-          <a:p>
-            <a:pPr algn="ctr"/>
-            <a:r>
-              <a:rPr lang="fr-FR" sz="4800" b="1" dirty="0">
-                <a:solidFill>
-                  <a:schemeClr val="bg1"/>
-                </a:solidFill>
-                <a:latin typeface="Carlito" panose="020F0502020204030204" pitchFamily="34" charset="0"/>
-                <a:cs typeface="Carlito" panose="020F0502020204030204" pitchFamily="34" charset="0"/>
-              </a:rPr>
-              <a:t>2.2. Choix esthétiques</a:t>
-            </a:r>
-          </a:p>
-        </p:txBody>
-      </p:sp>
-      <p:sp>
-        <p:nvSpPr>
-          <p:cNvPr id="5" name="ZoneTexte 4">
-            <a:extLst>
-              <a:ext uri="{FF2B5EF4-FFF2-40B4-BE49-F238E27FC236}">
-                <a16:creationId xmlns:a16="http://schemas.microsoft.com/office/drawing/2014/main" id="{D2B52D68-1639-42B1-8741-04BFF3B54220}"/>
-              </a:ext>
-            </a:extLst>
-          </p:cNvPr>
-          <p:cNvSpPr txBox="1"/>
-          <p:nvPr/>
-        </p:nvSpPr>
-        <p:spPr>
-          <a:xfrm>
-            <a:off x="5209563" y="157281"/>
-            <a:ext cx="6719582" cy="1569660"/>
-          </a:xfrm>
-          <a:prstGeom prst="rect">
-            <a:avLst/>
-          </a:prstGeom>
-          <a:noFill/>
-          <a:ln w="57150">
-            <a:solidFill>
-              <a:schemeClr val="tx1"/>
-            </a:solidFill>
-          </a:ln>
-        </p:spPr>
-        <p:txBody>
-          <a:bodyPr wrap="square" rtlCol="0">
-            <a:spAutoFit/>
-          </a:bodyPr>
-          <a:lstStyle/>
-          <a:p>
-            <a:pPr algn="ctr"/>
-            <a:r>
-              <a:rPr lang="fr-FR" sz="3200" dirty="0">
-                <a:solidFill>
-                  <a:schemeClr val="tx2">
-                    <a:lumMod val="75000"/>
-                  </a:schemeClr>
-                </a:solidFill>
-                <a:latin typeface="Carlito" panose="020F0502020204030204" pitchFamily="34" charset="0"/>
-                <a:cs typeface="Carlito" panose="020F0502020204030204" pitchFamily="34" charset="0"/>
-              </a:rPr>
-              <a:t>Introduction</a:t>
-            </a:r>
-            <a:r>
-              <a:rPr lang="fr-FR" sz="3200" b="1" dirty="0">
-                <a:solidFill>
-                  <a:schemeClr val="bg1"/>
-                </a:solidFill>
-                <a:latin typeface="Carlito" panose="020F0502020204030204" pitchFamily="34" charset="0"/>
-                <a:cs typeface="Carlito" panose="020F0502020204030204" pitchFamily="34" charset="0"/>
-              </a:rPr>
-              <a:t>	</a:t>
-            </a:r>
-            <a:r>
-              <a:rPr lang="fr-FR" sz="3200" dirty="0">
-                <a:solidFill>
-                  <a:schemeClr val="tx2">
-                    <a:lumMod val="75000"/>
-                  </a:schemeClr>
-                </a:solidFill>
-                <a:latin typeface="Carlito" panose="020F0502020204030204" pitchFamily="34" charset="0"/>
-                <a:cs typeface="Carlito" panose="020F0502020204030204" pitchFamily="34" charset="0"/>
-              </a:rPr>
-              <a:t>1. Partie économique et juridique </a:t>
-            </a:r>
-            <a:r>
-              <a:rPr lang="fr-FR" sz="3200" b="1" dirty="0">
-                <a:solidFill>
-                  <a:schemeClr val="bg1"/>
-                </a:solidFill>
-                <a:latin typeface="Carlito" panose="020F0502020204030204" pitchFamily="34" charset="0"/>
-                <a:cs typeface="Carlito" panose="020F0502020204030204" pitchFamily="34" charset="0"/>
-              </a:rPr>
-              <a:t>2. Présentation du site Web</a:t>
-            </a:r>
-          </a:p>
-          <a:p>
-            <a:pPr algn="ctr"/>
-            <a:r>
-              <a:rPr lang="fr-FR" sz="3200" dirty="0">
-                <a:solidFill>
-                  <a:schemeClr val="tx2">
-                    <a:lumMod val="75000"/>
-                  </a:schemeClr>
-                </a:solidFill>
-                <a:latin typeface="Carlito" panose="020F0502020204030204" pitchFamily="34" charset="0"/>
-                <a:cs typeface="Carlito" panose="020F0502020204030204" pitchFamily="34" charset="0"/>
-              </a:rPr>
-              <a:t>3. Travail en groupe</a:t>
-            </a:r>
-            <a:r>
-              <a:rPr lang="fr-FR" sz="3200" b="1" dirty="0">
-                <a:solidFill>
-                  <a:schemeClr val="tx2">
-                    <a:lumMod val="75000"/>
-                  </a:schemeClr>
-                </a:solidFill>
-                <a:latin typeface="Carlito" panose="020F0502020204030204" pitchFamily="34" charset="0"/>
-                <a:cs typeface="Carlito" panose="020F0502020204030204" pitchFamily="34" charset="0"/>
-              </a:rPr>
-              <a:t>	</a:t>
-            </a:r>
-            <a:r>
-              <a:rPr lang="fr-FR" sz="3200" dirty="0">
-                <a:solidFill>
-                  <a:schemeClr val="tx2">
-                    <a:lumMod val="75000"/>
-                  </a:schemeClr>
-                </a:solidFill>
-                <a:latin typeface="Carlito" panose="020F0502020204030204" pitchFamily="34" charset="0"/>
-                <a:cs typeface="Carlito" panose="020F0502020204030204" pitchFamily="34" charset="0"/>
-              </a:rPr>
-              <a:t>Conclusion</a:t>
-            </a:r>
-          </a:p>
-        </p:txBody>
-      </p:sp>
-      <p:sp>
-        <p:nvSpPr>
-          <p:cNvPr id="6" name="ZoneTexte 5">
-            <a:extLst>
-              <a:ext uri="{FF2B5EF4-FFF2-40B4-BE49-F238E27FC236}">
-                <a16:creationId xmlns:a16="http://schemas.microsoft.com/office/drawing/2014/main" id="{B51DB91F-53F4-4EE4-9C90-1D138A98B5E9}"/>
-              </a:ext>
-            </a:extLst>
-          </p:cNvPr>
-          <p:cNvSpPr txBox="1"/>
-          <p:nvPr/>
-        </p:nvSpPr>
-        <p:spPr>
-          <a:xfrm>
-            <a:off x="214979" y="2497756"/>
-            <a:ext cx="7744798" cy="3709349"/>
-          </a:xfrm>
-          <a:prstGeom prst="rect">
-            <a:avLst/>
-          </a:prstGeom>
-          <a:noFill/>
-        </p:spPr>
-        <p:txBody>
-          <a:bodyPr wrap="square" rtlCol="0">
-            <a:spAutoFit/>
-          </a:bodyPr>
-          <a:lstStyle/>
-          <a:p>
-            <a:pPr marL="285750" indent="-285750" algn="just">
-              <a:lnSpc>
-                <a:spcPct val="150000"/>
-              </a:lnSpc>
-              <a:buFont typeface="Arial" panose="020B0604020202020204" pitchFamily="34" charset="0"/>
-              <a:buChar char="•"/>
-            </a:pPr>
-            <a:r>
-              <a:rPr lang="fr-FR" sz="3200" dirty="0">
-                <a:latin typeface="Carlito" panose="020F0502020204030204" pitchFamily="34" charset="0"/>
-                <a:cs typeface="Carlito" panose="020F0502020204030204" pitchFamily="34" charset="0"/>
-                <a:sym typeface="Wingdings" panose="05000000000000000000" pitchFamily="2" charset="2"/>
-              </a:rPr>
-              <a:t>Utilisation du style </a:t>
-            </a:r>
-            <a:r>
-              <a:rPr lang="fr-FR" sz="3200" b="1" dirty="0">
-                <a:latin typeface="Carlito" panose="020F0502020204030204" pitchFamily="34" charset="0"/>
-                <a:cs typeface="Carlito" panose="020F0502020204030204" pitchFamily="34" charset="0"/>
-                <a:sym typeface="Wingdings" panose="05000000000000000000" pitchFamily="2" charset="2"/>
-              </a:rPr>
-              <a:t>Material Design</a:t>
-            </a:r>
-            <a:r>
-              <a:rPr lang="fr-FR" sz="3200" dirty="0">
-                <a:latin typeface="Carlito" panose="020F0502020204030204" pitchFamily="34" charset="0"/>
-                <a:cs typeface="Carlito" panose="020F0502020204030204" pitchFamily="34" charset="0"/>
-                <a:sym typeface="Wingdings" panose="05000000000000000000" pitchFamily="2" charset="2"/>
-              </a:rPr>
-              <a:t> pour le choix de la palette de couleur</a:t>
-            </a:r>
-          </a:p>
-          <a:p>
-            <a:pPr marL="285750" indent="-285750" algn="just">
-              <a:lnSpc>
-                <a:spcPct val="150000"/>
-              </a:lnSpc>
-              <a:buFont typeface="Arial" panose="020B0604020202020204" pitchFamily="34" charset="0"/>
-              <a:buChar char="•"/>
-            </a:pPr>
-            <a:r>
-              <a:rPr lang="fr-FR" sz="3200" dirty="0">
-                <a:latin typeface="Carlito" panose="020F0502020204030204" pitchFamily="34" charset="0"/>
-                <a:cs typeface="Carlito" panose="020F0502020204030204" pitchFamily="34" charset="0"/>
-                <a:sym typeface="Wingdings" panose="05000000000000000000" pitchFamily="2" charset="2"/>
-              </a:rPr>
-              <a:t>Barre de navigation Bootstrap </a:t>
-            </a:r>
-            <a:r>
-              <a:rPr lang="fr-FR" sz="3200" b="1" dirty="0">
-                <a:latin typeface="Carlito" panose="020F0502020204030204" pitchFamily="34" charset="0"/>
-                <a:cs typeface="Carlito" panose="020F0502020204030204" pitchFamily="34" charset="0"/>
-                <a:sym typeface="Wingdings" panose="05000000000000000000" pitchFamily="2" charset="2"/>
-              </a:rPr>
-              <a:t>claire</a:t>
-            </a:r>
-          </a:p>
-          <a:p>
-            <a:pPr marL="285750" indent="-285750" algn="just">
-              <a:lnSpc>
-                <a:spcPct val="150000"/>
-              </a:lnSpc>
-              <a:buFont typeface="Arial" panose="020B0604020202020204" pitchFamily="34" charset="0"/>
-              <a:buChar char="•"/>
-            </a:pPr>
-            <a:r>
-              <a:rPr lang="fr-FR" sz="3200" dirty="0">
-                <a:latin typeface="Carlito" panose="020F0502020204030204" pitchFamily="34" charset="0"/>
-                <a:cs typeface="Carlito" panose="020F0502020204030204" pitchFamily="34" charset="0"/>
-                <a:sym typeface="Wingdings" panose="05000000000000000000" pitchFamily="2" charset="2"/>
-              </a:rPr>
-              <a:t>Style </a:t>
-            </a:r>
-            <a:r>
-              <a:rPr lang="fr-FR" sz="3200" b="1" dirty="0">
-                <a:latin typeface="Carlito" panose="020F0502020204030204" pitchFamily="34" charset="0"/>
-                <a:cs typeface="Carlito" panose="020F0502020204030204" pitchFamily="34" charset="0"/>
-                <a:sym typeface="Wingdings" panose="05000000000000000000" pitchFamily="2" charset="2"/>
-              </a:rPr>
-              <a:t>moderne</a:t>
-            </a:r>
-            <a:r>
-              <a:rPr lang="fr-FR" sz="3200" dirty="0">
-                <a:latin typeface="Carlito" panose="020F0502020204030204" pitchFamily="34" charset="0"/>
-                <a:cs typeface="Carlito" panose="020F0502020204030204" pitchFamily="34" charset="0"/>
-                <a:sym typeface="Wingdings" panose="05000000000000000000" pitchFamily="2" charset="2"/>
-              </a:rPr>
-              <a:t>, suppression des </a:t>
-            </a:r>
-            <a:r>
-              <a:rPr lang="fr-FR" sz="3200" b="1" dirty="0">
-                <a:latin typeface="Carlito" panose="020F0502020204030204" pitchFamily="34" charset="0"/>
-                <a:cs typeface="Carlito" panose="020F0502020204030204" pitchFamily="34" charset="0"/>
-                <a:sym typeface="Wingdings" panose="05000000000000000000" pitchFamily="2" charset="2"/>
-              </a:rPr>
-              <a:t>arrondis</a:t>
-            </a:r>
-            <a:r>
-              <a:rPr lang="fr-FR" sz="3200" dirty="0">
-                <a:latin typeface="Carlito" panose="020F0502020204030204" pitchFamily="34" charset="0"/>
-                <a:cs typeface="Carlito" panose="020F0502020204030204" pitchFamily="34" charset="0"/>
-                <a:sym typeface="Wingdings" panose="05000000000000000000" pitchFamily="2" charset="2"/>
-              </a:rPr>
-              <a:t>, arrière-plans de </a:t>
-            </a:r>
-            <a:r>
-              <a:rPr lang="fr-FR" sz="3200" b="1" dirty="0">
-                <a:latin typeface="Carlito" panose="020F0502020204030204" pitchFamily="34" charset="0"/>
-                <a:cs typeface="Carlito" panose="020F0502020204030204" pitchFamily="34" charset="0"/>
-                <a:sym typeface="Wingdings" panose="05000000000000000000" pitchFamily="2" charset="2"/>
-              </a:rPr>
-              <a:t>bonne qualité</a:t>
-            </a:r>
-          </a:p>
-        </p:txBody>
-      </p:sp>
-      <p:pic>
-        <p:nvPicPr>
-          <p:cNvPr id="4098" name="Picture 2" descr="Résultat de recherche d'images pour &quot;palette couleur material design&quot;">
-            <a:extLst>
-              <a:ext uri="{FF2B5EF4-FFF2-40B4-BE49-F238E27FC236}">
-                <a16:creationId xmlns:a16="http://schemas.microsoft.com/office/drawing/2014/main" id="{E7A9E09E-0985-42ED-90B9-202CD131B823}"/>
-              </a:ext>
-            </a:extLst>
-          </p:cNvPr>
-          <p:cNvPicPr>
-            <a:picLocks noChangeAspect="1" noChangeArrowheads="1"/>
-          </p:cNvPicPr>
-          <p:nvPr/>
-        </p:nvPicPr>
-        <p:blipFill>
-          <a:blip r:embed="rId2">
-            <a:extLst>
-              <a:ext uri="{28A0092B-C50C-407E-A947-70E740481C1C}">
-                <a14:useLocalDpi xmlns:a14="http://schemas.microsoft.com/office/drawing/2010/main" val="0"/>
-              </a:ext>
-            </a:extLst>
-          </a:blip>
-          <a:srcRect/>
-          <a:stretch>
-            <a:fillRect/>
-          </a:stretch>
-        </p:blipFill>
-        <p:spPr bwMode="auto">
-          <a:xfrm>
-            <a:off x="8597731" y="3229646"/>
-            <a:ext cx="3142755" cy="2245568"/>
-          </a:xfrm>
-          <a:prstGeom prst="rect">
-            <a:avLst/>
-          </a:prstGeom>
-          <a:noFill/>
-          <a:ln>
-            <a:noFill/>
-          </a:ln>
-          <a:effectLst>
-            <a:outerShdw blurRad="149987" dist="250190" dir="8460000" algn="ctr">
-              <a:srgbClr val="000000">
-                <a:alpha val="28000"/>
-              </a:srgbClr>
-            </a:outerShdw>
-          </a:effectLst>
-          <a:scene3d>
-            <a:camera prst="orthographicFront">
-              <a:rot lat="0" lon="0" rev="0"/>
-            </a:camera>
-            <a:lightRig rig="contrasting" dir="t">
-              <a:rot lat="0" lon="0" rev="1500000"/>
-            </a:lightRig>
-          </a:scene3d>
-          <a:sp3d prstMaterial="metal">
-            <a:bevelT w="88900" h="88900"/>
-          </a:sp3d>
-          <a:extLst>
-            <a:ext uri="{909E8E84-426E-40DD-AFC4-6F175D3DCCD1}">
-              <a14:hiddenFill xmlns:a14="http://schemas.microsoft.com/office/drawing/2010/main">
-                <a:solidFill>
-                  <a:srgbClr val="FFFFFF"/>
-                </a:solidFill>
-              </a14:hiddenFill>
-            </a:ext>
-          </a:extLst>
-        </p:spPr>
-      </p:pic>
-    </p:spTree>
-    <p:extLst>
-      <p:ext uri="{BB962C8B-B14F-4D97-AF65-F5344CB8AC3E}">
-        <p14:creationId xmlns:p14="http://schemas.microsoft.com/office/powerpoint/2010/main" val="1049259097"/>
-      </p:ext>
-    </p:extLst>
-  </p:cSld>
-  <p:clrMapOvr>
-    <a:masterClrMapping/>
-  </p:clrMapOvr>
-</p:sld>
-</file>
-
-<file path=ppt/slides/slide11.xml><?xml version="1.0" encoding="utf-8"?>
-<p:sld xmlns:a="http://schemas.openxmlformats.org/drawingml/2006/main" xmlns:r="http://schemas.openxmlformats.org/officeDocument/2006/relationships" xmlns:p="http://schemas.openxmlformats.org/presentationml/2006/main">
-  <p:cSld>
-    <p:spTree>
-      <p:nvGrpSpPr>
-        <p:cNvPr id="1" name=""/>
-        <p:cNvGrpSpPr/>
-        <p:nvPr/>
-      </p:nvGrpSpPr>
-      <p:grpSpPr>
-        <a:xfrm>
-          <a:off x="0" y="0"/>
-          <a:ext cx="0" cy="0"/>
-          <a:chOff x="0" y="0"/>
-          <a:chExt cx="0" cy="0"/>
-        </a:xfrm>
-      </p:grpSpPr>
-      <p:sp>
-        <p:nvSpPr>
-          <p:cNvPr id="3" name="Espace réservé du numéro de diapositive 2">
-            <a:extLst>
-              <a:ext uri="{FF2B5EF4-FFF2-40B4-BE49-F238E27FC236}">
-                <a16:creationId xmlns:a16="http://schemas.microsoft.com/office/drawing/2014/main" id="{35CD04DD-8DCB-4B3C-ACCB-53D45007D704}"/>
-              </a:ext>
-            </a:extLst>
-          </p:cNvPr>
-          <p:cNvSpPr>
-            <a:spLocks noGrp="1"/>
-          </p:cNvSpPr>
-          <p:nvPr>
-            <p:ph type="sldNum" sz="quarter" idx="12"/>
-          </p:nvPr>
-        </p:nvSpPr>
-        <p:spPr/>
-        <p:txBody>
-          <a:bodyPr/>
-          <a:lstStyle/>
-          <a:p>
-            <a:fld id="{D57F1E4F-1CFF-5643-939E-217C01CDF565}" type="slidenum">
-              <a:rPr lang="en-US" smtClean="0"/>
-              <a:pPr/>
-              <a:t>11</a:t>
-            </a:fld>
-            <a:endParaRPr lang="en-US" dirty="0"/>
-          </a:p>
-        </p:txBody>
-      </p:sp>
-      <p:sp>
-        <p:nvSpPr>
-          <p:cNvPr id="4" name="ZoneTexte 3">
-            <a:extLst>
-              <a:ext uri="{FF2B5EF4-FFF2-40B4-BE49-F238E27FC236}">
-                <a16:creationId xmlns:a16="http://schemas.microsoft.com/office/drawing/2014/main" id="{D04BB437-C13D-4EF9-8BFC-027346A83454}"/>
-              </a:ext>
-            </a:extLst>
-          </p:cNvPr>
-          <p:cNvSpPr txBox="1"/>
-          <p:nvPr/>
-        </p:nvSpPr>
-        <p:spPr>
-          <a:xfrm>
-            <a:off x="356523" y="157281"/>
-            <a:ext cx="4434138" cy="1569660"/>
-          </a:xfrm>
-          <a:prstGeom prst="rect">
-            <a:avLst/>
-          </a:prstGeom>
-          <a:noFill/>
-          <a:ln w="57150">
-            <a:solidFill>
-              <a:schemeClr val="tx1"/>
-            </a:solidFill>
-          </a:ln>
-          <a:effectLst>
-            <a:outerShdw blurRad="50800" dist="38100" dir="2700000" algn="tl" rotWithShape="0">
-              <a:prstClr val="black">
-                <a:alpha val="40000"/>
-              </a:prstClr>
-            </a:outerShdw>
-          </a:effectLst>
-        </p:spPr>
-        <p:style>
-          <a:lnRef idx="2">
-            <a:schemeClr val="accent5"/>
-          </a:lnRef>
-          <a:fillRef idx="1">
-            <a:schemeClr val="lt1"/>
-          </a:fillRef>
-          <a:effectRef idx="0">
-            <a:schemeClr val="accent5"/>
-          </a:effectRef>
-          <a:fontRef idx="minor">
-            <a:schemeClr val="dk1"/>
-          </a:fontRef>
-        </p:style>
-        <p:txBody>
-          <a:bodyPr wrap="square" rtlCol="0">
-            <a:spAutoFit/>
-          </a:bodyPr>
-          <a:lstStyle/>
-          <a:p>
-            <a:pPr algn="ctr"/>
-            <a:r>
-              <a:rPr lang="fr-FR" sz="4800" b="1" dirty="0">
-                <a:solidFill>
-                  <a:schemeClr val="bg1"/>
-                </a:solidFill>
-                <a:latin typeface="Carlito" panose="020F0502020204030204" pitchFamily="34" charset="0"/>
-                <a:cs typeface="Carlito" panose="020F0502020204030204" pitchFamily="34" charset="0"/>
-              </a:rPr>
-              <a:t>2.3. Contraintes techniques</a:t>
-            </a:r>
-          </a:p>
-        </p:txBody>
-      </p:sp>
-      <p:sp>
-        <p:nvSpPr>
-          <p:cNvPr id="5" name="ZoneTexte 4">
-            <a:extLst>
-              <a:ext uri="{FF2B5EF4-FFF2-40B4-BE49-F238E27FC236}">
-                <a16:creationId xmlns:a16="http://schemas.microsoft.com/office/drawing/2014/main" id="{D2B52D68-1639-42B1-8741-04BFF3B54220}"/>
-              </a:ext>
-            </a:extLst>
-          </p:cNvPr>
-          <p:cNvSpPr txBox="1"/>
-          <p:nvPr/>
-        </p:nvSpPr>
-        <p:spPr>
-          <a:xfrm>
-            <a:off x="5209563" y="157281"/>
-            <a:ext cx="6719582" cy="1569660"/>
-          </a:xfrm>
-          <a:prstGeom prst="rect">
-            <a:avLst/>
-          </a:prstGeom>
-          <a:noFill/>
-          <a:ln w="57150">
-            <a:solidFill>
-              <a:schemeClr val="tx1"/>
-            </a:solidFill>
-          </a:ln>
-        </p:spPr>
-        <p:txBody>
-          <a:bodyPr wrap="square" rtlCol="0">
-            <a:spAutoFit/>
-          </a:bodyPr>
-          <a:lstStyle/>
-          <a:p>
-            <a:pPr algn="ctr"/>
-            <a:r>
-              <a:rPr lang="fr-FR" sz="3200" dirty="0">
-                <a:solidFill>
-                  <a:schemeClr val="tx2">
-                    <a:lumMod val="75000"/>
-                  </a:schemeClr>
-                </a:solidFill>
-                <a:latin typeface="Carlito" panose="020F0502020204030204" pitchFamily="34" charset="0"/>
-                <a:cs typeface="Carlito" panose="020F0502020204030204" pitchFamily="34" charset="0"/>
-              </a:rPr>
-              <a:t>Introduction</a:t>
-            </a:r>
-            <a:r>
-              <a:rPr lang="fr-FR" sz="3200" b="1" dirty="0">
-                <a:solidFill>
-                  <a:schemeClr val="bg1"/>
-                </a:solidFill>
-                <a:latin typeface="Carlito" panose="020F0502020204030204" pitchFamily="34" charset="0"/>
-                <a:cs typeface="Carlito" panose="020F0502020204030204" pitchFamily="34" charset="0"/>
-              </a:rPr>
-              <a:t>	</a:t>
-            </a:r>
-            <a:r>
-              <a:rPr lang="fr-FR" sz="3200" dirty="0">
-                <a:solidFill>
-                  <a:schemeClr val="tx2">
-                    <a:lumMod val="75000"/>
-                  </a:schemeClr>
-                </a:solidFill>
-                <a:latin typeface="Carlito" panose="020F0502020204030204" pitchFamily="34" charset="0"/>
-                <a:cs typeface="Carlito" panose="020F0502020204030204" pitchFamily="34" charset="0"/>
-              </a:rPr>
-              <a:t>1. Partie économique et juridique </a:t>
-            </a:r>
-            <a:r>
-              <a:rPr lang="fr-FR" sz="3200" b="1" dirty="0">
-                <a:solidFill>
-                  <a:schemeClr val="bg1"/>
-                </a:solidFill>
-                <a:latin typeface="Carlito" panose="020F0502020204030204" pitchFamily="34" charset="0"/>
-                <a:cs typeface="Carlito" panose="020F0502020204030204" pitchFamily="34" charset="0"/>
-              </a:rPr>
-              <a:t>2. Présentation du site Web</a:t>
-            </a:r>
-          </a:p>
-          <a:p>
-            <a:pPr algn="ctr"/>
-            <a:r>
-              <a:rPr lang="fr-FR" sz="3200" dirty="0">
-                <a:solidFill>
-                  <a:schemeClr val="tx2">
-                    <a:lumMod val="75000"/>
-                  </a:schemeClr>
-                </a:solidFill>
-                <a:latin typeface="Carlito" panose="020F0502020204030204" pitchFamily="34" charset="0"/>
-                <a:cs typeface="Carlito" panose="020F0502020204030204" pitchFamily="34" charset="0"/>
-              </a:rPr>
-              <a:t>3. Travail en groupe</a:t>
-            </a:r>
-            <a:r>
-              <a:rPr lang="fr-FR" sz="3200" b="1" dirty="0">
-                <a:solidFill>
-                  <a:schemeClr val="tx2">
-                    <a:lumMod val="75000"/>
-                  </a:schemeClr>
-                </a:solidFill>
-                <a:latin typeface="Carlito" panose="020F0502020204030204" pitchFamily="34" charset="0"/>
-                <a:cs typeface="Carlito" panose="020F0502020204030204" pitchFamily="34" charset="0"/>
-              </a:rPr>
-              <a:t>	</a:t>
-            </a:r>
-            <a:r>
-              <a:rPr lang="fr-FR" sz="3200" dirty="0">
-                <a:solidFill>
-                  <a:schemeClr val="tx2">
-                    <a:lumMod val="75000"/>
-                  </a:schemeClr>
-                </a:solidFill>
-                <a:latin typeface="Carlito" panose="020F0502020204030204" pitchFamily="34" charset="0"/>
-                <a:cs typeface="Carlito" panose="020F0502020204030204" pitchFamily="34" charset="0"/>
-              </a:rPr>
-              <a:t>Conclusion</a:t>
-            </a:r>
-          </a:p>
-        </p:txBody>
-      </p:sp>
-      <p:sp>
-        <p:nvSpPr>
-          <p:cNvPr id="6" name="ZoneTexte 5">
-            <a:extLst>
-              <a:ext uri="{FF2B5EF4-FFF2-40B4-BE49-F238E27FC236}">
-                <a16:creationId xmlns:a16="http://schemas.microsoft.com/office/drawing/2014/main" id="{B51DB91F-53F4-4EE4-9C90-1D138A98B5E9}"/>
-              </a:ext>
-            </a:extLst>
-          </p:cNvPr>
-          <p:cNvSpPr txBox="1"/>
-          <p:nvPr/>
-        </p:nvSpPr>
-        <p:spPr>
-          <a:xfrm>
-            <a:off x="3995688" y="2206539"/>
-            <a:ext cx="7744798" cy="4448013"/>
-          </a:xfrm>
-          <a:prstGeom prst="rect">
-            <a:avLst/>
-          </a:prstGeom>
-          <a:noFill/>
-        </p:spPr>
-        <p:txBody>
-          <a:bodyPr wrap="square" rtlCol="0">
-            <a:spAutoFit/>
-          </a:bodyPr>
-          <a:lstStyle/>
-          <a:p>
-            <a:pPr marL="285750" indent="-285750" algn="just">
-              <a:lnSpc>
-                <a:spcPct val="150000"/>
-              </a:lnSpc>
-              <a:buFont typeface="Arial" panose="020B0604020202020204" pitchFamily="34" charset="0"/>
-              <a:buChar char="•"/>
-            </a:pPr>
-            <a:r>
-              <a:rPr lang="fr-FR" sz="3200" b="1" dirty="0">
-                <a:latin typeface="Carlito" panose="020F0502020204030204" pitchFamily="34" charset="0"/>
-                <a:cs typeface="Carlito" panose="020F0502020204030204" pitchFamily="34" charset="0"/>
-                <a:sym typeface="Wingdings" panose="05000000000000000000" pitchFamily="2" charset="2"/>
-              </a:rPr>
-              <a:t>Barre de navigation </a:t>
-            </a:r>
-            <a:r>
-              <a:rPr lang="fr-FR" sz="3200" dirty="0">
-                <a:latin typeface="Carlito" panose="020F0502020204030204" pitchFamily="34" charset="0"/>
-                <a:cs typeface="Carlito" panose="020F0502020204030204" pitchFamily="34" charset="0"/>
-                <a:sym typeface="Wingdings" panose="05000000000000000000" pitchFamily="2" charset="2"/>
-              </a:rPr>
-              <a:t>causant des soucis suivant la </a:t>
-            </a:r>
-            <a:r>
-              <a:rPr lang="fr-FR" sz="3200" b="1" dirty="0">
-                <a:latin typeface="Carlito" panose="020F0502020204030204" pitchFamily="34" charset="0"/>
-                <a:cs typeface="Carlito" panose="020F0502020204030204" pitchFamily="34" charset="0"/>
-                <a:sym typeface="Wingdings" panose="05000000000000000000" pitchFamily="2" charset="2"/>
-              </a:rPr>
-              <a:t>taille</a:t>
-            </a:r>
-            <a:r>
-              <a:rPr lang="fr-FR" sz="3200" dirty="0">
-                <a:latin typeface="Carlito" panose="020F0502020204030204" pitchFamily="34" charset="0"/>
-                <a:cs typeface="Carlito" panose="020F0502020204030204" pitchFamily="34" charset="0"/>
-                <a:sym typeface="Wingdings" panose="05000000000000000000" pitchFamily="2" charset="2"/>
-              </a:rPr>
-              <a:t> du navigateur</a:t>
-            </a:r>
-          </a:p>
-          <a:p>
-            <a:pPr marL="285750" indent="-285750" algn="just">
-              <a:lnSpc>
-                <a:spcPct val="150000"/>
-              </a:lnSpc>
-              <a:buFont typeface="Arial" panose="020B0604020202020204" pitchFamily="34" charset="0"/>
-              <a:buChar char="•"/>
-            </a:pPr>
-            <a:r>
-              <a:rPr lang="fr-FR" sz="3200" dirty="0">
-                <a:latin typeface="Carlito" panose="020F0502020204030204" pitchFamily="34" charset="0"/>
-                <a:cs typeface="Carlito" panose="020F0502020204030204" pitchFamily="34" charset="0"/>
-                <a:sym typeface="Wingdings" panose="05000000000000000000" pitchFamily="2" charset="2"/>
-              </a:rPr>
-              <a:t>Complexité au niveau du </a:t>
-            </a:r>
-            <a:r>
-              <a:rPr lang="fr-FR" sz="3200" b="1" dirty="0">
-                <a:latin typeface="Carlito" panose="020F0502020204030204" pitchFamily="34" charset="0"/>
-                <a:cs typeface="Carlito" panose="020F0502020204030204" pitchFamily="34" charset="0"/>
-                <a:sym typeface="Wingdings" panose="05000000000000000000" pitchFamily="2" charset="2"/>
-              </a:rPr>
-              <a:t>fonctionnement</a:t>
-            </a:r>
-            <a:r>
-              <a:rPr lang="fr-FR" sz="3200" dirty="0">
-                <a:latin typeface="Carlito" panose="020F0502020204030204" pitchFamily="34" charset="0"/>
-                <a:cs typeface="Carlito" panose="020F0502020204030204" pitchFamily="34" charset="0"/>
-                <a:sym typeface="Wingdings" panose="05000000000000000000" pitchFamily="2" charset="2"/>
-              </a:rPr>
-              <a:t> de la page de </a:t>
-            </a:r>
-            <a:r>
-              <a:rPr lang="fr-FR" sz="3200" b="1" dirty="0">
-                <a:latin typeface="Carlito" panose="020F0502020204030204" pitchFamily="34" charset="0"/>
-                <a:cs typeface="Carlito" panose="020F0502020204030204" pitchFamily="34" charset="0"/>
-                <a:sym typeface="Wingdings" panose="05000000000000000000" pitchFamily="2" charset="2"/>
-              </a:rPr>
-              <a:t>contact</a:t>
-            </a:r>
-          </a:p>
-          <a:p>
-            <a:pPr marL="285750" indent="-285750" algn="just">
-              <a:lnSpc>
-                <a:spcPct val="150000"/>
-              </a:lnSpc>
-              <a:buFont typeface="Arial" panose="020B0604020202020204" pitchFamily="34" charset="0"/>
-              <a:buChar char="•"/>
-            </a:pPr>
-            <a:r>
-              <a:rPr lang="fr-FR" sz="3200" dirty="0">
-                <a:latin typeface="Carlito" panose="020F0502020204030204" pitchFamily="34" charset="0"/>
-                <a:cs typeface="Carlito" panose="020F0502020204030204" pitchFamily="34" charset="0"/>
-                <a:sym typeface="Wingdings" panose="05000000000000000000" pitchFamily="2" charset="2"/>
-              </a:rPr>
-              <a:t>Difficultés à l’adaptation de </a:t>
-            </a:r>
-            <a:r>
-              <a:rPr lang="fr-FR" sz="3200" b="1" dirty="0">
-                <a:latin typeface="Carlito" panose="020F0502020204030204" pitchFamily="34" charset="0"/>
-                <a:cs typeface="Carlito" panose="020F0502020204030204" pitchFamily="34" charset="0"/>
-                <a:sym typeface="Wingdings" panose="05000000000000000000" pitchFamily="2" charset="2"/>
-              </a:rPr>
-              <a:t>l’affichage mobile</a:t>
-            </a:r>
-          </a:p>
-        </p:txBody>
-      </p:sp>
-      <p:pic>
-        <p:nvPicPr>
-          <p:cNvPr id="5122" name="Picture 2" descr="Résultat de recherche d'images pour &quot;responsive web design mobile&quot;">
-            <a:extLst>
-              <a:ext uri="{FF2B5EF4-FFF2-40B4-BE49-F238E27FC236}">
-                <a16:creationId xmlns:a16="http://schemas.microsoft.com/office/drawing/2014/main" id="{6C8353E5-E084-43C7-9767-15DC2AB3945E}"/>
-              </a:ext>
-            </a:extLst>
-          </p:cNvPr>
-          <p:cNvPicPr>
-            <a:picLocks noChangeAspect="1" noChangeArrowheads="1"/>
-          </p:cNvPicPr>
-          <p:nvPr/>
-        </p:nvPicPr>
-        <p:blipFill>
-          <a:blip r:embed="rId2">
-            <a:extLst>
-              <a:ext uri="{28A0092B-C50C-407E-A947-70E740481C1C}">
-                <a14:useLocalDpi xmlns:a14="http://schemas.microsoft.com/office/drawing/2010/main" val="0"/>
-              </a:ext>
-            </a:extLst>
-          </a:blip>
-          <a:srcRect/>
-          <a:stretch>
-            <a:fillRect/>
-          </a:stretch>
-        </p:blipFill>
-        <p:spPr bwMode="auto">
-          <a:xfrm>
-            <a:off x="356523" y="3017189"/>
-            <a:ext cx="3293256" cy="2826712"/>
-          </a:xfrm>
-          <a:prstGeom prst="rect">
-            <a:avLst/>
-          </a:prstGeom>
-          <a:noFill/>
-          <a:ln>
-            <a:noFill/>
-          </a:ln>
-          <a:effectLst>
-            <a:outerShdw blurRad="149987" dist="250190" dir="8460000" algn="ctr">
-              <a:srgbClr val="000000">
-                <a:alpha val="28000"/>
-              </a:srgbClr>
-            </a:outerShdw>
-          </a:effectLst>
-          <a:scene3d>
-            <a:camera prst="orthographicFront">
-              <a:rot lat="0" lon="0" rev="0"/>
-            </a:camera>
-            <a:lightRig rig="contrasting" dir="t">
-              <a:rot lat="0" lon="0" rev="1500000"/>
-            </a:lightRig>
-          </a:scene3d>
-          <a:sp3d prstMaterial="metal">
-            <a:bevelT w="88900" h="88900"/>
-          </a:sp3d>
-          <a:extLst>
-            <a:ext uri="{909E8E84-426E-40DD-AFC4-6F175D3DCCD1}">
-              <a14:hiddenFill xmlns:a14="http://schemas.microsoft.com/office/drawing/2010/main">
-                <a:solidFill>
-                  <a:srgbClr val="FFFFFF"/>
-                </a:solidFill>
-              </a14:hiddenFill>
-            </a:ext>
-          </a:extLst>
-        </p:spPr>
-      </p:pic>
-    </p:spTree>
-    <p:extLst>
-      <p:ext uri="{BB962C8B-B14F-4D97-AF65-F5344CB8AC3E}">
-        <p14:creationId xmlns:p14="http://schemas.microsoft.com/office/powerpoint/2010/main" val="1086901217"/>
-      </p:ext>
-    </p:extLst>
-  </p:cSld>
-  <p:clrMapOvr>
-    <a:masterClrMapping/>
-  </p:clrMapOvr>
-</p:sld>
-</file>
-
-<file path=ppt/slides/slide12.xml><?xml version="1.0" encoding="utf-8"?>
-<p:sld xmlns:a="http://schemas.openxmlformats.org/drawingml/2006/main" xmlns:r="http://schemas.openxmlformats.org/officeDocument/2006/relationships" xmlns:p="http://schemas.openxmlformats.org/presentationml/2006/main">
-  <p:cSld>
-    <p:spTree>
-      <p:nvGrpSpPr>
-        <p:cNvPr id="1" name=""/>
-        <p:cNvGrpSpPr/>
-        <p:nvPr/>
-      </p:nvGrpSpPr>
-      <p:grpSpPr>
-        <a:xfrm>
-          <a:off x="0" y="0"/>
-          <a:ext cx="0" cy="0"/>
-          <a:chOff x="0" y="0"/>
-          <a:chExt cx="0" cy="0"/>
-        </a:xfrm>
-      </p:grpSpPr>
-      <p:sp>
-        <p:nvSpPr>
-          <p:cNvPr id="2" name="Espace réservé du numéro de diapositive 1">
-            <a:extLst>
-              <a:ext uri="{FF2B5EF4-FFF2-40B4-BE49-F238E27FC236}">
-                <a16:creationId xmlns:a16="http://schemas.microsoft.com/office/drawing/2014/main" id="{F6B22751-DE39-4E36-8F2E-D8212AAFC625}"/>
-              </a:ext>
-            </a:extLst>
-          </p:cNvPr>
-          <p:cNvSpPr>
-            <a:spLocks noGrp="1"/>
-          </p:cNvSpPr>
-          <p:nvPr>
-            <p:ph type="sldNum" sz="quarter" idx="12"/>
-          </p:nvPr>
-        </p:nvSpPr>
-        <p:spPr/>
-        <p:txBody>
-          <a:bodyPr/>
-          <a:lstStyle/>
-          <a:p>
-            <a:fld id="{D57F1E4F-1CFF-5643-939E-217C01CDF565}" type="slidenum">
-              <a:rPr lang="en-US" smtClean="0"/>
-              <a:pPr/>
-              <a:t>12</a:t>
-            </a:fld>
-            <a:endParaRPr lang="en-US" dirty="0"/>
-          </a:p>
-        </p:txBody>
-      </p:sp>
-      <p:sp>
-        <p:nvSpPr>
-          <p:cNvPr id="3" name="ZoneTexte 2">
-            <a:extLst>
-              <a:ext uri="{FF2B5EF4-FFF2-40B4-BE49-F238E27FC236}">
-                <a16:creationId xmlns:a16="http://schemas.microsoft.com/office/drawing/2014/main" id="{8D795B14-AC4B-4C41-AFE1-D51ED5E2AB52}"/>
-              </a:ext>
-            </a:extLst>
-          </p:cNvPr>
-          <p:cNvSpPr txBox="1"/>
-          <p:nvPr/>
-        </p:nvSpPr>
-        <p:spPr>
-          <a:xfrm>
-            <a:off x="2014407" y="2151727"/>
-            <a:ext cx="8163186" cy="2554545"/>
-          </a:xfrm>
-          <a:prstGeom prst="rect">
-            <a:avLst/>
-          </a:prstGeom>
-          <a:solidFill>
-            <a:schemeClr val="bg2"/>
-          </a:solidFill>
-          <a:ln w="57150">
-            <a:solidFill>
-              <a:schemeClr val="accent1"/>
-            </a:solidFill>
-          </a:ln>
-          <a:effectLst>
-            <a:outerShdw blurRad="50800" dist="38100" dir="2700000" algn="tl" rotWithShape="0">
-              <a:prstClr val="black">
-                <a:alpha val="40000"/>
-              </a:prstClr>
-            </a:outerShdw>
-          </a:effectLst>
-        </p:spPr>
-        <p:style>
-          <a:lnRef idx="2">
-            <a:schemeClr val="accent5"/>
-          </a:lnRef>
-          <a:fillRef idx="1">
-            <a:schemeClr val="lt1"/>
-          </a:fillRef>
-          <a:effectRef idx="0">
-            <a:schemeClr val="accent5"/>
-          </a:effectRef>
-          <a:fontRef idx="minor">
-            <a:schemeClr val="dk1"/>
-          </a:fontRef>
-        </p:style>
-        <p:txBody>
-          <a:bodyPr wrap="square" rtlCol="0">
-            <a:spAutoFit/>
-          </a:bodyPr>
-          <a:lstStyle/>
-          <a:p>
-            <a:pPr algn="ctr"/>
-            <a:r>
-              <a:rPr lang="fr-FR" sz="8000" b="1" dirty="0">
-                <a:solidFill>
-                  <a:schemeClr val="tx1"/>
-                </a:solidFill>
-                <a:latin typeface="Carlito" panose="020F0502020204030204" pitchFamily="34" charset="0"/>
-                <a:cs typeface="Carlito" panose="020F0502020204030204" pitchFamily="34" charset="0"/>
-              </a:rPr>
-              <a:t>3. Présentation du travail en groupe</a:t>
-            </a:r>
-          </a:p>
-        </p:txBody>
-      </p:sp>
-    </p:spTree>
-    <p:extLst>
-      <p:ext uri="{BB962C8B-B14F-4D97-AF65-F5344CB8AC3E}">
-        <p14:creationId xmlns:p14="http://schemas.microsoft.com/office/powerpoint/2010/main" val="2889830260"/>
-      </p:ext>
-    </p:extLst>
-  </p:cSld>
-  <p:clrMapOvr>
-    <a:masterClrMapping/>
-  </p:clrMapOvr>
-</p:sld>
-</file>
-
-<file path=ppt/slides/slide13.xml><?xml version="1.0" encoding="utf-8"?>
-<p:sld xmlns:a="http://schemas.openxmlformats.org/drawingml/2006/main" xmlns:r="http://schemas.openxmlformats.org/officeDocument/2006/relationships" xmlns:p="http://schemas.openxmlformats.org/presentationml/2006/main">
-  <p:cSld>
-    <p:spTree>
-      <p:nvGrpSpPr>
-        <p:cNvPr id="1" name=""/>
-        <p:cNvGrpSpPr/>
-        <p:nvPr/>
-      </p:nvGrpSpPr>
-      <p:grpSpPr>
-        <a:xfrm>
-          <a:off x="0" y="0"/>
-          <a:ext cx="0" cy="0"/>
-          <a:chOff x="0" y="0"/>
-          <a:chExt cx="0" cy="0"/>
-        </a:xfrm>
-      </p:grpSpPr>
-      <p:sp>
-        <p:nvSpPr>
-          <p:cNvPr id="2" name="Espace réservé du numéro de diapositive 1">
-            <a:extLst>
-              <a:ext uri="{FF2B5EF4-FFF2-40B4-BE49-F238E27FC236}">
-                <a16:creationId xmlns:a16="http://schemas.microsoft.com/office/drawing/2014/main" id="{83E82421-B2A4-4A24-829B-DAEE38CCC0CF}"/>
-              </a:ext>
-            </a:extLst>
-          </p:cNvPr>
-          <p:cNvSpPr>
-            <a:spLocks noGrp="1"/>
-          </p:cNvSpPr>
-          <p:nvPr>
-            <p:ph type="sldNum" sz="quarter" idx="12"/>
-          </p:nvPr>
-        </p:nvSpPr>
-        <p:spPr/>
-        <p:txBody>
-          <a:bodyPr/>
-          <a:lstStyle/>
-          <a:p>
-            <a:fld id="{D57F1E4F-1CFF-5643-939E-217C01CDF565}" type="slidenum">
-              <a:rPr lang="en-US" smtClean="0"/>
-              <a:pPr/>
-              <a:t>13</a:t>
-            </a:fld>
-            <a:endParaRPr lang="en-US" dirty="0"/>
-          </a:p>
-        </p:txBody>
-      </p:sp>
-      <p:sp>
-        <p:nvSpPr>
-          <p:cNvPr id="3" name="ZoneTexte 2">
-            <a:extLst>
-              <a:ext uri="{FF2B5EF4-FFF2-40B4-BE49-F238E27FC236}">
-                <a16:creationId xmlns:a16="http://schemas.microsoft.com/office/drawing/2014/main" id="{A37DC3C0-72D2-4D16-9E52-0B78687F679F}"/>
-              </a:ext>
-            </a:extLst>
-          </p:cNvPr>
-          <p:cNvSpPr txBox="1"/>
-          <p:nvPr/>
-        </p:nvSpPr>
-        <p:spPr>
-          <a:xfrm>
-            <a:off x="3204020" y="2644170"/>
-            <a:ext cx="5783959" cy="1569660"/>
-          </a:xfrm>
-          <a:prstGeom prst="rect">
-            <a:avLst/>
-          </a:prstGeom>
-          <a:solidFill>
-            <a:schemeClr val="bg2"/>
-          </a:solidFill>
-          <a:ln w="57150">
-            <a:solidFill>
-              <a:schemeClr val="accent1"/>
-            </a:solidFill>
-          </a:ln>
-          <a:effectLst>
-            <a:outerShdw blurRad="50800" dist="38100" dir="2700000" algn="tl" rotWithShape="0">
-              <a:prstClr val="black">
-                <a:alpha val="40000"/>
-              </a:prstClr>
-            </a:outerShdw>
-          </a:effectLst>
-        </p:spPr>
-        <p:style>
-          <a:lnRef idx="2">
-            <a:schemeClr val="accent5"/>
-          </a:lnRef>
-          <a:fillRef idx="1">
-            <a:schemeClr val="lt1"/>
-          </a:fillRef>
-          <a:effectRef idx="0">
-            <a:schemeClr val="accent5"/>
-          </a:effectRef>
-          <a:fontRef idx="minor">
-            <a:schemeClr val="dk1"/>
-          </a:fontRef>
-        </p:style>
-        <p:txBody>
-          <a:bodyPr wrap="square" rtlCol="0">
-            <a:spAutoFit/>
-          </a:bodyPr>
-          <a:lstStyle/>
-          <a:p>
-            <a:r>
-              <a:rPr lang="fr-FR" sz="9600" b="1" dirty="0">
-                <a:solidFill>
-                  <a:schemeClr val="tx1"/>
-                </a:solidFill>
-                <a:latin typeface="Carlito" panose="020F0502020204030204" pitchFamily="34" charset="0"/>
-                <a:cs typeface="Carlito" panose="020F0502020204030204" pitchFamily="34" charset="0"/>
-              </a:rPr>
-              <a:t>Conclusion</a:t>
-            </a:r>
-          </a:p>
-        </p:txBody>
-      </p:sp>
-    </p:spTree>
-    <p:extLst>
-      <p:ext uri="{BB962C8B-B14F-4D97-AF65-F5344CB8AC3E}">
-        <p14:creationId xmlns:p14="http://schemas.microsoft.com/office/powerpoint/2010/main" val="3065396099"/>
-      </p:ext>
-    </p:extLst>
-  </p:cSld>
-  <p:clrMapOvr>
-    <a:masterClrMapping/>
-  </p:clrMapOvr>
-</p:sld>
-</file>
-
-<file path=ppt/slides/slide2.xml><?xml version="1.0" encoding="utf-8"?>
-<p:sld xmlns:a="http://schemas.openxmlformats.org/drawingml/2006/main" xmlns:r="http://schemas.openxmlformats.org/officeDocument/2006/relationships" xmlns:p="http://schemas.openxmlformats.org/presentationml/2006/main">
-  <p:cSld>
-    <p:spTree>
-      <p:nvGrpSpPr>
-        <p:cNvPr id="1" name=""/>
-        <p:cNvGrpSpPr/>
-        <p:nvPr/>
-      </p:nvGrpSpPr>
-      <p:grpSpPr>
-        <a:xfrm>
-          <a:off x="0" y="0"/>
-          <a:ext cx="0" cy="0"/>
-          <a:chOff x="0" y="0"/>
-          <a:chExt cx="0" cy="0"/>
-        </a:xfrm>
-      </p:grpSpPr>
-      <p:sp>
-        <p:nvSpPr>
-          <p:cNvPr id="2" name="Espace réservé du numéro de diapositive 1">
-            <a:extLst>
-              <a:ext uri="{FF2B5EF4-FFF2-40B4-BE49-F238E27FC236}">
-                <a16:creationId xmlns:a16="http://schemas.microsoft.com/office/drawing/2014/main" id="{C5A40177-7E09-4661-A941-5BCD9E49DAB1}"/>
-              </a:ext>
-            </a:extLst>
-          </p:cNvPr>
-          <p:cNvSpPr>
-            <a:spLocks noGrp="1"/>
-          </p:cNvSpPr>
-          <p:nvPr>
-            <p:ph type="sldNum" sz="quarter" idx="12"/>
-          </p:nvPr>
-        </p:nvSpPr>
-        <p:spPr/>
-        <p:txBody>
-          <a:bodyPr/>
-          <a:lstStyle/>
-          <a:p>
-            <a:fld id="{D57F1E4F-1CFF-5643-939E-217C01CDF565}" type="slidenum">
-              <a:rPr lang="en-US" smtClean="0"/>
-              <a:pPr/>
-              <a:t>2</a:t>
-            </a:fld>
-            <a:endParaRPr lang="en-US" dirty="0"/>
-          </a:p>
-        </p:txBody>
-      </p:sp>
-      <p:sp>
-        <p:nvSpPr>
-          <p:cNvPr id="4" name="ZoneTexte 3">
-            <a:extLst>
-              <a:ext uri="{FF2B5EF4-FFF2-40B4-BE49-F238E27FC236}">
-                <a16:creationId xmlns:a16="http://schemas.microsoft.com/office/drawing/2014/main" id="{985475ED-1545-4132-953E-993A68107A7A}"/>
-              </a:ext>
-            </a:extLst>
-          </p:cNvPr>
-          <p:cNvSpPr txBox="1"/>
-          <p:nvPr/>
-        </p:nvSpPr>
-        <p:spPr>
-          <a:xfrm>
-            <a:off x="4053475" y="184506"/>
-            <a:ext cx="4085050" cy="1200329"/>
-          </a:xfrm>
-          <a:prstGeom prst="rect">
-            <a:avLst/>
-          </a:prstGeom>
-          <a:solidFill>
-            <a:schemeClr val="bg2"/>
-          </a:solidFill>
-          <a:ln w="57150">
-            <a:solidFill>
-              <a:schemeClr val="accent1"/>
-            </a:solidFill>
-          </a:ln>
-          <a:effectLst>
-            <a:outerShdw blurRad="50800" dist="38100" dir="2700000" algn="tl" rotWithShape="0">
-              <a:prstClr val="black">
-                <a:alpha val="40000"/>
-              </a:prstClr>
-            </a:outerShdw>
-          </a:effectLst>
-        </p:spPr>
-        <p:style>
-          <a:lnRef idx="2">
-            <a:schemeClr val="accent5"/>
-          </a:lnRef>
-          <a:fillRef idx="1">
-            <a:schemeClr val="lt1"/>
-          </a:fillRef>
-          <a:effectRef idx="0">
-            <a:schemeClr val="accent5"/>
-          </a:effectRef>
-          <a:fontRef idx="minor">
-            <a:schemeClr val="dk1"/>
-          </a:fontRef>
-        </p:style>
-        <p:txBody>
-          <a:bodyPr wrap="square" rtlCol="0">
-            <a:spAutoFit/>
-          </a:bodyPr>
-          <a:lstStyle/>
-          <a:p>
-            <a:r>
-              <a:rPr lang="fr-FR" sz="7200" b="1" dirty="0">
-                <a:solidFill>
-                  <a:schemeClr val="tx1"/>
-                </a:solidFill>
-                <a:latin typeface="Carlito" panose="020F0502020204030204" pitchFamily="34" charset="0"/>
-                <a:cs typeface="Carlito" panose="020F0502020204030204" pitchFamily="34" charset="0"/>
-              </a:rPr>
-              <a:t>Sommaire</a:t>
-            </a:r>
-          </a:p>
-        </p:txBody>
-      </p:sp>
-      <p:sp>
-        <p:nvSpPr>
-          <p:cNvPr id="5" name="ZoneTexte 4">
-            <a:extLst>
-              <a:ext uri="{FF2B5EF4-FFF2-40B4-BE49-F238E27FC236}">
-                <a16:creationId xmlns:a16="http://schemas.microsoft.com/office/drawing/2014/main" id="{19BC6A17-D550-489A-A3F5-B1E63805399B}"/>
-              </a:ext>
-            </a:extLst>
-          </p:cNvPr>
-          <p:cNvSpPr txBox="1"/>
-          <p:nvPr/>
-        </p:nvSpPr>
-        <p:spPr>
-          <a:xfrm>
-            <a:off x="1341464" y="1384835"/>
-            <a:ext cx="9509071" cy="5473165"/>
-          </a:xfrm>
-          <a:prstGeom prst="rect">
-            <a:avLst/>
-          </a:prstGeom>
-          <a:noFill/>
-        </p:spPr>
-        <p:txBody>
-          <a:bodyPr wrap="square" rtlCol="0">
-            <a:spAutoFit/>
-          </a:bodyPr>
-          <a:lstStyle/>
-          <a:p>
-            <a:pPr algn="ctr">
-              <a:lnSpc>
-                <a:spcPct val="150000"/>
-              </a:lnSpc>
-            </a:pPr>
-            <a:r>
-              <a:rPr lang="fr-FR" sz="2400" b="1" dirty="0">
-                <a:latin typeface="Carlito" panose="020F0502020204030204" pitchFamily="34" charset="0"/>
-                <a:cs typeface="Carlito" panose="020F0502020204030204" pitchFamily="34" charset="0"/>
-              </a:rPr>
-              <a:t>Introduction</a:t>
-            </a:r>
-          </a:p>
-          <a:p>
-            <a:pPr marL="457200" indent="-457200" algn="ctr">
-              <a:lnSpc>
-                <a:spcPct val="150000"/>
-              </a:lnSpc>
-              <a:buAutoNum type="arabicPeriod"/>
-            </a:pPr>
-            <a:r>
-              <a:rPr lang="fr-FR" sz="2400" b="1" dirty="0">
-                <a:latin typeface="Carlito" panose="020F0502020204030204" pitchFamily="34" charset="0"/>
-                <a:cs typeface="Carlito" panose="020F0502020204030204" pitchFamily="34" charset="0"/>
-              </a:rPr>
-              <a:t>Partie économique et juridique</a:t>
-            </a:r>
-          </a:p>
-          <a:p>
-            <a:pPr algn="ctr">
-              <a:lnSpc>
-                <a:spcPct val="150000"/>
-              </a:lnSpc>
-            </a:pPr>
-            <a:r>
-              <a:rPr lang="fr-FR" sz="1600" dirty="0">
-                <a:solidFill>
-                  <a:schemeClr val="bg2">
-                    <a:lumMod val="50000"/>
-                    <a:lumOff val="50000"/>
-                  </a:schemeClr>
-                </a:solidFill>
-                <a:latin typeface="Carlito" panose="020F0502020204030204" pitchFamily="34" charset="0"/>
-                <a:cs typeface="Carlito" panose="020F0502020204030204" pitchFamily="34" charset="0"/>
-              </a:rPr>
-              <a:t>1.1. Un empire boursier</a:t>
-            </a:r>
-          </a:p>
-          <a:p>
-            <a:pPr algn="ctr">
-              <a:lnSpc>
-                <a:spcPct val="150000"/>
-              </a:lnSpc>
-            </a:pPr>
-            <a:r>
-              <a:rPr lang="fr-FR" sz="1600" dirty="0">
-                <a:solidFill>
-                  <a:schemeClr val="bg2">
-                    <a:lumMod val="50000"/>
-                    <a:lumOff val="50000"/>
-                  </a:schemeClr>
-                </a:solidFill>
-                <a:latin typeface="Carlito" panose="020F0502020204030204" pitchFamily="34" charset="0"/>
-                <a:cs typeface="Carlito" panose="020F0502020204030204" pitchFamily="34" charset="0"/>
-              </a:rPr>
-              <a:t>1.2. Une société à modèle hybride</a:t>
-            </a:r>
-          </a:p>
-          <a:p>
-            <a:pPr algn="ctr">
-              <a:lnSpc>
-                <a:spcPct val="150000"/>
-              </a:lnSpc>
-            </a:pPr>
-            <a:r>
-              <a:rPr lang="fr-FR" sz="2400" b="1" dirty="0">
-                <a:latin typeface="Carlito" panose="020F0502020204030204" pitchFamily="34" charset="0"/>
-                <a:cs typeface="Carlito" panose="020F0502020204030204" pitchFamily="34" charset="0"/>
-              </a:rPr>
-              <a:t>2. Présentation détaillée du site Web</a:t>
-            </a:r>
-          </a:p>
-          <a:p>
-            <a:pPr algn="ctr">
-              <a:lnSpc>
-                <a:spcPct val="150000"/>
-              </a:lnSpc>
-            </a:pPr>
-            <a:r>
-              <a:rPr lang="fr-FR" sz="1600" dirty="0">
-                <a:solidFill>
-                  <a:schemeClr val="bg2">
-                    <a:lumMod val="50000"/>
-                    <a:lumOff val="50000"/>
-                  </a:schemeClr>
-                </a:solidFill>
-                <a:latin typeface="Carlito" panose="020F0502020204030204" pitchFamily="34" charset="0"/>
-                <a:cs typeface="Carlito" panose="020F0502020204030204" pitchFamily="34" charset="0"/>
-              </a:rPr>
-              <a:t>2.1. Les principales fonctionnalités</a:t>
-            </a:r>
-          </a:p>
-          <a:p>
-            <a:pPr algn="ctr">
-              <a:lnSpc>
-                <a:spcPct val="150000"/>
-              </a:lnSpc>
-            </a:pPr>
-            <a:r>
-              <a:rPr lang="fr-FR" sz="1600" dirty="0">
-                <a:solidFill>
-                  <a:schemeClr val="bg2">
-                    <a:lumMod val="50000"/>
-                    <a:lumOff val="50000"/>
-                  </a:schemeClr>
-                </a:solidFill>
-                <a:latin typeface="Carlito" panose="020F0502020204030204" pitchFamily="34" charset="0"/>
-                <a:cs typeface="Carlito" panose="020F0502020204030204" pitchFamily="34" charset="0"/>
-              </a:rPr>
-              <a:t>2.2. Choix esthétiques</a:t>
-            </a:r>
-          </a:p>
-          <a:p>
-            <a:pPr algn="ctr">
-              <a:lnSpc>
-                <a:spcPct val="150000"/>
-              </a:lnSpc>
-            </a:pPr>
-            <a:r>
-              <a:rPr lang="fr-FR" sz="1600" dirty="0">
-                <a:solidFill>
-                  <a:schemeClr val="bg2">
-                    <a:lumMod val="50000"/>
-                    <a:lumOff val="50000"/>
-                  </a:schemeClr>
-                </a:solidFill>
-                <a:latin typeface="Carlito" panose="020F0502020204030204" pitchFamily="34" charset="0"/>
-                <a:cs typeface="Carlito" panose="020F0502020204030204" pitchFamily="34" charset="0"/>
-              </a:rPr>
-              <a:t>2.3. Des contraintes techniques</a:t>
-            </a:r>
-          </a:p>
-          <a:p>
-            <a:pPr algn="ctr">
-              <a:lnSpc>
-                <a:spcPct val="150000"/>
-              </a:lnSpc>
-            </a:pPr>
-            <a:r>
-              <a:rPr lang="fr-FR" sz="2400" b="1" dirty="0">
-                <a:latin typeface="Carlito" panose="020F0502020204030204" pitchFamily="34" charset="0"/>
-                <a:cs typeface="Carlito" panose="020F0502020204030204" pitchFamily="34" charset="0"/>
-              </a:rPr>
-              <a:t>3. Présentation du travail en groupe</a:t>
-            </a:r>
-          </a:p>
-          <a:p>
-            <a:pPr algn="ctr">
-              <a:lnSpc>
-                <a:spcPct val="150000"/>
-              </a:lnSpc>
-            </a:pPr>
-            <a:r>
-              <a:rPr lang="fr-FR" sz="1600" dirty="0">
-                <a:solidFill>
-                  <a:schemeClr val="bg2">
-                    <a:lumMod val="50000"/>
-                    <a:lumOff val="50000"/>
-                  </a:schemeClr>
-                </a:solidFill>
-                <a:latin typeface="Carlito" panose="020F0502020204030204" pitchFamily="34" charset="0"/>
-                <a:cs typeface="Carlito" panose="020F0502020204030204" pitchFamily="34" charset="0"/>
-              </a:rPr>
-              <a:t>3.1. Production</a:t>
-            </a:r>
-          </a:p>
-          <a:p>
-            <a:pPr algn="ctr">
-              <a:lnSpc>
-                <a:spcPct val="150000"/>
-              </a:lnSpc>
-            </a:pPr>
-            <a:r>
-              <a:rPr lang="fr-FR" sz="1600" dirty="0">
-                <a:solidFill>
-                  <a:schemeClr val="bg2">
-                    <a:lumMod val="50000"/>
-                    <a:lumOff val="50000"/>
-                  </a:schemeClr>
-                </a:solidFill>
-                <a:latin typeface="Carlito" panose="020F0502020204030204" pitchFamily="34" charset="0"/>
-                <a:cs typeface="Carlito" panose="020F0502020204030204" pitchFamily="34" charset="0"/>
-              </a:rPr>
-              <a:t>3.2. Méthodes de travail</a:t>
-            </a:r>
-          </a:p>
-          <a:p>
-            <a:pPr algn="ctr">
-              <a:lnSpc>
-                <a:spcPct val="150000"/>
-              </a:lnSpc>
-            </a:pPr>
-            <a:r>
-              <a:rPr lang="fr-FR" sz="2800" b="1" dirty="0">
-                <a:latin typeface="Carlito" panose="020F0502020204030204" pitchFamily="34" charset="0"/>
-                <a:cs typeface="Carlito" panose="020F0502020204030204" pitchFamily="34" charset="0"/>
-              </a:rPr>
-              <a:t>Conclusion</a:t>
-            </a:r>
-          </a:p>
-        </p:txBody>
-      </p:sp>
-    </p:spTree>
-    <p:extLst>
-      <p:ext uri="{BB962C8B-B14F-4D97-AF65-F5344CB8AC3E}">
-        <p14:creationId xmlns:p14="http://schemas.microsoft.com/office/powerpoint/2010/main" val="2545978963"/>
-      </p:ext>
-    </p:extLst>
-  </p:cSld>
-  <p:clrMapOvr>
-    <a:masterClrMapping/>
-  </p:clrMapOvr>
-</p:sld>
-</file>
-
-<file path=ppt/slides/slide3.xml><?xml version="1.0" encoding="utf-8"?>
-<p:sld xmlns:a="http://schemas.openxmlformats.org/drawingml/2006/main" xmlns:r="http://schemas.openxmlformats.org/officeDocument/2006/relationships" xmlns:p="http://schemas.openxmlformats.org/presentationml/2006/main">
-  <p:cSld>
-    <p:spTree>
-      <p:nvGrpSpPr>
-        <p:cNvPr id="1" name=""/>
-        <p:cNvGrpSpPr/>
-        <p:nvPr/>
-      </p:nvGrpSpPr>
-      <p:grpSpPr>
-        <a:xfrm>
-          <a:off x="0" y="0"/>
-          <a:ext cx="0" cy="0"/>
-          <a:chOff x="0" y="0"/>
-          <a:chExt cx="0" cy="0"/>
-        </a:xfrm>
-      </p:grpSpPr>
-      <p:sp>
-        <p:nvSpPr>
-          <p:cNvPr id="2" name="Espace réservé du numéro de diapositive 1">
-            <a:extLst>
-              <a:ext uri="{FF2B5EF4-FFF2-40B4-BE49-F238E27FC236}">
-                <a16:creationId xmlns:a16="http://schemas.microsoft.com/office/drawing/2014/main" id="{ECB7C1FC-F537-4FC5-A43D-8C01CA177145}"/>
-              </a:ext>
-            </a:extLst>
-          </p:cNvPr>
-          <p:cNvSpPr>
-            <a:spLocks noGrp="1"/>
-          </p:cNvSpPr>
-          <p:nvPr>
-            <p:ph type="sldNum" sz="quarter" idx="12"/>
-          </p:nvPr>
-        </p:nvSpPr>
-        <p:spPr/>
-        <p:txBody>
-          <a:bodyPr/>
-          <a:lstStyle/>
-          <a:p>
-            <a:fld id="{D57F1E4F-1CFF-5643-939E-217C01CDF565}" type="slidenum">
-              <a:rPr lang="en-US" smtClean="0"/>
-              <a:pPr/>
-              <a:t>3</a:t>
-            </a:fld>
-            <a:endParaRPr lang="en-US" dirty="0"/>
-          </a:p>
-        </p:txBody>
-      </p:sp>
-      <p:sp>
-        <p:nvSpPr>
-          <p:cNvPr id="3" name="ZoneTexte 2">
-            <a:extLst>
-              <a:ext uri="{FF2B5EF4-FFF2-40B4-BE49-F238E27FC236}">
-                <a16:creationId xmlns:a16="http://schemas.microsoft.com/office/drawing/2014/main" id="{0B8BC6AA-FBD5-42A5-B2D0-8ED881C0DE67}"/>
-              </a:ext>
-            </a:extLst>
-          </p:cNvPr>
-          <p:cNvSpPr txBox="1"/>
-          <p:nvPr/>
-        </p:nvSpPr>
-        <p:spPr>
-          <a:xfrm>
-            <a:off x="2783571" y="2644170"/>
-            <a:ext cx="6624857" cy="1569660"/>
-          </a:xfrm>
-          <a:prstGeom prst="rect">
-            <a:avLst/>
-          </a:prstGeom>
-          <a:solidFill>
-            <a:schemeClr val="bg2"/>
-          </a:solidFill>
-          <a:ln w="57150">
-            <a:solidFill>
-              <a:schemeClr val="accent1"/>
-            </a:solidFill>
-          </a:ln>
-          <a:effectLst>
-            <a:outerShdw blurRad="50800" dist="38100" dir="2700000" algn="tl" rotWithShape="0">
-              <a:prstClr val="black">
-                <a:alpha val="40000"/>
-              </a:prstClr>
-            </a:outerShdw>
-          </a:effectLst>
-        </p:spPr>
-        <p:style>
-          <a:lnRef idx="2">
-            <a:schemeClr val="accent5"/>
-          </a:lnRef>
-          <a:fillRef idx="1">
-            <a:schemeClr val="lt1"/>
-          </a:fillRef>
-          <a:effectRef idx="0">
-            <a:schemeClr val="accent5"/>
-          </a:effectRef>
-          <a:fontRef idx="minor">
-            <a:schemeClr val="dk1"/>
-          </a:fontRef>
-        </p:style>
-        <p:txBody>
-          <a:bodyPr wrap="square" rtlCol="0">
-            <a:spAutoFit/>
-          </a:bodyPr>
-          <a:lstStyle/>
-          <a:p>
-            <a:r>
-              <a:rPr lang="fr-FR" sz="9600" b="1" dirty="0">
-                <a:solidFill>
-                  <a:schemeClr val="tx1"/>
-                </a:solidFill>
-                <a:latin typeface="Carlito" panose="020F0502020204030204" pitchFamily="34" charset="0"/>
-                <a:cs typeface="Carlito" panose="020F0502020204030204" pitchFamily="34" charset="0"/>
-              </a:rPr>
-              <a:t>Introduction</a:t>
-            </a:r>
-          </a:p>
-        </p:txBody>
-      </p:sp>
-    </p:spTree>
-    <p:extLst>
-      <p:ext uri="{BB962C8B-B14F-4D97-AF65-F5344CB8AC3E}">
-        <p14:creationId xmlns:p14="http://schemas.microsoft.com/office/powerpoint/2010/main" val="1225979463"/>
-      </p:ext>
-    </p:extLst>
-  </p:cSld>
-  <p:clrMapOvr>
-    <a:masterClrMapping/>
-  </p:clrMapOvr>
-</p:sld>
-</file>
-
-<file path=ppt/slides/slide4.xml><?xml version="1.0" encoding="utf-8"?>
-<p:sld xmlns:a="http://schemas.openxmlformats.org/drawingml/2006/main" xmlns:r="http://schemas.openxmlformats.org/officeDocument/2006/relationships" xmlns:p="http://schemas.openxmlformats.org/presentationml/2006/main">
-  <p:cSld>
-    <p:spTree>
-      <p:nvGrpSpPr>
-        <p:cNvPr id="1" name=""/>
-        <p:cNvGrpSpPr/>
-        <p:nvPr/>
-      </p:nvGrpSpPr>
-      <p:grpSpPr>
-        <a:xfrm>
-          <a:off x="0" y="0"/>
-          <a:ext cx="0" cy="0"/>
-          <a:chOff x="0" y="0"/>
-          <a:chExt cx="0" cy="0"/>
-        </a:xfrm>
-      </p:grpSpPr>
-      <p:sp>
-        <p:nvSpPr>
-          <p:cNvPr id="3" name="Espace réservé du numéro de diapositive 2">
-            <a:extLst>
-              <a:ext uri="{FF2B5EF4-FFF2-40B4-BE49-F238E27FC236}">
-                <a16:creationId xmlns:a16="http://schemas.microsoft.com/office/drawing/2014/main" id="{219B6A53-2092-44FB-A0C4-A9CC51BB2A7A}"/>
-              </a:ext>
-            </a:extLst>
-          </p:cNvPr>
-          <p:cNvSpPr>
-            <a:spLocks noGrp="1"/>
-          </p:cNvSpPr>
-          <p:nvPr>
-            <p:ph type="sldNum" sz="quarter" idx="12"/>
-          </p:nvPr>
-        </p:nvSpPr>
-        <p:spPr/>
-        <p:txBody>
-          <a:bodyPr/>
-          <a:lstStyle/>
-          <a:p>
-            <a:fld id="{D57F1E4F-1CFF-5643-939E-217C01CDF565}" type="slidenum">
-              <a:rPr lang="en-US" smtClean="0"/>
-              <a:pPr/>
-              <a:t>4</a:t>
-            </a:fld>
-            <a:endParaRPr lang="en-US" dirty="0"/>
-          </a:p>
-        </p:txBody>
-      </p:sp>
-      <p:sp>
-        <p:nvSpPr>
-          <p:cNvPr id="4" name="ZoneTexte 3">
-            <a:extLst>
-              <a:ext uri="{FF2B5EF4-FFF2-40B4-BE49-F238E27FC236}">
-                <a16:creationId xmlns:a16="http://schemas.microsoft.com/office/drawing/2014/main" id="{55EE5DFD-1306-4FFC-AB25-74E7B7874382}"/>
-              </a:ext>
-            </a:extLst>
-          </p:cNvPr>
-          <p:cNvSpPr txBox="1"/>
-          <p:nvPr/>
-        </p:nvSpPr>
-        <p:spPr>
-          <a:xfrm>
-            <a:off x="451514" y="434280"/>
-            <a:ext cx="4154125" cy="1015663"/>
-          </a:xfrm>
-          <a:prstGeom prst="rect">
-            <a:avLst/>
-          </a:prstGeom>
-          <a:noFill/>
-          <a:ln w="57150">
-            <a:solidFill>
-              <a:schemeClr val="tx1"/>
-            </a:solidFill>
-          </a:ln>
-          <a:effectLst>
-            <a:outerShdw blurRad="50800" dist="38100" dir="2700000" algn="tl" rotWithShape="0">
-              <a:prstClr val="black">
-                <a:alpha val="40000"/>
-              </a:prstClr>
-            </a:outerShdw>
-          </a:effectLst>
-        </p:spPr>
-        <p:style>
-          <a:lnRef idx="2">
-            <a:schemeClr val="accent5"/>
-          </a:lnRef>
-          <a:fillRef idx="1">
-            <a:schemeClr val="lt1"/>
-          </a:fillRef>
-          <a:effectRef idx="0">
-            <a:schemeClr val="accent5"/>
-          </a:effectRef>
-          <a:fontRef idx="minor">
-            <a:schemeClr val="dk1"/>
-          </a:fontRef>
-        </p:style>
-        <p:txBody>
-          <a:bodyPr wrap="square" rtlCol="0">
-            <a:spAutoFit/>
-          </a:bodyPr>
-          <a:lstStyle/>
-          <a:p>
-            <a:r>
-              <a:rPr lang="fr-FR" sz="6000" b="1" dirty="0">
-                <a:solidFill>
-                  <a:schemeClr val="bg1"/>
-                </a:solidFill>
-                <a:latin typeface="Carlito" panose="020F0502020204030204" pitchFamily="34" charset="0"/>
-                <a:cs typeface="Carlito" panose="020F0502020204030204" pitchFamily="34" charset="0"/>
-              </a:rPr>
-              <a:t>Introduction</a:t>
-            </a:r>
-          </a:p>
-        </p:txBody>
-      </p:sp>
-      <p:sp>
-        <p:nvSpPr>
-          <p:cNvPr id="6" name="ZoneTexte 5">
-            <a:extLst>
-              <a:ext uri="{FF2B5EF4-FFF2-40B4-BE49-F238E27FC236}">
-                <a16:creationId xmlns:a16="http://schemas.microsoft.com/office/drawing/2014/main" id="{EC0750BC-E3DE-4761-BA95-CB7249255335}"/>
-              </a:ext>
-            </a:extLst>
-          </p:cNvPr>
-          <p:cNvSpPr txBox="1"/>
-          <p:nvPr/>
-        </p:nvSpPr>
-        <p:spPr>
-          <a:xfrm>
-            <a:off x="155019" y="2339727"/>
-            <a:ext cx="8513726" cy="4175759"/>
-          </a:xfrm>
-          <a:prstGeom prst="rect">
-            <a:avLst/>
-          </a:prstGeom>
-          <a:noFill/>
-        </p:spPr>
-        <p:txBody>
-          <a:bodyPr wrap="square" rtlCol="0">
-            <a:spAutoFit/>
-          </a:bodyPr>
-          <a:lstStyle/>
-          <a:p>
-            <a:pPr marL="285750" indent="-285750" algn="just">
-              <a:lnSpc>
-                <a:spcPct val="150000"/>
-              </a:lnSpc>
-              <a:buFont typeface="Arial" panose="020B0604020202020204" pitchFamily="34" charset="0"/>
-              <a:buChar char="•"/>
-            </a:pPr>
-            <a:r>
-              <a:rPr lang="fr-FR" sz="3000" b="1" dirty="0">
-                <a:latin typeface="Carlito" panose="020F0502020204030204" pitchFamily="34" charset="0"/>
-                <a:cs typeface="Carlito" panose="020F0502020204030204" pitchFamily="34" charset="0"/>
-              </a:rPr>
-              <a:t>Important</a:t>
-            </a:r>
-            <a:r>
-              <a:rPr lang="fr-FR" sz="3000" dirty="0">
-                <a:latin typeface="Carlito" panose="020F0502020204030204" pitchFamily="34" charset="0"/>
-                <a:cs typeface="Carlito" panose="020F0502020204030204" pitchFamily="34" charset="0"/>
-              </a:rPr>
-              <a:t> développeur, éditeur et distributeur de </a:t>
-            </a:r>
-            <a:r>
-              <a:rPr lang="fr-FR" sz="3000" b="1" dirty="0">
-                <a:latin typeface="Carlito" panose="020F0502020204030204" pitchFamily="34" charset="0"/>
-                <a:cs typeface="Carlito" panose="020F0502020204030204" pitchFamily="34" charset="0"/>
-              </a:rPr>
-              <a:t>jeux vidéo</a:t>
-            </a:r>
-          </a:p>
-          <a:p>
-            <a:pPr marL="285750" indent="-285750" algn="just">
-              <a:lnSpc>
-                <a:spcPct val="150000"/>
-              </a:lnSpc>
-              <a:buFont typeface="Arial" panose="020B0604020202020204" pitchFamily="34" charset="0"/>
-              <a:buChar char="•"/>
-            </a:pPr>
-            <a:r>
-              <a:rPr lang="fr-FR" sz="3000" dirty="0">
-                <a:latin typeface="Carlito" panose="020F0502020204030204" pitchFamily="34" charset="0"/>
-                <a:cs typeface="Carlito" panose="020F0502020204030204" pitchFamily="34" charset="0"/>
-              </a:rPr>
-              <a:t>Siège social à </a:t>
-            </a:r>
-            <a:r>
-              <a:rPr lang="fr-FR" sz="3000" b="1" dirty="0">
-                <a:latin typeface="Carlito" panose="020F0502020204030204" pitchFamily="34" charset="0"/>
-                <a:cs typeface="Carlito" panose="020F0502020204030204" pitchFamily="34" charset="0"/>
-              </a:rPr>
-              <a:t>New York</a:t>
-            </a:r>
-          </a:p>
-          <a:p>
-            <a:pPr marL="285750" indent="-285750" algn="just">
-              <a:lnSpc>
-                <a:spcPct val="150000"/>
-              </a:lnSpc>
-              <a:buFont typeface="Arial" panose="020B0604020202020204" pitchFamily="34" charset="0"/>
-              <a:buChar char="•"/>
-            </a:pPr>
-            <a:r>
-              <a:rPr lang="fr-FR" sz="3000" dirty="0">
-                <a:latin typeface="Carlito" panose="020F0502020204030204" pitchFamily="34" charset="0"/>
-                <a:cs typeface="Carlito" panose="020F0502020204030204" pitchFamily="34" charset="0"/>
-              </a:rPr>
-              <a:t>Produits développés et publiés par </a:t>
-            </a:r>
-            <a:r>
-              <a:rPr lang="fr-FR" sz="3000" b="1" dirty="0">
-                <a:latin typeface="Carlito" panose="020F0502020204030204" pitchFamily="34" charset="0"/>
-                <a:cs typeface="Carlito" panose="020F0502020204030204" pitchFamily="34" charset="0"/>
-              </a:rPr>
-              <a:t>Rockstar Games</a:t>
-            </a:r>
-            <a:r>
-              <a:rPr lang="fr-FR" sz="3000" dirty="0">
-                <a:latin typeface="Carlito" panose="020F0502020204030204" pitchFamily="34" charset="0"/>
-                <a:cs typeface="Carlito" panose="020F0502020204030204" pitchFamily="34" charset="0"/>
-              </a:rPr>
-              <a:t> et </a:t>
-            </a:r>
-            <a:r>
-              <a:rPr lang="fr-FR" sz="3000" b="1" dirty="0">
-                <a:latin typeface="Carlito" panose="020F0502020204030204" pitchFamily="34" charset="0"/>
-                <a:cs typeface="Carlito" panose="020F0502020204030204" pitchFamily="34" charset="0"/>
-              </a:rPr>
-              <a:t>2K</a:t>
-            </a:r>
-          </a:p>
-          <a:p>
-            <a:pPr marL="285750" indent="-285750" algn="just">
-              <a:lnSpc>
-                <a:spcPct val="150000"/>
-              </a:lnSpc>
-              <a:buFont typeface="Arial" panose="020B0604020202020204" pitchFamily="34" charset="0"/>
-              <a:buChar char="•"/>
-            </a:pPr>
-            <a:r>
-              <a:rPr lang="fr-FR" sz="3000" dirty="0">
-                <a:latin typeface="Carlito" panose="020F0502020204030204" pitchFamily="34" charset="0"/>
-                <a:cs typeface="Carlito" panose="020F0502020204030204" pitchFamily="34" charset="0"/>
-                <a:sym typeface="Wingdings" panose="05000000000000000000" pitchFamily="2" charset="2"/>
-              </a:rPr>
-              <a:t>Président et chef de la direction : </a:t>
-            </a:r>
-            <a:r>
-              <a:rPr lang="fr-FR" sz="3000" b="1" dirty="0">
-                <a:latin typeface="Carlito" panose="020F0502020204030204" pitchFamily="34" charset="0"/>
-                <a:cs typeface="Carlito" panose="020F0502020204030204" pitchFamily="34" charset="0"/>
-                <a:sym typeface="Wingdings" panose="05000000000000000000" pitchFamily="2" charset="2"/>
-              </a:rPr>
-              <a:t>Strauss Zelnick</a:t>
-            </a:r>
-          </a:p>
-        </p:txBody>
-      </p:sp>
-      <p:sp>
-        <p:nvSpPr>
-          <p:cNvPr id="7" name="ZoneTexte 6">
-            <a:extLst>
-              <a:ext uri="{FF2B5EF4-FFF2-40B4-BE49-F238E27FC236}">
-                <a16:creationId xmlns:a16="http://schemas.microsoft.com/office/drawing/2014/main" id="{13A1B4F1-FD07-4FE0-A1ED-B4A2936FDB78}"/>
-              </a:ext>
-            </a:extLst>
-          </p:cNvPr>
-          <p:cNvSpPr txBox="1"/>
-          <p:nvPr/>
-        </p:nvSpPr>
-        <p:spPr>
-          <a:xfrm>
-            <a:off x="5209563" y="157281"/>
-            <a:ext cx="6719582" cy="1569660"/>
-          </a:xfrm>
-          <a:prstGeom prst="rect">
-            <a:avLst/>
-          </a:prstGeom>
-          <a:noFill/>
-          <a:ln w="57150">
-            <a:solidFill>
-              <a:schemeClr val="tx1"/>
-            </a:solidFill>
-          </a:ln>
-        </p:spPr>
-        <p:txBody>
-          <a:bodyPr wrap="square" rtlCol="0">
-            <a:spAutoFit/>
-          </a:bodyPr>
-          <a:lstStyle/>
-          <a:p>
-            <a:pPr algn="ctr"/>
-            <a:r>
-              <a:rPr lang="fr-FR" sz="3200" b="1" dirty="0">
-                <a:solidFill>
-                  <a:schemeClr val="bg1"/>
-                </a:solidFill>
-                <a:latin typeface="Carlito" panose="020F0502020204030204" pitchFamily="34" charset="0"/>
-                <a:cs typeface="Carlito" panose="020F0502020204030204" pitchFamily="34" charset="0"/>
-              </a:rPr>
-              <a:t>Introduction	</a:t>
-            </a:r>
-            <a:r>
-              <a:rPr lang="fr-FR" sz="3200" dirty="0">
-                <a:solidFill>
-                  <a:schemeClr val="tx2">
-                    <a:lumMod val="75000"/>
-                  </a:schemeClr>
-                </a:solidFill>
-                <a:latin typeface="Carlito" panose="020F0502020204030204" pitchFamily="34" charset="0"/>
-                <a:cs typeface="Carlito" panose="020F0502020204030204" pitchFamily="34" charset="0"/>
-              </a:rPr>
-              <a:t>1. Partie économique et juridique 2. Présentation du site Web</a:t>
-            </a:r>
-          </a:p>
-          <a:p>
-            <a:pPr algn="ctr"/>
-            <a:r>
-              <a:rPr lang="fr-FR" sz="3200" dirty="0">
-                <a:solidFill>
-                  <a:schemeClr val="tx2">
-                    <a:lumMod val="75000"/>
-                  </a:schemeClr>
-                </a:solidFill>
-                <a:latin typeface="Carlito" panose="020F0502020204030204" pitchFamily="34" charset="0"/>
-                <a:cs typeface="Carlito" panose="020F0502020204030204" pitchFamily="34" charset="0"/>
-              </a:rPr>
-              <a:t>3. Travail en groupe</a:t>
-            </a:r>
-            <a:r>
-              <a:rPr lang="fr-FR" sz="3200" b="1" dirty="0">
-                <a:solidFill>
-                  <a:schemeClr val="tx2">
-                    <a:lumMod val="75000"/>
-                  </a:schemeClr>
-                </a:solidFill>
-                <a:latin typeface="Carlito" panose="020F0502020204030204" pitchFamily="34" charset="0"/>
-                <a:cs typeface="Carlito" panose="020F0502020204030204" pitchFamily="34" charset="0"/>
-              </a:rPr>
-              <a:t>	</a:t>
-            </a:r>
-            <a:r>
-              <a:rPr lang="fr-FR" sz="3200" dirty="0">
-                <a:solidFill>
-                  <a:schemeClr val="tx2">
-                    <a:lumMod val="75000"/>
-                  </a:schemeClr>
-                </a:solidFill>
-                <a:latin typeface="Carlito" panose="020F0502020204030204" pitchFamily="34" charset="0"/>
-                <a:cs typeface="Carlito" panose="020F0502020204030204" pitchFamily="34" charset="0"/>
-              </a:rPr>
-              <a:t>Conclusion</a:t>
-            </a:r>
-          </a:p>
-        </p:txBody>
-      </p:sp>
-      <p:pic>
-        <p:nvPicPr>
-          <p:cNvPr id="1028" name="Picture 4">
-            <a:extLst>
-              <a:ext uri="{FF2B5EF4-FFF2-40B4-BE49-F238E27FC236}">
-                <a16:creationId xmlns:a16="http://schemas.microsoft.com/office/drawing/2014/main" id="{91997DDA-182F-4902-86F0-612093CBC559}"/>
-              </a:ext>
-            </a:extLst>
-          </p:cNvPr>
-          <p:cNvPicPr>
-            <a:picLocks noChangeAspect="1" noChangeArrowheads="1"/>
-          </p:cNvPicPr>
-          <p:nvPr/>
-        </p:nvPicPr>
-        <p:blipFill rotWithShape="1">
-          <a:blip r:embed="rId3">
-            <a:extLst>
-              <a:ext uri="{28A0092B-C50C-407E-A947-70E740481C1C}">
-                <a14:useLocalDpi xmlns:a14="http://schemas.microsoft.com/office/drawing/2010/main" val="0"/>
-              </a:ext>
-            </a:extLst>
-          </a:blip>
-          <a:srcRect l="24653" t="4704" r="18430"/>
-          <a:stretch/>
-        </p:blipFill>
-        <p:spPr bwMode="auto">
-          <a:xfrm>
-            <a:off x="8885542" y="2103486"/>
-            <a:ext cx="3043603" cy="3740723"/>
-          </a:xfrm>
-          <a:prstGeom prst="rect">
-            <a:avLst/>
-          </a:prstGeom>
-          <a:noFill/>
-          <a:ln>
-            <a:noFill/>
-          </a:ln>
-          <a:effectLst>
-            <a:outerShdw blurRad="149987" dist="250190" dir="8460000" algn="ctr">
-              <a:srgbClr val="000000">
-                <a:alpha val="28000"/>
-              </a:srgbClr>
-            </a:outerShdw>
-          </a:effectLst>
-          <a:scene3d>
-            <a:camera prst="orthographicFront">
-              <a:rot lat="0" lon="0" rev="0"/>
-            </a:camera>
-            <a:lightRig rig="contrasting" dir="t">
-              <a:rot lat="0" lon="0" rev="1500000"/>
-            </a:lightRig>
-          </a:scene3d>
-          <a:sp3d prstMaterial="metal">
-            <a:bevelT w="88900" h="88900"/>
-          </a:sp3d>
-          <a:extLst>
-            <a:ext uri="{909E8E84-426E-40DD-AFC4-6F175D3DCCD1}">
-              <a14:hiddenFill xmlns:a14="http://schemas.microsoft.com/office/drawing/2010/main">
-                <a:solidFill>
-                  <a:srgbClr val="FFFFFF"/>
-                </a:solidFill>
-              </a14:hiddenFill>
-            </a:ext>
-          </a:extLst>
-        </p:spPr>
-      </p:pic>
-    </p:spTree>
-    <p:extLst>
-      <p:ext uri="{BB962C8B-B14F-4D97-AF65-F5344CB8AC3E}">
-        <p14:creationId xmlns:p14="http://schemas.microsoft.com/office/powerpoint/2010/main" val="2149326575"/>
-      </p:ext>
-    </p:extLst>
-  </p:cSld>
-  <p:clrMapOvr>
-    <a:masterClrMapping/>
-  </p:clrMapOvr>
-</p:sld>
-</file>
-
-<file path=ppt/slides/slide5.xml><?xml version="1.0" encoding="utf-8"?>
-<p:sld xmlns:a="http://schemas.openxmlformats.org/drawingml/2006/main" xmlns:r="http://schemas.openxmlformats.org/officeDocument/2006/relationships" xmlns:p="http://schemas.openxmlformats.org/presentationml/2006/main">
-  <p:cSld>
-    <p:spTree>
-      <p:nvGrpSpPr>
-        <p:cNvPr id="1" name=""/>
-        <p:cNvGrpSpPr/>
-        <p:nvPr/>
-      </p:nvGrpSpPr>
-      <p:grpSpPr>
-        <a:xfrm>
-          <a:off x="0" y="0"/>
-          <a:ext cx="0" cy="0"/>
-          <a:chOff x="0" y="0"/>
-          <a:chExt cx="0" cy="0"/>
-        </a:xfrm>
-      </p:grpSpPr>
-      <p:sp>
-        <p:nvSpPr>
-          <p:cNvPr id="2" name="Espace réservé du numéro de diapositive 1">
-            <a:extLst>
-              <a:ext uri="{FF2B5EF4-FFF2-40B4-BE49-F238E27FC236}">
-                <a16:creationId xmlns:a16="http://schemas.microsoft.com/office/drawing/2014/main" id="{8629DEAC-48FC-4C8A-B8B8-1DB51B2A0865}"/>
-              </a:ext>
-            </a:extLst>
-          </p:cNvPr>
-          <p:cNvSpPr>
-            <a:spLocks noGrp="1"/>
-          </p:cNvSpPr>
-          <p:nvPr>
-            <p:ph type="sldNum" sz="quarter" idx="12"/>
-          </p:nvPr>
-        </p:nvSpPr>
-        <p:spPr/>
-        <p:txBody>
-          <a:bodyPr/>
-          <a:lstStyle/>
-          <a:p>
-            <a:fld id="{D57F1E4F-1CFF-5643-939E-217C01CDF565}" type="slidenum">
-              <a:rPr lang="en-US" smtClean="0"/>
-              <a:pPr/>
-              <a:t>5</a:t>
-            </a:fld>
-            <a:endParaRPr lang="en-US" dirty="0"/>
-          </a:p>
-        </p:txBody>
-      </p:sp>
-      <p:sp>
-        <p:nvSpPr>
-          <p:cNvPr id="3" name="ZoneTexte 2">
-            <a:extLst>
-              <a:ext uri="{FF2B5EF4-FFF2-40B4-BE49-F238E27FC236}">
-                <a16:creationId xmlns:a16="http://schemas.microsoft.com/office/drawing/2014/main" id="{A3608CB4-F741-4CEB-93DC-8ADABA5BB9E5}"/>
-              </a:ext>
-            </a:extLst>
-          </p:cNvPr>
-          <p:cNvSpPr txBox="1"/>
-          <p:nvPr/>
-        </p:nvSpPr>
-        <p:spPr>
-          <a:xfrm>
-            <a:off x="1288927" y="2274838"/>
-            <a:ext cx="9614145" cy="2308324"/>
-          </a:xfrm>
-          <a:prstGeom prst="rect">
-            <a:avLst/>
-          </a:prstGeom>
-          <a:solidFill>
-            <a:schemeClr val="bg2"/>
-          </a:solidFill>
-          <a:ln w="57150">
-            <a:solidFill>
-              <a:schemeClr val="accent1"/>
-            </a:solidFill>
-          </a:ln>
-          <a:effectLst>
-            <a:outerShdw blurRad="50800" dist="38100" dir="2700000" algn="tl" rotWithShape="0">
-              <a:prstClr val="black">
-                <a:alpha val="40000"/>
-              </a:prstClr>
-            </a:outerShdw>
-          </a:effectLst>
-        </p:spPr>
-        <p:style>
-          <a:lnRef idx="2">
-            <a:schemeClr val="accent5"/>
-          </a:lnRef>
-          <a:fillRef idx="1">
-            <a:schemeClr val="lt1"/>
-          </a:fillRef>
-          <a:effectRef idx="0">
-            <a:schemeClr val="accent5"/>
-          </a:effectRef>
-          <a:fontRef idx="minor">
-            <a:schemeClr val="dk1"/>
-          </a:fontRef>
-        </p:style>
-        <p:txBody>
-          <a:bodyPr wrap="square" rtlCol="0">
-            <a:spAutoFit/>
-          </a:bodyPr>
-          <a:lstStyle/>
-          <a:p>
-            <a:pPr algn="ctr"/>
-            <a:r>
-              <a:rPr lang="fr-FR" sz="7200" b="1" dirty="0">
-                <a:solidFill>
-                  <a:schemeClr val="tx1"/>
-                </a:solidFill>
-                <a:latin typeface="Carlito" panose="020F0502020204030204" pitchFamily="34" charset="0"/>
-                <a:cs typeface="Carlito" panose="020F0502020204030204" pitchFamily="34" charset="0"/>
-              </a:rPr>
-              <a:t>1. Partie économique et juridique</a:t>
-            </a:r>
-          </a:p>
-        </p:txBody>
-      </p:sp>
-    </p:spTree>
-    <p:extLst>
-      <p:ext uri="{BB962C8B-B14F-4D97-AF65-F5344CB8AC3E}">
-        <p14:creationId xmlns:p14="http://schemas.microsoft.com/office/powerpoint/2010/main" val="1227926633"/>
-      </p:ext>
-    </p:extLst>
-  </p:cSld>
-  <p:clrMapOvr>
-    <a:masterClrMapping/>
-  </p:clrMapOvr>
-</p:sld>
-</file>
-
-<file path=ppt/slides/slide6.xml><?xml version="1.0" encoding="utf-8"?>
-<p:sld xmlns:a="http://schemas.openxmlformats.org/drawingml/2006/main" xmlns:r="http://schemas.openxmlformats.org/officeDocument/2006/relationships" xmlns:p="http://schemas.openxmlformats.org/presentationml/2006/main">
-  <p:cSld>
-    <p:spTree>
-      <p:nvGrpSpPr>
-        <p:cNvPr id="1" name=""/>
-        <p:cNvGrpSpPr/>
-        <p:nvPr/>
-      </p:nvGrpSpPr>
-      <p:grpSpPr>
-        <a:xfrm>
-          <a:off x="0" y="0"/>
-          <a:ext cx="0" cy="0"/>
-          <a:chOff x="0" y="0"/>
-          <a:chExt cx="0" cy="0"/>
-        </a:xfrm>
-      </p:grpSpPr>
-      <p:sp>
-        <p:nvSpPr>
-          <p:cNvPr id="2" name="Espace réservé du numéro de diapositive 1">
-            <a:extLst>
-              <a:ext uri="{FF2B5EF4-FFF2-40B4-BE49-F238E27FC236}">
-                <a16:creationId xmlns:a16="http://schemas.microsoft.com/office/drawing/2014/main" id="{40311474-84AA-40DD-BD7D-30DFB320CFF9}"/>
-              </a:ext>
-            </a:extLst>
-          </p:cNvPr>
-          <p:cNvSpPr>
-            <a:spLocks noGrp="1"/>
-          </p:cNvSpPr>
-          <p:nvPr>
-            <p:ph type="sldNum" sz="quarter" idx="12"/>
-          </p:nvPr>
-        </p:nvSpPr>
-        <p:spPr/>
-        <p:txBody>
-          <a:bodyPr/>
-          <a:lstStyle/>
-          <a:p>
-            <a:fld id="{D57F1E4F-1CFF-5643-939E-217C01CDF565}" type="slidenum">
-              <a:rPr lang="en-US" smtClean="0"/>
-              <a:pPr/>
-              <a:t>6</a:t>
-            </a:fld>
-            <a:endParaRPr lang="en-US" dirty="0"/>
-          </a:p>
-        </p:txBody>
-      </p:sp>
-      <p:sp>
-        <p:nvSpPr>
-          <p:cNvPr id="3" name="ZoneTexte 2">
-            <a:extLst>
-              <a:ext uri="{FF2B5EF4-FFF2-40B4-BE49-F238E27FC236}">
-                <a16:creationId xmlns:a16="http://schemas.microsoft.com/office/drawing/2014/main" id="{874DB8B7-397D-48B3-8390-E5BB20E12E06}"/>
-              </a:ext>
-            </a:extLst>
-          </p:cNvPr>
-          <p:cNvSpPr txBox="1"/>
-          <p:nvPr/>
-        </p:nvSpPr>
-        <p:spPr>
-          <a:xfrm>
-            <a:off x="2014407" y="2151727"/>
-            <a:ext cx="8163186" cy="2554545"/>
-          </a:xfrm>
-          <a:prstGeom prst="rect">
-            <a:avLst/>
-          </a:prstGeom>
-          <a:solidFill>
-            <a:schemeClr val="bg2"/>
-          </a:solidFill>
-          <a:ln w="57150">
-            <a:solidFill>
-              <a:schemeClr val="accent1"/>
-            </a:solidFill>
-          </a:ln>
-          <a:effectLst>
-            <a:outerShdw blurRad="50800" dist="38100" dir="2700000" algn="tl" rotWithShape="0">
-              <a:prstClr val="black">
-                <a:alpha val="40000"/>
-              </a:prstClr>
-            </a:outerShdw>
-          </a:effectLst>
-        </p:spPr>
-        <p:style>
-          <a:lnRef idx="2">
-            <a:schemeClr val="accent5"/>
-          </a:lnRef>
-          <a:fillRef idx="1">
-            <a:schemeClr val="lt1"/>
-          </a:fillRef>
-          <a:effectRef idx="0">
-            <a:schemeClr val="accent5"/>
-          </a:effectRef>
-          <a:fontRef idx="minor">
-            <a:schemeClr val="dk1"/>
-          </a:fontRef>
-        </p:style>
-        <p:txBody>
-          <a:bodyPr wrap="square" rtlCol="0">
-            <a:spAutoFit/>
-          </a:bodyPr>
-          <a:lstStyle/>
-          <a:p>
-            <a:pPr algn="ctr"/>
-            <a:r>
-              <a:rPr lang="fr-FR" sz="8000" b="1" dirty="0">
-                <a:solidFill>
-                  <a:schemeClr val="tx1"/>
-                </a:solidFill>
-                <a:latin typeface="Carlito" panose="020F0502020204030204" pitchFamily="34" charset="0"/>
-                <a:cs typeface="Carlito" panose="020F0502020204030204" pitchFamily="34" charset="0"/>
-              </a:rPr>
-              <a:t>2. Présentation du</a:t>
-            </a:r>
-          </a:p>
-          <a:p>
-            <a:pPr algn="ctr"/>
-            <a:r>
-              <a:rPr lang="fr-FR" sz="8000" b="1" dirty="0">
-                <a:solidFill>
-                  <a:schemeClr val="tx1"/>
-                </a:solidFill>
-                <a:latin typeface="Carlito" panose="020F0502020204030204" pitchFamily="34" charset="0"/>
-                <a:cs typeface="Carlito" panose="020F0502020204030204" pitchFamily="34" charset="0"/>
-              </a:rPr>
-              <a:t>site Web</a:t>
-            </a:r>
-          </a:p>
-        </p:txBody>
-      </p:sp>
-    </p:spTree>
-    <p:extLst>
-      <p:ext uri="{BB962C8B-B14F-4D97-AF65-F5344CB8AC3E}">
-        <p14:creationId xmlns:p14="http://schemas.microsoft.com/office/powerpoint/2010/main" val="520610784"/>
-      </p:ext>
-    </p:extLst>
-  </p:cSld>
-  <p:clrMapOvr>
-    <a:masterClrMapping/>
-  </p:clrMapOvr>
-</p:sld>
-</file>
-
-<file path=ppt/slides/slide7.xml><?xml version="1.0" encoding="utf-8"?>
-<p:sld xmlns:a="http://schemas.openxmlformats.org/drawingml/2006/main" xmlns:r="http://schemas.openxmlformats.org/officeDocument/2006/relationships" xmlns:p="http://schemas.openxmlformats.org/presentationml/2006/main">
-  <p:cSld>
-    <p:spTree>
-      <p:nvGrpSpPr>
-        <p:cNvPr id="1" name=""/>
-        <p:cNvGrpSpPr/>
-        <p:nvPr/>
-      </p:nvGrpSpPr>
-      <p:grpSpPr>
-        <a:xfrm>
-          <a:off x="0" y="0"/>
-          <a:ext cx="0" cy="0"/>
-          <a:chOff x="0" y="0"/>
-          <a:chExt cx="0" cy="0"/>
-        </a:xfrm>
-      </p:grpSpPr>
-      <p:sp>
-        <p:nvSpPr>
-          <p:cNvPr id="3" name="Espace réservé du numéro de diapositive 2">
-            <a:extLst>
-              <a:ext uri="{FF2B5EF4-FFF2-40B4-BE49-F238E27FC236}">
-                <a16:creationId xmlns:a16="http://schemas.microsoft.com/office/drawing/2014/main" id="{35CD04DD-8DCB-4B3C-ACCB-53D45007D704}"/>
-              </a:ext>
-            </a:extLst>
-          </p:cNvPr>
-          <p:cNvSpPr>
-            <a:spLocks noGrp="1"/>
-          </p:cNvSpPr>
-          <p:nvPr>
-            <p:ph type="sldNum" sz="quarter" idx="12"/>
-          </p:nvPr>
-        </p:nvSpPr>
-        <p:spPr/>
-        <p:txBody>
-          <a:bodyPr/>
-          <a:lstStyle/>
-          <a:p>
-            <a:fld id="{D57F1E4F-1CFF-5643-939E-217C01CDF565}" type="slidenum">
-              <a:rPr lang="en-US" smtClean="0"/>
-              <a:pPr/>
-              <a:t>7</a:t>
-            </a:fld>
-            <a:endParaRPr lang="en-US" dirty="0"/>
-          </a:p>
-        </p:txBody>
-      </p:sp>
-      <p:sp>
-        <p:nvSpPr>
-          <p:cNvPr id="4" name="ZoneTexte 3">
-            <a:extLst>
-              <a:ext uri="{FF2B5EF4-FFF2-40B4-BE49-F238E27FC236}">
-                <a16:creationId xmlns:a16="http://schemas.microsoft.com/office/drawing/2014/main" id="{D04BB437-C13D-4EF9-8BFC-027346A83454}"/>
-              </a:ext>
-            </a:extLst>
-          </p:cNvPr>
-          <p:cNvSpPr txBox="1"/>
-          <p:nvPr/>
-        </p:nvSpPr>
-        <p:spPr>
-          <a:xfrm>
-            <a:off x="436524" y="164891"/>
-            <a:ext cx="4195437" cy="1569660"/>
-          </a:xfrm>
-          <a:prstGeom prst="rect">
-            <a:avLst/>
-          </a:prstGeom>
-          <a:noFill/>
-          <a:ln w="57150">
-            <a:solidFill>
-              <a:schemeClr val="tx1"/>
-            </a:solidFill>
-          </a:ln>
-          <a:effectLst>
-            <a:outerShdw blurRad="50800" dist="38100" dir="2700000" algn="tl" rotWithShape="0">
-              <a:prstClr val="black">
-                <a:alpha val="40000"/>
-              </a:prstClr>
-            </a:outerShdw>
-          </a:effectLst>
-        </p:spPr>
-        <p:style>
-          <a:lnRef idx="2">
-            <a:schemeClr val="accent5"/>
-          </a:lnRef>
-          <a:fillRef idx="1">
-            <a:schemeClr val="lt1"/>
-          </a:fillRef>
-          <a:effectRef idx="0">
-            <a:schemeClr val="accent5"/>
-          </a:effectRef>
-          <a:fontRef idx="minor">
-            <a:schemeClr val="dk1"/>
-          </a:fontRef>
-        </p:style>
-        <p:txBody>
-          <a:bodyPr wrap="square" rtlCol="0">
-            <a:spAutoFit/>
-          </a:bodyPr>
-          <a:lstStyle/>
-          <a:p>
-            <a:pPr algn="ctr"/>
-            <a:r>
-              <a:rPr lang="fr-FR" sz="4800" b="1" dirty="0">
-                <a:solidFill>
-                  <a:schemeClr val="bg1"/>
-                </a:solidFill>
-                <a:latin typeface="Carlito" panose="020F0502020204030204" pitchFamily="34" charset="0"/>
-                <a:cs typeface="Carlito" panose="020F0502020204030204" pitchFamily="34" charset="0"/>
-              </a:rPr>
-              <a:t>2.1. Principales fonctionnalités</a:t>
-            </a:r>
-          </a:p>
-        </p:txBody>
-      </p:sp>
-      <p:sp>
-        <p:nvSpPr>
-          <p:cNvPr id="5" name="ZoneTexte 4">
-            <a:extLst>
-              <a:ext uri="{FF2B5EF4-FFF2-40B4-BE49-F238E27FC236}">
-                <a16:creationId xmlns:a16="http://schemas.microsoft.com/office/drawing/2014/main" id="{D2B52D68-1639-42B1-8741-04BFF3B54220}"/>
-              </a:ext>
-            </a:extLst>
-          </p:cNvPr>
-          <p:cNvSpPr txBox="1"/>
-          <p:nvPr/>
-        </p:nvSpPr>
-        <p:spPr>
-          <a:xfrm>
-            <a:off x="5209563" y="157281"/>
-            <a:ext cx="6719582" cy="1569660"/>
-          </a:xfrm>
-          <a:prstGeom prst="rect">
-            <a:avLst/>
-          </a:prstGeom>
-          <a:noFill/>
-          <a:ln w="57150">
-            <a:solidFill>
-              <a:schemeClr val="tx1"/>
-            </a:solidFill>
-          </a:ln>
-        </p:spPr>
-        <p:txBody>
-          <a:bodyPr wrap="square" rtlCol="0">
-            <a:spAutoFit/>
-          </a:bodyPr>
-          <a:lstStyle/>
-          <a:p>
-            <a:pPr algn="ctr"/>
-            <a:r>
-              <a:rPr lang="fr-FR" sz="3200" dirty="0">
-                <a:solidFill>
-                  <a:schemeClr val="tx2">
-                    <a:lumMod val="75000"/>
-                  </a:schemeClr>
-                </a:solidFill>
-                <a:latin typeface="Carlito" panose="020F0502020204030204" pitchFamily="34" charset="0"/>
-                <a:cs typeface="Carlito" panose="020F0502020204030204" pitchFamily="34" charset="0"/>
-              </a:rPr>
-              <a:t>Introduction</a:t>
-            </a:r>
-            <a:r>
-              <a:rPr lang="fr-FR" sz="3200" b="1" dirty="0">
-                <a:solidFill>
-                  <a:schemeClr val="bg1"/>
-                </a:solidFill>
-                <a:latin typeface="Carlito" panose="020F0502020204030204" pitchFamily="34" charset="0"/>
-                <a:cs typeface="Carlito" panose="020F0502020204030204" pitchFamily="34" charset="0"/>
-              </a:rPr>
-              <a:t>	</a:t>
-            </a:r>
-            <a:r>
-              <a:rPr lang="fr-FR" sz="3200" dirty="0">
-                <a:solidFill>
-                  <a:schemeClr val="tx2">
-                    <a:lumMod val="75000"/>
-                  </a:schemeClr>
-                </a:solidFill>
-                <a:latin typeface="Carlito" panose="020F0502020204030204" pitchFamily="34" charset="0"/>
-                <a:cs typeface="Carlito" panose="020F0502020204030204" pitchFamily="34" charset="0"/>
-              </a:rPr>
-              <a:t>1. Partie économique et juridique </a:t>
-            </a:r>
-            <a:r>
-              <a:rPr lang="fr-FR" sz="3200" b="1" dirty="0">
-                <a:solidFill>
-                  <a:schemeClr val="bg1"/>
-                </a:solidFill>
-                <a:latin typeface="Carlito" panose="020F0502020204030204" pitchFamily="34" charset="0"/>
-                <a:cs typeface="Carlito" panose="020F0502020204030204" pitchFamily="34" charset="0"/>
-              </a:rPr>
-              <a:t>2. Présentation du site Web</a:t>
-            </a:r>
-          </a:p>
-          <a:p>
-            <a:pPr algn="ctr"/>
-            <a:r>
-              <a:rPr lang="fr-FR" sz="3200" dirty="0">
-                <a:solidFill>
-                  <a:schemeClr val="tx2">
-                    <a:lumMod val="75000"/>
-                  </a:schemeClr>
-                </a:solidFill>
-                <a:latin typeface="Carlito" panose="020F0502020204030204" pitchFamily="34" charset="0"/>
-                <a:cs typeface="Carlito" panose="020F0502020204030204" pitchFamily="34" charset="0"/>
-              </a:rPr>
-              <a:t>3. Travail en groupe</a:t>
-            </a:r>
-            <a:r>
-              <a:rPr lang="fr-FR" sz="3200" b="1" dirty="0">
-                <a:solidFill>
-                  <a:schemeClr val="tx2">
-                    <a:lumMod val="75000"/>
-                  </a:schemeClr>
-                </a:solidFill>
-                <a:latin typeface="Carlito" panose="020F0502020204030204" pitchFamily="34" charset="0"/>
-                <a:cs typeface="Carlito" panose="020F0502020204030204" pitchFamily="34" charset="0"/>
-              </a:rPr>
-              <a:t>	</a:t>
-            </a:r>
-            <a:r>
-              <a:rPr lang="fr-FR" sz="3200" dirty="0">
-                <a:solidFill>
-                  <a:schemeClr val="tx2">
-                    <a:lumMod val="75000"/>
-                  </a:schemeClr>
-                </a:solidFill>
-                <a:latin typeface="Carlito" panose="020F0502020204030204" pitchFamily="34" charset="0"/>
-                <a:cs typeface="Carlito" panose="020F0502020204030204" pitchFamily="34" charset="0"/>
-              </a:rPr>
-              <a:t>Conclusion</a:t>
-            </a:r>
-          </a:p>
-        </p:txBody>
-      </p:sp>
-      <p:sp>
-        <p:nvSpPr>
-          <p:cNvPr id="6" name="ZoneTexte 5">
-            <a:extLst>
-              <a:ext uri="{FF2B5EF4-FFF2-40B4-BE49-F238E27FC236}">
-                <a16:creationId xmlns:a16="http://schemas.microsoft.com/office/drawing/2014/main" id="{B51DB91F-53F4-4EE4-9C90-1D138A98B5E9}"/>
-              </a:ext>
-            </a:extLst>
-          </p:cNvPr>
-          <p:cNvSpPr txBox="1"/>
-          <p:nvPr/>
-        </p:nvSpPr>
-        <p:spPr>
-          <a:xfrm>
-            <a:off x="3542796" y="1824853"/>
-            <a:ext cx="8513726" cy="4868256"/>
-          </a:xfrm>
-          <a:prstGeom prst="rect">
-            <a:avLst/>
-          </a:prstGeom>
-          <a:noFill/>
-        </p:spPr>
-        <p:txBody>
-          <a:bodyPr wrap="square" rtlCol="0">
-            <a:spAutoFit/>
-          </a:bodyPr>
-          <a:lstStyle/>
-          <a:p>
-            <a:pPr marL="285750" indent="-285750" algn="just">
-              <a:lnSpc>
-                <a:spcPct val="150000"/>
-              </a:lnSpc>
-              <a:buFont typeface="Arial" panose="020B0604020202020204" pitchFamily="34" charset="0"/>
-              <a:buChar char="•"/>
-            </a:pPr>
-            <a:r>
-              <a:rPr lang="fr-FR" sz="3000" b="1" dirty="0">
-                <a:latin typeface="Carlito" panose="020F0502020204030204" pitchFamily="34" charset="0"/>
-                <a:cs typeface="Carlito" panose="020F0502020204030204" pitchFamily="34" charset="0"/>
-              </a:rPr>
-              <a:t>Bootstrap</a:t>
-            </a:r>
-            <a:r>
-              <a:rPr lang="fr-FR" sz="3000" dirty="0">
-                <a:latin typeface="Carlito" panose="020F0502020204030204" pitchFamily="34" charset="0"/>
-                <a:cs typeface="Carlito" panose="020F0502020204030204" pitchFamily="34" charset="0"/>
-              </a:rPr>
-              <a:t> utilisé pour sa </a:t>
-            </a:r>
-            <a:r>
-              <a:rPr lang="fr-FR" sz="3000" b="1" dirty="0">
-                <a:latin typeface="Carlito" panose="020F0502020204030204" pitchFamily="34" charset="0"/>
-                <a:cs typeface="Carlito" panose="020F0502020204030204" pitchFamily="34" charset="0"/>
-              </a:rPr>
-              <a:t>simplicité</a:t>
-            </a:r>
-            <a:r>
-              <a:rPr lang="fr-FR" sz="3000" dirty="0">
-                <a:latin typeface="Carlito" panose="020F0502020204030204" pitchFamily="34" charset="0"/>
-                <a:cs typeface="Carlito" panose="020F0502020204030204" pitchFamily="34" charset="0"/>
-              </a:rPr>
-              <a:t> et sa fonctionnalité </a:t>
-            </a:r>
-            <a:r>
-              <a:rPr lang="fr-FR" sz="3000" b="1" dirty="0">
-                <a:latin typeface="Carlito" panose="020F0502020204030204" pitchFamily="34" charset="0"/>
-                <a:cs typeface="Carlito" panose="020F0502020204030204" pitchFamily="34" charset="0"/>
-              </a:rPr>
-              <a:t>« responsive »</a:t>
-            </a:r>
-          </a:p>
-          <a:p>
-            <a:pPr marL="285750" indent="-285750" algn="just">
-              <a:lnSpc>
-                <a:spcPct val="150000"/>
-              </a:lnSpc>
-              <a:buFont typeface="Arial" panose="020B0604020202020204" pitchFamily="34" charset="0"/>
-              <a:buChar char="•"/>
-            </a:pPr>
-            <a:r>
-              <a:rPr lang="fr-FR" sz="3000" dirty="0">
-                <a:latin typeface="Carlito" panose="020F0502020204030204" pitchFamily="34" charset="0"/>
-                <a:cs typeface="Carlito" panose="020F0502020204030204" pitchFamily="34" charset="0"/>
-              </a:rPr>
-              <a:t>Utilisation de </a:t>
-            </a:r>
-            <a:r>
-              <a:rPr lang="fr-FR" sz="3000" b="1" dirty="0">
-                <a:latin typeface="Carlito" panose="020F0502020204030204" pitchFamily="34" charset="0"/>
-                <a:cs typeface="Carlito" panose="020F0502020204030204" pitchFamily="34" charset="0"/>
-              </a:rPr>
-              <a:t>PHPMailer</a:t>
-            </a:r>
-            <a:r>
-              <a:rPr lang="fr-FR" sz="3000" dirty="0">
-                <a:latin typeface="Carlito" panose="020F0502020204030204" pitchFamily="34" charset="0"/>
-                <a:cs typeface="Carlito" panose="020F0502020204030204" pitchFamily="34" charset="0"/>
-              </a:rPr>
-              <a:t> pour notre page de contact</a:t>
-            </a:r>
-          </a:p>
-          <a:p>
-            <a:pPr marL="285750" indent="-285750" algn="just">
-              <a:lnSpc>
-                <a:spcPct val="150000"/>
-              </a:lnSpc>
-              <a:buFont typeface="Arial" panose="020B0604020202020204" pitchFamily="34" charset="0"/>
-              <a:buChar char="•"/>
-            </a:pPr>
-            <a:r>
-              <a:rPr lang="fr-FR" sz="3000" b="1" dirty="0">
-                <a:latin typeface="Carlito" panose="020F0502020204030204" pitchFamily="34" charset="0"/>
-                <a:cs typeface="Carlito" panose="020F0502020204030204" pitchFamily="34" charset="0"/>
-                <a:sym typeface="Wingdings" panose="05000000000000000000" pitchFamily="2" charset="2"/>
-              </a:rPr>
-              <a:t>Flèche</a:t>
-            </a:r>
-            <a:r>
-              <a:rPr lang="fr-FR" sz="3000" dirty="0">
-                <a:latin typeface="Carlito" panose="020F0502020204030204" pitchFamily="34" charset="0"/>
-                <a:cs typeface="Carlito" panose="020F0502020204030204" pitchFamily="34" charset="0"/>
-                <a:sym typeface="Wingdings" panose="05000000000000000000" pitchFamily="2" charset="2"/>
-              </a:rPr>
-              <a:t> avec animation de rebondissement</a:t>
-            </a:r>
-          </a:p>
-          <a:p>
-            <a:pPr marL="285750" indent="-285750" algn="just">
-              <a:lnSpc>
-                <a:spcPct val="150000"/>
-              </a:lnSpc>
-              <a:buFont typeface="Arial" panose="020B0604020202020204" pitchFamily="34" charset="0"/>
-              <a:buChar char="•"/>
-            </a:pPr>
-            <a:r>
-              <a:rPr lang="fr-FR" sz="3000" b="1" dirty="0">
-                <a:latin typeface="Carlito" panose="020F0502020204030204" pitchFamily="34" charset="0"/>
-                <a:cs typeface="Carlito" panose="020F0502020204030204" pitchFamily="34" charset="0"/>
-                <a:sym typeface="Wingdings" panose="05000000000000000000" pitchFamily="2" charset="2"/>
-              </a:rPr>
-              <a:t>Scripts PHP</a:t>
-            </a:r>
-            <a:r>
-              <a:rPr lang="fr-FR" sz="3000" dirty="0">
-                <a:latin typeface="Carlito" panose="020F0502020204030204" pitchFamily="34" charset="0"/>
-                <a:cs typeface="Carlito" panose="020F0502020204030204" pitchFamily="34" charset="0"/>
-                <a:sym typeface="Wingdings" panose="05000000000000000000" pitchFamily="2" charset="2"/>
-              </a:rPr>
-              <a:t> pour pop-up’s ainsi que </a:t>
-            </a:r>
-            <a:r>
-              <a:rPr lang="fr-FR" sz="3000" b="1" dirty="0">
-                <a:latin typeface="Carlito" panose="020F0502020204030204" pitchFamily="34" charset="0"/>
-                <a:cs typeface="Carlito" panose="020F0502020204030204" pitchFamily="34" charset="0"/>
-                <a:sym typeface="Wingdings" panose="05000000000000000000" pitchFamily="2" charset="2"/>
-              </a:rPr>
-              <a:t>JQuery</a:t>
-            </a:r>
-            <a:r>
-              <a:rPr lang="fr-FR" sz="3000" dirty="0">
-                <a:latin typeface="Carlito" panose="020F0502020204030204" pitchFamily="34" charset="0"/>
-                <a:cs typeface="Carlito" panose="020F0502020204030204" pitchFamily="34" charset="0"/>
-                <a:sym typeface="Wingdings" panose="05000000000000000000" pitchFamily="2" charset="2"/>
-              </a:rPr>
-              <a:t> pour les animations d’arrière-plan</a:t>
-            </a:r>
-          </a:p>
-        </p:txBody>
-      </p:sp>
-      <p:pic>
-        <p:nvPicPr>
-          <p:cNvPr id="1026" name="Picture 2">
-            <a:extLst>
-              <a:ext uri="{FF2B5EF4-FFF2-40B4-BE49-F238E27FC236}">
-                <a16:creationId xmlns:a16="http://schemas.microsoft.com/office/drawing/2014/main" id="{C9C91FA8-7B91-42BF-A847-1BF3C7B7BDCD}"/>
-              </a:ext>
-            </a:extLst>
-          </p:cNvPr>
-          <p:cNvPicPr>
-            <a:picLocks noChangeAspect="1" noChangeArrowheads="1"/>
-          </p:cNvPicPr>
-          <p:nvPr/>
-        </p:nvPicPr>
-        <p:blipFill>
-          <a:blip r:embed="rId2">
-            <a:extLst>
-              <a:ext uri="{28A0092B-C50C-407E-A947-70E740481C1C}">
-                <a14:useLocalDpi xmlns:a14="http://schemas.microsoft.com/office/drawing/2010/main" val="0"/>
-              </a:ext>
-            </a:extLst>
-          </a:blip>
-          <a:srcRect/>
-          <a:stretch>
-            <a:fillRect/>
-          </a:stretch>
-        </p:blipFill>
-        <p:spPr bwMode="auto">
-          <a:xfrm>
-            <a:off x="836167" y="3217789"/>
-            <a:ext cx="2082384" cy="2082384"/>
-          </a:xfrm>
-          <a:prstGeom prst="rect">
-            <a:avLst/>
-          </a:prstGeom>
-          <a:noFill/>
-          <a:ln>
-            <a:noFill/>
-          </a:ln>
-          <a:effectLst>
-            <a:outerShdw blurRad="149987" dist="250190" dir="8460000" algn="ctr">
-              <a:srgbClr val="000000">
-                <a:alpha val="28000"/>
-              </a:srgbClr>
-            </a:outerShdw>
-          </a:effectLst>
-          <a:scene3d>
-            <a:camera prst="orthographicFront">
-              <a:rot lat="0" lon="0" rev="0"/>
-            </a:camera>
-            <a:lightRig rig="contrasting" dir="t">
-              <a:rot lat="0" lon="0" rev="1500000"/>
-            </a:lightRig>
-          </a:scene3d>
-          <a:sp3d prstMaterial="metal">
-            <a:bevelT w="88900" h="88900"/>
-          </a:sp3d>
-          <a:extLst>
-            <a:ext uri="{909E8E84-426E-40DD-AFC4-6F175D3DCCD1}">
-              <a14:hiddenFill xmlns:a14="http://schemas.microsoft.com/office/drawing/2010/main">
-                <a:solidFill>
-                  <a:srgbClr val="FFFFFF"/>
-                </a:solidFill>
-              </a14:hiddenFill>
-            </a:ext>
-          </a:extLst>
-        </p:spPr>
-      </p:pic>
-    </p:spTree>
-    <p:extLst>
-      <p:ext uri="{BB962C8B-B14F-4D97-AF65-F5344CB8AC3E}">
-        <p14:creationId xmlns:p14="http://schemas.microsoft.com/office/powerpoint/2010/main" val="1147505757"/>
-      </p:ext>
-    </p:extLst>
-  </p:cSld>
-  <p:clrMapOvr>
-    <a:masterClrMapping/>
-  </p:clrMapOvr>
-</p:sld>
-</file>
-
-<file path=ppt/slides/slide8.xml><?xml version="1.0" encoding="utf-8"?>
-<p:sld xmlns:a="http://schemas.openxmlformats.org/drawingml/2006/main" xmlns:r="http://schemas.openxmlformats.org/officeDocument/2006/relationships" xmlns:p="http://schemas.openxmlformats.org/presentationml/2006/main">
-  <p:cSld>
-    <p:spTree>
-      <p:nvGrpSpPr>
-        <p:cNvPr id="1" name=""/>
-        <p:cNvGrpSpPr/>
-        <p:nvPr/>
-      </p:nvGrpSpPr>
-      <p:grpSpPr>
-        <a:xfrm>
-          <a:off x="0" y="0"/>
-          <a:ext cx="0" cy="0"/>
-          <a:chOff x="0" y="0"/>
-          <a:chExt cx="0" cy="0"/>
-        </a:xfrm>
-      </p:grpSpPr>
-      <p:sp>
-        <p:nvSpPr>
-          <p:cNvPr id="3" name="Espace réservé du numéro de diapositive 2">
-            <a:extLst>
-              <a:ext uri="{FF2B5EF4-FFF2-40B4-BE49-F238E27FC236}">
-                <a16:creationId xmlns:a16="http://schemas.microsoft.com/office/drawing/2014/main" id="{35CD04DD-8DCB-4B3C-ACCB-53D45007D704}"/>
-              </a:ext>
-            </a:extLst>
-          </p:cNvPr>
-          <p:cNvSpPr>
-            <a:spLocks noGrp="1"/>
-          </p:cNvSpPr>
-          <p:nvPr>
-            <p:ph type="sldNum" sz="quarter" idx="12"/>
-          </p:nvPr>
-        </p:nvSpPr>
-        <p:spPr/>
-        <p:txBody>
-          <a:bodyPr/>
-          <a:lstStyle/>
-          <a:p>
-            <a:fld id="{D57F1E4F-1CFF-5643-939E-217C01CDF565}" type="slidenum">
-              <a:rPr lang="en-US" smtClean="0"/>
-              <a:pPr/>
-              <a:t>8</a:t>
-            </a:fld>
-            <a:endParaRPr lang="en-US" dirty="0"/>
-          </a:p>
-        </p:txBody>
-      </p:sp>
-      <p:sp>
-        <p:nvSpPr>
-          <p:cNvPr id="4" name="ZoneTexte 3">
-            <a:extLst>
-              <a:ext uri="{FF2B5EF4-FFF2-40B4-BE49-F238E27FC236}">
-                <a16:creationId xmlns:a16="http://schemas.microsoft.com/office/drawing/2014/main" id="{D04BB437-C13D-4EF9-8BFC-027346A83454}"/>
-              </a:ext>
-            </a:extLst>
-          </p:cNvPr>
-          <p:cNvSpPr txBox="1"/>
-          <p:nvPr/>
-        </p:nvSpPr>
-        <p:spPr>
-          <a:xfrm>
             <a:off x="436524" y="164891"/>
             <a:ext cx="4195437" cy="1569660"/>
           </a:xfrm>
@@ -9361,7 +6501,7 @@
 </p:sld>
 </file>
 
-<file path=ppt/slides/slide9.xml><?xml version="1.0" encoding="utf-8"?>
+<file path=ppt/slides/slide11.xml><?xml version="1.0" encoding="utf-8"?>
 <p:sld xmlns:a="http://schemas.openxmlformats.org/drawingml/2006/main" xmlns:r="http://schemas.openxmlformats.org/officeDocument/2006/relationships" xmlns:p="http://schemas.openxmlformats.org/presentationml/2006/main">
   <p:cSld>
     <p:spTree>
@@ -9402,7 +6542,7 @@
             <a:fld id="{D57F1E4F-1CFF-5643-939E-217C01CDF565}" type="slidenum">
               <a:rPr lang="en-US" smtClean="0"/>
               <a:pPr/>
-              <a:t>9</a:t>
+              <a:t>11</a:t>
             </a:fld>
             <a:endParaRPr lang="en-US" dirty="0"/>
           </a:p>
@@ -9864,6 +7004,3745 @@
     <p:extLst>
       <p:ext uri="{BB962C8B-B14F-4D97-AF65-F5344CB8AC3E}">
         <p14:creationId xmlns:p14="http://schemas.microsoft.com/office/powerpoint/2010/main" val="2503954678"/>
+      </p:ext>
+    </p:extLst>
+  </p:cSld>
+  <p:clrMapOvr>
+    <a:masterClrMapping/>
+  </p:clrMapOvr>
+</p:sld>
+</file>
+
+<file path=ppt/slides/slide12.xml><?xml version="1.0" encoding="utf-8"?>
+<p:sld xmlns:a="http://schemas.openxmlformats.org/drawingml/2006/main" xmlns:r="http://schemas.openxmlformats.org/officeDocument/2006/relationships" xmlns:p="http://schemas.openxmlformats.org/presentationml/2006/main">
+  <p:cSld>
+    <p:spTree>
+      <p:nvGrpSpPr>
+        <p:cNvPr id="1" name=""/>
+        <p:cNvGrpSpPr/>
+        <p:nvPr/>
+      </p:nvGrpSpPr>
+      <p:grpSpPr>
+        <a:xfrm>
+          <a:off x="0" y="0"/>
+          <a:ext cx="0" cy="0"/>
+          <a:chOff x="0" y="0"/>
+          <a:chExt cx="0" cy="0"/>
+        </a:xfrm>
+      </p:grpSpPr>
+      <p:sp>
+        <p:nvSpPr>
+          <p:cNvPr id="3" name="Espace réservé du numéro de diapositive 2">
+            <a:extLst>
+              <a:ext uri="{FF2B5EF4-FFF2-40B4-BE49-F238E27FC236}">
+                <a16:creationId xmlns:a16="http://schemas.microsoft.com/office/drawing/2014/main" id="{35CD04DD-8DCB-4B3C-ACCB-53D45007D704}"/>
+              </a:ext>
+            </a:extLst>
+          </p:cNvPr>
+          <p:cNvSpPr>
+            <a:spLocks noGrp="1"/>
+          </p:cNvSpPr>
+          <p:nvPr>
+            <p:ph type="sldNum" sz="quarter" idx="12"/>
+          </p:nvPr>
+        </p:nvSpPr>
+        <p:spPr/>
+        <p:txBody>
+          <a:bodyPr/>
+          <a:lstStyle/>
+          <a:p>
+            <a:fld id="{D57F1E4F-1CFF-5643-939E-217C01CDF565}" type="slidenum">
+              <a:rPr lang="en-US" smtClean="0"/>
+              <a:pPr/>
+              <a:t>12</a:t>
+            </a:fld>
+            <a:endParaRPr lang="en-US" dirty="0"/>
+          </a:p>
+        </p:txBody>
+      </p:sp>
+      <p:sp>
+        <p:nvSpPr>
+          <p:cNvPr id="4" name="ZoneTexte 3">
+            <a:extLst>
+              <a:ext uri="{FF2B5EF4-FFF2-40B4-BE49-F238E27FC236}">
+                <a16:creationId xmlns:a16="http://schemas.microsoft.com/office/drawing/2014/main" id="{D04BB437-C13D-4EF9-8BFC-027346A83454}"/>
+              </a:ext>
+            </a:extLst>
+          </p:cNvPr>
+          <p:cNvSpPr txBox="1"/>
+          <p:nvPr/>
+        </p:nvSpPr>
+        <p:spPr>
+          <a:xfrm>
+            <a:off x="654697" y="157281"/>
+            <a:ext cx="3572529" cy="1569660"/>
+          </a:xfrm>
+          <a:prstGeom prst="rect">
+            <a:avLst/>
+          </a:prstGeom>
+          <a:noFill/>
+          <a:ln w="57150">
+            <a:solidFill>
+              <a:schemeClr val="tx1"/>
+            </a:solidFill>
+          </a:ln>
+          <a:effectLst>
+            <a:outerShdw blurRad="50800" dist="38100" dir="2700000" algn="tl" rotWithShape="0">
+              <a:prstClr val="black">
+                <a:alpha val="40000"/>
+              </a:prstClr>
+            </a:outerShdw>
+          </a:effectLst>
+        </p:spPr>
+        <p:style>
+          <a:lnRef idx="2">
+            <a:schemeClr val="accent5"/>
+          </a:lnRef>
+          <a:fillRef idx="1">
+            <a:schemeClr val="lt1"/>
+          </a:fillRef>
+          <a:effectRef idx="0">
+            <a:schemeClr val="accent5"/>
+          </a:effectRef>
+          <a:fontRef idx="minor">
+            <a:schemeClr val="dk1"/>
+          </a:fontRef>
+        </p:style>
+        <p:txBody>
+          <a:bodyPr wrap="square" rtlCol="0">
+            <a:spAutoFit/>
+          </a:bodyPr>
+          <a:lstStyle/>
+          <a:p>
+            <a:pPr algn="ctr"/>
+            <a:r>
+              <a:rPr lang="fr-FR" sz="4800" b="1" dirty="0">
+                <a:solidFill>
+                  <a:schemeClr val="bg1"/>
+                </a:solidFill>
+                <a:latin typeface="Carlito" panose="020F0502020204030204" pitchFamily="34" charset="0"/>
+                <a:cs typeface="Carlito" panose="020F0502020204030204" pitchFamily="34" charset="0"/>
+              </a:rPr>
+              <a:t>2.2. Choix esthétiques</a:t>
+            </a:r>
+          </a:p>
+        </p:txBody>
+      </p:sp>
+      <p:sp>
+        <p:nvSpPr>
+          <p:cNvPr id="5" name="ZoneTexte 4">
+            <a:extLst>
+              <a:ext uri="{FF2B5EF4-FFF2-40B4-BE49-F238E27FC236}">
+                <a16:creationId xmlns:a16="http://schemas.microsoft.com/office/drawing/2014/main" id="{D2B52D68-1639-42B1-8741-04BFF3B54220}"/>
+              </a:ext>
+            </a:extLst>
+          </p:cNvPr>
+          <p:cNvSpPr txBox="1"/>
+          <p:nvPr/>
+        </p:nvSpPr>
+        <p:spPr>
+          <a:xfrm>
+            <a:off x="5209563" y="157281"/>
+            <a:ext cx="6719582" cy="1569660"/>
+          </a:xfrm>
+          <a:prstGeom prst="rect">
+            <a:avLst/>
+          </a:prstGeom>
+          <a:noFill/>
+          <a:ln w="57150">
+            <a:solidFill>
+              <a:schemeClr val="tx1"/>
+            </a:solidFill>
+          </a:ln>
+        </p:spPr>
+        <p:txBody>
+          <a:bodyPr wrap="square" rtlCol="0">
+            <a:spAutoFit/>
+          </a:bodyPr>
+          <a:lstStyle/>
+          <a:p>
+            <a:pPr algn="ctr"/>
+            <a:r>
+              <a:rPr lang="fr-FR" sz="3200" dirty="0">
+                <a:solidFill>
+                  <a:schemeClr val="tx2">
+                    <a:lumMod val="75000"/>
+                  </a:schemeClr>
+                </a:solidFill>
+                <a:latin typeface="Carlito" panose="020F0502020204030204" pitchFamily="34" charset="0"/>
+                <a:cs typeface="Carlito" panose="020F0502020204030204" pitchFamily="34" charset="0"/>
+              </a:rPr>
+              <a:t>Introduction</a:t>
+            </a:r>
+            <a:r>
+              <a:rPr lang="fr-FR" sz="3200" b="1" dirty="0">
+                <a:solidFill>
+                  <a:schemeClr val="bg1"/>
+                </a:solidFill>
+                <a:latin typeface="Carlito" panose="020F0502020204030204" pitchFamily="34" charset="0"/>
+                <a:cs typeface="Carlito" panose="020F0502020204030204" pitchFamily="34" charset="0"/>
+              </a:rPr>
+              <a:t>	</a:t>
+            </a:r>
+            <a:r>
+              <a:rPr lang="fr-FR" sz="3200" dirty="0">
+                <a:solidFill>
+                  <a:schemeClr val="tx2">
+                    <a:lumMod val="75000"/>
+                  </a:schemeClr>
+                </a:solidFill>
+                <a:latin typeface="Carlito" panose="020F0502020204030204" pitchFamily="34" charset="0"/>
+                <a:cs typeface="Carlito" panose="020F0502020204030204" pitchFamily="34" charset="0"/>
+              </a:rPr>
+              <a:t>1. Partie économique et juridique </a:t>
+            </a:r>
+            <a:r>
+              <a:rPr lang="fr-FR" sz="3200" b="1" dirty="0">
+                <a:solidFill>
+                  <a:schemeClr val="bg1"/>
+                </a:solidFill>
+                <a:latin typeface="Carlito" panose="020F0502020204030204" pitchFamily="34" charset="0"/>
+                <a:cs typeface="Carlito" panose="020F0502020204030204" pitchFamily="34" charset="0"/>
+              </a:rPr>
+              <a:t>2. Présentation du site Web</a:t>
+            </a:r>
+          </a:p>
+          <a:p>
+            <a:pPr algn="ctr"/>
+            <a:r>
+              <a:rPr lang="fr-FR" sz="3200" dirty="0">
+                <a:solidFill>
+                  <a:schemeClr val="tx2">
+                    <a:lumMod val="75000"/>
+                  </a:schemeClr>
+                </a:solidFill>
+                <a:latin typeface="Carlito" panose="020F0502020204030204" pitchFamily="34" charset="0"/>
+                <a:cs typeface="Carlito" panose="020F0502020204030204" pitchFamily="34" charset="0"/>
+              </a:rPr>
+              <a:t>3. Travail en groupe</a:t>
+            </a:r>
+            <a:r>
+              <a:rPr lang="fr-FR" sz="3200" b="1" dirty="0">
+                <a:solidFill>
+                  <a:schemeClr val="tx2">
+                    <a:lumMod val="75000"/>
+                  </a:schemeClr>
+                </a:solidFill>
+                <a:latin typeface="Carlito" panose="020F0502020204030204" pitchFamily="34" charset="0"/>
+                <a:cs typeface="Carlito" panose="020F0502020204030204" pitchFamily="34" charset="0"/>
+              </a:rPr>
+              <a:t>	</a:t>
+            </a:r>
+            <a:r>
+              <a:rPr lang="fr-FR" sz="3200" dirty="0">
+                <a:solidFill>
+                  <a:schemeClr val="tx2">
+                    <a:lumMod val="75000"/>
+                  </a:schemeClr>
+                </a:solidFill>
+                <a:latin typeface="Carlito" panose="020F0502020204030204" pitchFamily="34" charset="0"/>
+                <a:cs typeface="Carlito" panose="020F0502020204030204" pitchFamily="34" charset="0"/>
+              </a:rPr>
+              <a:t>Conclusion</a:t>
+            </a:r>
+          </a:p>
+        </p:txBody>
+      </p:sp>
+      <p:sp>
+        <p:nvSpPr>
+          <p:cNvPr id="6" name="ZoneTexte 5">
+            <a:extLst>
+              <a:ext uri="{FF2B5EF4-FFF2-40B4-BE49-F238E27FC236}">
+                <a16:creationId xmlns:a16="http://schemas.microsoft.com/office/drawing/2014/main" id="{B51DB91F-53F4-4EE4-9C90-1D138A98B5E9}"/>
+              </a:ext>
+            </a:extLst>
+          </p:cNvPr>
+          <p:cNvSpPr txBox="1"/>
+          <p:nvPr/>
+        </p:nvSpPr>
+        <p:spPr>
+          <a:xfrm>
+            <a:off x="214979" y="2497756"/>
+            <a:ext cx="7744798" cy="3709349"/>
+          </a:xfrm>
+          <a:prstGeom prst="rect">
+            <a:avLst/>
+          </a:prstGeom>
+          <a:noFill/>
+        </p:spPr>
+        <p:txBody>
+          <a:bodyPr wrap="square" rtlCol="0">
+            <a:spAutoFit/>
+          </a:bodyPr>
+          <a:lstStyle/>
+          <a:p>
+            <a:pPr marL="285750" indent="-285750" algn="just">
+              <a:lnSpc>
+                <a:spcPct val="150000"/>
+              </a:lnSpc>
+              <a:buFont typeface="Arial" panose="020B0604020202020204" pitchFamily="34" charset="0"/>
+              <a:buChar char="•"/>
+            </a:pPr>
+            <a:r>
+              <a:rPr lang="fr-FR" sz="3200" dirty="0">
+                <a:latin typeface="Carlito" panose="020F0502020204030204" pitchFamily="34" charset="0"/>
+                <a:cs typeface="Carlito" panose="020F0502020204030204" pitchFamily="34" charset="0"/>
+                <a:sym typeface="Wingdings" panose="05000000000000000000" pitchFamily="2" charset="2"/>
+              </a:rPr>
+              <a:t>Utilisation du style </a:t>
+            </a:r>
+            <a:r>
+              <a:rPr lang="fr-FR" sz="3200" b="1" dirty="0">
+                <a:latin typeface="Carlito" panose="020F0502020204030204" pitchFamily="34" charset="0"/>
+                <a:cs typeface="Carlito" panose="020F0502020204030204" pitchFamily="34" charset="0"/>
+                <a:sym typeface="Wingdings" panose="05000000000000000000" pitchFamily="2" charset="2"/>
+              </a:rPr>
+              <a:t>Material Design</a:t>
+            </a:r>
+            <a:r>
+              <a:rPr lang="fr-FR" sz="3200" dirty="0">
+                <a:latin typeface="Carlito" panose="020F0502020204030204" pitchFamily="34" charset="0"/>
+                <a:cs typeface="Carlito" panose="020F0502020204030204" pitchFamily="34" charset="0"/>
+                <a:sym typeface="Wingdings" panose="05000000000000000000" pitchFamily="2" charset="2"/>
+              </a:rPr>
+              <a:t> pour le choix de la palette de couleur</a:t>
+            </a:r>
+          </a:p>
+          <a:p>
+            <a:pPr marL="285750" indent="-285750" algn="just">
+              <a:lnSpc>
+                <a:spcPct val="150000"/>
+              </a:lnSpc>
+              <a:buFont typeface="Arial" panose="020B0604020202020204" pitchFamily="34" charset="0"/>
+              <a:buChar char="•"/>
+            </a:pPr>
+            <a:r>
+              <a:rPr lang="fr-FR" sz="3200" dirty="0">
+                <a:latin typeface="Carlito" panose="020F0502020204030204" pitchFamily="34" charset="0"/>
+                <a:cs typeface="Carlito" panose="020F0502020204030204" pitchFamily="34" charset="0"/>
+                <a:sym typeface="Wingdings" panose="05000000000000000000" pitchFamily="2" charset="2"/>
+              </a:rPr>
+              <a:t>Barre de navigation Bootstrap </a:t>
+            </a:r>
+            <a:r>
+              <a:rPr lang="fr-FR" sz="3200" b="1" dirty="0">
+                <a:latin typeface="Carlito" panose="020F0502020204030204" pitchFamily="34" charset="0"/>
+                <a:cs typeface="Carlito" panose="020F0502020204030204" pitchFamily="34" charset="0"/>
+                <a:sym typeface="Wingdings" panose="05000000000000000000" pitchFamily="2" charset="2"/>
+              </a:rPr>
+              <a:t>claire</a:t>
+            </a:r>
+          </a:p>
+          <a:p>
+            <a:pPr marL="285750" indent="-285750" algn="just">
+              <a:lnSpc>
+                <a:spcPct val="150000"/>
+              </a:lnSpc>
+              <a:buFont typeface="Arial" panose="020B0604020202020204" pitchFamily="34" charset="0"/>
+              <a:buChar char="•"/>
+            </a:pPr>
+            <a:r>
+              <a:rPr lang="fr-FR" sz="3200" dirty="0">
+                <a:latin typeface="Carlito" panose="020F0502020204030204" pitchFamily="34" charset="0"/>
+                <a:cs typeface="Carlito" panose="020F0502020204030204" pitchFamily="34" charset="0"/>
+                <a:sym typeface="Wingdings" panose="05000000000000000000" pitchFamily="2" charset="2"/>
+              </a:rPr>
+              <a:t>Style </a:t>
+            </a:r>
+            <a:r>
+              <a:rPr lang="fr-FR" sz="3200" b="1" dirty="0">
+                <a:latin typeface="Carlito" panose="020F0502020204030204" pitchFamily="34" charset="0"/>
+                <a:cs typeface="Carlito" panose="020F0502020204030204" pitchFamily="34" charset="0"/>
+                <a:sym typeface="Wingdings" panose="05000000000000000000" pitchFamily="2" charset="2"/>
+              </a:rPr>
+              <a:t>moderne</a:t>
+            </a:r>
+            <a:r>
+              <a:rPr lang="fr-FR" sz="3200" dirty="0">
+                <a:latin typeface="Carlito" panose="020F0502020204030204" pitchFamily="34" charset="0"/>
+                <a:cs typeface="Carlito" panose="020F0502020204030204" pitchFamily="34" charset="0"/>
+                <a:sym typeface="Wingdings" panose="05000000000000000000" pitchFamily="2" charset="2"/>
+              </a:rPr>
+              <a:t>, suppression des </a:t>
+            </a:r>
+            <a:r>
+              <a:rPr lang="fr-FR" sz="3200" b="1" dirty="0">
+                <a:latin typeface="Carlito" panose="020F0502020204030204" pitchFamily="34" charset="0"/>
+                <a:cs typeface="Carlito" panose="020F0502020204030204" pitchFamily="34" charset="0"/>
+                <a:sym typeface="Wingdings" panose="05000000000000000000" pitchFamily="2" charset="2"/>
+              </a:rPr>
+              <a:t>arrondis</a:t>
+            </a:r>
+            <a:r>
+              <a:rPr lang="fr-FR" sz="3200" dirty="0">
+                <a:latin typeface="Carlito" panose="020F0502020204030204" pitchFamily="34" charset="0"/>
+                <a:cs typeface="Carlito" panose="020F0502020204030204" pitchFamily="34" charset="0"/>
+                <a:sym typeface="Wingdings" panose="05000000000000000000" pitchFamily="2" charset="2"/>
+              </a:rPr>
+              <a:t>, arrière-plans de </a:t>
+            </a:r>
+            <a:r>
+              <a:rPr lang="fr-FR" sz="3200" b="1" dirty="0">
+                <a:latin typeface="Carlito" panose="020F0502020204030204" pitchFamily="34" charset="0"/>
+                <a:cs typeface="Carlito" panose="020F0502020204030204" pitchFamily="34" charset="0"/>
+                <a:sym typeface="Wingdings" panose="05000000000000000000" pitchFamily="2" charset="2"/>
+              </a:rPr>
+              <a:t>bonne qualité</a:t>
+            </a:r>
+          </a:p>
+        </p:txBody>
+      </p:sp>
+      <p:pic>
+        <p:nvPicPr>
+          <p:cNvPr id="4098" name="Picture 2" descr="Résultat de recherche d'images pour &quot;palette couleur material design&quot;">
+            <a:extLst>
+              <a:ext uri="{FF2B5EF4-FFF2-40B4-BE49-F238E27FC236}">
+                <a16:creationId xmlns:a16="http://schemas.microsoft.com/office/drawing/2014/main" id="{E7A9E09E-0985-42ED-90B9-202CD131B823}"/>
+              </a:ext>
+            </a:extLst>
+          </p:cNvPr>
+          <p:cNvPicPr>
+            <a:picLocks noChangeAspect="1" noChangeArrowheads="1"/>
+          </p:cNvPicPr>
+          <p:nvPr/>
+        </p:nvPicPr>
+        <p:blipFill>
+          <a:blip r:embed="rId2">
+            <a:extLst>
+              <a:ext uri="{28A0092B-C50C-407E-A947-70E740481C1C}">
+                <a14:useLocalDpi xmlns:a14="http://schemas.microsoft.com/office/drawing/2010/main" val="0"/>
+              </a:ext>
+            </a:extLst>
+          </a:blip>
+          <a:srcRect/>
+          <a:stretch>
+            <a:fillRect/>
+          </a:stretch>
+        </p:blipFill>
+        <p:spPr bwMode="auto">
+          <a:xfrm>
+            <a:off x="8597731" y="3229646"/>
+            <a:ext cx="3142755" cy="2245568"/>
+          </a:xfrm>
+          <a:prstGeom prst="rect">
+            <a:avLst/>
+          </a:prstGeom>
+          <a:noFill/>
+          <a:ln>
+            <a:noFill/>
+          </a:ln>
+          <a:effectLst>
+            <a:outerShdw blurRad="149987" dist="250190" dir="8460000" algn="ctr">
+              <a:srgbClr val="000000">
+                <a:alpha val="28000"/>
+              </a:srgbClr>
+            </a:outerShdw>
+          </a:effectLst>
+          <a:scene3d>
+            <a:camera prst="orthographicFront">
+              <a:rot lat="0" lon="0" rev="0"/>
+            </a:camera>
+            <a:lightRig rig="contrasting" dir="t">
+              <a:rot lat="0" lon="0" rev="1500000"/>
+            </a:lightRig>
+          </a:scene3d>
+          <a:sp3d prstMaterial="metal">
+            <a:bevelT w="88900" h="88900"/>
+          </a:sp3d>
+          <a:extLst>
+            <a:ext uri="{909E8E84-426E-40DD-AFC4-6F175D3DCCD1}">
+              <a14:hiddenFill xmlns:a14="http://schemas.microsoft.com/office/drawing/2010/main">
+                <a:solidFill>
+                  <a:srgbClr val="FFFFFF"/>
+                </a:solidFill>
+              </a14:hiddenFill>
+            </a:ext>
+          </a:extLst>
+        </p:spPr>
+      </p:pic>
+    </p:spTree>
+    <p:extLst>
+      <p:ext uri="{BB962C8B-B14F-4D97-AF65-F5344CB8AC3E}">
+        <p14:creationId xmlns:p14="http://schemas.microsoft.com/office/powerpoint/2010/main" val="1049259097"/>
+      </p:ext>
+    </p:extLst>
+  </p:cSld>
+  <p:clrMapOvr>
+    <a:masterClrMapping/>
+  </p:clrMapOvr>
+</p:sld>
+</file>
+
+<file path=ppt/slides/slide13.xml><?xml version="1.0" encoding="utf-8"?>
+<p:sld xmlns:a="http://schemas.openxmlformats.org/drawingml/2006/main" xmlns:r="http://schemas.openxmlformats.org/officeDocument/2006/relationships" xmlns:p="http://schemas.openxmlformats.org/presentationml/2006/main">
+  <p:cSld>
+    <p:spTree>
+      <p:nvGrpSpPr>
+        <p:cNvPr id="1" name=""/>
+        <p:cNvGrpSpPr/>
+        <p:nvPr/>
+      </p:nvGrpSpPr>
+      <p:grpSpPr>
+        <a:xfrm>
+          <a:off x="0" y="0"/>
+          <a:ext cx="0" cy="0"/>
+          <a:chOff x="0" y="0"/>
+          <a:chExt cx="0" cy="0"/>
+        </a:xfrm>
+      </p:grpSpPr>
+      <p:sp>
+        <p:nvSpPr>
+          <p:cNvPr id="3" name="Espace réservé du numéro de diapositive 2">
+            <a:extLst>
+              <a:ext uri="{FF2B5EF4-FFF2-40B4-BE49-F238E27FC236}">
+                <a16:creationId xmlns:a16="http://schemas.microsoft.com/office/drawing/2014/main" id="{35CD04DD-8DCB-4B3C-ACCB-53D45007D704}"/>
+              </a:ext>
+            </a:extLst>
+          </p:cNvPr>
+          <p:cNvSpPr>
+            <a:spLocks noGrp="1"/>
+          </p:cNvSpPr>
+          <p:nvPr>
+            <p:ph type="sldNum" sz="quarter" idx="12"/>
+          </p:nvPr>
+        </p:nvSpPr>
+        <p:spPr/>
+        <p:txBody>
+          <a:bodyPr/>
+          <a:lstStyle/>
+          <a:p>
+            <a:fld id="{D57F1E4F-1CFF-5643-939E-217C01CDF565}" type="slidenum">
+              <a:rPr lang="en-US" smtClean="0"/>
+              <a:pPr/>
+              <a:t>13</a:t>
+            </a:fld>
+            <a:endParaRPr lang="en-US" dirty="0"/>
+          </a:p>
+        </p:txBody>
+      </p:sp>
+      <p:sp>
+        <p:nvSpPr>
+          <p:cNvPr id="4" name="ZoneTexte 3">
+            <a:extLst>
+              <a:ext uri="{FF2B5EF4-FFF2-40B4-BE49-F238E27FC236}">
+                <a16:creationId xmlns:a16="http://schemas.microsoft.com/office/drawing/2014/main" id="{D04BB437-C13D-4EF9-8BFC-027346A83454}"/>
+              </a:ext>
+            </a:extLst>
+          </p:cNvPr>
+          <p:cNvSpPr txBox="1"/>
+          <p:nvPr/>
+        </p:nvSpPr>
+        <p:spPr>
+          <a:xfrm>
+            <a:off x="356523" y="157281"/>
+            <a:ext cx="4434138" cy="1569660"/>
+          </a:xfrm>
+          <a:prstGeom prst="rect">
+            <a:avLst/>
+          </a:prstGeom>
+          <a:noFill/>
+          <a:ln w="57150">
+            <a:solidFill>
+              <a:schemeClr val="tx1"/>
+            </a:solidFill>
+          </a:ln>
+          <a:effectLst>
+            <a:outerShdw blurRad="50800" dist="38100" dir="2700000" algn="tl" rotWithShape="0">
+              <a:prstClr val="black">
+                <a:alpha val="40000"/>
+              </a:prstClr>
+            </a:outerShdw>
+          </a:effectLst>
+        </p:spPr>
+        <p:style>
+          <a:lnRef idx="2">
+            <a:schemeClr val="accent5"/>
+          </a:lnRef>
+          <a:fillRef idx="1">
+            <a:schemeClr val="lt1"/>
+          </a:fillRef>
+          <a:effectRef idx="0">
+            <a:schemeClr val="accent5"/>
+          </a:effectRef>
+          <a:fontRef idx="minor">
+            <a:schemeClr val="dk1"/>
+          </a:fontRef>
+        </p:style>
+        <p:txBody>
+          <a:bodyPr wrap="square" rtlCol="0">
+            <a:spAutoFit/>
+          </a:bodyPr>
+          <a:lstStyle/>
+          <a:p>
+            <a:pPr algn="ctr"/>
+            <a:r>
+              <a:rPr lang="fr-FR" sz="4800" b="1" dirty="0">
+                <a:solidFill>
+                  <a:schemeClr val="bg1"/>
+                </a:solidFill>
+                <a:latin typeface="Carlito" panose="020F0502020204030204" pitchFamily="34" charset="0"/>
+                <a:cs typeface="Carlito" panose="020F0502020204030204" pitchFamily="34" charset="0"/>
+              </a:rPr>
+              <a:t>2.3. Contraintes techniques</a:t>
+            </a:r>
+          </a:p>
+        </p:txBody>
+      </p:sp>
+      <p:sp>
+        <p:nvSpPr>
+          <p:cNvPr id="5" name="ZoneTexte 4">
+            <a:extLst>
+              <a:ext uri="{FF2B5EF4-FFF2-40B4-BE49-F238E27FC236}">
+                <a16:creationId xmlns:a16="http://schemas.microsoft.com/office/drawing/2014/main" id="{D2B52D68-1639-42B1-8741-04BFF3B54220}"/>
+              </a:ext>
+            </a:extLst>
+          </p:cNvPr>
+          <p:cNvSpPr txBox="1"/>
+          <p:nvPr/>
+        </p:nvSpPr>
+        <p:spPr>
+          <a:xfrm>
+            <a:off x="5209563" y="157281"/>
+            <a:ext cx="6719582" cy="1569660"/>
+          </a:xfrm>
+          <a:prstGeom prst="rect">
+            <a:avLst/>
+          </a:prstGeom>
+          <a:noFill/>
+          <a:ln w="57150">
+            <a:solidFill>
+              <a:schemeClr val="tx1"/>
+            </a:solidFill>
+          </a:ln>
+        </p:spPr>
+        <p:txBody>
+          <a:bodyPr wrap="square" rtlCol="0">
+            <a:spAutoFit/>
+          </a:bodyPr>
+          <a:lstStyle/>
+          <a:p>
+            <a:pPr algn="ctr"/>
+            <a:r>
+              <a:rPr lang="fr-FR" sz="3200" dirty="0">
+                <a:solidFill>
+                  <a:schemeClr val="tx2">
+                    <a:lumMod val="75000"/>
+                  </a:schemeClr>
+                </a:solidFill>
+                <a:latin typeface="Carlito" panose="020F0502020204030204" pitchFamily="34" charset="0"/>
+                <a:cs typeface="Carlito" panose="020F0502020204030204" pitchFamily="34" charset="0"/>
+              </a:rPr>
+              <a:t>Introduction</a:t>
+            </a:r>
+            <a:r>
+              <a:rPr lang="fr-FR" sz="3200" b="1" dirty="0">
+                <a:solidFill>
+                  <a:schemeClr val="bg1"/>
+                </a:solidFill>
+                <a:latin typeface="Carlito" panose="020F0502020204030204" pitchFamily="34" charset="0"/>
+                <a:cs typeface="Carlito" panose="020F0502020204030204" pitchFamily="34" charset="0"/>
+              </a:rPr>
+              <a:t>	</a:t>
+            </a:r>
+            <a:r>
+              <a:rPr lang="fr-FR" sz="3200" dirty="0">
+                <a:solidFill>
+                  <a:schemeClr val="tx2">
+                    <a:lumMod val="75000"/>
+                  </a:schemeClr>
+                </a:solidFill>
+                <a:latin typeface="Carlito" panose="020F0502020204030204" pitchFamily="34" charset="0"/>
+                <a:cs typeface="Carlito" panose="020F0502020204030204" pitchFamily="34" charset="0"/>
+              </a:rPr>
+              <a:t>1. Partie économique et juridique </a:t>
+            </a:r>
+            <a:r>
+              <a:rPr lang="fr-FR" sz="3200" b="1" dirty="0">
+                <a:solidFill>
+                  <a:schemeClr val="bg1"/>
+                </a:solidFill>
+                <a:latin typeface="Carlito" panose="020F0502020204030204" pitchFamily="34" charset="0"/>
+                <a:cs typeface="Carlito" panose="020F0502020204030204" pitchFamily="34" charset="0"/>
+              </a:rPr>
+              <a:t>2. Présentation du site Web</a:t>
+            </a:r>
+          </a:p>
+          <a:p>
+            <a:pPr algn="ctr"/>
+            <a:r>
+              <a:rPr lang="fr-FR" sz="3200" dirty="0">
+                <a:solidFill>
+                  <a:schemeClr val="tx2">
+                    <a:lumMod val="75000"/>
+                  </a:schemeClr>
+                </a:solidFill>
+                <a:latin typeface="Carlito" panose="020F0502020204030204" pitchFamily="34" charset="0"/>
+                <a:cs typeface="Carlito" panose="020F0502020204030204" pitchFamily="34" charset="0"/>
+              </a:rPr>
+              <a:t>3. Travail en groupe</a:t>
+            </a:r>
+            <a:r>
+              <a:rPr lang="fr-FR" sz="3200" b="1" dirty="0">
+                <a:solidFill>
+                  <a:schemeClr val="tx2">
+                    <a:lumMod val="75000"/>
+                  </a:schemeClr>
+                </a:solidFill>
+                <a:latin typeface="Carlito" panose="020F0502020204030204" pitchFamily="34" charset="0"/>
+                <a:cs typeface="Carlito" panose="020F0502020204030204" pitchFamily="34" charset="0"/>
+              </a:rPr>
+              <a:t>	</a:t>
+            </a:r>
+            <a:r>
+              <a:rPr lang="fr-FR" sz="3200" dirty="0">
+                <a:solidFill>
+                  <a:schemeClr val="tx2">
+                    <a:lumMod val="75000"/>
+                  </a:schemeClr>
+                </a:solidFill>
+                <a:latin typeface="Carlito" panose="020F0502020204030204" pitchFamily="34" charset="0"/>
+                <a:cs typeface="Carlito" panose="020F0502020204030204" pitchFamily="34" charset="0"/>
+              </a:rPr>
+              <a:t>Conclusion</a:t>
+            </a:r>
+          </a:p>
+        </p:txBody>
+      </p:sp>
+      <p:sp>
+        <p:nvSpPr>
+          <p:cNvPr id="6" name="ZoneTexte 5">
+            <a:extLst>
+              <a:ext uri="{FF2B5EF4-FFF2-40B4-BE49-F238E27FC236}">
+                <a16:creationId xmlns:a16="http://schemas.microsoft.com/office/drawing/2014/main" id="{B51DB91F-53F4-4EE4-9C90-1D138A98B5E9}"/>
+              </a:ext>
+            </a:extLst>
+          </p:cNvPr>
+          <p:cNvSpPr txBox="1"/>
+          <p:nvPr/>
+        </p:nvSpPr>
+        <p:spPr>
+          <a:xfrm>
+            <a:off x="3995688" y="2206539"/>
+            <a:ext cx="7744798" cy="4448013"/>
+          </a:xfrm>
+          <a:prstGeom prst="rect">
+            <a:avLst/>
+          </a:prstGeom>
+          <a:noFill/>
+        </p:spPr>
+        <p:txBody>
+          <a:bodyPr wrap="square" rtlCol="0">
+            <a:spAutoFit/>
+          </a:bodyPr>
+          <a:lstStyle/>
+          <a:p>
+            <a:pPr marL="285750" indent="-285750" algn="just">
+              <a:lnSpc>
+                <a:spcPct val="150000"/>
+              </a:lnSpc>
+              <a:buFont typeface="Arial" panose="020B0604020202020204" pitchFamily="34" charset="0"/>
+              <a:buChar char="•"/>
+            </a:pPr>
+            <a:r>
+              <a:rPr lang="fr-FR" sz="3200" b="1" dirty="0">
+                <a:latin typeface="Carlito" panose="020F0502020204030204" pitchFamily="34" charset="0"/>
+                <a:cs typeface="Carlito" panose="020F0502020204030204" pitchFamily="34" charset="0"/>
+                <a:sym typeface="Wingdings" panose="05000000000000000000" pitchFamily="2" charset="2"/>
+              </a:rPr>
+              <a:t>Barre de navigation </a:t>
+            </a:r>
+            <a:r>
+              <a:rPr lang="fr-FR" sz="3200" dirty="0">
+                <a:latin typeface="Carlito" panose="020F0502020204030204" pitchFamily="34" charset="0"/>
+                <a:cs typeface="Carlito" panose="020F0502020204030204" pitchFamily="34" charset="0"/>
+                <a:sym typeface="Wingdings" panose="05000000000000000000" pitchFamily="2" charset="2"/>
+              </a:rPr>
+              <a:t>causant des soucis suivant la </a:t>
+            </a:r>
+            <a:r>
+              <a:rPr lang="fr-FR" sz="3200" b="1" dirty="0">
+                <a:latin typeface="Carlito" panose="020F0502020204030204" pitchFamily="34" charset="0"/>
+                <a:cs typeface="Carlito" panose="020F0502020204030204" pitchFamily="34" charset="0"/>
+                <a:sym typeface="Wingdings" panose="05000000000000000000" pitchFamily="2" charset="2"/>
+              </a:rPr>
+              <a:t>taille</a:t>
+            </a:r>
+            <a:r>
+              <a:rPr lang="fr-FR" sz="3200" dirty="0">
+                <a:latin typeface="Carlito" panose="020F0502020204030204" pitchFamily="34" charset="0"/>
+                <a:cs typeface="Carlito" panose="020F0502020204030204" pitchFamily="34" charset="0"/>
+                <a:sym typeface="Wingdings" panose="05000000000000000000" pitchFamily="2" charset="2"/>
+              </a:rPr>
+              <a:t> du navigateur</a:t>
+            </a:r>
+          </a:p>
+          <a:p>
+            <a:pPr marL="285750" indent="-285750" algn="just">
+              <a:lnSpc>
+                <a:spcPct val="150000"/>
+              </a:lnSpc>
+              <a:buFont typeface="Arial" panose="020B0604020202020204" pitchFamily="34" charset="0"/>
+              <a:buChar char="•"/>
+            </a:pPr>
+            <a:r>
+              <a:rPr lang="fr-FR" sz="3200" dirty="0">
+                <a:latin typeface="Carlito" panose="020F0502020204030204" pitchFamily="34" charset="0"/>
+                <a:cs typeface="Carlito" panose="020F0502020204030204" pitchFamily="34" charset="0"/>
+                <a:sym typeface="Wingdings" panose="05000000000000000000" pitchFamily="2" charset="2"/>
+              </a:rPr>
+              <a:t>Complexité au niveau du </a:t>
+            </a:r>
+            <a:r>
+              <a:rPr lang="fr-FR" sz="3200" b="1" dirty="0">
+                <a:latin typeface="Carlito" panose="020F0502020204030204" pitchFamily="34" charset="0"/>
+                <a:cs typeface="Carlito" panose="020F0502020204030204" pitchFamily="34" charset="0"/>
+                <a:sym typeface="Wingdings" panose="05000000000000000000" pitchFamily="2" charset="2"/>
+              </a:rPr>
+              <a:t>fonctionnement</a:t>
+            </a:r>
+            <a:r>
+              <a:rPr lang="fr-FR" sz="3200" dirty="0">
+                <a:latin typeface="Carlito" panose="020F0502020204030204" pitchFamily="34" charset="0"/>
+                <a:cs typeface="Carlito" panose="020F0502020204030204" pitchFamily="34" charset="0"/>
+                <a:sym typeface="Wingdings" panose="05000000000000000000" pitchFamily="2" charset="2"/>
+              </a:rPr>
+              <a:t> de la page de </a:t>
+            </a:r>
+            <a:r>
+              <a:rPr lang="fr-FR" sz="3200" b="1" dirty="0">
+                <a:latin typeface="Carlito" panose="020F0502020204030204" pitchFamily="34" charset="0"/>
+                <a:cs typeface="Carlito" panose="020F0502020204030204" pitchFamily="34" charset="0"/>
+                <a:sym typeface="Wingdings" panose="05000000000000000000" pitchFamily="2" charset="2"/>
+              </a:rPr>
+              <a:t>contact</a:t>
+            </a:r>
+          </a:p>
+          <a:p>
+            <a:pPr marL="285750" indent="-285750" algn="just">
+              <a:lnSpc>
+                <a:spcPct val="150000"/>
+              </a:lnSpc>
+              <a:buFont typeface="Arial" panose="020B0604020202020204" pitchFamily="34" charset="0"/>
+              <a:buChar char="•"/>
+            </a:pPr>
+            <a:r>
+              <a:rPr lang="fr-FR" sz="3200" dirty="0">
+                <a:latin typeface="Carlito" panose="020F0502020204030204" pitchFamily="34" charset="0"/>
+                <a:cs typeface="Carlito" panose="020F0502020204030204" pitchFamily="34" charset="0"/>
+                <a:sym typeface="Wingdings" panose="05000000000000000000" pitchFamily="2" charset="2"/>
+              </a:rPr>
+              <a:t>Difficultés à l’adaptation de </a:t>
+            </a:r>
+            <a:r>
+              <a:rPr lang="fr-FR" sz="3200" b="1" dirty="0">
+                <a:latin typeface="Carlito" panose="020F0502020204030204" pitchFamily="34" charset="0"/>
+                <a:cs typeface="Carlito" panose="020F0502020204030204" pitchFamily="34" charset="0"/>
+                <a:sym typeface="Wingdings" panose="05000000000000000000" pitchFamily="2" charset="2"/>
+              </a:rPr>
+              <a:t>l’affichage mobile</a:t>
+            </a:r>
+          </a:p>
+        </p:txBody>
+      </p:sp>
+      <p:pic>
+        <p:nvPicPr>
+          <p:cNvPr id="5122" name="Picture 2" descr="Résultat de recherche d'images pour &quot;responsive web design mobile&quot;">
+            <a:extLst>
+              <a:ext uri="{FF2B5EF4-FFF2-40B4-BE49-F238E27FC236}">
+                <a16:creationId xmlns:a16="http://schemas.microsoft.com/office/drawing/2014/main" id="{6C8353E5-E084-43C7-9767-15DC2AB3945E}"/>
+              </a:ext>
+            </a:extLst>
+          </p:cNvPr>
+          <p:cNvPicPr>
+            <a:picLocks noChangeAspect="1" noChangeArrowheads="1"/>
+          </p:cNvPicPr>
+          <p:nvPr/>
+        </p:nvPicPr>
+        <p:blipFill>
+          <a:blip r:embed="rId2">
+            <a:extLst>
+              <a:ext uri="{28A0092B-C50C-407E-A947-70E740481C1C}">
+                <a14:useLocalDpi xmlns:a14="http://schemas.microsoft.com/office/drawing/2010/main" val="0"/>
+              </a:ext>
+            </a:extLst>
+          </a:blip>
+          <a:srcRect/>
+          <a:stretch>
+            <a:fillRect/>
+          </a:stretch>
+        </p:blipFill>
+        <p:spPr bwMode="auto">
+          <a:xfrm>
+            <a:off x="356523" y="3017189"/>
+            <a:ext cx="3293256" cy="2826712"/>
+          </a:xfrm>
+          <a:prstGeom prst="rect">
+            <a:avLst/>
+          </a:prstGeom>
+          <a:noFill/>
+          <a:ln>
+            <a:noFill/>
+          </a:ln>
+          <a:effectLst>
+            <a:outerShdw blurRad="149987" dist="250190" dir="8460000" algn="ctr">
+              <a:srgbClr val="000000">
+                <a:alpha val="28000"/>
+              </a:srgbClr>
+            </a:outerShdw>
+          </a:effectLst>
+          <a:scene3d>
+            <a:camera prst="orthographicFront">
+              <a:rot lat="0" lon="0" rev="0"/>
+            </a:camera>
+            <a:lightRig rig="contrasting" dir="t">
+              <a:rot lat="0" lon="0" rev="1500000"/>
+            </a:lightRig>
+          </a:scene3d>
+          <a:sp3d prstMaterial="metal">
+            <a:bevelT w="88900" h="88900"/>
+          </a:sp3d>
+          <a:extLst>
+            <a:ext uri="{909E8E84-426E-40DD-AFC4-6F175D3DCCD1}">
+              <a14:hiddenFill xmlns:a14="http://schemas.microsoft.com/office/drawing/2010/main">
+                <a:solidFill>
+                  <a:srgbClr val="FFFFFF"/>
+                </a:solidFill>
+              </a14:hiddenFill>
+            </a:ext>
+          </a:extLst>
+        </p:spPr>
+      </p:pic>
+    </p:spTree>
+    <p:extLst>
+      <p:ext uri="{BB962C8B-B14F-4D97-AF65-F5344CB8AC3E}">
+        <p14:creationId xmlns:p14="http://schemas.microsoft.com/office/powerpoint/2010/main" val="1086901217"/>
+      </p:ext>
+    </p:extLst>
+  </p:cSld>
+  <p:clrMapOvr>
+    <a:masterClrMapping/>
+  </p:clrMapOvr>
+</p:sld>
+</file>
+
+<file path=ppt/slides/slide14.xml><?xml version="1.0" encoding="utf-8"?>
+<p:sld xmlns:a="http://schemas.openxmlformats.org/drawingml/2006/main" xmlns:r="http://schemas.openxmlformats.org/officeDocument/2006/relationships" xmlns:p="http://schemas.openxmlformats.org/presentationml/2006/main">
+  <p:cSld>
+    <p:spTree>
+      <p:nvGrpSpPr>
+        <p:cNvPr id="1" name=""/>
+        <p:cNvGrpSpPr/>
+        <p:nvPr/>
+      </p:nvGrpSpPr>
+      <p:grpSpPr>
+        <a:xfrm>
+          <a:off x="0" y="0"/>
+          <a:ext cx="0" cy="0"/>
+          <a:chOff x="0" y="0"/>
+          <a:chExt cx="0" cy="0"/>
+        </a:xfrm>
+      </p:grpSpPr>
+      <p:sp>
+        <p:nvSpPr>
+          <p:cNvPr id="2" name="Espace réservé du numéro de diapositive 1">
+            <a:extLst>
+              <a:ext uri="{FF2B5EF4-FFF2-40B4-BE49-F238E27FC236}">
+                <a16:creationId xmlns:a16="http://schemas.microsoft.com/office/drawing/2014/main" id="{F6B22751-DE39-4E36-8F2E-D8212AAFC625}"/>
+              </a:ext>
+            </a:extLst>
+          </p:cNvPr>
+          <p:cNvSpPr>
+            <a:spLocks noGrp="1"/>
+          </p:cNvSpPr>
+          <p:nvPr>
+            <p:ph type="sldNum" sz="quarter" idx="12"/>
+          </p:nvPr>
+        </p:nvSpPr>
+        <p:spPr/>
+        <p:txBody>
+          <a:bodyPr/>
+          <a:lstStyle/>
+          <a:p>
+            <a:fld id="{D57F1E4F-1CFF-5643-939E-217C01CDF565}" type="slidenum">
+              <a:rPr lang="en-US" smtClean="0"/>
+              <a:pPr/>
+              <a:t>14</a:t>
+            </a:fld>
+            <a:endParaRPr lang="en-US" dirty="0"/>
+          </a:p>
+        </p:txBody>
+      </p:sp>
+      <p:sp>
+        <p:nvSpPr>
+          <p:cNvPr id="3" name="ZoneTexte 2">
+            <a:extLst>
+              <a:ext uri="{FF2B5EF4-FFF2-40B4-BE49-F238E27FC236}">
+                <a16:creationId xmlns:a16="http://schemas.microsoft.com/office/drawing/2014/main" id="{8D795B14-AC4B-4C41-AFE1-D51ED5E2AB52}"/>
+              </a:ext>
+            </a:extLst>
+          </p:cNvPr>
+          <p:cNvSpPr txBox="1"/>
+          <p:nvPr/>
+        </p:nvSpPr>
+        <p:spPr>
+          <a:xfrm>
+            <a:off x="2014407" y="2151727"/>
+            <a:ext cx="8163186" cy="2554545"/>
+          </a:xfrm>
+          <a:prstGeom prst="rect">
+            <a:avLst/>
+          </a:prstGeom>
+          <a:solidFill>
+            <a:schemeClr val="bg2"/>
+          </a:solidFill>
+          <a:ln w="57150">
+            <a:solidFill>
+              <a:schemeClr val="accent1"/>
+            </a:solidFill>
+          </a:ln>
+          <a:effectLst>
+            <a:outerShdw blurRad="50800" dist="38100" dir="2700000" algn="tl" rotWithShape="0">
+              <a:prstClr val="black">
+                <a:alpha val="40000"/>
+              </a:prstClr>
+            </a:outerShdw>
+          </a:effectLst>
+        </p:spPr>
+        <p:style>
+          <a:lnRef idx="2">
+            <a:schemeClr val="accent5"/>
+          </a:lnRef>
+          <a:fillRef idx="1">
+            <a:schemeClr val="lt1"/>
+          </a:fillRef>
+          <a:effectRef idx="0">
+            <a:schemeClr val="accent5"/>
+          </a:effectRef>
+          <a:fontRef idx="minor">
+            <a:schemeClr val="dk1"/>
+          </a:fontRef>
+        </p:style>
+        <p:txBody>
+          <a:bodyPr wrap="square" rtlCol="0">
+            <a:spAutoFit/>
+          </a:bodyPr>
+          <a:lstStyle/>
+          <a:p>
+            <a:pPr algn="ctr"/>
+            <a:r>
+              <a:rPr lang="fr-FR" sz="8000" b="1" dirty="0">
+                <a:solidFill>
+                  <a:schemeClr val="tx1"/>
+                </a:solidFill>
+                <a:latin typeface="Carlito" panose="020F0502020204030204" pitchFamily="34" charset="0"/>
+                <a:cs typeface="Carlito" panose="020F0502020204030204" pitchFamily="34" charset="0"/>
+              </a:rPr>
+              <a:t>3. Présentation du travail en groupe</a:t>
+            </a:r>
+          </a:p>
+        </p:txBody>
+      </p:sp>
+    </p:spTree>
+    <p:extLst>
+      <p:ext uri="{BB962C8B-B14F-4D97-AF65-F5344CB8AC3E}">
+        <p14:creationId xmlns:p14="http://schemas.microsoft.com/office/powerpoint/2010/main" val="2889830260"/>
+      </p:ext>
+    </p:extLst>
+  </p:cSld>
+  <p:clrMapOvr>
+    <a:masterClrMapping/>
+  </p:clrMapOvr>
+</p:sld>
+</file>
+
+<file path=ppt/slides/slide15.xml><?xml version="1.0" encoding="utf-8"?>
+<p:sld xmlns:a="http://schemas.openxmlformats.org/drawingml/2006/main" xmlns:r="http://schemas.openxmlformats.org/officeDocument/2006/relationships" xmlns:p="http://schemas.openxmlformats.org/presentationml/2006/main">
+  <p:cSld>
+    <p:spTree>
+      <p:nvGrpSpPr>
+        <p:cNvPr id="1" name=""/>
+        <p:cNvGrpSpPr/>
+        <p:nvPr/>
+      </p:nvGrpSpPr>
+      <p:grpSpPr>
+        <a:xfrm>
+          <a:off x="0" y="0"/>
+          <a:ext cx="0" cy="0"/>
+          <a:chOff x="0" y="0"/>
+          <a:chExt cx="0" cy="0"/>
+        </a:xfrm>
+      </p:grpSpPr>
+      <p:sp>
+        <p:nvSpPr>
+          <p:cNvPr id="2" name="Espace réservé du numéro de diapositive 1">
+            <a:extLst>
+              <a:ext uri="{FF2B5EF4-FFF2-40B4-BE49-F238E27FC236}">
+                <a16:creationId xmlns:a16="http://schemas.microsoft.com/office/drawing/2014/main" id="{83E82421-B2A4-4A24-829B-DAEE38CCC0CF}"/>
+              </a:ext>
+            </a:extLst>
+          </p:cNvPr>
+          <p:cNvSpPr>
+            <a:spLocks noGrp="1"/>
+          </p:cNvSpPr>
+          <p:nvPr>
+            <p:ph type="sldNum" sz="quarter" idx="12"/>
+          </p:nvPr>
+        </p:nvSpPr>
+        <p:spPr/>
+        <p:txBody>
+          <a:bodyPr/>
+          <a:lstStyle/>
+          <a:p>
+            <a:fld id="{D57F1E4F-1CFF-5643-939E-217C01CDF565}" type="slidenum">
+              <a:rPr lang="en-US" smtClean="0"/>
+              <a:pPr/>
+              <a:t>15</a:t>
+            </a:fld>
+            <a:endParaRPr lang="en-US" dirty="0"/>
+          </a:p>
+        </p:txBody>
+      </p:sp>
+      <p:sp>
+        <p:nvSpPr>
+          <p:cNvPr id="3" name="ZoneTexte 2">
+            <a:extLst>
+              <a:ext uri="{FF2B5EF4-FFF2-40B4-BE49-F238E27FC236}">
+                <a16:creationId xmlns:a16="http://schemas.microsoft.com/office/drawing/2014/main" id="{A37DC3C0-72D2-4D16-9E52-0B78687F679F}"/>
+              </a:ext>
+            </a:extLst>
+          </p:cNvPr>
+          <p:cNvSpPr txBox="1"/>
+          <p:nvPr/>
+        </p:nvSpPr>
+        <p:spPr>
+          <a:xfrm>
+            <a:off x="3204020" y="2644170"/>
+            <a:ext cx="5783959" cy="1569660"/>
+          </a:xfrm>
+          <a:prstGeom prst="rect">
+            <a:avLst/>
+          </a:prstGeom>
+          <a:solidFill>
+            <a:schemeClr val="bg2"/>
+          </a:solidFill>
+          <a:ln w="57150">
+            <a:solidFill>
+              <a:schemeClr val="accent1"/>
+            </a:solidFill>
+          </a:ln>
+          <a:effectLst>
+            <a:outerShdw blurRad="50800" dist="38100" dir="2700000" algn="tl" rotWithShape="0">
+              <a:prstClr val="black">
+                <a:alpha val="40000"/>
+              </a:prstClr>
+            </a:outerShdw>
+          </a:effectLst>
+        </p:spPr>
+        <p:style>
+          <a:lnRef idx="2">
+            <a:schemeClr val="accent5"/>
+          </a:lnRef>
+          <a:fillRef idx="1">
+            <a:schemeClr val="lt1"/>
+          </a:fillRef>
+          <a:effectRef idx="0">
+            <a:schemeClr val="accent5"/>
+          </a:effectRef>
+          <a:fontRef idx="minor">
+            <a:schemeClr val="dk1"/>
+          </a:fontRef>
+        </p:style>
+        <p:txBody>
+          <a:bodyPr wrap="square" rtlCol="0">
+            <a:spAutoFit/>
+          </a:bodyPr>
+          <a:lstStyle/>
+          <a:p>
+            <a:r>
+              <a:rPr lang="fr-FR" sz="9600" b="1" dirty="0">
+                <a:solidFill>
+                  <a:schemeClr val="tx1"/>
+                </a:solidFill>
+                <a:latin typeface="Carlito" panose="020F0502020204030204" pitchFamily="34" charset="0"/>
+                <a:cs typeface="Carlito" panose="020F0502020204030204" pitchFamily="34" charset="0"/>
+              </a:rPr>
+              <a:t>Conclusion</a:t>
+            </a:r>
+          </a:p>
+        </p:txBody>
+      </p:sp>
+    </p:spTree>
+    <p:extLst>
+      <p:ext uri="{BB962C8B-B14F-4D97-AF65-F5344CB8AC3E}">
+        <p14:creationId xmlns:p14="http://schemas.microsoft.com/office/powerpoint/2010/main" val="3065396099"/>
+      </p:ext>
+    </p:extLst>
+  </p:cSld>
+  <p:clrMapOvr>
+    <a:masterClrMapping/>
+  </p:clrMapOvr>
+</p:sld>
+</file>
+
+<file path=ppt/slides/slide2.xml><?xml version="1.0" encoding="utf-8"?>
+<p:sld xmlns:a="http://schemas.openxmlformats.org/drawingml/2006/main" xmlns:r="http://schemas.openxmlformats.org/officeDocument/2006/relationships" xmlns:p="http://schemas.openxmlformats.org/presentationml/2006/main">
+  <p:cSld>
+    <p:spTree>
+      <p:nvGrpSpPr>
+        <p:cNvPr id="1" name=""/>
+        <p:cNvGrpSpPr/>
+        <p:nvPr/>
+      </p:nvGrpSpPr>
+      <p:grpSpPr>
+        <a:xfrm>
+          <a:off x="0" y="0"/>
+          <a:ext cx="0" cy="0"/>
+          <a:chOff x="0" y="0"/>
+          <a:chExt cx="0" cy="0"/>
+        </a:xfrm>
+      </p:grpSpPr>
+      <p:sp>
+        <p:nvSpPr>
+          <p:cNvPr id="2" name="Espace réservé du numéro de diapositive 1">
+            <a:extLst>
+              <a:ext uri="{FF2B5EF4-FFF2-40B4-BE49-F238E27FC236}">
+                <a16:creationId xmlns:a16="http://schemas.microsoft.com/office/drawing/2014/main" id="{C5A40177-7E09-4661-A941-5BCD9E49DAB1}"/>
+              </a:ext>
+            </a:extLst>
+          </p:cNvPr>
+          <p:cNvSpPr>
+            <a:spLocks noGrp="1"/>
+          </p:cNvSpPr>
+          <p:nvPr>
+            <p:ph type="sldNum" sz="quarter" idx="12"/>
+          </p:nvPr>
+        </p:nvSpPr>
+        <p:spPr/>
+        <p:txBody>
+          <a:bodyPr/>
+          <a:lstStyle/>
+          <a:p>
+            <a:fld id="{D57F1E4F-1CFF-5643-939E-217C01CDF565}" type="slidenum">
+              <a:rPr lang="en-US" smtClean="0"/>
+              <a:pPr/>
+              <a:t>2</a:t>
+            </a:fld>
+            <a:endParaRPr lang="en-US" dirty="0"/>
+          </a:p>
+        </p:txBody>
+      </p:sp>
+      <p:sp>
+        <p:nvSpPr>
+          <p:cNvPr id="4" name="ZoneTexte 3">
+            <a:extLst>
+              <a:ext uri="{FF2B5EF4-FFF2-40B4-BE49-F238E27FC236}">
+                <a16:creationId xmlns:a16="http://schemas.microsoft.com/office/drawing/2014/main" id="{985475ED-1545-4132-953E-993A68107A7A}"/>
+              </a:ext>
+            </a:extLst>
+          </p:cNvPr>
+          <p:cNvSpPr txBox="1"/>
+          <p:nvPr/>
+        </p:nvSpPr>
+        <p:spPr>
+          <a:xfrm>
+            <a:off x="4053475" y="184506"/>
+            <a:ext cx="4085050" cy="1200329"/>
+          </a:xfrm>
+          <a:prstGeom prst="rect">
+            <a:avLst/>
+          </a:prstGeom>
+          <a:solidFill>
+            <a:schemeClr val="bg2"/>
+          </a:solidFill>
+          <a:ln w="57150">
+            <a:solidFill>
+              <a:schemeClr val="accent1"/>
+            </a:solidFill>
+          </a:ln>
+          <a:effectLst>
+            <a:outerShdw blurRad="50800" dist="38100" dir="2700000" algn="tl" rotWithShape="0">
+              <a:prstClr val="black">
+                <a:alpha val="40000"/>
+              </a:prstClr>
+            </a:outerShdw>
+          </a:effectLst>
+        </p:spPr>
+        <p:style>
+          <a:lnRef idx="2">
+            <a:schemeClr val="accent5"/>
+          </a:lnRef>
+          <a:fillRef idx="1">
+            <a:schemeClr val="lt1"/>
+          </a:fillRef>
+          <a:effectRef idx="0">
+            <a:schemeClr val="accent5"/>
+          </a:effectRef>
+          <a:fontRef idx="minor">
+            <a:schemeClr val="dk1"/>
+          </a:fontRef>
+        </p:style>
+        <p:txBody>
+          <a:bodyPr wrap="square" rtlCol="0">
+            <a:spAutoFit/>
+          </a:bodyPr>
+          <a:lstStyle/>
+          <a:p>
+            <a:r>
+              <a:rPr lang="fr-FR" sz="7200" b="1" dirty="0">
+                <a:solidFill>
+                  <a:schemeClr val="tx1"/>
+                </a:solidFill>
+                <a:latin typeface="Carlito" panose="020F0502020204030204" pitchFamily="34" charset="0"/>
+                <a:cs typeface="Carlito" panose="020F0502020204030204" pitchFamily="34" charset="0"/>
+              </a:rPr>
+              <a:t>Sommaire</a:t>
+            </a:r>
+          </a:p>
+        </p:txBody>
+      </p:sp>
+      <p:sp>
+        <p:nvSpPr>
+          <p:cNvPr id="5" name="ZoneTexte 4">
+            <a:extLst>
+              <a:ext uri="{FF2B5EF4-FFF2-40B4-BE49-F238E27FC236}">
+                <a16:creationId xmlns:a16="http://schemas.microsoft.com/office/drawing/2014/main" id="{19BC6A17-D550-489A-A3F5-B1E63805399B}"/>
+              </a:ext>
+            </a:extLst>
+          </p:cNvPr>
+          <p:cNvSpPr txBox="1"/>
+          <p:nvPr/>
+        </p:nvSpPr>
+        <p:spPr>
+          <a:xfrm>
+            <a:off x="1341464" y="1384835"/>
+            <a:ext cx="9509071" cy="5473165"/>
+          </a:xfrm>
+          <a:prstGeom prst="rect">
+            <a:avLst/>
+          </a:prstGeom>
+          <a:noFill/>
+        </p:spPr>
+        <p:txBody>
+          <a:bodyPr wrap="square" rtlCol="0">
+            <a:spAutoFit/>
+          </a:bodyPr>
+          <a:lstStyle/>
+          <a:p>
+            <a:pPr algn="ctr">
+              <a:lnSpc>
+                <a:spcPct val="150000"/>
+              </a:lnSpc>
+            </a:pPr>
+            <a:r>
+              <a:rPr lang="fr-FR" sz="2400" b="1" dirty="0">
+                <a:latin typeface="Carlito" panose="020F0502020204030204" pitchFamily="34" charset="0"/>
+                <a:cs typeface="Carlito" panose="020F0502020204030204" pitchFamily="34" charset="0"/>
+              </a:rPr>
+              <a:t>Introduction</a:t>
+            </a:r>
+          </a:p>
+          <a:p>
+            <a:pPr marL="457200" indent="-457200" algn="ctr">
+              <a:lnSpc>
+                <a:spcPct val="150000"/>
+              </a:lnSpc>
+              <a:buAutoNum type="arabicPeriod"/>
+            </a:pPr>
+            <a:r>
+              <a:rPr lang="fr-FR" sz="2400" b="1" dirty="0">
+                <a:latin typeface="Carlito" panose="020F0502020204030204" pitchFamily="34" charset="0"/>
+                <a:cs typeface="Carlito" panose="020F0502020204030204" pitchFamily="34" charset="0"/>
+              </a:rPr>
+              <a:t>Partie économique et juridique</a:t>
+            </a:r>
+          </a:p>
+          <a:p>
+            <a:pPr algn="ctr">
+              <a:lnSpc>
+                <a:spcPct val="150000"/>
+              </a:lnSpc>
+            </a:pPr>
+            <a:r>
+              <a:rPr lang="fr-FR" sz="1600" dirty="0">
+                <a:solidFill>
+                  <a:schemeClr val="bg2">
+                    <a:lumMod val="50000"/>
+                    <a:lumOff val="50000"/>
+                  </a:schemeClr>
+                </a:solidFill>
+                <a:latin typeface="Carlito" panose="020F0502020204030204" pitchFamily="34" charset="0"/>
+                <a:cs typeface="Carlito" panose="020F0502020204030204" pitchFamily="34" charset="0"/>
+              </a:rPr>
+              <a:t>1.1. Un empire boursier</a:t>
+            </a:r>
+          </a:p>
+          <a:p>
+            <a:pPr algn="ctr">
+              <a:lnSpc>
+                <a:spcPct val="150000"/>
+              </a:lnSpc>
+            </a:pPr>
+            <a:r>
+              <a:rPr lang="fr-FR" sz="1600" dirty="0">
+                <a:solidFill>
+                  <a:schemeClr val="bg2">
+                    <a:lumMod val="50000"/>
+                    <a:lumOff val="50000"/>
+                  </a:schemeClr>
+                </a:solidFill>
+                <a:latin typeface="Carlito" panose="020F0502020204030204" pitchFamily="34" charset="0"/>
+                <a:cs typeface="Carlito" panose="020F0502020204030204" pitchFamily="34" charset="0"/>
+              </a:rPr>
+              <a:t>1.2. Une société à modèle hybride</a:t>
+            </a:r>
+          </a:p>
+          <a:p>
+            <a:pPr algn="ctr">
+              <a:lnSpc>
+                <a:spcPct val="150000"/>
+              </a:lnSpc>
+            </a:pPr>
+            <a:r>
+              <a:rPr lang="fr-FR" sz="2400" b="1" dirty="0">
+                <a:latin typeface="Carlito" panose="020F0502020204030204" pitchFamily="34" charset="0"/>
+                <a:cs typeface="Carlito" panose="020F0502020204030204" pitchFamily="34" charset="0"/>
+              </a:rPr>
+              <a:t>2. Présentation détaillée du site Web</a:t>
+            </a:r>
+          </a:p>
+          <a:p>
+            <a:pPr algn="ctr">
+              <a:lnSpc>
+                <a:spcPct val="150000"/>
+              </a:lnSpc>
+            </a:pPr>
+            <a:r>
+              <a:rPr lang="fr-FR" sz="1600" dirty="0">
+                <a:solidFill>
+                  <a:schemeClr val="bg2">
+                    <a:lumMod val="50000"/>
+                    <a:lumOff val="50000"/>
+                  </a:schemeClr>
+                </a:solidFill>
+                <a:latin typeface="Carlito" panose="020F0502020204030204" pitchFamily="34" charset="0"/>
+                <a:cs typeface="Carlito" panose="020F0502020204030204" pitchFamily="34" charset="0"/>
+              </a:rPr>
+              <a:t>2.1. Les principales fonctionnalités</a:t>
+            </a:r>
+          </a:p>
+          <a:p>
+            <a:pPr algn="ctr">
+              <a:lnSpc>
+                <a:spcPct val="150000"/>
+              </a:lnSpc>
+            </a:pPr>
+            <a:r>
+              <a:rPr lang="fr-FR" sz="1600" dirty="0">
+                <a:solidFill>
+                  <a:schemeClr val="bg2">
+                    <a:lumMod val="50000"/>
+                    <a:lumOff val="50000"/>
+                  </a:schemeClr>
+                </a:solidFill>
+                <a:latin typeface="Carlito" panose="020F0502020204030204" pitchFamily="34" charset="0"/>
+                <a:cs typeface="Carlito" panose="020F0502020204030204" pitchFamily="34" charset="0"/>
+              </a:rPr>
+              <a:t>2.2. Choix esthétiques</a:t>
+            </a:r>
+          </a:p>
+          <a:p>
+            <a:pPr algn="ctr">
+              <a:lnSpc>
+                <a:spcPct val="150000"/>
+              </a:lnSpc>
+            </a:pPr>
+            <a:r>
+              <a:rPr lang="fr-FR" sz="1600" dirty="0">
+                <a:solidFill>
+                  <a:schemeClr val="bg2">
+                    <a:lumMod val="50000"/>
+                    <a:lumOff val="50000"/>
+                  </a:schemeClr>
+                </a:solidFill>
+                <a:latin typeface="Carlito" panose="020F0502020204030204" pitchFamily="34" charset="0"/>
+                <a:cs typeface="Carlito" panose="020F0502020204030204" pitchFamily="34" charset="0"/>
+              </a:rPr>
+              <a:t>2.3. Des contraintes techniques</a:t>
+            </a:r>
+          </a:p>
+          <a:p>
+            <a:pPr algn="ctr">
+              <a:lnSpc>
+                <a:spcPct val="150000"/>
+              </a:lnSpc>
+            </a:pPr>
+            <a:r>
+              <a:rPr lang="fr-FR" sz="2400" b="1" dirty="0">
+                <a:latin typeface="Carlito" panose="020F0502020204030204" pitchFamily="34" charset="0"/>
+                <a:cs typeface="Carlito" panose="020F0502020204030204" pitchFamily="34" charset="0"/>
+              </a:rPr>
+              <a:t>3. Présentation du travail en groupe</a:t>
+            </a:r>
+          </a:p>
+          <a:p>
+            <a:pPr algn="ctr">
+              <a:lnSpc>
+                <a:spcPct val="150000"/>
+              </a:lnSpc>
+            </a:pPr>
+            <a:r>
+              <a:rPr lang="fr-FR" sz="1600" dirty="0">
+                <a:solidFill>
+                  <a:schemeClr val="bg2">
+                    <a:lumMod val="50000"/>
+                    <a:lumOff val="50000"/>
+                  </a:schemeClr>
+                </a:solidFill>
+                <a:latin typeface="Carlito" panose="020F0502020204030204" pitchFamily="34" charset="0"/>
+                <a:cs typeface="Carlito" panose="020F0502020204030204" pitchFamily="34" charset="0"/>
+              </a:rPr>
+              <a:t>3.1. Production</a:t>
+            </a:r>
+          </a:p>
+          <a:p>
+            <a:pPr algn="ctr">
+              <a:lnSpc>
+                <a:spcPct val="150000"/>
+              </a:lnSpc>
+            </a:pPr>
+            <a:r>
+              <a:rPr lang="fr-FR" sz="1600" dirty="0">
+                <a:solidFill>
+                  <a:schemeClr val="bg2">
+                    <a:lumMod val="50000"/>
+                    <a:lumOff val="50000"/>
+                  </a:schemeClr>
+                </a:solidFill>
+                <a:latin typeface="Carlito" panose="020F0502020204030204" pitchFamily="34" charset="0"/>
+                <a:cs typeface="Carlito" panose="020F0502020204030204" pitchFamily="34" charset="0"/>
+              </a:rPr>
+              <a:t>3.2. Méthodes de travail</a:t>
+            </a:r>
+          </a:p>
+          <a:p>
+            <a:pPr algn="ctr">
+              <a:lnSpc>
+                <a:spcPct val="150000"/>
+              </a:lnSpc>
+            </a:pPr>
+            <a:r>
+              <a:rPr lang="fr-FR" sz="2800" b="1" dirty="0">
+                <a:latin typeface="Carlito" panose="020F0502020204030204" pitchFamily="34" charset="0"/>
+                <a:cs typeface="Carlito" panose="020F0502020204030204" pitchFamily="34" charset="0"/>
+              </a:rPr>
+              <a:t>Conclusion</a:t>
+            </a:r>
+          </a:p>
+        </p:txBody>
+      </p:sp>
+    </p:spTree>
+    <p:extLst>
+      <p:ext uri="{BB962C8B-B14F-4D97-AF65-F5344CB8AC3E}">
+        <p14:creationId xmlns:p14="http://schemas.microsoft.com/office/powerpoint/2010/main" val="2545978963"/>
+      </p:ext>
+    </p:extLst>
+  </p:cSld>
+  <p:clrMapOvr>
+    <a:masterClrMapping/>
+  </p:clrMapOvr>
+</p:sld>
+</file>
+
+<file path=ppt/slides/slide3.xml><?xml version="1.0" encoding="utf-8"?>
+<p:sld xmlns:a="http://schemas.openxmlformats.org/drawingml/2006/main" xmlns:r="http://schemas.openxmlformats.org/officeDocument/2006/relationships" xmlns:p="http://schemas.openxmlformats.org/presentationml/2006/main">
+  <p:cSld>
+    <p:spTree>
+      <p:nvGrpSpPr>
+        <p:cNvPr id="1" name=""/>
+        <p:cNvGrpSpPr/>
+        <p:nvPr/>
+      </p:nvGrpSpPr>
+      <p:grpSpPr>
+        <a:xfrm>
+          <a:off x="0" y="0"/>
+          <a:ext cx="0" cy="0"/>
+          <a:chOff x="0" y="0"/>
+          <a:chExt cx="0" cy="0"/>
+        </a:xfrm>
+      </p:grpSpPr>
+      <p:sp>
+        <p:nvSpPr>
+          <p:cNvPr id="2" name="Espace réservé du numéro de diapositive 1">
+            <a:extLst>
+              <a:ext uri="{FF2B5EF4-FFF2-40B4-BE49-F238E27FC236}">
+                <a16:creationId xmlns:a16="http://schemas.microsoft.com/office/drawing/2014/main" id="{ECB7C1FC-F537-4FC5-A43D-8C01CA177145}"/>
+              </a:ext>
+            </a:extLst>
+          </p:cNvPr>
+          <p:cNvSpPr>
+            <a:spLocks noGrp="1"/>
+          </p:cNvSpPr>
+          <p:nvPr>
+            <p:ph type="sldNum" sz="quarter" idx="12"/>
+          </p:nvPr>
+        </p:nvSpPr>
+        <p:spPr/>
+        <p:txBody>
+          <a:bodyPr/>
+          <a:lstStyle/>
+          <a:p>
+            <a:fld id="{D57F1E4F-1CFF-5643-939E-217C01CDF565}" type="slidenum">
+              <a:rPr lang="en-US" smtClean="0"/>
+              <a:pPr/>
+              <a:t>3</a:t>
+            </a:fld>
+            <a:endParaRPr lang="en-US" dirty="0"/>
+          </a:p>
+        </p:txBody>
+      </p:sp>
+      <p:sp>
+        <p:nvSpPr>
+          <p:cNvPr id="3" name="ZoneTexte 2">
+            <a:extLst>
+              <a:ext uri="{FF2B5EF4-FFF2-40B4-BE49-F238E27FC236}">
+                <a16:creationId xmlns:a16="http://schemas.microsoft.com/office/drawing/2014/main" id="{0B8BC6AA-FBD5-42A5-B2D0-8ED881C0DE67}"/>
+              </a:ext>
+            </a:extLst>
+          </p:cNvPr>
+          <p:cNvSpPr txBox="1"/>
+          <p:nvPr/>
+        </p:nvSpPr>
+        <p:spPr>
+          <a:xfrm>
+            <a:off x="2783571" y="2644170"/>
+            <a:ext cx="6624857" cy="1569660"/>
+          </a:xfrm>
+          <a:prstGeom prst="rect">
+            <a:avLst/>
+          </a:prstGeom>
+          <a:solidFill>
+            <a:schemeClr val="bg2"/>
+          </a:solidFill>
+          <a:ln w="57150">
+            <a:solidFill>
+              <a:schemeClr val="accent1"/>
+            </a:solidFill>
+          </a:ln>
+          <a:effectLst>
+            <a:outerShdw blurRad="50800" dist="38100" dir="2700000" algn="tl" rotWithShape="0">
+              <a:prstClr val="black">
+                <a:alpha val="40000"/>
+              </a:prstClr>
+            </a:outerShdw>
+          </a:effectLst>
+        </p:spPr>
+        <p:style>
+          <a:lnRef idx="2">
+            <a:schemeClr val="accent5"/>
+          </a:lnRef>
+          <a:fillRef idx="1">
+            <a:schemeClr val="lt1"/>
+          </a:fillRef>
+          <a:effectRef idx="0">
+            <a:schemeClr val="accent5"/>
+          </a:effectRef>
+          <a:fontRef idx="minor">
+            <a:schemeClr val="dk1"/>
+          </a:fontRef>
+        </p:style>
+        <p:txBody>
+          <a:bodyPr wrap="square" rtlCol="0">
+            <a:spAutoFit/>
+          </a:bodyPr>
+          <a:lstStyle/>
+          <a:p>
+            <a:r>
+              <a:rPr lang="fr-FR" sz="9600" b="1" dirty="0">
+                <a:solidFill>
+                  <a:schemeClr val="tx1"/>
+                </a:solidFill>
+                <a:latin typeface="Carlito" panose="020F0502020204030204" pitchFamily="34" charset="0"/>
+                <a:cs typeface="Carlito" panose="020F0502020204030204" pitchFamily="34" charset="0"/>
+              </a:rPr>
+              <a:t>Introduction</a:t>
+            </a:r>
+          </a:p>
+        </p:txBody>
+      </p:sp>
+    </p:spTree>
+    <p:extLst>
+      <p:ext uri="{BB962C8B-B14F-4D97-AF65-F5344CB8AC3E}">
+        <p14:creationId xmlns:p14="http://schemas.microsoft.com/office/powerpoint/2010/main" val="1225979463"/>
+      </p:ext>
+    </p:extLst>
+  </p:cSld>
+  <p:clrMapOvr>
+    <a:masterClrMapping/>
+  </p:clrMapOvr>
+</p:sld>
+</file>
+
+<file path=ppt/slides/slide4.xml><?xml version="1.0" encoding="utf-8"?>
+<p:sld xmlns:a="http://schemas.openxmlformats.org/drawingml/2006/main" xmlns:r="http://schemas.openxmlformats.org/officeDocument/2006/relationships" xmlns:p="http://schemas.openxmlformats.org/presentationml/2006/main">
+  <p:cSld>
+    <p:spTree>
+      <p:nvGrpSpPr>
+        <p:cNvPr id="1" name=""/>
+        <p:cNvGrpSpPr/>
+        <p:nvPr/>
+      </p:nvGrpSpPr>
+      <p:grpSpPr>
+        <a:xfrm>
+          <a:off x="0" y="0"/>
+          <a:ext cx="0" cy="0"/>
+          <a:chOff x="0" y="0"/>
+          <a:chExt cx="0" cy="0"/>
+        </a:xfrm>
+      </p:grpSpPr>
+      <p:sp>
+        <p:nvSpPr>
+          <p:cNvPr id="3" name="Espace réservé du numéro de diapositive 2">
+            <a:extLst>
+              <a:ext uri="{FF2B5EF4-FFF2-40B4-BE49-F238E27FC236}">
+                <a16:creationId xmlns:a16="http://schemas.microsoft.com/office/drawing/2014/main" id="{219B6A53-2092-44FB-A0C4-A9CC51BB2A7A}"/>
+              </a:ext>
+            </a:extLst>
+          </p:cNvPr>
+          <p:cNvSpPr>
+            <a:spLocks noGrp="1"/>
+          </p:cNvSpPr>
+          <p:nvPr>
+            <p:ph type="sldNum" sz="quarter" idx="12"/>
+          </p:nvPr>
+        </p:nvSpPr>
+        <p:spPr/>
+        <p:txBody>
+          <a:bodyPr/>
+          <a:lstStyle/>
+          <a:p>
+            <a:fld id="{D57F1E4F-1CFF-5643-939E-217C01CDF565}" type="slidenum">
+              <a:rPr lang="en-US" smtClean="0"/>
+              <a:pPr/>
+              <a:t>4</a:t>
+            </a:fld>
+            <a:endParaRPr lang="en-US" dirty="0"/>
+          </a:p>
+        </p:txBody>
+      </p:sp>
+      <p:sp>
+        <p:nvSpPr>
+          <p:cNvPr id="4" name="ZoneTexte 3">
+            <a:extLst>
+              <a:ext uri="{FF2B5EF4-FFF2-40B4-BE49-F238E27FC236}">
+                <a16:creationId xmlns:a16="http://schemas.microsoft.com/office/drawing/2014/main" id="{55EE5DFD-1306-4FFC-AB25-74E7B7874382}"/>
+              </a:ext>
+            </a:extLst>
+          </p:cNvPr>
+          <p:cNvSpPr txBox="1"/>
+          <p:nvPr/>
+        </p:nvSpPr>
+        <p:spPr>
+          <a:xfrm>
+            <a:off x="451514" y="434280"/>
+            <a:ext cx="4154125" cy="1015663"/>
+          </a:xfrm>
+          <a:prstGeom prst="rect">
+            <a:avLst/>
+          </a:prstGeom>
+          <a:noFill/>
+          <a:ln w="57150">
+            <a:solidFill>
+              <a:schemeClr val="tx1"/>
+            </a:solidFill>
+          </a:ln>
+          <a:effectLst>
+            <a:outerShdw blurRad="50800" dist="38100" dir="2700000" algn="tl" rotWithShape="0">
+              <a:prstClr val="black">
+                <a:alpha val="40000"/>
+              </a:prstClr>
+            </a:outerShdw>
+          </a:effectLst>
+        </p:spPr>
+        <p:style>
+          <a:lnRef idx="2">
+            <a:schemeClr val="accent5"/>
+          </a:lnRef>
+          <a:fillRef idx="1">
+            <a:schemeClr val="lt1"/>
+          </a:fillRef>
+          <a:effectRef idx="0">
+            <a:schemeClr val="accent5"/>
+          </a:effectRef>
+          <a:fontRef idx="minor">
+            <a:schemeClr val="dk1"/>
+          </a:fontRef>
+        </p:style>
+        <p:txBody>
+          <a:bodyPr wrap="square" rtlCol="0">
+            <a:spAutoFit/>
+          </a:bodyPr>
+          <a:lstStyle/>
+          <a:p>
+            <a:r>
+              <a:rPr lang="fr-FR" sz="6000" b="1" dirty="0">
+                <a:solidFill>
+                  <a:schemeClr val="bg1"/>
+                </a:solidFill>
+                <a:latin typeface="Carlito" panose="020F0502020204030204" pitchFamily="34" charset="0"/>
+                <a:cs typeface="Carlito" panose="020F0502020204030204" pitchFamily="34" charset="0"/>
+              </a:rPr>
+              <a:t>Introduction</a:t>
+            </a:r>
+          </a:p>
+        </p:txBody>
+      </p:sp>
+      <p:sp>
+        <p:nvSpPr>
+          <p:cNvPr id="6" name="ZoneTexte 5">
+            <a:extLst>
+              <a:ext uri="{FF2B5EF4-FFF2-40B4-BE49-F238E27FC236}">
+                <a16:creationId xmlns:a16="http://schemas.microsoft.com/office/drawing/2014/main" id="{EC0750BC-E3DE-4761-BA95-CB7249255335}"/>
+              </a:ext>
+            </a:extLst>
+          </p:cNvPr>
+          <p:cNvSpPr txBox="1"/>
+          <p:nvPr/>
+        </p:nvSpPr>
+        <p:spPr>
+          <a:xfrm>
+            <a:off x="155019" y="2339727"/>
+            <a:ext cx="8513726" cy="4175759"/>
+          </a:xfrm>
+          <a:prstGeom prst="rect">
+            <a:avLst/>
+          </a:prstGeom>
+          <a:noFill/>
+        </p:spPr>
+        <p:txBody>
+          <a:bodyPr wrap="square" rtlCol="0">
+            <a:spAutoFit/>
+          </a:bodyPr>
+          <a:lstStyle/>
+          <a:p>
+            <a:pPr marL="285750" indent="-285750" algn="just">
+              <a:lnSpc>
+                <a:spcPct val="150000"/>
+              </a:lnSpc>
+              <a:buFont typeface="Arial" panose="020B0604020202020204" pitchFamily="34" charset="0"/>
+              <a:buChar char="•"/>
+            </a:pPr>
+            <a:r>
+              <a:rPr lang="fr-FR" sz="3000" b="1" dirty="0">
+                <a:latin typeface="Carlito" panose="020F0502020204030204" pitchFamily="34" charset="0"/>
+                <a:cs typeface="Carlito" panose="020F0502020204030204" pitchFamily="34" charset="0"/>
+              </a:rPr>
+              <a:t>Important</a:t>
+            </a:r>
+            <a:r>
+              <a:rPr lang="fr-FR" sz="3000" dirty="0">
+                <a:latin typeface="Carlito" panose="020F0502020204030204" pitchFamily="34" charset="0"/>
+                <a:cs typeface="Carlito" panose="020F0502020204030204" pitchFamily="34" charset="0"/>
+              </a:rPr>
+              <a:t> développeur, éditeur et distributeur de </a:t>
+            </a:r>
+            <a:r>
+              <a:rPr lang="fr-FR" sz="3000" b="1" dirty="0">
+                <a:latin typeface="Carlito" panose="020F0502020204030204" pitchFamily="34" charset="0"/>
+                <a:cs typeface="Carlito" panose="020F0502020204030204" pitchFamily="34" charset="0"/>
+              </a:rPr>
+              <a:t>jeux vidéo</a:t>
+            </a:r>
+          </a:p>
+          <a:p>
+            <a:pPr marL="285750" indent="-285750" algn="just">
+              <a:lnSpc>
+                <a:spcPct val="150000"/>
+              </a:lnSpc>
+              <a:buFont typeface="Arial" panose="020B0604020202020204" pitchFamily="34" charset="0"/>
+              <a:buChar char="•"/>
+            </a:pPr>
+            <a:r>
+              <a:rPr lang="fr-FR" sz="3000" dirty="0">
+                <a:latin typeface="Carlito" panose="020F0502020204030204" pitchFamily="34" charset="0"/>
+                <a:cs typeface="Carlito" panose="020F0502020204030204" pitchFamily="34" charset="0"/>
+              </a:rPr>
+              <a:t>Siège social à </a:t>
+            </a:r>
+            <a:r>
+              <a:rPr lang="fr-FR" sz="3000" b="1" dirty="0">
+                <a:latin typeface="Carlito" panose="020F0502020204030204" pitchFamily="34" charset="0"/>
+                <a:cs typeface="Carlito" panose="020F0502020204030204" pitchFamily="34" charset="0"/>
+              </a:rPr>
+              <a:t>New York</a:t>
+            </a:r>
+          </a:p>
+          <a:p>
+            <a:pPr marL="285750" indent="-285750" algn="just">
+              <a:lnSpc>
+                <a:spcPct val="150000"/>
+              </a:lnSpc>
+              <a:buFont typeface="Arial" panose="020B0604020202020204" pitchFamily="34" charset="0"/>
+              <a:buChar char="•"/>
+            </a:pPr>
+            <a:r>
+              <a:rPr lang="fr-FR" sz="3000" dirty="0">
+                <a:latin typeface="Carlito" panose="020F0502020204030204" pitchFamily="34" charset="0"/>
+                <a:cs typeface="Carlito" panose="020F0502020204030204" pitchFamily="34" charset="0"/>
+              </a:rPr>
+              <a:t>Produits développés et publiés par </a:t>
+            </a:r>
+            <a:r>
+              <a:rPr lang="fr-FR" sz="3000" b="1" dirty="0">
+                <a:latin typeface="Carlito" panose="020F0502020204030204" pitchFamily="34" charset="0"/>
+                <a:cs typeface="Carlito" panose="020F0502020204030204" pitchFamily="34" charset="0"/>
+              </a:rPr>
+              <a:t>Rockstar Games</a:t>
+            </a:r>
+            <a:r>
+              <a:rPr lang="fr-FR" sz="3000" dirty="0">
+                <a:latin typeface="Carlito" panose="020F0502020204030204" pitchFamily="34" charset="0"/>
+                <a:cs typeface="Carlito" panose="020F0502020204030204" pitchFamily="34" charset="0"/>
+              </a:rPr>
+              <a:t> et </a:t>
+            </a:r>
+            <a:r>
+              <a:rPr lang="fr-FR" sz="3000" b="1" dirty="0">
+                <a:latin typeface="Carlito" panose="020F0502020204030204" pitchFamily="34" charset="0"/>
+                <a:cs typeface="Carlito" panose="020F0502020204030204" pitchFamily="34" charset="0"/>
+              </a:rPr>
+              <a:t>2K</a:t>
+            </a:r>
+          </a:p>
+          <a:p>
+            <a:pPr marL="285750" indent="-285750" algn="just">
+              <a:lnSpc>
+                <a:spcPct val="150000"/>
+              </a:lnSpc>
+              <a:buFont typeface="Arial" panose="020B0604020202020204" pitchFamily="34" charset="0"/>
+              <a:buChar char="•"/>
+            </a:pPr>
+            <a:r>
+              <a:rPr lang="fr-FR" sz="3000" dirty="0">
+                <a:latin typeface="Carlito" panose="020F0502020204030204" pitchFamily="34" charset="0"/>
+                <a:cs typeface="Carlito" panose="020F0502020204030204" pitchFamily="34" charset="0"/>
+                <a:sym typeface="Wingdings" panose="05000000000000000000" pitchFamily="2" charset="2"/>
+              </a:rPr>
+              <a:t>Président et chef de la direction : </a:t>
+            </a:r>
+            <a:r>
+              <a:rPr lang="fr-FR" sz="3000" b="1" dirty="0">
+                <a:latin typeface="Carlito" panose="020F0502020204030204" pitchFamily="34" charset="0"/>
+                <a:cs typeface="Carlito" panose="020F0502020204030204" pitchFamily="34" charset="0"/>
+                <a:sym typeface="Wingdings" panose="05000000000000000000" pitchFamily="2" charset="2"/>
+              </a:rPr>
+              <a:t>Strauss Zelnick</a:t>
+            </a:r>
+          </a:p>
+        </p:txBody>
+      </p:sp>
+      <p:sp>
+        <p:nvSpPr>
+          <p:cNvPr id="7" name="ZoneTexte 6">
+            <a:extLst>
+              <a:ext uri="{FF2B5EF4-FFF2-40B4-BE49-F238E27FC236}">
+                <a16:creationId xmlns:a16="http://schemas.microsoft.com/office/drawing/2014/main" id="{13A1B4F1-FD07-4FE0-A1ED-B4A2936FDB78}"/>
+              </a:ext>
+            </a:extLst>
+          </p:cNvPr>
+          <p:cNvSpPr txBox="1"/>
+          <p:nvPr/>
+        </p:nvSpPr>
+        <p:spPr>
+          <a:xfrm>
+            <a:off x="5209563" y="157281"/>
+            <a:ext cx="6719582" cy="1569660"/>
+          </a:xfrm>
+          <a:prstGeom prst="rect">
+            <a:avLst/>
+          </a:prstGeom>
+          <a:noFill/>
+          <a:ln w="57150">
+            <a:solidFill>
+              <a:schemeClr val="tx1"/>
+            </a:solidFill>
+          </a:ln>
+        </p:spPr>
+        <p:txBody>
+          <a:bodyPr wrap="square" rtlCol="0">
+            <a:spAutoFit/>
+          </a:bodyPr>
+          <a:lstStyle/>
+          <a:p>
+            <a:pPr algn="ctr"/>
+            <a:r>
+              <a:rPr lang="fr-FR" sz="3200" b="1" dirty="0">
+                <a:solidFill>
+                  <a:schemeClr val="bg1"/>
+                </a:solidFill>
+                <a:latin typeface="Carlito" panose="020F0502020204030204" pitchFamily="34" charset="0"/>
+                <a:cs typeface="Carlito" panose="020F0502020204030204" pitchFamily="34" charset="0"/>
+              </a:rPr>
+              <a:t>Introduction	</a:t>
+            </a:r>
+            <a:r>
+              <a:rPr lang="fr-FR" sz="3200" dirty="0">
+                <a:solidFill>
+                  <a:schemeClr val="tx2">
+                    <a:lumMod val="75000"/>
+                  </a:schemeClr>
+                </a:solidFill>
+                <a:latin typeface="Carlito" panose="020F0502020204030204" pitchFamily="34" charset="0"/>
+                <a:cs typeface="Carlito" panose="020F0502020204030204" pitchFamily="34" charset="0"/>
+              </a:rPr>
+              <a:t>1. Partie économique et juridique 2. Présentation du site Web</a:t>
+            </a:r>
+          </a:p>
+          <a:p>
+            <a:pPr algn="ctr"/>
+            <a:r>
+              <a:rPr lang="fr-FR" sz="3200" dirty="0">
+                <a:solidFill>
+                  <a:schemeClr val="tx2">
+                    <a:lumMod val="75000"/>
+                  </a:schemeClr>
+                </a:solidFill>
+                <a:latin typeface="Carlito" panose="020F0502020204030204" pitchFamily="34" charset="0"/>
+                <a:cs typeface="Carlito" panose="020F0502020204030204" pitchFamily="34" charset="0"/>
+              </a:rPr>
+              <a:t>3. Travail en groupe</a:t>
+            </a:r>
+            <a:r>
+              <a:rPr lang="fr-FR" sz="3200" b="1" dirty="0">
+                <a:solidFill>
+                  <a:schemeClr val="tx2">
+                    <a:lumMod val="75000"/>
+                  </a:schemeClr>
+                </a:solidFill>
+                <a:latin typeface="Carlito" panose="020F0502020204030204" pitchFamily="34" charset="0"/>
+                <a:cs typeface="Carlito" panose="020F0502020204030204" pitchFamily="34" charset="0"/>
+              </a:rPr>
+              <a:t>	</a:t>
+            </a:r>
+            <a:r>
+              <a:rPr lang="fr-FR" sz="3200" dirty="0">
+                <a:solidFill>
+                  <a:schemeClr val="tx2">
+                    <a:lumMod val="75000"/>
+                  </a:schemeClr>
+                </a:solidFill>
+                <a:latin typeface="Carlito" panose="020F0502020204030204" pitchFamily="34" charset="0"/>
+                <a:cs typeface="Carlito" panose="020F0502020204030204" pitchFamily="34" charset="0"/>
+              </a:rPr>
+              <a:t>Conclusion</a:t>
+            </a:r>
+          </a:p>
+        </p:txBody>
+      </p:sp>
+      <p:pic>
+        <p:nvPicPr>
+          <p:cNvPr id="1028" name="Picture 4">
+            <a:extLst>
+              <a:ext uri="{FF2B5EF4-FFF2-40B4-BE49-F238E27FC236}">
+                <a16:creationId xmlns:a16="http://schemas.microsoft.com/office/drawing/2014/main" id="{91997DDA-182F-4902-86F0-612093CBC559}"/>
+              </a:ext>
+            </a:extLst>
+          </p:cNvPr>
+          <p:cNvPicPr>
+            <a:picLocks noChangeAspect="1" noChangeArrowheads="1"/>
+          </p:cNvPicPr>
+          <p:nvPr/>
+        </p:nvPicPr>
+        <p:blipFill rotWithShape="1">
+          <a:blip r:embed="rId3">
+            <a:extLst>
+              <a:ext uri="{28A0092B-C50C-407E-A947-70E740481C1C}">
+                <a14:useLocalDpi xmlns:a14="http://schemas.microsoft.com/office/drawing/2010/main" val="0"/>
+              </a:ext>
+            </a:extLst>
+          </a:blip>
+          <a:srcRect l="24653" t="4704" r="18430"/>
+          <a:stretch/>
+        </p:blipFill>
+        <p:spPr bwMode="auto">
+          <a:xfrm>
+            <a:off x="8885542" y="2103486"/>
+            <a:ext cx="3043603" cy="3740723"/>
+          </a:xfrm>
+          <a:prstGeom prst="rect">
+            <a:avLst/>
+          </a:prstGeom>
+          <a:noFill/>
+          <a:ln>
+            <a:noFill/>
+          </a:ln>
+          <a:effectLst>
+            <a:outerShdw blurRad="149987" dist="250190" dir="8460000" algn="ctr">
+              <a:srgbClr val="000000">
+                <a:alpha val="28000"/>
+              </a:srgbClr>
+            </a:outerShdw>
+          </a:effectLst>
+          <a:scene3d>
+            <a:camera prst="orthographicFront">
+              <a:rot lat="0" lon="0" rev="0"/>
+            </a:camera>
+            <a:lightRig rig="contrasting" dir="t">
+              <a:rot lat="0" lon="0" rev="1500000"/>
+            </a:lightRig>
+          </a:scene3d>
+          <a:sp3d prstMaterial="metal">
+            <a:bevelT w="88900" h="88900"/>
+          </a:sp3d>
+          <a:extLst>
+            <a:ext uri="{909E8E84-426E-40DD-AFC4-6F175D3DCCD1}">
+              <a14:hiddenFill xmlns:a14="http://schemas.microsoft.com/office/drawing/2010/main">
+                <a:solidFill>
+                  <a:srgbClr val="FFFFFF"/>
+                </a:solidFill>
+              </a14:hiddenFill>
+            </a:ext>
+          </a:extLst>
+        </p:spPr>
+      </p:pic>
+    </p:spTree>
+    <p:extLst>
+      <p:ext uri="{BB962C8B-B14F-4D97-AF65-F5344CB8AC3E}">
+        <p14:creationId xmlns:p14="http://schemas.microsoft.com/office/powerpoint/2010/main" val="2149326575"/>
+      </p:ext>
+    </p:extLst>
+  </p:cSld>
+  <p:clrMapOvr>
+    <a:masterClrMapping/>
+  </p:clrMapOvr>
+</p:sld>
+</file>
+
+<file path=ppt/slides/slide5.xml><?xml version="1.0" encoding="utf-8"?>
+<p:sld xmlns:a="http://schemas.openxmlformats.org/drawingml/2006/main" xmlns:r="http://schemas.openxmlformats.org/officeDocument/2006/relationships" xmlns:p="http://schemas.openxmlformats.org/presentationml/2006/main">
+  <p:cSld>
+    <p:spTree>
+      <p:nvGrpSpPr>
+        <p:cNvPr id="1" name=""/>
+        <p:cNvGrpSpPr/>
+        <p:nvPr/>
+      </p:nvGrpSpPr>
+      <p:grpSpPr>
+        <a:xfrm>
+          <a:off x="0" y="0"/>
+          <a:ext cx="0" cy="0"/>
+          <a:chOff x="0" y="0"/>
+          <a:chExt cx="0" cy="0"/>
+        </a:xfrm>
+      </p:grpSpPr>
+      <p:sp>
+        <p:nvSpPr>
+          <p:cNvPr id="2" name="Espace réservé du numéro de diapositive 1">
+            <a:extLst>
+              <a:ext uri="{FF2B5EF4-FFF2-40B4-BE49-F238E27FC236}">
+                <a16:creationId xmlns:a16="http://schemas.microsoft.com/office/drawing/2014/main" id="{8629DEAC-48FC-4C8A-B8B8-1DB51B2A0865}"/>
+              </a:ext>
+            </a:extLst>
+          </p:cNvPr>
+          <p:cNvSpPr>
+            <a:spLocks noGrp="1"/>
+          </p:cNvSpPr>
+          <p:nvPr>
+            <p:ph type="sldNum" sz="quarter" idx="12"/>
+          </p:nvPr>
+        </p:nvSpPr>
+        <p:spPr/>
+        <p:txBody>
+          <a:bodyPr/>
+          <a:lstStyle/>
+          <a:p>
+            <a:fld id="{D57F1E4F-1CFF-5643-939E-217C01CDF565}" type="slidenum">
+              <a:rPr lang="en-US" smtClean="0"/>
+              <a:pPr/>
+              <a:t>5</a:t>
+            </a:fld>
+            <a:endParaRPr lang="en-US" dirty="0"/>
+          </a:p>
+        </p:txBody>
+      </p:sp>
+      <p:sp>
+        <p:nvSpPr>
+          <p:cNvPr id="3" name="ZoneTexte 2">
+            <a:extLst>
+              <a:ext uri="{FF2B5EF4-FFF2-40B4-BE49-F238E27FC236}">
+                <a16:creationId xmlns:a16="http://schemas.microsoft.com/office/drawing/2014/main" id="{A3608CB4-F741-4CEB-93DC-8ADABA5BB9E5}"/>
+              </a:ext>
+            </a:extLst>
+          </p:cNvPr>
+          <p:cNvSpPr txBox="1"/>
+          <p:nvPr/>
+        </p:nvSpPr>
+        <p:spPr>
+          <a:xfrm>
+            <a:off x="1288927" y="2274838"/>
+            <a:ext cx="9614145" cy="2308324"/>
+          </a:xfrm>
+          <a:prstGeom prst="rect">
+            <a:avLst/>
+          </a:prstGeom>
+          <a:solidFill>
+            <a:schemeClr val="bg2"/>
+          </a:solidFill>
+          <a:ln w="57150">
+            <a:solidFill>
+              <a:schemeClr val="accent1"/>
+            </a:solidFill>
+          </a:ln>
+          <a:effectLst>
+            <a:outerShdw blurRad="50800" dist="38100" dir="2700000" algn="tl" rotWithShape="0">
+              <a:prstClr val="black">
+                <a:alpha val="40000"/>
+              </a:prstClr>
+            </a:outerShdw>
+          </a:effectLst>
+        </p:spPr>
+        <p:style>
+          <a:lnRef idx="2">
+            <a:schemeClr val="accent5"/>
+          </a:lnRef>
+          <a:fillRef idx="1">
+            <a:schemeClr val="lt1"/>
+          </a:fillRef>
+          <a:effectRef idx="0">
+            <a:schemeClr val="accent5"/>
+          </a:effectRef>
+          <a:fontRef idx="minor">
+            <a:schemeClr val="dk1"/>
+          </a:fontRef>
+        </p:style>
+        <p:txBody>
+          <a:bodyPr wrap="square" rtlCol="0">
+            <a:spAutoFit/>
+          </a:bodyPr>
+          <a:lstStyle/>
+          <a:p>
+            <a:pPr algn="ctr"/>
+            <a:r>
+              <a:rPr lang="fr-FR" sz="7200" b="1" dirty="0">
+                <a:solidFill>
+                  <a:schemeClr val="tx1"/>
+                </a:solidFill>
+                <a:latin typeface="Carlito" panose="020F0502020204030204" pitchFamily="34" charset="0"/>
+                <a:cs typeface="Carlito" panose="020F0502020204030204" pitchFamily="34" charset="0"/>
+              </a:rPr>
+              <a:t>1. Partie économique et juridique</a:t>
+            </a:r>
+          </a:p>
+        </p:txBody>
+      </p:sp>
+    </p:spTree>
+    <p:extLst>
+      <p:ext uri="{BB962C8B-B14F-4D97-AF65-F5344CB8AC3E}">
+        <p14:creationId xmlns:p14="http://schemas.microsoft.com/office/powerpoint/2010/main" val="1227926633"/>
+      </p:ext>
+    </p:extLst>
+  </p:cSld>
+  <p:clrMapOvr>
+    <a:masterClrMapping/>
+  </p:clrMapOvr>
+</p:sld>
+</file>
+
+<file path=ppt/slides/slide6.xml><?xml version="1.0" encoding="utf-8"?>
+<p:sld xmlns:a="http://schemas.openxmlformats.org/drawingml/2006/main" xmlns:r="http://schemas.openxmlformats.org/officeDocument/2006/relationships" xmlns:p="http://schemas.openxmlformats.org/presentationml/2006/main">
+  <p:cSld>
+    <p:spTree>
+      <p:nvGrpSpPr>
+        <p:cNvPr id="1" name=""/>
+        <p:cNvGrpSpPr/>
+        <p:nvPr/>
+      </p:nvGrpSpPr>
+      <p:grpSpPr>
+        <a:xfrm>
+          <a:off x="0" y="0"/>
+          <a:ext cx="0" cy="0"/>
+          <a:chOff x="0" y="0"/>
+          <a:chExt cx="0" cy="0"/>
+        </a:xfrm>
+      </p:grpSpPr>
+      <p:sp>
+        <p:nvSpPr>
+          <p:cNvPr id="3" name="Espace réservé du numéro de diapositive 2">
+            <a:extLst>
+              <a:ext uri="{FF2B5EF4-FFF2-40B4-BE49-F238E27FC236}">
+                <a16:creationId xmlns:a16="http://schemas.microsoft.com/office/drawing/2014/main" id="{35CD04DD-8DCB-4B3C-ACCB-53D45007D704}"/>
+              </a:ext>
+            </a:extLst>
+          </p:cNvPr>
+          <p:cNvSpPr>
+            <a:spLocks noGrp="1"/>
+          </p:cNvSpPr>
+          <p:nvPr>
+            <p:ph type="sldNum" sz="quarter" idx="12"/>
+          </p:nvPr>
+        </p:nvSpPr>
+        <p:spPr>
+          <a:xfrm>
+            <a:off x="10678331" y="5915888"/>
+            <a:ext cx="1062155" cy="490599"/>
+          </a:xfrm>
+        </p:spPr>
+        <p:txBody>
+          <a:bodyPr/>
+          <a:lstStyle/>
+          <a:p>
+            <a:fld id="{D57F1E4F-1CFF-5643-939E-217C01CDF565}" type="slidenum">
+              <a:rPr lang="en-US" smtClean="0"/>
+              <a:pPr/>
+              <a:t>6</a:t>
+            </a:fld>
+            <a:endParaRPr lang="en-US" dirty="0"/>
+          </a:p>
+        </p:txBody>
+      </p:sp>
+      <p:sp>
+        <p:nvSpPr>
+          <p:cNvPr id="5" name="ZoneTexte 4">
+            <a:extLst>
+              <a:ext uri="{FF2B5EF4-FFF2-40B4-BE49-F238E27FC236}">
+                <a16:creationId xmlns:a16="http://schemas.microsoft.com/office/drawing/2014/main" id="{D2B52D68-1639-42B1-8741-04BFF3B54220}"/>
+              </a:ext>
+            </a:extLst>
+          </p:cNvPr>
+          <p:cNvSpPr txBox="1"/>
+          <p:nvPr/>
+        </p:nvSpPr>
+        <p:spPr>
+          <a:xfrm>
+            <a:off x="5209563" y="157281"/>
+            <a:ext cx="6719582" cy="1569660"/>
+          </a:xfrm>
+          <a:prstGeom prst="rect">
+            <a:avLst/>
+          </a:prstGeom>
+          <a:noFill/>
+          <a:ln w="57150">
+            <a:solidFill>
+              <a:schemeClr val="tx1"/>
+            </a:solidFill>
+          </a:ln>
+        </p:spPr>
+        <p:txBody>
+          <a:bodyPr wrap="square" rtlCol="0">
+            <a:spAutoFit/>
+          </a:bodyPr>
+          <a:lstStyle/>
+          <a:p>
+            <a:pPr algn="ctr"/>
+            <a:r>
+              <a:rPr lang="fr-FR" sz="3200">
+                <a:solidFill>
+                  <a:schemeClr val="tx2">
+                    <a:lumMod val="75000"/>
+                  </a:schemeClr>
+                </a:solidFill>
+                <a:latin typeface="Carlito" panose="020F0502020204030204" pitchFamily="34" charset="0"/>
+                <a:cs typeface="Carlito" panose="020F0502020204030204" pitchFamily="34" charset="0"/>
+              </a:rPr>
+              <a:t>Introduction</a:t>
+            </a:r>
+            <a:r>
+              <a:rPr lang="fr-FR" sz="3200" b="1">
+                <a:solidFill>
+                  <a:schemeClr val="bg1"/>
+                </a:solidFill>
+                <a:latin typeface="Carlito" panose="020F0502020204030204" pitchFamily="34" charset="0"/>
+                <a:cs typeface="Carlito" panose="020F0502020204030204" pitchFamily="34" charset="0"/>
+              </a:rPr>
+              <a:t>	</a:t>
+            </a:r>
+            <a:r>
+              <a:rPr lang="fr-FR" sz="3200" b="1">
+                <a:solidFill>
+                  <a:schemeClr val="bg1"/>
+                </a:solidFill>
+                <a:latin typeface="Carlito" panose="020F0502020204030204" pitchFamily="34" charset="0"/>
+              </a:rPr>
+              <a:t>1. Partie économique et juridique </a:t>
+            </a:r>
+            <a:r>
+              <a:rPr lang="fr-FR" sz="3200">
+                <a:solidFill>
+                  <a:schemeClr val="tx2">
+                    <a:lumMod val="75000"/>
+                  </a:schemeClr>
+                </a:solidFill>
+                <a:latin typeface="Carlito" panose="020F0502020204030204" pitchFamily="34" charset="0"/>
+              </a:rPr>
+              <a:t>2. Présentation du site Web</a:t>
+            </a:r>
+          </a:p>
+          <a:p>
+            <a:pPr algn="ctr"/>
+            <a:r>
+              <a:rPr lang="fr-FR" sz="3200">
+                <a:solidFill>
+                  <a:schemeClr val="tx2">
+                    <a:lumMod val="75000"/>
+                  </a:schemeClr>
+                </a:solidFill>
+                <a:latin typeface="Carlito" panose="020F0502020204030204" pitchFamily="34" charset="0"/>
+                <a:cs typeface="Carlito" panose="020F0502020204030204" pitchFamily="34" charset="0"/>
+              </a:rPr>
+              <a:t>3. Travail en groupe</a:t>
+            </a:r>
+            <a:r>
+              <a:rPr lang="fr-FR" sz="3200" b="1">
+                <a:solidFill>
+                  <a:schemeClr val="tx2">
+                    <a:lumMod val="75000"/>
+                  </a:schemeClr>
+                </a:solidFill>
+                <a:latin typeface="Carlito" panose="020F0502020204030204" pitchFamily="34" charset="0"/>
+                <a:cs typeface="Carlito" panose="020F0502020204030204" pitchFamily="34" charset="0"/>
+              </a:rPr>
+              <a:t>	</a:t>
+            </a:r>
+            <a:r>
+              <a:rPr lang="fr-FR" sz="3200">
+                <a:solidFill>
+                  <a:schemeClr val="tx2">
+                    <a:lumMod val="75000"/>
+                  </a:schemeClr>
+                </a:solidFill>
+                <a:latin typeface="Carlito" panose="020F0502020204030204" pitchFamily="34" charset="0"/>
+                <a:cs typeface="Carlito" panose="020F0502020204030204" pitchFamily="34" charset="0"/>
+              </a:rPr>
+              <a:t>Conclusion</a:t>
+            </a:r>
+            <a:endParaRPr lang="fr-FR" sz="3200" dirty="0">
+              <a:solidFill>
+                <a:schemeClr val="tx2">
+                  <a:lumMod val="75000"/>
+                </a:schemeClr>
+              </a:solidFill>
+              <a:latin typeface="Carlito" panose="020F0502020204030204" pitchFamily="34" charset="0"/>
+              <a:cs typeface="Carlito" panose="020F0502020204030204" pitchFamily="34" charset="0"/>
+            </a:endParaRPr>
+          </a:p>
+        </p:txBody>
+      </p:sp>
+      <p:sp>
+        <p:nvSpPr>
+          <p:cNvPr id="6" name="ZoneTexte 5">
+            <a:extLst>
+              <a:ext uri="{FF2B5EF4-FFF2-40B4-BE49-F238E27FC236}">
+                <a16:creationId xmlns:a16="http://schemas.microsoft.com/office/drawing/2014/main" id="{B51DB91F-53F4-4EE4-9C90-1D138A98B5E9}"/>
+              </a:ext>
+            </a:extLst>
+          </p:cNvPr>
+          <p:cNvSpPr txBox="1"/>
+          <p:nvPr/>
+        </p:nvSpPr>
+        <p:spPr>
+          <a:xfrm>
+            <a:off x="4631961" y="1965699"/>
+            <a:ext cx="7424561" cy="4892301"/>
+          </a:xfrm>
+          <a:prstGeom prst="rect">
+            <a:avLst/>
+          </a:prstGeom>
+        </p:spPr>
+        <p:txBody>
+          <a:bodyPr wrap="square" rtlCol="0">
+            <a:spAutoFit/>
+          </a:bodyPr>
+          <a:lstStyle/>
+          <a:p>
+            <a:pPr marL="457200" indent="-457200">
+              <a:lnSpc>
+                <a:spcPct val="150000"/>
+              </a:lnSpc>
+              <a:buFont typeface="Arial" panose="020B0604020202020204" pitchFamily="34" charset="0"/>
+              <a:buChar char="•"/>
+            </a:pPr>
+            <a:r>
+              <a:rPr lang="fr-FR" sz="3000" dirty="0">
+                <a:latin typeface="Carlito" panose="020F0502020204030204" pitchFamily="34" charset="0"/>
+              </a:rPr>
+              <a:t> Côté à la bourse de New York (</a:t>
+            </a:r>
+            <a:r>
+              <a:rPr lang="fr-FR" sz="3000" b="1" dirty="0">
+                <a:latin typeface="Carlito" panose="020F0502020204030204" pitchFamily="34" charset="0"/>
+              </a:rPr>
+              <a:t>120$</a:t>
+            </a:r>
+            <a:r>
+              <a:rPr lang="fr-FR" sz="3000" dirty="0">
+                <a:latin typeface="Carlito" panose="020F0502020204030204" pitchFamily="34" charset="0"/>
+              </a:rPr>
+              <a:t>)</a:t>
+            </a:r>
+          </a:p>
+          <a:p>
+            <a:pPr marL="457200" indent="-457200">
+              <a:lnSpc>
+                <a:spcPct val="150000"/>
+              </a:lnSpc>
+              <a:buFont typeface="Arial" panose="020B0604020202020204" pitchFamily="34" charset="0"/>
+              <a:buChar char="•"/>
+            </a:pPr>
+            <a:r>
+              <a:rPr lang="fr-FR" sz="3000" b="1" dirty="0">
+                <a:latin typeface="Carlito" panose="020F0502020204030204" pitchFamily="34" charset="0"/>
+              </a:rPr>
+              <a:t>3 400</a:t>
+            </a:r>
+            <a:r>
+              <a:rPr lang="fr-FR" sz="3000" dirty="0">
+                <a:latin typeface="Carlito" panose="020F0502020204030204" pitchFamily="34" charset="0"/>
+              </a:rPr>
+              <a:t> employés dans </a:t>
+            </a:r>
+            <a:r>
+              <a:rPr lang="fr-FR" sz="3000" b="1" dirty="0">
+                <a:latin typeface="Carlito" panose="020F0502020204030204" pitchFamily="34" charset="0"/>
+              </a:rPr>
+              <a:t>19</a:t>
+            </a:r>
+            <a:r>
+              <a:rPr lang="fr-FR" sz="3000" dirty="0">
+                <a:latin typeface="Carlito" panose="020F0502020204030204" pitchFamily="34" charset="0"/>
+              </a:rPr>
+              <a:t> studios de développement dans le monde </a:t>
+            </a:r>
+          </a:p>
+          <a:p>
+            <a:pPr marL="457200" indent="-457200">
+              <a:lnSpc>
+                <a:spcPct val="150000"/>
+              </a:lnSpc>
+              <a:buFont typeface="Arial" panose="020B0604020202020204" pitchFamily="34" charset="0"/>
+              <a:buChar char="•"/>
+            </a:pPr>
+            <a:r>
+              <a:rPr lang="fr-FR" sz="3000" dirty="0">
+                <a:latin typeface="Carlito" panose="020F0502020204030204" pitchFamily="34" charset="0"/>
+              </a:rPr>
+              <a:t> Une évolution du chiffre d’affaire à la hausse (plus de </a:t>
+            </a:r>
+            <a:r>
+              <a:rPr lang="fr-FR" sz="3000" b="1" dirty="0">
+                <a:latin typeface="Carlito" panose="020F0502020204030204" pitchFamily="34" charset="0"/>
+              </a:rPr>
+              <a:t>2</a:t>
+            </a:r>
+            <a:r>
+              <a:rPr lang="fr-FR" sz="3000" dirty="0">
+                <a:latin typeface="Carlito" panose="020F0502020204030204" pitchFamily="34" charset="0"/>
+              </a:rPr>
+              <a:t> </a:t>
+            </a:r>
+            <a:r>
+              <a:rPr lang="fr-FR" sz="3000" b="1" dirty="0">
+                <a:latin typeface="Carlito" panose="020F0502020204030204" pitchFamily="34" charset="0"/>
+              </a:rPr>
+              <a:t>milliards $ pour 2019</a:t>
+            </a:r>
+            <a:r>
+              <a:rPr lang="fr-FR" sz="3000" dirty="0">
+                <a:latin typeface="Carlito" panose="020F0502020204030204" pitchFamily="34" charset="0"/>
+              </a:rPr>
+              <a:t>)</a:t>
+            </a:r>
+          </a:p>
+          <a:p>
+            <a:pPr marL="457200" indent="-457200">
+              <a:lnSpc>
+                <a:spcPct val="150000"/>
+              </a:lnSpc>
+              <a:buFont typeface="Arial" panose="020B0604020202020204" pitchFamily="34" charset="0"/>
+              <a:buChar char="•"/>
+            </a:pPr>
+            <a:r>
+              <a:rPr lang="fr-FR" sz="3000" dirty="0">
+                <a:latin typeface="Carlito" panose="020F0502020204030204" pitchFamily="34" charset="0"/>
+              </a:rPr>
+              <a:t>Un futur très prometteur </a:t>
+            </a:r>
+            <a:endParaRPr lang="fr-FR" sz="3200" dirty="0"/>
+          </a:p>
+          <a:p>
+            <a:pPr marL="457200" indent="-457200">
+              <a:lnSpc>
+                <a:spcPct val="150000"/>
+              </a:lnSpc>
+              <a:buFont typeface="Arial" panose="020B0604020202020204" pitchFamily="34" charset="0"/>
+              <a:buChar char="•"/>
+            </a:pPr>
+            <a:endParaRPr lang="fr-FR" sz="3200" dirty="0"/>
+          </a:p>
+        </p:txBody>
+      </p:sp>
+      <p:sp>
+        <p:nvSpPr>
+          <p:cNvPr id="7" name="ZoneTexte 6">
+            <a:extLst>
+              <a:ext uri="{FF2B5EF4-FFF2-40B4-BE49-F238E27FC236}">
+                <a16:creationId xmlns:a16="http://schemas.microsoft.com/office/drawing/2014/main" id="{170793C0-6734-4649-AC5E-D7A92E31BDBD}"/>
+              </a:ext>
+            </a:extLst>
+          </p:cNvPr>
+          <p:cNvSpPr txBox="1"/>
+          <p:nvPr/>
+        </p:nvSpPr>
+        <p:spPr>
+          <a:xfrm>
+            <a:off x="436524" y="164891"/>
+            <a:ext cx="4195437" cy="1569660"/>
+          </a:xfrm>
+          <a:prstGeom prst="rect">
+            <a:avLst/>
+          </a:prstGeom>
+          <a:noFill/>
+          <a:ln w="57150">
+            <a:solidFill>
+              <a:schemeClr val="tx1"/>
+            </a:solidFill>
+          </a:ln>
+          <a:effectLst>
+            <a:outerShdw blurRad="50800" dist="38100" dir="2700000" algn="tl" rotWithShape="0">
+              <a:prstClr val="black">
+                <a:alpha val="40000"/>
+              </a:prstClr>
+            </a:outerShdw>
+          </a:effectLst>
+        </p:spPr>
+        <p:style>
+          <a:lnRef idx="2">
+            <a:schemeClr val="accent5"/>
+          </a:lnRef>
+          <a:fillRef idx="1">
+            <a:schemeClr val="lt1"/>
+          </a:fillRef>
+          <a:effectRef idx="0">
+            <a:schemeClr val="accent5"/>
+          </a:effectRef>
+          <a:fontRef idx="minor">
+            <a:schemeClr val="dk1"/>
+          </a:fontRef>
+        </p:style>
+        <p:txBody>
+          <a:bodyPr wrap="square" rtlCol="0">
+            <a:spAutoFit/>
+          </a:bodyPr>
+          <a:lstStyle/>
+          <a:p>
+            <a:pPr algn="ctr"/>
+            <a:r>
+              <a:rPr lang="fr-FR" sz="4800" b="1" dirty="0">
+                <a:solidFill>
+                  <a:schemeClr val="bg1"/>
+                </a:solidFill>
+                <a:latin typeface="Carlito" panose="020F0502020204030204" pitchFamily="34" charset="0"/>
+                <a:cs typeface="Carlito" panose="020F0502020204030204" pitchFamily="34" charset="0"/>
+              </a:rPr>
+              <a:t>1.1. Un empire boursier</a:t>
+            </a:r>
+          </a:p>
+        </p:txBody>
+      </p:sp>
+      <p:pic>
+        <p:nvPicPr>
+          <p:cNvPr id="2" name="Image 1">
+            <a:extLst>
+              <a:ext uri="{FF2B5EF4-FFF2-40B4-BE49-F238E27FC236}">
+                <a16:creationId xmlns:a16="http://schemas.microsoft.com/office/drawing/2014/main" id="{BE5BC5AA-44EA-4EE3-BE00-1574D6EE6873}"/>
+              </a:ext>
+            </a:extLst>
+          </p:cNvPr>
+          <p:cNvPicPr>
+            <a:picLocks noChangeAspect="1"/>
+          </p:cNvPicPr>
+          <p:nvPr/>
+        </p:nvPicPr>
+        <p:blipFill>
+          <a:blip r:embed="rId2"/>
+          <a:stretch>
+            <a:fillRect/>
+          </a:stretch>
+        </p:blipFill>
+        <p:spPr>
+          <a:xfrm>
+            <a:off x="436524" y="2682240"/>
+            <a:ext cx="3762375" cy="3174486"/>
+          </a:xfrm>
+          <a:prstGeom prst="rect">
+            <a:avLst/>
+          </a:prstGeom>
+        </p:spPr>
+      </p:pic>
+    </p:spTree>
+    <p:extLst>
+      <p:ext uri="{BB962C8B-B14F-4D97-AF65-F5344CB8AC3E}">
+        <p14:creationId xmlns:p14="http://schemas.microsoft.com/office/powerpoint/2010/main" val="1877061423"/>
+      </p:ext>
+    </p:extLst>
+  </p:cSld>
+  <p:clrMapOvr>
+    <a:masterClrMapping/>
+  </p:clrMapOvr>
+</p:sld>
+</file>
+
+<file path=ppt/slides/slide7.xml><?xml version="1.0" encoding="utf-8"?>
+<p:sld xmlns:a="http://schemas.openxmlformats.org/drawingml/2006/main" xmlns:r="http://schemas.openxmlformats.org/officeDocument/2006/relationships" xmlns:p="http://schemas.openxmlformats.org/presentationml/2006/main">
+  <p:cSld>
+    <p:spTree>
+      <p:nvGrpSpPr>
+        <p:cNvPr id="1" name=""/>
+        <p:cNvGrpSpPr/>
+        <p:nvPr/>
+      </p:nvGrpSpPr>
+      <p:grpSpPr>
+        <a:xfrm>
+          <a:off x="0" y="0"/>
+          <a:ext cx="0" cy="0"/>
+          <a:chOff x="0" y="0"/>
+          <a:chExt cx="0" cy="0"/>
+        </a:xfrm>
+      </p:grpSpPr>
+      <p:sp>
+        <p:nvSpPr>
+          <p:cNvPr id="3" name="Espace réservé du numéro de diapositive 2">
+            <a:extLst>
+              <a:ext uri="{FF2B5EF4-FFF2-40B4-BE49-F238E27FC236}">
+                <a16:creationId xmlns:a16="http://schemas.microsoft.com/office/drawing/2014/main" id="{35CD04DD-8DCB-4B3C-ACCB-53D45007D704}"/>
+              </a:ext>
+            </a:extLst>
+          </p:cNvPr>
+          <p:cNvSpPr>
+            <a:spLocks noGrp="1"/>
+          </p:cNvSpPr>
+          <p:nvPr>
+            <p:ph type="sldNum" sz="quarter" idx="12"/>
+          </p:nvPr>
+        </p:nvSpPr>
+        <p:spPr>
+          <a:xfrm>
+            <a:off x="10678331" y="5915888"/>
+            <a:ext cx="1062155" cy="490599"/>
+          </a:xfrm>
+        </p:spPr>
+        <p:txBody>
+          <a:bodyPr/>
+          <a:lstStyle/>
+          <a:p>
+            <a:fld id="{D57F1E4F-1CFF-5643-939E-217C01CDF565}" type="slidenum">
+              <a:rPr lang="en-US" smtClean="0"/>
+              <a:pPr/>
+              <a:t>7</a:t>
+            </a:fld>
+            <a:endParaRPr lang="en-US" dirty="0"/>
+          </a:p>
+        </p:txBody>
+      </p:sp>
+      <p:sp>
+        <p:nvSpPr>
+          <p:cNvPr id="5" name="ZoneTexte 4">
+            <a:extLst>
+              <a:ext uri="{FF2B5EF4-FFF2-40B4-BE49-F238E27FC236}">
+                <a16:creationId xmlns:a16="http://schemas.microsoft.com/office/drawing/2014/main" id="{D2B52D68-1639-42B1-8741-04BFF3B54220}"/>
+              </a:ext>
+            </a:extLst>
+          </p:cNvPr>
+          <p:cNvSpPr txBox="1"/>
+          <p:nvPr/>
+        </p:nvSpPr>
+        <p:spPr>
+          <a:xfrm>
+            <a:off x="5209563" y="157281"/>
+            <a:ext cx="6719582" cy="1569660"/>
+          </a:xfrm>
+          <a:prstGeom prst="rect">
+            <a:avLst/>
+          </a:prstGeom>
+          <a:noFill/>
+          <a:ln w="57150">
+            <a:solidFill>
+              <a:schemeClr val="tx1"/>
+            </a:solidFill>
+          </a:ln>
+        </p:spPr>
+        <p:txBody>
+          <a:bodyPr wrap="square" rtlCol="0">
+            <a:spAutoFit/>
+          </a:bodyPr>
+          <a:lstStyle/>
+          <a:p>
+            <a:pPr algn="ctr"/>
+            <a:r>
+              <a:rPr lang="fr-FR" sz="3200">
+                <a:solidFill>
+                  <a:schemeClr val="tx2">
+                    <a:lumMod val="75000"/>
+                  </a:schemeClr>
+                </a:solidFill>
+                <a:latin typeface="Carlito" panose="020F0502020204030204" pitchFamily="34" charset="0"/>
+                <a:cs typeface="Carlito" panose="020F0502020204030204" pitchFamily="34" charset="0"/>
+              </a:rPr>
+              <a:t>Introduction</a:t>
+            </a:r>
+            <a:r>
+              <a:rPr lang="fr-FR" sz="3200" b="1">
+                <a:solidFill>
+                  <a:schemeClr val="bg1"/>
+                </a:solidFill>
+                <a:latin typeface="Carlito" panose="020F0502020204030204" pitchFamily="34" charset="0"/>
+                <a:cs typeface="Carlito" panose="020F0502020204030204" pitchFamily="34" charset="0"/>
+              </a:rPr>
+              <a:t>	</a:t>
+            </a:r>
+            <a:r>
+              <a:rPr lang="fr-FR" sz="3200" b="1">
+                <a:solidFill>
+                  <a:schemeClr val="bg1"/>
+                </a:solidFill>
+                <a:latin typeface="Carlito" panose="020F0502020204030204" pitchFamily="34" charset="0"/>
+              </a:rPr>
+              <a:t>1. Partie économique et juridique </a:t>
+            </a:r>
+            <a:r>
+              <a:rPr lang="fr-FR" sz="3200">
+                <a:solidFill>
+                  <a:schemeClr val="tx2">
+                    <a:lumMod val="75000"/>
+                  </a:schemeClr>
+                </a:solidFill>
+                <a:latin typeface="Carlito" panose="020F0502020204030204" pitchFamily="34" charset="0"/>
+              </a:rPr>
+              <a:t>2. Présentation du site Web</a:t>
+            </a:r>
+          </a:p>
+          <a:p>
+            <a:pPr algn="ctr"/>
+            <a:r>
+              <a:rPr lang="fr-FR" sz="3200">
+                <a:solidFill>
+                  <a:schemeClr val="tx2">
+                    <a:lumMod val="75000"/>
+                  </a:schemeClr>
+                </a:solidFill>
+                <a:latin typeface="Carlito" panose="020F0502020204030204" pitchFamily="34" charset="0"/>
+                <a:cs typeface="Carlito" panose="020F0502020204030204" pitchFamily="34" charset="0"/>
+              </a:rPr>
+              <a:t>3. Travail en groupe</a:t>
+            </a:r>
+            <a:r>
+              <a:rPr lang="fr-FR" sz="3200" b="1">
+                <a:solidFill>
+                  <a:schemeClr val="tx2">
+                    <a:lumMod val="75000"/>
+                  </a:schemeClr>
+                </a:solidFill>
+                <a:latin typeface="Carlito" panose="020F0502020204030204" pitchFamily="34" charset="0"/>
+                <a:cs typeface="Carlito" panose="020F0502020204030204" pitchFamily="34" charset="0"/>
+              </a:rPr>
+              <a:t>	</a:t>
+            </a:r>
+            <a:r>
+              <a:rPr lang="fr-FR" sz="3200">
+                <a:solidFill>
+                  <a:schemeClr val="tx2">
+                    <a:lumMod val="75000"/>
+                  </a:schemeClr>
+                </a:solidFill>
+                <a:latin typeface="Carlito" panose="020F0502020204030204" pitchFamily="34" charset="0"/>
+                <a:cs typeface="Carlito" panose="020F0502020204030204" pitchFamily="34" charset="0"/>
+              </a:rPr>
+              <a:t>Conclusion</a:t>
+            </a:r>
+            <a:endParaRPr lang="fr-FR" sz="3200" dirty="0">
+              <a:solidFill>
+                <a:schemeClr val="tx2">
+                  <a:lumMod val="75000"/>
+                </a:schemeClr>
+              </a:solidFill>
+              <a:latin typeface="Carlito" panose="020F0502020204030204" pitchFamily="34" charset="0"/>
+              <a:cs typeface="Carlito" panose="020F0502020204030204" pitchFamily="34" charset="0"/>
+            </a:endParaRPr>
+          </a:p>
+        </p:txBody>
+      </p:sp>
+      <p:sp>
+        <p:nvSpPr>
+          <p:cNvPr id="6" name="ZoneTexte 5">
+            <a:extLst>
+              <a:ext uri="{FF2B5EF4-FFF2-40B4-BE49-F238E27FC236}">
+                <a16:creationId xmlns:a16="http://schemas.microsoft.com/office/drawing/2014/main" id="{B51DB91F-53F4-4EE4-9C90-1D138A98B5E9}"/>
+              </a:ext>
+            </a:extLst>
+          </p:cNvPr>
+          <p:cNvSpPr txBox="1"/>
+          <p:nvPr/>
+        </p:nvSpPr>
+        <p:spPr>
+          <a:xfrm>
+            <a:off x="4631960" y="1901930"/>
+            <a:ext cx="7424561" cy="4892301"/>
+          </a:xfrm>
+          <a:prstGeom prst="rect">
+            <a:avLst/>
+          </a:prstGeom>
+        </p:spPr>
+        <p:txBody>
+          <a:bodyPr wrap="square" rtlCol="0">
+            <a:spAutoFit/>
+          </a:bodyPr>
+          <a:lstStyle/>
+          <a:p>
+            <a:pPr marL="457200" indent="-457200">
+              <a:lnSpc>
+                <a:spcPct val="150000"/>
+              </a:lnSpc>
+              <a:buFont typeface="Arial" panose="020B0604020202020204" pitchFamily="34" charset="0"/>
+              <a:buChar char="•"/>
+            </a:pPr>
+            <a:r>
+              <a:rPr lang="fr-FR" sz="3000" dirty="0">
+                <a:latin typeface="Carlito" panose="020F0502020204030204" pitchFamily="34" charset="0"/>
+              </a:rPr>
+              <a:t>Limited </a:t>
+            </a:r>
+            <a:r>
+              <a:rPr lang="fr-FR" sz="3000" dirty="0" err="1">
+                <a:latin typeface="Carlito" panose="020F0502020204030204" pitchFamily="34" charset="0"/>
+              </a:rPr>
+              <a:t>Liability</a:t>
+            </a:r>
+            <a:r>
+              <a:rPr lang="fr-FR" sz="3000" dirty="0">
+                <a:latin typeface="Carlito" panose="020F0502020204030204" pitchFamily="34" charset="0"/>
+              </a:rPr>
+              <a:t> </a:t>
+            </a:r>
+            <a:r>
+              <a:rPr lang="fr-FR" sz="3000" dirty="0" err="1">
+                <a:latin typeface="Carlito" panose="020F0502020204030204" pitchFamily="34" charset="0"/>
+              </a:rPr>
+              <a:t>Company</a:t>
+            </a:r>
+            <a:r>
+              <a:rPr lang="fr-FR" sz="3000" dirty="0">
+                <a:latin typeface="Carlito" panose="020F0502020204030204" pitchFamily="34" charset="0"/>
+              </a:rPr>
+              <a:t> (LLC)</a:t>
+            </a:r>
+          </a:p>
+          <a:p>
+            <a:pPr marL="457200" indent="-457200">
+              <a:lnSpc>
+                <a:spcPct val="150000"/>
+              </a:lnSpc>
+              <a:buFont typeface="Arial" panose="020B0604020202020204" pitchFamily="34" charset="0"/>
+              <a:buChar char="•"/>
+            </a:pPr>
+            <a:r>
+              <a:rPr lang="fr-FR" sz="3000" dirty="0">
+                <a:latin typeface="Carlito" panose="020F0502020204030204" pitchFamily="34" charset="0"/>
+              </a:rPr>
+              <a:t>Semblable à une Société À Responsabilité Limitée (SARL) en France</a:t>
+            </a:r>
+          </a:p>
+          <a:p>
+            <a:pPr marL="457200" indent="-457200">
+              <a:lnSpc>
+                <a:spcPct val="150000"/>
+              </a:lnSpc>
+              <a:buFont typeface="Arial" panose="020B0604020202020204" pitchFamily="34" charset="0"/>
+              <a:buChar char="•"/>
+            </a:pPr>
+            <a:r>
+              <a:rPr lang="fr-FR" sz="3000" dirty="0">
+                <a:latin typeface="Carlito" panose="020F0502020204030204" pitchFamily="34" charset="0"/>
+              </a:rPr>
+              <a:t>Un modèle hybride entre la corporation et le partnership</a:t>
+            </a:r>
+          </a:p>
+          <a:p>
+            <a:pPr marL="457200" indent="-457200">
+              <a:lnSpc>
+                <a:spcPct val="150000"/>
+              </a:lnSpc>
+              <a:buFont typeface="Arial" panose="020B0604020202020204" pitchFamily="34" charset="0"/>
+              <a:buChar char="•"/>
+            </a:pPr>
+            <a:r>
+              <a:rPr lang="fr-FR" sz="3000" dirty="0">
+                <a:latin typeface="Carlito" panose="020F0502020204030204" pitchFamily="34" charset="0"/>
+              </a:rPr>
+              <a:t>Des avantages et des inconvénients</a:t>
+            </a:r>
+          </a:p>
+          <a:p>
+            <a:pPr marL="457200" indent="-457200">
+              <a:lnSpc>
+                <a:spcPct val="150000"/>
+              </a:lnSpc>
+              <a:buFont typeface="Arial" panose="020B0604020202020204" pitchFamily="34" charset="0"/>
+              <a:buChar char="•"/>
+            </a:pPr>
+            <a:endParaRPr lang="fr-FR" sz="3200" dirty="0"/>
+          </a:p>
+        </p:txBody>
+      </p:sp>
+      <p:sp>
+        <p:nvSpPr>
+          <p:cNvPr id="7" name="ZoneTexte 6">
+            <a:extLst>
+              <a:ext uri="{FF2B5EF4-FFF2-40B4-BE49-F238E27FC236}">
+                <a16:creationId xmlns:a16="http://schemas.microsoft.com/office/drawing/2014/main" id="{170793C0-6734-4649-AC5E-D7A92E31BDBD}"/>
+              </a:ext>
+            </a:extLst>
+          </p:cNvPr>
+          <p:cNvSpPr txBox="1"/>
+          <p:nvPr/>
+        </p:nvSpPr>
+        <p:spPr>
+          <a:xfrm>
+            <a:off x="262855" y="164891"/>
+            <a:ext cx="4766345" cy="1569660"/>
+          </a:xfrm>
+          <a:prstGeom prst="rect">
+            <a:avLst/>
+          </a:prstGeom>
+          <a:noFill/>
+          <a:ln w="57150">
+            <a:solidFill>
+              <a:schemeClr val="tx1"/>
+            </a:solidFill>
+          </a:ln>
+          <a:effectLst>
+            <a:outerShdw blurRad="50800" dist="38100" dir="2700000" algn="tl" rotWithShape="0">
+              <a:prstClr val="black">
+                <a:alpha val="40000"/>
+              </a:prstClr>
+            </a:outerShdw>
+          </a:effectLst>
+        </p:spPr>
+        <p:style>
+          <a:lnRef idx="2">
+            <a:schemeClr val="accent5"/>
+          </a:lnRef>
+          <a:fillRef idx="1">
+            <a:schemeClr val="lt1"/>
+          </a:fillRef>
+          <a:effectRef idx="0">
+            <a:schemeClr val="accent5"/>
+          </a:effectRef>
+          <a:fontRef idx="minor">
+            <a:schemeClr val="dk1"/>
+          </a:fontRef>
+        </p:style>
+        <p:txBody>
+          <a:bodyPr wrap="square" rtlCol="0">
+            <a:spAutoFit/>
+          </a:bodyPr>
+          <a:lstStyle/>
+          <a:p>
+            <a:pPr algn="ctr"/>
+            <a:r>
+              <a:rPr lang="fr-FR" sz="4800" b="1" dirty="0">
+                <a:solidFill>
+                  <a:schemeClr val="bg1"/>
+                </a:solidFill>
+                <a:latin typeface="Carlito" panose="020F0502020204030204" pitchFamily="34" charset="0"/>
+                <a:cs typeface="Carlito" panose="020F0502020204030204" pitchFamily="34" charset="0"/>
+              </a:rPr>
+              <a:t>1.2.</a:t>
+            </a:r>
+            <a:r>
+              <a:rPr lang="fr-FR" sz="4800" dirty="0">
+                <a:solidFill>
+                  <a:schemeClr val="bg2">
+                    <a:lumMod val="50000"/>
+                    <a:lumOff val="50000"/>
+                  </a:schemeClr>
+                </a:solidFill>
+                <a:latin typeface="Carlito" panose="020F0502020204030204" pitchFamily="34" charset="0"/>
+                <a:cs typeface="Carlito" panose="020F0502020204030204" pitchFamily="34" charset="0"/>
+              </a:rPr>
+              <a:t> </a:t>
+            </a:r>
+            <a:r>
+              <a:rPr lang="fr-FR" sz="4800" b="1" dirty="0">
+                <a:solidFill>
+                  <a:schemeClr val="bg1"/>
+                </a:solidFill>
+                <a:latin typeface="Carlito" panose="020F0502020204030204" pitchFamily="34" charset="0"/>
+              </a:rPr>
+              <a:t>Une société à modèle hybride</a:t>
+            </a:r>
+          </a:p>
+        </p:txBody>
+      </p:sp>
+      <p:pic>
+        <p:nvPicPr>
+          <p:cNvPr id="8" name="Image 7">
+            <a:extLst>
+              <a:ext uri="{FF2B5EF4-FFF2-40B4-BE49-F238E27FC236}">
+                <a16:creationId xmlns:a16="http://schemas.microsoft.com/office/drawing/2014/main" id="{55E6CF98-FD17-4AD7-8391-8D6A111D942D}"/>
+              </a:ext>
+            </a:extLst>
+          </p:cNvPr>
+          <p:cNvPicPr>
+            <a:picLocks noChangeAspect="1"/>
+          </p:cNvPicPr>
+          <p:nvPr/>
+        </p:nvPicPr>
+        <p:blipFill>
+          <a:blip r:embed="rId2"/>
+          <a:stretch>
+            <a:fillRect/>
+          </a:stretch>
+        </p:blipFill>
+        <p:spPr>
+          <a:xfrm>
+            <a:off x="890559" y="2576495"/>
+            <a:ext cx="3145175" cy="3145175"/>
+          </a:xfrm>
+          <a:prstGeom prst="rect">
+            <a:avLst/>
+          </a:prstGeom>
+        </p:spPr>
+      </p:pic>
+    </p:spTree>
+    <p:extLst>
+      <p:ext uri="{BB962C8B-B14F-4D97-AF65-F5344CB8AC3E}">
+        <p14:creationId xmlns:p14="http://schemas.microsoft.com/office/powerpoint/2010/main" val="1232657426"/>
+      </p:ext>
+    </p:extLst>
+  </p:cSld>
+  <p:clrMapOvr>
+    <a:masterClrMapping/>
+  </p:clrMapOvr>
+</p:sld>
+</file>
+
+<file path=ppt/slides/slide8.xml><?xml version="1.0" encoding="utf-8"?>
+<p:sld xmlns:a="http://schemas.openxmlformats.org/drawingml/2006/main" xmlns:r="http://schemas.openxmlformats.org/officeDocument/2006/relationships" xmlns:p="http://schemas.openxmlformats.org/presentationml/2006/main">
+  <p:cSld>
+    <p:spTree>
+      <p:nvGrpSpPr>
+        <p:cNvPr id="1" name=""/>
+        <p:cNvGrpSpPr/>
+        <p:nvPr/>
+      </p:nvGrpSpPr>
+      <p:grpSpPr>
+        <a:xfrm>
+          <a:off x="0" y="0"/>
+          <a:ext cx="0" cy="0"/>
+          <a:chOff x="0" y="0"/>
+          <a:chExt cx="0" cy="0"/>
+        </a:xfrm>
+      </p:grpSpPr>
+      <p:sp>
+        <p:nvSpPr>
+          <p:cNvPr id="2" name="Espace réservé du numéro de diapositive 1">
+            <a:extLst>
+              <a:ext uri="{FF2B5EF4-FFF2-40B4-BE49-F238E27FC236}">
+                <a16:creationId xmlns:a16="http://schemas.microsoft.com/office/drawing/2014/main" id="{40311474-84AA-40DD-BD7D-30DFB320CFF9}"/>
+              </a:ext>
+            </a:extLst>
+          </p:cNvPr>
+          <p:cNvSpPr>
+            <a:spLocks noGrp="1"/>
+          </p:cNvSpPr>
+          <p:nvPr>
+            <p:ph type="sldNum" sz="quarter" idx="12"/>
+          </p:nvPr>
+        </p:nvSpPr>
+        <p:spPr/>
+        <p:txBody>
+          <a:bodyPr/>
+          <a:lstStyle/>
+          <a:p>
+            <a:fld id="{D57F1E4F-1CFF-5643-939E-217C01CDF565}" type="slidenum">
+              <a:rPr lang="en-US" smtClean="0"/>
+              <a:pPr/>
+              <a:t>8</a:t>
+            </a:fld>
+            <a:endParaRPr lang="en-US" dirty="0"/>
+          </a:p>
+        </p:txBody>
+      </p:sp>
+      <p:sp>
+        <p:nvSpPr>
+          <p:cNvPr id="3" name="ZoneTexte 2">
+            <a:extLst>
+              <a:ext uri="{FF2B5EF4-FFF2-40B4-BE49-F238E27FC236}">
+                <a16:creationId xmlns:a16="http://schemas.microsoft.com/office/drawing/2014/main" id="{874DB8B7-397D-48B3-8390-E5BB20E12E06}"/>
+              </a:ext>
+            </a:extLst>
+          </p:cNvPr>
+          <p:cNvSpPr txBox="1"/>
+          <p:nvPr/>
+        </p:nvSpPr>
+        <p:spPr>
+          <a:xfrm>
+            <a:off x="2014407" y="2151727"/>
+            <a:ext cx="8163186" cy="2554545"/>
+          </a:xfrm>
+          <a:prstGeom prst="rect">
+            <a:avLst/>
+          </a:prstGeom>
+          <a:solidFill>
+            <a:schemeClr val="bg2"/>
+          </a:solidFill>
+          <a:ln w="57150">
+            <a:solidFill>
+              <a:schemeClr val="accent1"/>
+            </a:solidFill>
+          </a:ln>
+          <a:effectLst>
+            <a:outerShdw blurRad="50800" dist="38100" dir="2700000" algn="tl" rotWithShape="0">
+              <a:prstClr val="black">
+                <a:alpha val="40000"/>
+              </a:prstClr>
+            </a:outerShdw>
+          </a:effectLst>
+        </p:spPr>
+        <p:style>
+          <a:lnRef idx="2">
+            <a:schemeClr val="accent5"/>
+          </a:lnRef>
+          <a:fillRef idx="1">
+            <a:schemeClr val="lt1"/>
+          </a:fillRef>
+          <a:effectRef idx="0">
+            <a:schemeClr val="accent5"/>
+          </a:effectRef>
+          <a:fontRef idx="minor">
+            <a:schemeClr val="dk1"/>
+          </a:fontRef>
+        </p:style>
+        <p:txBody>
+          <a:bodyPr wrap="square" rtlCol="0">
+            <a:spAutoFit/>
+          </a:bodyPr>
+          <a:lstStyle/>
+          <a:p>
+            <a:pPr algn="ctr"/>
+            <a:r>
+              <a:rPr lang="fr-FR" sz="8000" b="1" dirty="0">
+                <a:solidFill>
+                  <a:schemeClr val="tx1"/>
+                </a:solidFill>
+                <a:latin typeface="Carlito" panose="020F0502020204030204" pitchFamily="34" charset="0"/>
+                <a:cs typeface="Carlito" panose="020F0502020204030204" pitchFamily="34" charset="0"/>
+              </a:rPr>
+              <a:t>2. Présentation du</a:t>
+            </a:r>
+          </a:p>
+          <a:p>
+            <a:pPr algn="ctr"/>
+            <a:r>
+              <a:rPr lang="fr-FR" sz="8000" b="1" dirty="0">
+                <a:solidFill>
+                  <a:schemeClr val="tx1"/>
+                </a:solidFill>
+                <a:latin typeface="Carlito" panose="020F0502020204030204" pitchFamily="34" charset="0"/>
+                <a:cs typeface="Carlito" panose="020F0502020204030204" pitchFamily="34" charset="0"/>
+              </a:rPr>
+              <a:t>site Web</a:t>
+            </a:r>
+          </a:p>
+        </p:txBody>
+      </p:sp>
+    </p:spTree>
+    <p:extLst>
+      <p:ext uri="{BB962C8B-B14F-4D97-AF65-F5344CB8AC3E}">
+        <p14:creationId xmlns:p14="http://schemas.microsoft.com/office/powerpoint/2010/main" val="520610784"/>
+      </p:ext>
+    </p:extLst>
+  </p:cSld>
+  <p:clrMapOvr>
+    <a:masterClrMapping/>
+  </p:clrMapOvr>
+</p:sld>
+</file>
+
+<file path=ppt/slides/slide9.xml><?xml version="1.0" encoding="utf-8"?>
+<p:sld xmlns:a="http://schemas.openxmlformats.org/drawingml/2006/main" xmlns:r="http://schemas.openxmlformats.org/officeDocument/2006/relationships" xmlns:p="http://schemas.openxmlformats.org/presentationml/2006/main">
+  <p:cSld>
+    <p:spTree>
+      <p:nvGrpSpPr>
+        <p:cNvPr id="1" name=""/>
+        <p:cNvGrpSpPr/>
+        <p:nvPr/>
+      </p:nvGrpSpPr>
+      <p:grpSpPr>
+        <a:xfrm>
+          <a:off x="0" y="0"/>
+          <a:ext cx="0" cy="0"/>
+          <a:chOff x="0" y="0"/>
+          <a:chExt cx="0" cy="0"/>
+        </a:xfrm>
+      </p:grpSpPr>
+      <p:sp>
+        <p:nvSpPr>
+          <p:cNvPr id="3" name="Espace réservé du numéro de diapositive 2">
+            <a:extLst>
+              <a:ext uri="{FF2B5EF4-FFF2-40B4-BE49-F238E27FC236}">
+                <a16:creationId xmlns:a16="http://schemas.microsoft.com/office/drawing/2014/main" id="{35CD04DD-8DCB-4B3C-ACCB-53D45007D704}"/>
+              </a:ext>
+            </a:extLst>
+          </p:cNvPr>
+          <p:cNvSpPr>
+            <a:spLocks noGrp="1"/>
+          </p:cNvSpPr>
+          <p:nvPr>
+            <p:ph type="sldNum" sz="quarter" idx="12"/>
+          </p:nvPr>
+        </p:nvSpPr>
+        <p:spPr/>
+        <p:txBody>
+          <a:bodyPr/>
+          <a:lstStyle/>
+          <a:p>
+            <a:fld id="{D57F1E4F-1CFF-5643-939E-217C01CDF565}" type="slidenum">
+              <a:rPr lang="en-US" smtClean="0"/>
+              <a:pPr/>
+              <a:t>9</a:t>
+            </a:fld>
+            <a:endParaRPr lang="en-US" dirty="0"/>
+          </a:p>
+        </p:txBody>
+      </p:sp>
+      <p:sp>
+        <p:nvSpPr>
+          <p:cNvPr id="4" name="ZoneTexte 3">
+            <a:extLst>
+              <a:ext uri="{FF2B5EF4-FFF2-40B4-BE49-F238E27FC236}">
+                <a16:creationId xmlns:a16="http://schemas.microsoft.com/office/drawing/2014/main" id="{D04BB437-C13D-4EF9-8BFC-027346A83454}"/>
+              </a:ext>
+            </a:extLst>
+          </p:cNvPr>
+          <p:cNvSpPr txBox="1"/>
+          <p:nvPr/>
+        </p:nvSpPr>
+        <p:spPr>
+          <a:xfrm>
+            <a:off x="436524" y="164891"/>
+            <a:ext cx="4195437" cy="1569660"/>
+          </a:xfrm>
+          <a:prstGeom prst="rect">
+            <a:avLst/>
+          </a:prstGeom>
+          <a:noFill/>
+          <a:ln w="57150">
+            <a:solidFill>
+              <a:schemeClr val="tx1"/>
+            </a:solidFill>
+          </a:ln>
+          <a:effectLst>
+            <a:outerShdw blurRad="50800" dist="38100" dir="2700000" algn="tl" rotWithShape="0">
+              <a:prstClr val="black">
+                <a:alpha val="40000"/>
+              </a:prstClr>
+            </a:outerShdw>
+          </a:effectLst>
+        </p:spPr>
+        <p:style>
+          <a:lnRef idx="2">
+            <a:schemeClr val="accent5"/>
+          </a:lnRef>
+          <a:fillRef idx="1">
+            <a:schemeClr val="lt1"/>
+          </a:fillRef>
+          <a:effectRef idx="0">
+            <a:schemeClr val="accent5"/>
+          </a:effectRef>
+          <a:fontRef idx="minor">
+            <a:schemeClr val="dk1"/>
+          </a:fontRef>
+        </p:style>
+        <p:txBody>
+          <a:bodyPr wrap="square" rtlCol="0">
+            <a:spAutoFit/>
+          </a:bodyPr>
+          <a:lstStyle/>
+          <a:p>
+            <a:pPr algn="ctr"/>
+            <a:r>
+              <a:rPr lang="fr-FR" sz="4800" b="1" dirty="0">
+                <a:solidFill>
+                  <a:schemeClr val="bg1"/>
+                </a:solidFill>
+                <a:latin typeface="Carlito" panose="020F0502020204030204" pitchFamily="34" charset="0"/>
+                <a:cs typeface="Carlito" panose="020F0502020204030204" pitchFamily="34" charset="0"/>
+              </a:rPr>
+              <a:t>2.1. Principales fonctionnalités</a:t>
+            </a:r>
+          </a:p>
+        </p:txBody>
+      </p:sp>
+      <p:sp>
+        <p:nvSpPr>
+          <p:cNvPr id="5" name="ZoneTexte 4">
+            <a:extLst>
+              <a:ext uri="{FF2B5EF4-FFF2-40B4-BE49-F238E27FC236}">
+                <a16:creationId xmlns:a16="http://schemas.microsoft.com/office/drawing/2014/main" id="{D2B52D68-1639-42B1-8741-04BFF3B54220}"/>
+              </a:ext>
+            </a:extLst>
+          </p:cNvPr>
+          <p:cNvSpPr txBox="1"/>
+          <p:nvPr/>
+        </p:nvSpPr>
+        <p:spPr>
+          <a:xfrm>
+            <a:off x="5209563" y="157281"/>
+            <a:ext cx="6719582" cy="1569660"/>
+          </a:xfrm>
+          <a:prstGeom prst="rect">
+            <a:avLst/>
+          </a:prstGeom>
+          <a:noFill/>
+          <a:ln w="57150">
+            <a:solidFill>
+              <a:schemeClr val="tx1"/>
+            </a:solidFill>
+          </a:ln>
+        </p:spPr>
+        <p:txBody>
+          <a:bodyPr wrap="square" rtlCol="0">
+            <a:spAutoFit/>
+          </a:bodyPr>
+          <a:lstStyle/>
+          <a:p>
+            <a:pPr algn="ctr"/>
+            <a:r>
+              <a:rPr lang="fr-FR" sz="3200" dirty="0">
+                <a:solidFill>
+                  <a:schemeClr val="tx2">
+                    <a:lumMod val="75000"/>
+                  </a:schemeClr>
+                </a:solidFill>
+                <a:latin typeface="Carlito" panose="020F0502020204030204" pitchFamily="34" charset="0"/>
+                <a:cs typeface="Carlito" panose="020F0502020204030204" pitchFamily="34" charset="0"/>
+              </a:rPr>
+              <a:t>Introduction</a:t>
+            </a:r>
+            <a:r>
+              <a:rPr lang="fr-FR" sz="3200" b="1" dirty="0">
+                <a:solidFill>
+                  <a:schemeClr val="bg1"/>
+                </a:solidFill>
+                <a:latin typeface="Carlito" panose="020F0502020204030204" pitchFamily="34" charset="0"/>
+                <a:cs typeface="Carlito" panose="020F0502020204030204" pitchFamily="34" charset="0"/>
+              </a:rPr>
+              <a:t>	</a:t>
+            </a:r>
+            <a:r>
+              <a:rPr lang="fr-FR" sz="3200" dirty="0">
+                <a:solidFill>
+                  <a:schemeClr val="tx2">
+                    <a:lumMod val="75000"/>
+                  </a:schemeClr>
+                </a:solidFill>
+                <a:latin typeface="Carlito" panose="020F0502020204030204" pitchFamily="34" charset="0"/>
+                <a:cs typeface="Carlito" panose="020F0502020204030204" pitchFamily="34" charset="0"/>
+              </a:rPr>
+              <a:t>1. Partie économique et juridique </a:t>
+            </a:r>
+            <a:r>
+              <a:rPr lang="fr-FR" sz="3200" b="1" dirty="0">
+                <a:solidFill>
+                  <a:schemeClr val="bg1"/>
+                </a:solidFill>
+                <a:latin typeface="Carlito" panose="020F0502020204030204" pitchFamily="34" charset="0"/>
+                <a:cs typeface="Carlito" panose="020F0502020204030204" pitchFamily="34" charset="0"/>
+              </a:rPr>
+              <a:t>2. Présentation du site Web</a:t>
+            </a:r>
+          </a:p>
+          <a:p>
+            <a:pPr algn="ctr"/>
+            <a:r>
+              <a:rPr lang="fr-FR" sz="3200" dirty="0">
+                <a:solidFill>
+                  <a:schemeClr val="tx2">
+                    <a:lumMod val="75000"/>
+                  </a:schemeClr>
+                </a:solidFill>
+                <a:latin typeface="Carlito" panose="020F0502020204030204" pitchFamily="34" charset="0"/>
+                <a:cs typeface="Carlito" panose="020F0502020204030204" pitchFamily="34" charset="0"/>
+              </a:rPr>
+              <a:t>3. Travail en groupe</a:t>
+            </a:r>
+            <a:r>
+              <a:rPr lang="fr-FR" sz="3200" b="1" dirty="0">
+                <a:solidFill>
+                  <a:schemeClr val="tx2">
+                    <a:lumMod val="75000"/>
+                  </a:schemeClr>
+                </a:solidFill>
+                <a:latin typeface="Carlito" panose="020F0502020204030204" pitchFamily="34" charset="0"/>
+                <a:cs typeface="Carlito" panose="020F0502020204030204" pitchFamily="34" charset="0"/>
+              </a:rPr>
+              <a:t>	</a:t>
+            </a:r>
+            <a:r>
+              <a:rPr lang="fr-FR" sz="3200" dirty="0">
+                <a:solidFill>
+                  <a:schemeClr val="tx2">
+                    <a:lumMod val="75000"/>
+                  </a:schemeClr>
+                </a:solidFill>
+                <a:latin typeface="Carlito" panose="020F0502020204030204" pitchFamily="34" charset="0"/>
+                <a:cs typeface="Carlito" panose="020F0502020204030204" pitchFamily="34" charset="0"/>
+              </a:rPr>
+              <a:t>Conclusion</a:t>
+            </a:r>
+          </a:p>
+        </p:txBody>
+      </p:sp>
+      <p:sp>
+        <p:nvSpPr>
+          <p:cNvPr id="6" name="ZoneTexte 5">
+            <a:extLst>
+              <a:ext uri="{FF2B5EF4-FFF2-40B4-BE49-F238E27FC236}">
+                <a16:creationId xmlns:a16="http://schemas.microsoft.com/office/drawing/2014/main" id="{B51DB91F-53F4-4EE4-9C90-1D138A98B5E9}"/>
+              </a:ext>
+            </a:extLst>
+          </p:cNvPr>
+          <p:cNvSpPr txBox="1"/>
+          <p:nvPr/>
+        </p:nvSpPr>
+        <p:spPr>
+          <a:xfrm>
+            <a:off x="3542796" y="1824853"/>
+            <a:ext cx="8513726" cy="4868256"/>
+          </a:xfrm>
+          <a:prstGeom prst="rect">
+            <a:avLst/>
+          </a:prstGeom>
+          <a:noFill/>
+        </p:spPr>
+        <p:txBody>
+          <a:bodyPr wrap="square" rtlCol="0">
+            <a:spAutoFit/>
+          </a:bodyPr>
+          <a:lstStyle/>
+          <a:p>
+            <a:pPr marL="285750" indent="-285750" algn="just">
+              <a:lnSpc>
+                <a:spcPct val="150000"/>
+              </a:lnSpc>
+              <a:buFont typeface="Arial" panose="020B0604020202020204" pitchFamily="34" charset="0"/>
+              <a:buChar char="•"/>
+            </a:pPr>
+            <a:r>
+              <a:rPr lang="fr-FR" sz="3000" b="1" dirty="0">
+                <a:latin typeface="Carlito" panose="020F0502020204030204" pitchFamily="34" charset="0"/>
+                <a:cs typeface="Carlito" panose="020F0502020204030204" pitchFamily="34" charset="0"/>
+              </a:rPr>
+              <a:t>Bootstrap</a:t>
+            </a:r>
+            <a:r>
+              <a:rPr lang="fr-FR" sz="3000" dirty="0">
+                <a:latin typeface="Carlito" panose="020F0502020204030204" pitchFamily="34" charset="0"/>
+                <a:cs typeface="Carlito" panose="020F0502020204030204" pitchFamily="34" charset="0"/>
+              </a:rPr>
+              <a:t> utilisé pour sa </a:t>
+            </a:r>
+            <a:r>
+              <a:rPr lang="fr-FR" sz="3000" b="1" dirty="0">
+                <a:latin typeface="Carlito" panose="020F0502020204030204" pitchFamily="34" charset="0"/>
+                <a:cs typeface="Carlito" panose="020F0502020204030204" pitchFamily="34" charset="0"/>
+              </a:rPr>
+              <a:t>simplicité</a:t>
+            </a:r>
+            <a:r>
+              <a:rPr lang="fr-FR" sz="3000" dirty="0">
+                <a:latin typeface="Carlito" panose="020F0502020204030204" pitchFamily="34" charset="0"/>
+                <a:cs typeface="Carlito" panose="020F0502020204030204" pitchFamily="34" charset="0"/>
+              </a:rPr>
+              <a:t> et sa fonctionnalité </a:t>
+            </a:r>
+            <a:r>
+              <a:rPr lang="fr-FR" sz="3000" b="1" dirty="0">
+                <a:latin typeface="Carlito" panose="020F0502020204030204" pitchFamily="34" charset="0"/>
+                <a:cs typeface="Carlito" panose="020F0502020204030204" pitchFamily="34" charset="0"/>
+              </a:rPr>
+              <a:t>« responsive »</a:t>
+            </a:r>
+          </a:p>
+          <a:p>
+            <a:pPr marL="285750" indent="-285750" algn="just">
+              <a:lnSpc>
+                <a:spcPct val="150000"/>
+              </a:lnSpc>
+              <a:buFont typeface="Arial" panose="020B0604020202020204" pitchFamily="34" charset="0"/>
+              <a:buChar char="•"/>
+            </a:pPr>
+            <a:r>
+              <a:rPr lang="fr-FR" sz="3000" dirty="0">
+                <a:latin typeface="Carlito" panose="020F0502020204030204" pitchFamily="34" charset="0"/>
+                <a:cs typeface="Carlito" panose="020F0502020204030204" pitchFamily="34" charset="0"/>
+              </a:rPr>
+              <a:t>Utilisation de </a:t>
+            </a:r>
+            <a:r>
+              <a:rPr lang="fr-FR" sz="3000" b="1" dirty="0">
+                <a:latin typeface="Carlito" panose="020F0502020204030204" pitchFamily="34" charset="0"/>
+                <a:cs typeface="Carlito" panose="020F0502020204030204" pitchFamily="34" charset="0"/>
+              </a:rPr>
+              <a:t>PHPMailer</a:t>
+            </a:r>
+            <a:r>
+              <a:rPr lang="fr-FR" sz="3000" dirty="0">
+                <a:latin typeface="Carlito" panose="020F0502020204030204" pitchFamily="34" charset="0"/>
+                <a:cs typeface="Carlito" panose="020F0502020204030204" pitchFamily="34" charset="0"/>
+              </a:rPr>
+              <a:t> pour notre page de contact</a:t>
+            </a:r>
+          </a:p>
+          <a:p>
+            <a:pPr marL="285750" indent="-285750" algn="just">
+              <a:lnSpc>
+                <a:spcPct val="150000"/>
+              </a:lnSpc>
+              <a:buFont typeface="Arial" panose="020B0604020202020204" pitchFamily="34" charset="0"/>
+              <a:buChar char="•"/>
+            </a:pPr>
+            <a:r>
+              <a:rPr lang="fr-FR" sz="3000" b="1" dirty="0">
+                <a:latin typeface="Carlito" panose="020F0502020204030204" pitchFamily="34" charset="0"/>
+                <a:cs typeface="Carlito" panose="020F0502020204030204" pitchFamily="34" charset="0"/>
+                <a:sym typeface="Wingdings" panose="05000000000000000000" pitchFamily="2" charset="2"/>
+              </a:rPr>
+              <a:t>Flèche</a:t>
+            </a:r>
+            <a:r>
+              <a:rPr lang="fr-FR" sz="3000" dirty="0">
+                <a:latin typeface="Carlito" panose="020F0502020204030204" pitchFamily="34" charset="0"/>
+                <a:cs typeface="Carlito" panose="020F0502020204030204" pitchFamily="34" charset="0"/>
+                <a:sym typeface="Wingdings" panose="05000000000000000000" pitchFamily="2" charset="2"/>
+              </a:rPr>
+              <a:t> avec animation de rebondissement</a:t>
+            </a:r>
+          </a:p>
+          <a:p>
+            <a:pPr marL="285750" indent="-285750" algn="just">
+              <a:lnSpc>
+                <a:spcPct val="150000"/>
+              </a:lnSpc>
+              <a:buFont typeface="Arial" panose="020B0604020202020204" pitchFamily="34" charset="0"/>
+              <a:buChar char="•"/>
+            </a:pPr>
+            <a:r>
+              <a:rPr lang="fr-FR" sz="3000" b="1" dirty="0">
+                <a:latin typeface="Carlito" panose="020F0502020204030204" pitchFamily="34" charset="0"/>
+                <a:cs typeface="Carlito" panose="020F0502020204030204" pitchFamily="34" charset="0"/>
+                <a:sym typeface="Wingdings" panose="05000000000000000000" pitchFamily="2" charset="2"/>
+              </a:rPr>
+              <a:t>Scripts PHP</a:t>
+            </a:r>
+            <a:r>
+              <a:rPr lang="fr-FR" sz="3000" dirty="0">
+                <a:latin typeface="Carlito" panose="020F0502020204030204" pitchFamily="34" charset="0"/>
+                <a:cs typeface="Carlito" panose="020F0502020204030204" pitchFamily="34" charset="0"/>
+                <a:sym typeface="Wingdings" panose="05000000000000000000" pitchFamily="2" charset="2"/>
+              </a:rPr>
+              <a:t> pour pop-up’s ainsi que </a:t>
+            </a:r>
+            <a:r>
+              <a:rPr lang="fr-FR" sz="3000" b="1" dirty="0">
+                <a:latin typeface="Carlito" panose="020F0502020204030204" pitchFamily="34" charset="0"/>
+                <a:cs typeface="Carlito" panose="020F0502020204030204" pitchFamily="34" charset="0"/>
+                <a:sym typeface="Wingdings" panose="05000000000000000000" pitchFamily="2" charset="2"/>
+              </a:rPr>
+              <a:t>JQuery</a:t>
+            </a:r>
+            <a:r>
+              <a:rPr lang="fr-FR" sz="3000" dirty="0">
+                <a:latin typeface="Carlito" panose="020F0502020204030204" pitchFamily="34" charset="0"/>
+                <a:cs typeface="Carlito" panose="020F0502020204030204" pitchFamily="34" charset="0"/>
+                <a:sym typeface="Wingdings" panose="05000000000000000000" pitchFamily="2" charset="2"/>
+              </a:rPr>
+              <a:t> pour les animations d’arrière-plan</a:t>
+            </a:r>
+          </a:p>
+        </p:txBody>
+      </p:sp>
+      <p:pic>
+        <p:nvPicPr>
+          <p:cNvPr id="1026" name="Picture 2">
+            <a:extLst>
+              <a:ext uri="{FF2B5EF4-FFF2-40B4-BE49-F238E27FC236}">
+                <a16:creationId xmlns:a16="http://schemas.microsoft.com/office/drawing/2014/main" id="{C9C91FA8-7B91-42BF-A847-1BF3C7B7BDCD}"/>
+              </a:ext>
+            </a:extLst>
+          </p:cNvPr>
+          <p:cNvPicPr>
+            <a:picLocks noChangeAspect="1" noChangeArrowheads="1"/>
+          </p:cNvPicPr>
+          <p:nvPr/>
+        </p:nvPicPr>
+        <p:blipFill>
+          <a:blip r:embed="rId2">
+            <a:extLst>
+              <a:ext uri="{28A0092B-C50C-407E-A947-70E740481C1C}">
+                <a14:useLocalDpi xmlns:a14="http://schemas.microsoft.com/office/drawing/2010/main" val="0"/>
+              </a:ext>
+            </a:extLst>
+          </a:blip>
+          <a:srcRect/>
+          <a:stretch>
+            <a:fillRect/>
+          </a:stretch>
+        </p:blipFill>
+        <p:spPr bwMode="auto">
+          <a:xfrm>
+            <a:off x="836167" y="3217789"/>
+            <a:ext cx="2082384" cy="2082384"/>
+          </a:xfrm>
+          <a:prstGeom prst="rect">
+            <a:avLst/>
+          </a:prstGeom>
+          <a:noFill/>
+          <a:ln>
+            <a:noFill/>
+          </a:ln>
+          <a:effectLst>
+            <a:outerShdw blurRad="149987" dist="250190" dir="8460000" algn="ctr">
+              <a:srgbClr val="000000">
+                <a:alpha val="28000"/>
+              </a:srgbClr>
+            </a:outerShdw>
+          </a:effectLst>
+          <a:scene3d>
+            <a:camera prst="orthographicFront">
+              <a:rot lat="0" lon="0" rev="0"/>
+            </a:camera>
+            <a:lightRig rig="contrasting" dir="t">
+              <a:rot lat="0" lon="0" rev="1500000"/>
+            </a:lightRig>
+          </a:scene3d>
+          <a:sp3d prstMaterial="metal">
+            <a:bevelT w="88900" h="88900"/>
+          </a:sp3d>
+          <a:extLst>
+            <a:ext uri="{909E8E84-426E-40DD-AFC4-6F175D3DCCD1}">
+              <a14:hiddenFill xmlns:a14="http://schemas.microsoft.com/office/drawing/2010/main">
+                <a:solidFill>
+                  <a:srgbClr val="FFFFFF"/>
+                </a:solidFill>
+              </a14:hiddenFill>
+            </a:ext>
+          </a:extLst>
+        </p:spPr>
+      </p:pic>
+    </p:spTree>
+    <p:extLst>
+      <p:ext uri="{BB962C8B-B14F-4D97-AF65-F5344CB8AC3E}">
+        <p14:creationId xmlns:p14="http://schemas.microsoft.com/office/powerpoint/2010/main" val="1147505757"/>
       </p:ext>
     </p:extLst>
   </p:cSld>

--- a/Documents/Soutenance.pptx
+++ b/Documents/Soutenance.pptx
@@ -5,7 +5,7 @@
     <p:sldMasterId id="2147483648" r:id="rId1"/>
   </p:sldMasterIdLst>
   <p:notesMasterIdLst>
-    <p:notesMasterId r:id="rId17"/>
+    <p:notesMasterId r:id="rId19"/>
   </p:notesMasterIdLst>
   <p:sldIdLst>
     <p:sldId id="256" r:id="rId2"/>
@@ -22,7 +22,9 @@
     <p:sldId id="267" r:id="rId13"/>
     <p:sldId id="268" r:id="rId14"/>
     <p:sldId id="261" r:id="rId15"/>
-    <p:sldId id="263" r:id="rId16"/>
+    <p:sldId id="271" r:id="rId16"/>
+    <p:sldId id="272" r:id="rId17"/>
+    <p:sldId id="263" r:id="rId18"/>
   </p:sldIdLst>
   <p:sldSz cx="12192000" cy="6858000"/>
   <p:notesSz cx="6858000" cy="9144000"/>
@@ -211,7 +213,7 @@
           <a:p>
             <a:fld id="{343186F5-8CA8-4006-A6F7-848E92B45C6D}" type="datetimeFigureOut">
               <a:rPr lang="fr-FR" smtClean="0"/>
-              <a:t>14/12/2019</a:t>
+              <a:t>17/12/2019</a:t>
             </a:fld>
             <a:endParaRPr lang="fr-FR"/>
           </a:p>
@@ -668,7 +670,7 @@
           <a:effectLst/>
           <a:extLst>
             <a:ext uri="{91240B29-F687-4f45-9708-019B960494DF}">
-              <a14:hiddenLine xmlns="" xmlns:a14="http://schemas.microsoft.com/office/drawing/2010/main" w="9525">
+              <a14:hiddenLine xmlns:a14="http://schemas.microsoft.com/office/drawing/2010/main" xmlns="" w="9525">
                 <a:solidFill>
                   <a:srgbClr val="000000"/>
                 </a:solidFill>
@@ -860,7 +862,7 @@
           <a:p>
             <a:fld id="{E8E128D4-2B97-4D00-8C41-A15A8E2CCECC}" type="datetime1">
               <a:rPr lang="en-US" smtClean="0"/>
-              <a:t>12/14/2019</a:t>
+              <a:t>12/17/2019</a:t>
             </a:fld>
             <a:endParaRPr lang="en-US" dirty="0"/>
           </a:p>
@@ -1174,7 +1176,7 @@
           <a:p>
             <a:fld id="{0ADF2495-361B-45CB-857D-390A82607E03}" type="datetime1">
               <a:rPr lang="en-US" smtClean="0"/>
-              <a:t>12/14/2019</a:t>
+              <a:t>12/17/2019</a:t>
             </a:fld>
             <a:endParaRPr lang="en-US" dirty="0"/>
           </a:p>
@@ -1658,7 +1660,7 @@
           <a:p>
             <a:fld id="{A28C0335-E3E1-44D8-A3A1-5B0C46B38F9D}" type="datetime1">
               <a:rPr lang="en-US" smtClean="0"/>
-              <a:t>12/14/2019</a:t>
+              <a:t>12/17/2019</a:t>
             </a:fld>
             <a:endParaRPr lang="en-US" dirty="0"/>
           </a:p>
@@ -2023,7 +2025,7 @@
           <a:p>
             <a:fld id="{B5A23270-DE5F-496B-8618-20F475962898}" type="datetime1">
               <a:rPr lang="en-US" smtClean="0"/>
-              <a:t>12/14/2019</a:t>
+              <a:t>12/17/2019</a:t>
             </a:fld>
             <a:endParaRPr lang="en-US" dirty="0"/>
           </a:p>
@@ -2174,7 +2176,7 @@
           <a:ln/>
           <a:extLst>
             <a:ext uri="{91240B29-F687-4f45-9708-019B960494DF}">
-              <a14:hiddenLine xmlns="" xmlns:a14="http://schemas.microsoft.com/office/drawing/2010/main" w="9525">
+              <a14:hiddenLine xmlns:a14="http://schemas.microsoft.com/office/drawing/2010/main" xmlns="" w="9525">
                 <a:solidFill>
                   <a:srgbClr val="000000"/>
                 </a:solidFill>
@@ -2292,7 +2294,7 @@
           <a:p>
             <a:fld id="{981C065D-8039-45C2-9EFC-A0A7E76FCBF3}" type="datetime1">
               <a:rPr lang="en-US" smtClean="0"/>
-              <a:t>12/14/2019</a:t>
+              <a:t>12/17/2019</a:t>
             </a:fld>
             <a:endParaRPr lang="en-US" dirty="0"/>
           </a:p>
@@ -2445,7 +2447,7 @@
           <a:ln/>
           <a:extLst>
             <a:ext uri="{91240B29-F687-4f45-9708-019B960494DF}">
-              <a14:hiddenLine xmlns="" xmlns:a14="http://schemas.microsoft.com/office/drawing/2010/main" w="9525">
+              <a14:hiddenLine xmlns:a14="http://schemas.microsoft.com/office/drawing/2010/main" xmlns="" w="9525">
                 <a:solidFill>
                   <a:srgbClr val="000000"/>
                 </a:solidFill>
@@ -2573,7 +2575,7 @@
           <a:p>
             <a:fld id="{3506392F-2B30-4259-B6A7-2291A3D54088}" type="datetime1">
               <a:rPr lang="en-US" smtClean="0"/>
-              <a:t>12/14/2019</a:t>
+              <a:t>12/17/2019</a:t>
             </a:fld>
             <a:endParaRPr lang="en-US" dirty="0"/>
           </a:p>
@@ -2724,7 +2726,7 @@
           <a:ln/>
           <a:extLst>
             <a:ext uri="{91240B29-F687-4f45-9708-019B960494DF}">
-              <a14:hiddenLine xmlns="" xmlns:a14="http://schemas.microsoft.com/office/drawing/2010/main" w="9525">
+              <a14:hiddenLine xmlns:a14="http://schemas.microsoft.com/office/drawing/2010/main" xmlns="" w="9525">
                 <a:solidFill>
                   <a:srgbClr val="000000"/>
                 </a:solidFill>
@@ -2852,7 +2854,7 @@
           <a:p>
             <a:fld id="{025D745B-7098-44C1-B3DD-89E9D8CF84AB}" type="datetime1">
               <a:rPr lang="en-US" smtClean="0"/>
-              <a:t>12/14/2019</a:t>
+              <a:t>12/17/2019</a:t>
             </a:fld>
             <a:endParaRPr lang="en-US" dirty="0"/>
           </a:p>
@@ -3191,7 +3193,7 @@
           <a:p>
             <a:fld id="{3F19069D-161A-4725-B5E8-57ED88226824}" type="datetime1">
               <a:rPr lang="en-US" smtClean="0"/>
-              <a:t>12/14/2019</a:t>
+              <a:t>12/17/2019</a:t>
             </a:fld>
             <a:endParaRPr lang="en-US" dirty="0"/>
           </a:p>
@@ -3342,7 +3344,7 @@
           <a:ln/>
           <a:extLst>
             <a:ext uri="{91240B29-F687-4f45-9708-019B960494DF}">
-              <a14:hiddenLine xmlns="" xmlns:a14="http://schemas.microsoft.com/office/drawing/2010/main" w="9525">
+              <a14:hiddenLine xmlns:a14="http://schemas.microsoft.com/office/drawing/2010/main" xmlns="" w="9525">
                 <a:solidFill>
                   <a:srgbClr val="000000"/>
                 </a:solidFill>
@@ -3526,7 +3528,7 @@
           <a:p>
             <a:fld id="{CB61BCF9-CA4A-419C-B350-318DFFC1AA0F}" type="datetime1">
               <a:rPr lang="en-US" smtClean="0"/>
-              <a:t>12/14/2019</a:t>
+              <a:t>12/17/2019</a:t>
             </a:fld>
             <a:endParaRPr lang="en-US" dirty="0"/>
           </a:p>
@@ -3677,7 +3679,7 @@
           <a:ln/>
           <a:extLst>
             <a:ext uri="{91240B29-F687-4f45-9708-019B960494DF}">
-              <a14:hiddenLine xmlns="" xmlns:a14="http://schemas.microsoft.com/office/drawing/2010/main" w="9525">
+              <a14:hiddenLine xmlns:a14="http://schemas.microsoft.com/office/drawing/2010/main" xmlns="" w="9525">
                 <a:solidFill>
                   <a:srgbClr val="000000"/>
                 </a:solidFill>
@@ -3999,7 +4001,7 @@
           <a:p>
             <a:fld id="{B6A20A7B-6AB4-472D-A146-775736AA170D}" type="datetime1">
               <a:rPr lang="en-US" smtClean="0"/>
-              <a:t>12/14/2019</a:t>
+              <a:t>12/17/2019</a:t>
             </a:fld>
             <a:endParaRPr lang="en-US" dirty="0"/>
           </a:p>
@@ -4150,7 +4152,7 @@
           <a:ln/>
           <a:extLst>
             <a:ext uri="{91240B29-F687-4f45-9708-019B960494DF}">
-              <a14:hiddenLine xmlns="" xmlns:a14="http://schemas.microsoft.com/office/drawing/2010/main" w="9525">
+              <a14:hiddenLine xmlns:a14="http://schemas.microsoft.com/office/drawing/2010/main" xmlns="" w="9525">
                 <a:solidFill>
                   <a:srgbClr val="000000"/>
                 </a:solidFill>
@@ -4216,7 +4218,7 @@
           <a:p>
             <a:fld id="{6A05F030-1C8A-458D-9A5F-E00D2780AC95}" type="datetime1">
               <a:rPr lang="en-US" smtClean="0"/>
-              <a:t>12/14/2019</a:t>
+              <a:t>12/17/2019</a:t>
             </a:fld>
             <a:endParaRPr lang="en-US" dirty="0"/>
           </a:p>
@@ -4307,7 +4309,7 @@
           <a:p>
             <a:fld id="{1240D710-5DF4-4012-8BB8-3CF58D6F2A7C}" type="datetime1">
               <a:rPr lang="en-US" smtClean="0"/>
-              <a:t>12/14/2019</a:t>
+              <a:t>12/17/2019</a:t>
             </a:fld>
             <a:endParaRPr lang="en-US" dirty="0"/>
           </a:p>
@@ -4571,7 +4573,7 @@
           <a:ln/>
           <a:extLst>
             <a:ext uri="{91240B29-F687-4f45-9708-019B960494DF}">
-              <a14:hiddenLine xmlns="" xmlns:a14="http://schemas.microsoft.com/office/drawing/2010/main" w="9525">
+              <a14:hiddenLine xmlns:a14="http://schemas.microsoft.com/office/drawing/2010/main" xmlns="" w="9525">
                 <a:solidFill>
                   <a:srgbClr val="000000"/>
                 </a:solidFill>
@@ -4770,7 +4772,7 @@
           <a:p>
             <a:fld id="{99722D52-B400-41CA-B334-A9A689063FEF}" type="datetime1">
               <a:rPr lang="en-US" smtClean="0"/>
-              <a:t>12/14/2019</a:t>
+              <a:t>12/17/2019</a:t>
             </a:fld>
             <a:endParaRPr lang="en-US" dirty="0"/>
           </a:p>
@@ -5079,7 +5081,7 @@
           <a:p>
             <a:fld id="{1BA3EDCC-E7EC-4434-8C60-B9D7A27CCF7C}" type="datetime1">
               <a:rPr lang="en-US" smtClean="0"/>
-              <a:t>12/14/2019</a:t>
+              <a:t>12/17/2019</a:t>
             </a:fld>
             <a:endParaRPr lang="en-US" dirty="0"/>
           </a:p>
@@ -5345,7 +5347,7 @@
           <a:p>
             <a:fld id="{4F8E49D7-EEDD-4A8F-B044-C9278821D1B7}" type="datetime1">
               <a:rPr lang="en-US" smtClean="0"/>
-              <a:t>12/14/2019</a:t>
+              <a:t>12/17/2019</a:t>
             </a:fld>
             <a:endParaRPr lang="en-US" dirty="0"/>
           </a:p>
@@ -8074,6 +8076,554 @@
       </p:grpSpPr>
       <p:sp>
         <p:nvSpPr>
+          <p:cNvPr id="4" name="Espace réservé du contenu 3">
+            <a:extLst>
+              <a:ext uri="{FF2B5EF4-FFF2-40B4-BE49-F238E27FC236}">
+                <a16:creationId xmlns:a16="http://schemas.microsoft.com/office/drawing/2014/main" id="{E2B773CF-B3AC-419B-B9CC-21A225F190A4}"/>
+              </a:ext>
+            </a:extLst>
+          </p:cNvPr>
+          <p:cNvSpPr>
+            <a:spLocks noGrp="1"/>
+          </p:cNvSpPr>
+          <p:nvPr>
+            <p:ph idx="1"/>
+          </p:nvPr>
+        </p:nvSpPr>
+        <p:spPr/>
+        <p:txBody>
+          <a:bodyPr/>
+          <a:lstStyle/>
+          <a:p>
+            <a:endParaRPr lang="fr-FR"/>
+          </a:p>
+        </p:txBody>
+      </p:sp>
+      <p:sp>
+        <p:nvSpPr>
+          <p:cNvPr id="2" name="Espace réservé du numéro de diapositive 1">
+            <a:extLst>
+              <a:ext uri="{FF2B5EF4-FFF2-40B4-BE49-F238E27FC236}">
+                <a16:creationId xmlns:a16="http://schemas.microsoft.com/office/drawing/2014/main" id="{B8BF770C-A3ED-484E-9475-2873AA93A9CC}"/>
+              </a:ext>
+            </a:extLst>
+          </p:cNvPr>
+          <p:cNvSpPr>
+            <a:spLocks noGrp="1"/>
+          </p:cNvSpPr>
+          <p:nvPr>
+            <p:ph type="sldNum" sz="quarter" idx="12"/>
+          </p:nvPr>
+        </p:nvSpPr>
+        <p:spPr/>
+        <p:txBody>
+          <a:bodyPr/>
+          <a:lstStyle/>
+          <a:p>
+            <a:fld id="{D57F1E4F-1CFF-5643-939E-217C01CDF565}" type="slidenum">
+              <a:rPr lang="en-US" smtClean="0"/>
+              <a:pPr/>
+              <a:t>15</a:t>
+            </a:fld>
+            <a:endParaRPr lang="en-US" dirty="0"/>
+          </a:p>
+        </p:txBody>
+      </p:sp>
+      <p:sp>
+        <p:nvSpPr>
+          <p:cNvPr id="5" name="ZoneTexte 4">
+            <a:extLst>
+              <a:ext uri="{FF2B5EF4-FFF2-40B4-BE49-F238E27FC236}">
+                <a16:creationId xmlns:a16="http://schemas.microsoft.com/office/drawing/2014/main" id="{C36EE231-19E9-4DC4-8320-0C6EDF6E0452}"/>
+              </a:ext>
+            </a:extLst>
+          </p:cNvPr>
+          <p:cNvSpPr txBox="1"/>
+          <p:nvPr/>
+        </p:nvSpPr>
+        <p:spPr>
+          <a:xfrm>
+            <a:off x="5209563" y="157281"/>
+            <a:ext cx="6719582" cy="1569660"/>
+          </a:xfrm>
+          <a:prstGeom prst="rect">
+            <a:avLst/>
+          </a:prstGeom>
+          <a:noFill/>
+          <a:ln w="57150">
+            <a:solidFill>
+              <a:schemeClr val="tx1"/>
+            </a:solidFill>
+          </a:ln>
+        </p:spPr>
+        <p:txBody>
+          <a:bodyPr wrap="square" rtlCol="0">
+            <a:spAutoFit/>
+          </a:bodyPr>
+          <a:lstStyle/>
+          <a:p>
+            <a:pPr algn="ctr"/>
+            <a:r>
+              <a:rPr lang="fr-FR" sz="3200" dirty="0">
+                <a:solidFill>
+                  <a:schemeClr val="tx2">
+                    <a:lumMod val="75000"/>
+                  </a:schemeClr>
+                </a:solidFill>
+                <a:latin typeface="Carlito" panose="020F0502020204030204" pitchFamily="34" charset="0"/>
+                <a:cs typeface="Carlito" panose="020F0502020204030204" pitchFamily="34" charset="0"/>
+              </a:rPr>
+              <a:t>Introduction</a:t>
+            </a:r>
+            <a:r>
+              <a:rPr lang="fr-FR" sz="3200" b="1" dirty="0">
+                <a:solidFill>
+                  <a:schemeClr val="bg1"/>
+                </a:solidFill>
+                <a:latin typeface="Carlito" panose="020F0502020204030204" pitchFamily="34" charset="0"/>
+                <a:cs typeface="Carlito" panose="020F0502020204030204" pitchFamily="34" charset="0"/>
+              </a:rPr>
+              <a:t>	</a:t>
+            </a:r>
+            <a:r>
+              <a:rPr lang="fr-FR" sz="3200" dirty="0">
+                <a:solidFill>
+                  <a:schemeClr val="tx2">
+                    <a:lumMod val="75000"/>
+                  </a:schemeClr>
+                </a:solidFill>
+                <a:latin typeface="Carlito" panose="020F0502020204030204" pitchFamily="34" charset="0"/>
+                <a:cs typeface="Carlito" panose="020F0502020204030204" pitchFamily="34" charset="0"/>
+              </a:rPr>
+              <a:t>1. Partie économique et juridique </a:t>
+            </a:r>
+            <a:r>
+              <a:rPr lang="fr-FR" sz="3200" dirty="0">
+                <a:solidFill>
+                  <a:schemeClr val="bg1">
+                    <a:lumMod val="75000"/>
+                    <a:lumOff val="25000"/>
+                  </a:schemeClr>
+                </a:solidFill>
+                <a:latin typeface="Carlito" panose="020F0502020204030204" pitchFamily="34" charset="0"/>
+                <a:cs typeface="Carlito" panose="020F0502020204030204" pitchFamily="34" charset="0"/>
+              </a:rPr>
+              <a:t>2. Présentation du site Web</a:t>
+            </a:r>
+          </a:p>
+          <a:p>
+            <a:pPr algn="ctr"/>
+            <a:r>
+              <a:rPr lang="fr-FR" sz="3200" b="1" dirty="0">
+                <a:solidFill>
+                  <a:schemeClr val="bg1"/>
+                </a:solidFill>
+                <a:latin typeface="Carlito" panose="020F0502020204030204" pitchFamily="34" charset="0"/>
+                <a:cs typeface="Carlito" panose="020F0502020204030204" pitchFamily="34" charset="0"/>
+              </a:rPr>
+              <a:t>3. Travail en groupe</a:t>
+            </a:r>
+            <a:r>
+              <a:rPr lang="fr-FR" sz="3200" b="1" dirty="0">
+                <a:solidFill>
+                  <a:schemeClr val="tx2">
+                    <a:lumMod val="75000"/>
+                  </a:schemeClr>
+                </a:solidFill>
+                <a:latin typeface="Carlito" panose="020F0502020204030204" pitchFamily="34" charset="0"/>
+                <a:cs typeface="Carlito" panose="020F0502020204030204" pitchFamily="34" charset="0"/>
+              </a:rPr>
+              <a:t>	</a:t>
+            </a:r>
+            <a:r>
+              <a:rPr lang="fr-FR" sz="3200" dirty="0">
+                <a:solidFill>
+                  <a:schemeClr val="tx2">
+                    <a:lumMod val="75000"/>
+                  </a:schemeClr>
+                </a:solidFill>
+                <a:latin typeface="Carlito" panose="020F0502020204030204" pitchFamily="34" charset="0"/>
+                <a:cs typeface="Carlito" panose="020F0502020204030204" pitchFamily="34" charset="0"/>
+              </a:rPr>
+              <a:t>Conclusion</a:t>
+            </a:r>
+          </a:p>
+        </p:txBody>
+      </p:sp>
+      <p:sp>
+        <p:nvSpPr>
+          <p:cNvPr id="6" name="ZoneTexte 5">
+            <a:extLst>
+              <a:ext uri="{FF2B5EF4-FFF2-40B4-BE49-F238E27FC236}">
+                <a16:creationId xmlns:a16="http://schemas.microsoft.com/office/drawing/2014/main" id="{3BA74CCC-230B-4719-93A4-E6982438F59B}"/>
+              </a:ext>
+            </a:extLst>
+          </p:cNvPr>
+          <p:cNvSpPr txBox="1"/>
+          <p:nvPr/>
+        </p:nvSpPr>
+        <p:spPr>
+          <a:xfrm>
+            <a:off x="356523" y="526612"/>
+            <a:ext cx="4434138" cy="830997"/>
+          </a:xfrm>
+          <a:prstGeom prst="rect">
+            <a:avLst/>
+          </a:prstGeom>
+          <a:noFill/>
+          <a:ln w="57150">
+            <a:solidFill>
+              <a:schemeClr val="tx1"/>
+            </a:solidFill>
+          </a:ln>
+          <a:effectLst>
+            <a:outerShdw blurRad="50800" dist="38100" dir="2700000" algn="tl" rotWithShape="0">
+              <a:prstClr val="black">
+                <a:alpha val="40000"/>
+              </a:prstClr>
+            </a:outerShdw>
+          </a:effectLst>
+        </p:spPr>
+        <p:style>
+          <a:lnRef idx="2">
+            <a:schemeClr val="accent5"/>
+          </a:lnRef>
+          <a:fillRef idx="1">
+            <a:schemeClr val="lt1"/>
+          </a:fillRef>
+          <a:effectRef idx="0">
+            <a:schemeClr val="accent5"/>
+          </a:effectRef>
+          <a:fontRef idx="minor">
+            <a:schemeClr val="dk1"/>
+          </a:fontRef>
+        </p:style>
+        <p:txBody>
+          <a:bodyPr wrap="square" rtlCol="0">
+            <a:spAutoFit/>
+          </a:bodyPr>
+          <a:lstStyle/>
+          <a:p>
+            <a:pPr algn="ctr"/>
+            <a:r>
+              <a:rPr lang="fr-FR" sz="4800" b="1" dirty="0">
+                <a:solidFill>
+                  <a:schemeClr val="bg1"/>
+                </a:solidFill>
+                <a:latin typeface="Carlito" panose="020F0502020204030204" pitchFamily="34" charset="0"/>
+                <a:cs typeface="Carlito" panose="020F0502020204030204" pitchFamily="34" charset="0"/>
+              </a:rPr>
+              <a:t>3.1. Production</a:t>
+            </a:r>
+          </a:p>
+        </p:txBody>
+      </p:sp>
+    </p:spTree>
+    <p:extLst>
+      <p:ext uri="{BB962C8B-B14F-4D97-AF65-F5344CB8AC3E}">
+        <p14:creationId xmlns:p14="http://schemas.microsoft.com/office/powerpoint/2010/main" val="3400353628"/>
+      </p:ext>
+    </p:extLst>
+  </p:cSld>
+  <p:clrMapOvr>
+    <a:masterClrMapping/>
+  </p:clrMapOvr>
+</p:sld>
+</file>
+
+<file path=ppt/slides/slide16.xml><?xml version="1.0" encoding="utf-8"?>
+<p:sld xmlns:a="http://schemas.openxmlformats.org/drawingml/2006/main" xmlns:r="http://schemas.openxmlformats.org/officeDocument/2006/relationships" xmlns:p="http://schemas.openxmlformats.org/presentationml/2006/main">
+  <p:cSld>
+    <p:spTree>
+      <p:nvGrpSpPr>
+        <p:cNvPr id="1" name=""/>
+        <p:cNvGrpSpPr/>
+        <p:nvPr/>
+      </p:nvGrpSpPr>
+      <p:grpSpPr>
+        <a:xfrm>
+          <a:off x="0" y="0"/>
+          <a:ext cx="0" cy="0"/>
+          <a:chOff x="0" y="0"/>
+          <a:chExt cx="0" cy="0"/>
+        </a:xfrm>
+      </p:grpSpPr>
+      <p:sp>
+        <p:nvSpPr>
+          <p:cNvPr id="4" name="Espace réservé du contenu 3">
+            <a:extLst>
+              <a:ext uri="{FF2B5EF4-FFF2-40B4-BE49-F238E27FC236}">
+                <a16:creationId xmlns:a16="http://schemas.microsoft.com/office/drawing/2014/main" id="{E2B773CF-B3AC-419B-B9CC-21A225F190A4}"/>
+              </a:ext>
+            </a:extLst>
+          </p:cNvPr>
+          <p:cNvSpPr>
+            <a:spLocks noGrp="1"/>
+          </p:cNvSpPr>
+          <p:nvPr>
+            <p:ph idx="1"/>
+          </p:nvPr>
+        </p:nvSpPr>
+        <p:spPr/>
+        <p:txBody>
+          <a:bodyPr/>
+          <a:lstStyle/>
+          <a:p>
+            <a:endParaRPr lang="fr-FR"/>
+          </a:p>
+        </p:txBody>
+      </p:sp>
+      <p:sp>
+        <p:nvSpPr>
+          <p:cNvPr id="2" name="Espace réservé du numéro de diapositive 1">
+            <a:extLst>
+              <a:ext uri="{FF2B5EF4-FFF2-40B4-BE49-F238E27FC236}">
+                <a16:creationId xmlns:a16="http://schemas.microsoft.com/office/drawing/2014/main" id="{B8BF770C-A3ED-484E-9475-2873AA93A9CC}"/>
+              </a:ext>
+            </a:extLst>
+          </p:cNvPr>
+          <p:cNvSpPr>
+            <a:spLocks noGrp="1"/>
+          </p:cNvSpPr>
+          <p:nvPr>
+            <p:ph type="sldNum" sz="quarter" idx="12"/>
+          </p:nvPr>
+        </p:nvSpPr>
+        <p:spPr/>
+        <p:txBody>
+          <a:bodyPr/>
+          <a:lstStyle/>
+          <a:p>
+            <a:fld id="{D57F1E4F-1CFF-5643-939E-217C01CDF565}" type="slidenum">
+              <a:rPr lang="en-US" smtClean="0"/>
+              <a:pPr/>
+              <a:t>16</a:t>
+            </a:fld>
+            <a:endParaRPr lang="en-US" dirty="0"/>
+          </a:p>
+        </p:txBody>
+      </p:sp>
+      <p:sp>
+        <p:nvSpPr>
+          <p:cNvPr id="5" name="ZoneTexte 4">
+            <a:extLst>
+              <a:ext uri="{FF2B5EF4-FFF2-40B4-BE49-F238E27FC236}">
+                <a16:creationId xmlns:a16="http://schemas.microsoft.com/office/drawing/2014/main" id="{C36EE231-19E9-4DC4-8320-0C6EDF6E0452}"/>
+              </a:ext>
+            </a:extLst>
+          </p:cNvPr>
+          <p:cNvSpPr txBox="1"/>
+          <p:nvPr/>
+        </p:nvSpPr>
+        <p:spPr>
+          <a:xfrm>
+            <a:off x="5209563" y="157281"/>
+            <a:ext cx="6719582" cy="1569660"/>
+          </a:xfrm>
+          <a:prstGeom prst="rect">
+            <a:avLst/>
+          </a:prstGeom>
+          <a:noFill/>
+          <a:ln w="57150">
+            <a:solidFill>
+              <a:schemeClr val="tx1"/>
+            </a:solidFill>
+          </a:ln>
+        </p:spPr>
+        <p:txBody>
+          <a:bodyPr wrap="square" rtlCol="0">
+            <a:spAutoFit/>
+          </a:bodyPr>
+          <a:lstStyle/>
+          <a:p>
+            <a:pPr algn="ctr"/>
+            <a:r>
+              <a:rPr lang="fr-FR" sz="3200" dirty="0">
+                <a:solidFill>
+                  <a:schemeClr val="tx2">
+                    <a:lumMod val="75000"/>
+                  </a:schemeClr>
+                </a:solidFill>
+                <a:latin typeface="Carlito" panose="020F0502020204030204" pitchFamily="34" charset="0"/>
+                <a:cs typeface="Carlito" panose="020F0502020204030204" pitchFamily="34" charset="0"/>
+              </a:rPr>
+              <a:t>Introduction</a:t>
+            </a:r>
+            <a:r>
+              <a:rPr lang="fr-FR" sz="3200" b="1" dirty="0">
+                <a:solidFill>
+                  <a:schemeClr val="bg1"/>
+                </a:solidFill>
+                <a:latin typeface="Carlito" panose="020F0502020204030204" pitchFamily="34" charset="0"/>
+                <a:cs typeface="Carlito" panose="020F0502020204030204" pitchFamily="34" charset="0"/>
+              </a:rPr>
+              <a:t>	</a:t>
+            </a:r>
+            <a:r>
+              <a:rPr lang="fr-FR" sz="3200" dirty="0">
+                <a:solidFill>
+                  <a:schemeClr val="tx2">
+                    <a:lumMod val="75000"/>
+                  </a:schemeClr>
+                </a:solidFill>
+                <a:latin typeface="Carlito" panose="020F0502020204030204" pitchFamily="34" charset="0"/>
+                <a:cs typeface="Carlito" panose="020F0502020204030204" pitchFamily="34" charset="0"/>
+              </a:rPr>
+              <a:t>1. Partie économique et juridique </a:t>
+            </a:r>
+            <a:r>
+              <a:rPr lang="fr-FR" sz="3200" dirty="0">
+                <a:solidFill>
+                  <a:schemeClr val="bg1">
+                    <a:lumMod val="75000"/>
+                    <a:lumOff val="25000"/>
+                  </a:schemeClr>
+                </a:solidFill>
+                <a:latin typeface="Carlito" panose="020F0502020204030204" pitchFamily="34" charset="0"/>
+                <a:cs typeface="Carlito" panose="020F0502020204030204" pitchFamily="34" charset="0"/>
+              </a:rPr>
+              <a:t>2. Présentation du site Web</a:t>
+            </a:r>
+          </a:p>
+          <a:p>
+            <a:pPr algn="ctr"/>
+            <a:r>
+              <a:rPr lang="fr-FR" sz="3200" b="1" dirty="0">
+                <a:solidFill>
+                  <a:schemeClr val="bg1"/>
+                </a:solidFill>
+                <a:latin typeface="Carlito" panose="020F0502020204030204" pitchFamily="34" charset="0"/>
+                <a:cs typeface="Carlito" panose="020F0502020204030204" pitchFamily="34" charset="0"/>
+              </a:rPr>
+              <a:t>3. Travail en groupe</a:t>
+            </a:r>
+            <a:r>
+              <a:rPr lang="fr-FR" sz="3200" b="1" dirty="0">
+                <a:solidFill>
+                  <a:schemeClr val="tx2">
+                    <a:lumMod val="75000"/>
+                  </a:schemeClr>
+                </a:solidFill>
+                <a:latin typeface="Carlito" panose="020F0502020204030204" pitchFamily="34" charset="0"/>
+                <a:cs typeface="Carlito" panose="020F0502020204030204" pitchFamily="34" charset="0"/>
+              </a:rPr>
+              <a:t>	</a:t>
+            </a:r>
+            <a:r>
+              <a:rPr lang="fr-FR" sz="3200" dirty="0">
+                <a:solidFill>
+                  <a:schemeClr val="tx2">
+                    <a:lumMod val="75000"/>
+                  </a:schemeClr>
+                </a:solidFill>
+                <a:latin typeface="Carlito" panose="020F0502020204030204" pitchFamily="34" charset="0"/>
+                <a:cs typeface="Carlito" panose="020F0502020204030204" pitchFamily="34" charset="0"/>
+              </a:rPr>
+              <a:t>Conclusion</a:t>
+            </a:r>
+          </a:p>
+        </p:txBody>
+      </p:sp>
+      <p:sp>
+        <p:nvSpPr>
+          <p:cNvPr id="6" name="ZoneTexte 5">
+            <a:extLst>
+              <a:ext uri="{FF2B5EF4-FFF2-40B4-BE49-F238E27FC236}">
+                <a16:creationId xmlns:a16="http://schemas.microsoft.com/office/drawing/2014/main" id="{3BA74CCC-230B-4719-93A4-E6982438F59B}"/>
+              </a:ext>
+            </a:extLst>
+          </p:cNvPr>
+          <p:cNvSpPr txBox="1"/>
+          <p:nvPr/>
+        </p:nvSpPr>
+        <p:spPr>
+          <a:xfrm>
+            <a:off x="356523" y="157281"/>
+            <a:ext cx="4434138" cy="1569660"/>
+          </a:xfrm>
+          <a:prstGeom prst="rect">
+            <a:avLst/>
+          </a:prstGeom>
+          <a:noFill/>
+          <a:ln w="57150">
+            <a:solidFill>
+              <a:schemeClr val="tx1"/>
+            </a:solidFill>
+          </a:ln>
+          <a:effectLst>
+            <a:outerShdw blurRad="50800" dist="38100" dir="2700000" algn="tl" rotWithShape="0">
+              <a:prstClr val="black">
+                <a:alpha val="40000"/>
+              </a:prstClr>
+            </a:outerShdw>
+          </a:effectLst>
+        </p:spPr>
+        <p:style>
+          <a:lnRef idx="2">
+            <a:schemeClr val="accent5"/>
+          </a:lnRef>
+          <a:fillRef idx="1">
+            <a:schemeClr val="lt1"/>
+          </a:fillRef>
+          <a:effectRef idx="0">
+            <a:schemeClr val="accent5"/>
+          </a:effectRef>
+          <a:fontRef idx="minor">
+            <a:schemeClr val="dk1"/>
+          </a:fontRef>
+        </p:style>
+        <p:txBody>
+          <a:bodyPr wrap="square" rtlCol="0">
+            <a:spAutoFit/>
+          </a:bodyPr>
+          <a:lstStyle/>
+          <a:p>
+            <a:pPr algn="ctr"/>
+            <a:r>
+              <a:rPr lang="fr-FR" sz="4800" b="1" dirty="0">
+                <a:solidFill>
+                  <a:schemeClr val="bg1"/>
+                </a:solidFill>
+                <a:latin typeface="Carlito" panose="020F0502020204030204" pitchFamily="34" charset="0"/>
+                <a:cs typeface="Carlito" panose="020F0502020204030204" pitchFamily="34" charset="0"/>
+              </a:rPr>
+              <a:t>3.2. Méthodes de travail</a:t>
+            </a:r>
+          </a:p>
+        </p:txBody>
+      </p:sp>
+    </p:spTree>
+    <p:extLst>
+      <p:ext uri="{BB962C8B-B14F-4D97-AF65-F5344CB8AC3E}">
+        <p14:creationId xmlns:p14="http://schemas.microsoft.com/office/powerpoint/2010/main" val="1057982062"/>
+      </p:ext>
+    </p:extLst>
+  </p:cSld>
+  <p:clrMapOvr>
+    <a:masterClrMapping/>
+  </p:clrMapOvr>
+</p:sld>
+</file>
+
+<file path=ppt/slides/slide17.xml><?xml version="1.0" encoding="utf-8"?>
+<p:sld xmlns:a="http://schemas.openxmlformats.org/drawingml/2006/main" xmlns:r="http://schemas.openxmlformats.org/officeDocument/2006/relationships" xmlns:p="http://schemas.openxmlformats.org/presentationml/2006/main">
+  <p:cSld>
+    <p:spTree>
+      <p:nvGrpSpPr>
+        <p:cNvPr id="1" name=""/>
+        <p:cNvGrpSpPr/>
+        <p:nvPr/>
+      </p:nvGrpSpPr>
+      <p:grpSpPr>
+        <a:xfrm>
+          <a:off x="0" y="0"/>
+          <a:ext cx="0" cy="0"/>
+          <a:chOff x="0" y="0"/>
+          <a:chExt cx="0" cy="0"/>
+        </a:xfrm>
+      </p:grpSpPr>
+      <p:sp>
+        <p:nvSpPr>
           <p:cNvPr id="2" name="Espace réservé du numéro de diapositive 1">
             <a:extLst>
               <a:ext uri="{FF2B5EF4-FFF2-40B4-BE49-F238E27FC236}">
@@ -8096,7 +8646,7 @@
             <a:fld id="{D57F1E4F-1CFF-5643-939E-217C01CDF565}" type="slidenum">
               <a:rPr lang="en-US" smtClean="0"/>
               <a:pPr/>
-              <a:t>15</a:t>
+              <a:t>17</a:t>
             </a:fld>
             <a:endParaRPr lang="en-US" dirty="0"/>
           </a:p>
@@ -8550,6 +9100,9 @@
   <p:clrMapOvr>
     <a:masterClrMapping/>
   </p:clrMapOvr>
+  <p:transition spd="slow">
+    <p:push dir="u"/>
+  </p:transition>
 </p:sld>
 </file>
 
@@ -8679,6 +9232,9 @@
   <p:clrMapOvr>
     <a:masterClrMapping/>
   </p:clrMapOvr>
+  <p:transition spd="slow">
+    <p:push/>
+  </p:transition>
 </p:sld>
 </file>
 
@@ -9114,6 +9670,18 @@
   <p:clrMapOvr>
     <a:masterClrMapping/>
   </p:clrMapOvr>
+  <mc:AlternateContent xmlns:mc="http://schemas.openxmlformats.org/markup-compatibility/2006">
+    <mc:Choice xmlns:p159="http://schemas.microsoft.com/office/powerpoint/2015/09/main" Requires="p159">
+      <p:transition xmlns:p14="http://schemas.microsoft.com/office/powerpoint/2010/main" spd="slow" p14:dur="2000">
+        <p159:morph option="byObject"/>
+      </p:transition>
+    </mc:Choice>
+    <mc:Fallback>
+      <p:transition spd="slow">
+        <p:fade/>
+      </p:transition>
+    </mc:Fallback>
+  </mc:AlternateContent>
 </p:sld>
 </file>
 
@@ -9244,6 +9812,9 @@
   <p:clrMapOvr>
     <a:masterClrMapping/>
   </p:clrMapOvr>
+  <p:transition spd="slow">
+    <p:push dir="u"/>
+  </p:transition>
 </p:sld>
 </file>
 
@@ -9687,6 +10258,18 @@
   <p:clrMapOvr>
     <a:masterClrMapping/>
   </p:clrMapOvr>
+  <mc:AlternateContent xmlns:mc="http://schemas.openxmlformats.org/markup-compatibility/2006">
+    <mc:Choice xmlns:p14="http://schemas.microsoft.com/office/powerpoint/2010/main" Requires="p14">
+      <p:transition spd="med" p14:dur="700">
+        <p:fade/>
+      </p:transition>
+    </mc:Choice>
+    <mc:Fallback>
+      <p:transition spd="med">
+        <p:fade/>
+      </p:transition>
+    </mc:Fallback>
+  </mc:AlternateContent>
 </p:sld>
 </file>
 
@@ -10121,6 +10704,9 @@
   <p:clrMapOvr>
     <a:masterClrMapping/>
   </p:clrMapOvr>
+  <p:transition spd="slow">
+    <p:push/>
+  </p:transition>
 </p:sld>
 </file>
 
@@ -10264,6 +10850,9 @@
   <p:clrMapOvr>
     <a:masterClrMapping/>
   </p:clrMapOvr>
+  <p:transition spd="slow">
+    <p:push dir="u"/>
+  </p:transition>
 </p:sld>
 </file>
 

--- a/Documents/Soutenance.pptx
+++ b/Documents/Soutenance.pptx
@@ -5,7 +5,7 @@
     <p:sldMasterId id="2147483648" r:id="rId1"/>
   </p:sldMasterIdLst>
   <p:notesMasterIdLst>
-    <p:notesMasterId r:id="rId19"/>
+    <p:notesMasterId r:id="rId20"/>
   </p:notesMasterIdLst>
   <p:sldIdLst>
     <p:sldId id="256" r:id="rId2"/>
@@ -23,8 +23,9 @@
     <p:sldId id="268" r:id="rId14"/>
     <p:sldId id="261" r:id="rId15"/>
     <p:sldId id="271" r:id="rId16"/>
-    <p:sldId id="272" r:id="rId17"/>
-    <p:sldId id="263" r:id="rId18"/>
+    <p:sldId id="273" r:id="rId17"/>
+    <p:sldId id="272" r:id="rId18"/>
+    <p:sldId id="263" r:id="rId19"/>
   </p:sldIdLst>
   <p:sldSz cx="12192000" cy="6858000"/>
   <p:notesSz cx="6858000" cy="9144000"/>
@@ -575,6 +576,90 @@
 </p:notes>
 </file>
 
+<file path=ppt/notesSlides/notesSlide2.xml><?xml version="1.0" encoding="utf-8"?>
+<p:notes xmlns:a="http://schemas.openxmlformats.org/drawingml/2006/main" xmlns:r="http://schemas.openxmlformats.org/officeDocument/2006/relationships" xmlns:p="http://schemas.openxmlformats.org/presentationml/2006/main">
+  <p:cSld>
+    <p:spTree>
+      <p:nvGrpSpPr>
+        <p:cNvPr id="1" name=""/>
+        <p:cNvGrpSpPr/>
+        <p:nvPr/>
+      </p:nvGrpSpPr>
+      <p:grpSpPr>
+        <a:xfrm>
+          <a:off x="0" y="0"/>
+          <a:ext cx="0" cy="0"/>
+          <a:chOff x="0" y="0"/>
+          <a:chExt cx="0" cy="0"/>
+        </a:xfrm>
+      </p:grpSpPr>
+      <p:sp>
+        <p:nvSpPr>
+          <p:cNvPr id="2" name="Espace réservé de l'image des diapositives 1"/>
+          <p:cNvSpPr>
+            <a:spLocks noGrp="1" noRot="1" noChangeAspect="1"/>
+          </p:cNvSpPr>
+          <p:nvPr>
+            <p:ph type="sldImg"/>
+          </p:nvPr>
+        </p:nvSpPr>
+        <p:spPr/>
+      </p:sp>
+      <p:sp>
+        <p:nvSpPr>
+          <p:cNvPr id="3" name="Espace réservé des notes 2"/>
+          <p:cNvSpPr>
+            <a:spLocks noGrp="1"/>
+          </p:cNvSpPr>
+          <p:nvPr>
+            <p:ph type="body" idx="1"/>
+          </p:nvPr>
+        </p:nvSpPr>
+        <p:spPr/>
+        <p:txBody>
+          <a:bodyPr/>
+          <a:lstStyle/>
+          <a:p>
+            <a:endParaRPr lang="fr-FR" dirty="0"/>
+          </a:p>
+        </p:txBody>
+      </p:sp>
+      <p:sp>
+        <p:nvSpPr>
+          <p:cNvPr id="4" name="Espace réservé du numéro de diapositive 3"/>
+          <p:cNvSpPr>
+            <a:spLocks noGrp="1"/>
+          </p:cNvSpPr>
+          <p:nvPr>
+            <p:ph type="sldNum" sz="quarter" idx="5"/>
+          </p:nvPr>
+        </p:nvSpPr>
+        <p:spPr/>
+        <p:txBody>
+          <a:bodyPr/>
+          <a:lstStyle/>
+          <a:p>
+            <a:fld id="{1F4BD613-B23A-462C-B9CD-9B4D3E24A162}" type="slidenum">
+              <a:rPr lang="fr-FR" smtClean="0"/>
+              <a:t>8</a:t>
+            </a:fld>
+            <a:endParaRPr lang="fr-FR"/>
+          </a:p>
+        </p:txBody>
+      </p:sp>
+    </p:spTree>
+    <p:extLst>
+      <p:ext uri="{BB962C8B-B14F-4D97-AF65-F5344CB8AC3E}">
+        <p14:creationId xmlns:p14="http://schemas.microsoft.com/office/powerpoint/2010/main" val="1473364022"/>
+      </p:ext>
+    </p:extLst>
+  </p:cSld>
+  <p:clrMapOvr>
+    <a:masterClrMapping/>
+  </p:clrMapOvr>
+</p:notes>
+</file>
+
 <file path=ppt/slideLayouts/slideLayout1.xml><?xml version="1.0" encoding="utf-8"?>
 <p:sldLayout xmlns:a="http://schemas.openxmlformats.org/drawingml/2006/main" xmlns:r="http://schemas.openxmlformats.org/officeDocument/2006/relationships" xmlns:p="http://schemas.openxmlformats.org/presentationml/2006/main" type="title" preserve="1">
   <p:cSld name="Diapositive de titre">
@@ -670,7 +755,7 @@
           <a:effectLst/>
           <a:extLst>
             <a:ext uri="{91240B29-F687-4f45-9708-019B960494DF}">
-              <a14:hiddenLine xmlns:a14="http://schemas.microsoft.com/office/drawing/2010/main" xmlns="" w="9525">
+              <a14:hiddenLine xmlns="" xmlns:a14="http://schemas.microsoft.com/office/drawing/2010/main" w="9525">
                 <a:solidFill>
                   <a:srgbClr val="000000"/>
                 </a:solidFill>
@@ -2176,7 +2261,7 @@
           <a:ln/>
           <a:extLst>
             <a:ext uri="{91240B29-F687-4f45-9708-019B960494DF}">
-              <a14:hiddenLine xmlns:a14="http://schemas.microsoft.com/office/drawing/2010/main" xmlns="" w="9525">
+              <a14:hiddenLine xmlns="" xmlns:a14="http://schemas.microsoft.com/office/drawing/2010/main" w="9525">
                 <a:solidFill>
                   <a:srgbClr val="000000"/>
                 </a:solidFill>
@@ -2447,7 +2532,7 @@
           <a:ln/>
           <a:extLst>
             <a:ext uri="{91240B29-F687-4f45-9708-019B960494DF}">
-              <a14:hiddenLine xmlns:a14="http://schemas.microsoft.com/office/drawing/2010/main" xmlns="" w="9525">
+              <a14:hiddenLine xmlns="" xmlns:a14="http://schemas.microsoft.com/office/drawing/2010/main" w="9525">
                 <a:solidFill>
                   <a:srgbClr val="000000"/>
                 </a:solidFill>
@@ -2726,7 +2811,7 @@
           <a:ln/>
           <a:extLst>
             <a:ext uri="{91240B29-F687-4f45-9708-019B960494DF}">
-              <a14:hiddenLine xmlns:a14="http://schemas.microsoft.com/office/drawing/2010/main" xmlns="" w="9525">
+              <a14:hiddenLine xmlns="" xmlns:a14="http://schemas.microsoft.com/office/drawing/2010/main" w="9525">
                 <a:solidFill>
                   <a:srgbClr val="000000"/>
                 </a:solidFill>
@@ -3344,7 +3429,7 @@
           <a:ln/>
           <a:extLst>
             <a:ext uri="{91240B29-F687-4f45-9708-019B960494DF}">
-              <a14:hiddenLine xmlns:a14="http://schemas.microsoft.com/office/drawing/2010/main" xmlns="" w="9525">
+              <a14:hiddenLine xmlns="" xmlns:a14="http://schemas.microsoft.com/office/drawing/2010/main" w="9525">
                 <a:solidFill>
                   <a:srgbClr val="000000"/>
                 </a:solidFill>
@@ -3679,7 +3764,7 @@
           <a:ln/>
           <a:extLst>
             <a:ext uri="{91240B29-F687-4f45-9708-019B960494DF}">
-              <a14:hiddenLine xmlns:a14="http://schemas.microsoft.com/office/drawing/2010/main" xmlns="" w="9525">
+              <a14:hiddenLine xmlns="" xmlns:a14="http://schemas.microsoft.com/office/drawing/2010/main" w="9525">
                 <a:solidFill>
                   <a:srgbClr val="000000"/>
                 </a:solidFill>
@@ -4152,7 +4237,7 @@
           <a:ln/>
           <a:extLst>
             <a:ext uri="{91240B29-F687-4f45-9708-019B960494DF}">
-              <a14:hiddenLine xmlns:a14="http://schemas.microsoft.com/office/drawing/2010/main" xmlns="" w="9525">
+              <a14:hiddenLine xmlns="" xmlns:a14="http://schemas.microsoft.com/office/drawing/2010/main" w="9525">
                 <a:solidFill>
                   <a:srgbClr val="000000"/>
                 </a:solidFill>
@@ -4573,7 +4658,7 @@
           <a:ln/>
           <a:extLst>
             <a:ext uri="{91240B29-F687-4f45-9708-019B960494DF}">
-              <a14:hiddenLine xmlns:a14="http://schemas.microsoft.com/office/drawing/2010/main" xmlns="" w="9525">
+              <a14:hiddenLine xmlns="" xmlns:a14="http://schemas.microsoft.com/office/drawing/2010/main" w="9525">
                 <a:solidFill>
                   <a:srgbClr val="000000"/>
                 </a:solidFill>
@@ -6279,8 +6364,8 @@
         </p:nvSpPr>
         <p:spPr>
           <a:xfrm>
-            <a:off x="199990" y="2123290"/>
-            <a:ext cx="8513726" cy="4448013"/>
+            <a:off x="375098" y="2677832"/>
+            <a:ext cx="8513726" cy="2805063"/>
           </a:xfrm>
           <a:prstGeom prst="rect">
             <a:avLst/>
@@ -6301,21 +6386,21 @@
               <a:buChar char="•"/>
             </a:pPr>
             <a:r>
-              <a:rPr lang="fr-FR" sz="3200" dirty="0">
+              <a:rPr lang="fr-FR" sz="2400" dirty="0">
                 <a:latin typeface="Carlito" panose="020F0502020204030204" pitchFamily="34" charset="0"/>
                 <a:cs typeface="Carlito" panose="020F0502020204030204" pitchFamily="34" charset="0"/>
               </a:rPr>
               <a:t>Page </a:t>
             </a:r>
             <a:r>
-              <a:rPr lang="fr-FR" sz="3200" b="1" dirty="0">
+              <a:rPr lang="fr-FR" sz="2400" b="1" dirty="0">
                 <a:latin typeface="Carlito" panose="020F0502020204030204" pitchFamily="34" charset="0"/>
                 <a:cs typeface="Carlito" panose="020F0502020204030204" pitchFamily="34" charset="0"/>
               </a:rPr>
               <a:t>d’accueil</a:t>
             </a:r>
             <a:r>
-              <a:rPr lang="fr-FR" sz="3200" dirty="0">
+              <a:rPr lang="fr-FR" sz="2400" dirty="0">
                 <a:latin typeface="Carlito" panose="020F0502020204030204" pitchFamily="34" charset="0"/>
                 <a:cs typeface="Carlito" panose="020F0502020204030204" pitchFamily="34" charset="0"/>
               </a:rPr>
@@ -6331,21 +6416,21 @@
               <a:buChar char="•"/>
             </a:pPr>
             <a:r>
-              <a:rPr lang="fr-FR" sz="3200" dirty="0">
+              <a:rPr lang="fr-FR" sz="2400" dirty="0">
                 <a:latin typeface="Carlito" panose="020F0502020204030204" pitchFamily="34" charset="0"/>
                 <a:cs typeface="Carlito" panose="020F0502020204030204" pitchFamily="34" charset="0"/>
               </a:rPr>
               <a:t>Page sur les </a:t>
             </a:r>
             <a:r>
-              <a:rPr lang="fr-FR" sz="3200" b="1" dirty="0">
+              <a:rPr lang="fr-FR" sz="2400" b="1" dirty="0">
                 <a:latin typeface="Carlito" panose="020F0502020204030204" pitchFamily="34" charset="0"/>
                 <a:cs typeface="Carlito" panose="020F0502020204030204" pitchFamily="34" charset="0"/>
               </a:rPr>
               <a:t>studios et leurs jeux</a:t>
             </a:r>
             <a:r>
-              <a:rPr lang="fr-FR" sz="3200" dirty="0">
+              <a:rPr lang="fr-FR" sz="2400" dirty="0">
                 <a:latin typeface="Carlito" panose="020F0502020204030204" pitchFamily="34" charset="0"/>
                 <a:cs typeface="Carlito" panose="020F0502020204030204" pitchFamily="34" charset="0"/>
               </a:rPr>
@@ -6752,8 +6837,8 @@
         </p:nvSpPr>
         <p:spPr>
           <a:xfrm>
-            <a:off x="3542796" y="1824853"/>
-            <a:ext cx="8513726" cy="4868256"/>
+            <a:off x="3226760" y="2639862"/>
+            <a:ext cx="8513726" cy="3359061"/>
           </a:xfrm>
           <a:prstGeom prst="rect">
             <a:avLst/>
@@ -6774,7 +6859,7 @@
               <a:buChar char="•"/>
             </a:pPr>
             <a:r>
-              <a:rPr lang="fr-FR" sz="3000" dirty="0">
+              <a:rPr lang="fr-FR" sz="2400" dirty="0">
                 <a:latin typeface="Carlito" panose="020F0502020204030204" pitchFamily="34" charset="0"/>
                 <a:cs typeface="Carlito" panose="020F0502020204030204" pitchFamily="34" charset="0"/>
                 <a:sym typeface="Wingdings" panose="05000000000000000000" pitchFamily="2" charset="2"/>
@@ -6782,7 +6867,7 @@
               <a:t>Page sur </a:t>
             </a:r>
             <a:r>
-              <a:rPr lang="fr-FR" sz="3000" b="1" dirty="0">
+              <a:rPr lang="fr-FR" sz="2400" b="1" dirty="0">
                 <a:latin typeface="Carlito" panose="020F0502020204030204" pitchFamily="34" charset="0"/>
                 <a:cs typeface="Carlito" panose="020F0502020204030204" pitchFamily="34" charset="0"/>
                 <a:sym typeface="Wingdings" panose="05000000000000000000" pitchFamily="2" charset="2"/>
@@ -6790,7 +6875,7 @@
               <a:t>l’empire boursie</a:t>
             </a:r>
             <a:r>
-              <a:rPr lang="fr-FR" sz="3000" dirty="0">
+              <a:rPr lang="fr-FR" sz="2400" dirty="0">
                 <a:latin typeface="Carlito" panose="020F0502020204030204" pitchFamily="34" charset="0"/>
                 <a:cs typeface="Carlito" panose="020F0502020204030204" pitchFamily="34" charset="0"/>
                 <a:sym typeface="Wingdings" panose="05000000000000000000" pitchFamily="2" charset="2"/>
@@ -6807,7 +6892,7 @@
               <a:buChar char="•"/>
             </a:pPr>
             <a:r>
-              <a:rPr lang="fr-FR" sz="3000" dirty="0">
+              <a:rPr lang="fr-FR" sz="2400" dirty="0">
                 <a:latin typeface="Carlito" panose="020F0502020204030204" pitchFamily="34" charset="0"/>
                 <a:cs typeface="Carlito" panose="020F0502020204030204" pitchFamily="34" charset="0"/>
                 <a:sym typeface="Wingdings" panose="05000000000000000000" pitchFamily="2" charset="2"/>
@@ -6815,7 +6900,7 @@
               <a:t>Page sur la </a:t>
             </a:r>
             <a:r>
-              <a:rPr lang="fr-FR" sz="3000" b="1" dirty="0">
+              <a:rPr lang="fr-FR" sz="2400" b="1" dirty="0">
                 <a:latin typeface="Carlito" panose="020F0502020204030204" pitchFamily="34" charset="0"/>
                 <a:cs typeface="Carlito" panose="020F0502020204030204" pitchFamily="34" charset="0"/>
                 <a:sym typeface="Wingdings" panose="05000000000000000000" pitchFamily="2" charset="2"/>
@@ -6823,7 +6908,7 @@
               <a:t>cote de l’entreprise</a:t>
             </a:r>
             <a:r>
-              <a:rPr lang="fr-FR" sz="3000" dirty="0">
+              <a:rPr lang="fr-FR" sz="2400" dirty="0">
                 <a:latin typeface="Carlito" panose="020F0502020204030204" pitchFamily="34" charset="0"/>
                 <a:cs typeface="Carlito" panose="020F0502020204030204" pitchFamily="34" charset="0"/>
                 <a:sym typeface="Wingdings" panose="05000000000000000000" pitchFamily="2" charset="2"/>
@@ -6840,7 +6925,7 @@
               <a:buChar char="•"/>
             </a:pPr>
             <a:r>
-              <a:rPr lang="fr-FR" sz="3000" dirty="0">
+              <a:rPr lang="fr-FR" sz="2400" dirty="0">
                 <a:latin typeface="Carlito" panose="020F0502020204030204" pitchFamily="34" charset="0"/>
                 <a:cs typeface="Carlito" panose="020F0502020204030204" pitchFamily="34" charset="0"/>
                 <a:sym typeface="Wingdings" panose="05000000000000000000" pitchFamily="2" charset="2"/>
@@ -6848,7 +6933,7 @@
               <a:t>Page de </a:t>
             </a:r>
             <a:r>
-              <a:rPr lang="fr-FR" sz="3000" b="1" dirty="0">
+              <a:rPr lang="fr-FR" sz="2400" b="1" dirty="0">
                 <a:latin typeface="Carlito" panose="020F0502020204030204" pitchFamily="34" charset="0"/>
                 <a:cs typeface="Carlito" panose="020F0502020204030204" pitchFamily="34" charset="0"/>
                 <a:sym typeface="Wingdings" panose="05000000000000000000" pitchFamily="2" charset="2"/>
@@ -6856,7 +6941,7 @@
               <a:t>contact</a:t>
             </a:r>
             <a:r>
-              <a:rPr lang="fr-FR" sz="3000" dirty="0">
+              <a:rPr lang="fr-FR" sz="2400" dirty="0">
                 <a:latin typeface="Carlito" panose="020F0502020204030204" pitchFamily="34" charset="0"/>
                 <a:cs typeface="Carlito" panose="020F0502020204030204" pitchFamily="34" charset="0"/>
                 <a:sym typeface="Wingdings" panose="05000000000000000000" pitchFamily="2" charset="2"/>
@@ -7264,8 +7349,8 @@
         </p:nvSpPr>
         <p:spPr>
           <a:xfrm>
-            <a:off x="214979" y="2497756"/>
-            <a:ext cx="7744798" cy="3709349"/>
+            <a:off x="354827" y="2949898"/>
+            <a:ext cx="7744798" cy="2805063"/>
           </a:xfrm>
           <a:prstGeom prst="rect">
             <a:avLst/>
@@ -7286,7 +7371,7 @@
               <a:buChar char="•"/>
             </a:pPr>
             <a:r>
-              <a:rPr lang="fr-FR" sz="3200" dirty="0">
+              <a:rPr lang="fr-FR" sz="2400" dirty="0">
                 <a:latin typeface="Carlito" panose="020F0502020204030204" pitchFamily="34" charset="0"/>
                 <a:cs typeface="Carlito" panose="020F0502020204030204" pitchFamily="34" charset="0"/>
                 <a:sym typeface="Wingdings" panose="05000000000000000000" pitchFamily="2" charset="2"/>
@@ -7294,7 +7379,7 @@
               <a:t>Utilisation du style </a:t>
             </a:r>
             <a:r>
-              <a:rPr lang="fr-FR" sz="3200" b="1" dirty="0">
+              <a:rPr lang="fr-FR" sz="2400" b="1" dirty="0">
                 <a:latin typeface="Carlito" panose="020F0502020204030204" pitchFamily="34" charset="0"/>
                 <a:cs typeface="Carlito" panose="020F0502020204030204" pitchFamily="34" charset="0"/>
                 <a:sym typeface="Wingdings" panose="05000000000000000000" pitchFamily="2" charset="2"/>
@@ -7302,7 +7387,7 @@
               <a:t>Material Design</a:t>
             </a:r>
             <a:r>
-              <a:rPr lang="fr-FR" sz="3200" dirty="0">
+              <a:rPr lang="fr-FR" sz="2400" dirty="0">
                 <a:latin typeface="Carlito" panose="020F0502020204030204" pitchFamily="34" charset="0"/>
                 <a:cs typeface="Carlito" panose="020F0502020204030204" pitchFamily="34" charset="0"/>
                 <a:sym typeface="Wingdings" panose="05000000000000000000" pitchFamily="2" charset="2"/>
@@ -7319,7 +7404,7 @@
               <a:buChar char="•"/>
             </a:pPr>
             <a:r>
-              <a:rPr lang="fr-FR" sz="3200" dirty="0">
+              <a:rPr lang="fr-FR" sz="2400" dirty="0">
                 <a:latin typeface="Carlito" panose="020F0502020204030204" pitchFamily="34" charset="0"/>
                 <a:cs typeface="Carlito" panose="020F0502020204030204" pitchFamily="34" charset="0"/>
                 <a:sym typeface="Wingdings" panose="05000000000000000000" pitchFamily="2" charset="2"/>
@@ -7327,7 +7412,7 @@
               <a:t>Barre de navigation Bootstrap </a:t>
             </a:r>
             <a:r>
-              <a:rPr lang="fr-FR" sz="3200" b="1" dirty="0">
+              <a:rPr lang="fr-FR" sz="2400" b="1" dirty="0">
                 <a:latin typeface="Carlito" panose="020F0502020204030204" pitchFamily="34" charset="0"/>
                 <a:cs typeface="Carlito" panose="020F0502020204030204" pitchFamily="34" charset="0"/>
                 <a:sym typeface="Wingdings" panose="05000000000000000000" pitchFamily="2" charset="2"/>
@@ -7344,7 +7429,7 @@
               <a:buChar char="•"/>
             </a:pPr>
             <a:r>
-              <a:rPr lang="fr-FR" sz="3200" dirty="0">
+              <a:rPr lang="fr-FR" sz="2400" dirty="0">
                 <a:latin typeface="Carlito" panose="020F0502020204030204" pitchFamily="34" charset="0"/>
                 <a:cs typeface="Carlito" panose="020F0502020204030204" pitchFamily="34" charset="0"/>
                 <a:sym typeface="Wingdings" panose="05000000000000000000" pitchFamily="2" charset="2"/>
@@ -7352,7 +7437,7 @@
               <a:t>Style </a:t>
             </a:r>
             <a:r>
-              <a:rPr lang="fr-FR" sz="3200" b="1" dirty="0">
+              <a:rPr lang="fr-FR" sz="2400" b="1" dirty="0">
                 <a:latin typeface="Carlito" panose="020F0502020204030204" pitchFamily="34" charset="0"/>
                 <a:cs typeface="Carlito" panose="020F0502020204030204" pitchFamily="34" charset="0"/>
                 <a:sym typeface="Wingdings" panose="05000000000000000000" pitchFamily="2" charset="2"/>
@@ -7360,7 +7445,7 @@
               <a:t>moderne</a:t>
             </a:r>
             <a:r>
-              <a:rPr lang="fr-FR" sz="3200" dirty="0">
+              <a:rPr lang="fr-FR" sz="2400" dirty="0">
                 <a:latin typeface="Carlito" panose="020F0502020204030204" pitchFamily="34" charset="0"/>
                 <a:cs typeface="Carlito" panose="020F0502020204030204" pitchFamily="34" charset="0"/>
                 <a:sym typeface="Wingdings" panose="05000000000000000000" pitchFamily="2" charset="2"/>
@@ -7368,7 +7453,7 @@
               <a:t>, suppression des </a:t>
             </a:r>
             <a:r>
-              <a:rPr lang="fr-FR" sz="3200" b="1" dirty="0">
+              <a:rPr lang="fr-FR" sz="2400" b="1" dirty="0">
                 <a:latin typeface="Carlito" panose="020F0502020204030204" pitchFamily="34" charset="0"/>
                 <a:cs typeface="Carlito" panose="020F0502020204030204" pitchFamily="34" charset="0"/>
                 <a:sym typeface="Wingdings" panose="05000000000000000000" pitchFamily="2" charset="2"/>
@@ -7376,7 +7461,7 @@
               <a:t>arrondis</a:t>
             </a:r>
             <a:r>
-              <a:rPr lang="fr-FR" sz="3200" dirty="0">
+              <a:rPr lang="fr-FR" sz="2400" dirty="0">
                 <a:latin typeface="Carlito" panose="020F0502020204030204" pitchFamily="34" charset="0"/>
                 <a:cs typeface="Carlito" panose="020F0502020204030204" pitchFamily="34" charset="0"/>
                 <a:sym typeface="Wingdings" panose="05000000000000000000" pitchFamily="2" charset="2"/>
@@ -7384,7 +7469,7 @@
               <a:t>, arrière-plans de </a:t>
             </a:r>
             <a:r>
-              <a:rPr lang="fr-FR" sz="3200" b="1" dirty="0">
+              <a:rPr lang="fr-FR" sz="2400" b="1" dirty="0">
                 <a:latin typeface="Carlito" panose="020F0502020204030204" pitchFamily="34" charset="0"/>
                 <a:cs typeface="Carlito" panose="020F0502020204030204" pitchFamily="34" charset="0"/>
                 <a:sym typeface="Wingdings" panose="05000000000000000000" pitchFamily="2" charset="2"/>
@@ -7724,8 +7809,8 @@
         </p:nvSpPr>
         <p:spPr>
           <a:xfrm>
-            <a:off x="3995688" y="2206539"/>
-            <a:ext cx="7744798" cy="4448013"/>
+            <a:off x="3995688" y="3017189"/>
+            <a:ext cx="7744798" cy="2805063"/>
           </a:xfrm>
           <a:prstGeom prst="rect">
             <a:avLst/>
@@ -7746,7 +7831,7 @@
               <a:buChar char="•"/>
             </a:pPr>
             <a:r>
-              <a:rPr lang="fr-FR" sz="3200" b="1" dirty="0">
+              <a:rPr lang="fr-FR" sz="2400" b="1" dirty="0">
                 <a:latin typeface="Carlito" panose="020F0502020204030204" pitchFamily="34" charset="0"/>
                 <a:cs typeface="Carlito" panose="020F0502020204030204" pitchFamily="34" charset="0"/>
                 <a:sym typeface="Wingdings" panose="05000000000000000000" pitchFamily="2" charset="2"/>
@@ -7754,7 +7839,7 @@
               <a:t>Barre de navigation </a:t>
             </a:r>
             <a:r>
-              <a:rPr lang="fr-FR" sz="3200" dirty="0">
+              <a:rPr lang="fr-FR" sz="2400" dirty="0">
                 <a:latin typeface="Carlito" panose="020F0502020204030204" pitchFamily="34" charset="0"/>
                 <a:cs typeface="Carlito" panose="020F0502020204030204" pitchFamily="34" charset="0"/>
                 <a:sym typeface="Wingdings" panose="05000000000000000000" pitchFamily="2" charset="2"/>
@@ -7762,7 +7847,7 @@
               <a:t>causant des soucis suivant la </a:t>
             </a:r>
             <a:r>
-              <a:rPr lang="fr-FR" sz="3200" b="1" dirty="0">
+              <a:rPr lang="fr-FR" sz="2400" b="1" dirty="0">
                 <a:latin typeface="Carlito" panose="020F0502020204030204" pitchFamily="34" charset="0"/>
                 <a:cs typeface="Carlito" panose="020F0502020204030204" pitchFamily="34" charset="0"/>
                 <a:sym typeface="Wingdings" panose="05000000000000000000" pitchFamily="2" charset="2"/>
@@ -7770,7 +7855,7 @@
               <a:t>taille</a:t>
             </a:r>
             <a:r>
-              <a:rPr lang="fr-FR" sz="3200" dirty="0">
+              <a:rPr lang="fr-FR" sz="2400" dirty="0">
                 <a:latin typeface="Carlito" panose="020F0502020204030204" pitchFamily="34" charset="0"/>
                 <a:cs typeface="Carlito" panose="020F0502020204030204" pitchFamily="34" charset="0"/>
                 <a:sym typeface="Wingdings" panose="05000000000000000000" pitchFamily="2" charset="2"/>
@@ -7787,7 +7872,7 @@
               <a:buChar char="•"/>
             </a:pPr>
             <a:r>
-              <a:rPr lang="fr-FR" sz="3200" dirty="0">
+              <a:rPr lang="fr-FR" sz="2400" dirty="0">
                 <a:latin typeface="Carlito" panose="020F0502020204030204" pitchFamily="34" charset="0"/>
                 <a:cs typeface="Carlito" panose="020F0502020204030204" pitchFamily="34" charset="0"/>
                 <a:sym typeface="Wingdings" panose="05000000000000000000" pitchFamily="2" charset="2"/>
@@ -7795,7 +7880,7 @@
               <a:t>Complexité au niveau du </a:t>
             </a:r>
             <a:r>
-              <a:rPr lang="fr-FR" sz="3200" b="1" dirty="0">
+              <a:rPr lang="fr-FR" sz="2400" b="1" dirty="0">
                 <a:latin typeface="Carlito" panose="020F0502020204030204" pitchFamily="34" charset="0"/>
                 <a:cs typeface="Carlito" panose="020F0502020204030204" pitchFamily="34" charset="0"/>
                 <a:sym typeface="Wingdings" panose="05000000000000000000" pitchFamily="2" charset="2"/>
@@ -7803,7 +7888,7 @@
               <a:t>fonctionnement</a:t>
             </a:r>
             <a:r>
-              <a:rPr lang="fr-FR" sz="3200" dirty="0">
+              <a:rPr lang="fr-FR" sz="2400" dirty="0">
                 <a:latin typeface="Carlito" panose="020F0502020204030204" pitchFamily="34" charset="0"/>
                 <a:cs typeface="Carlito" panose="020F0502020204030204" pitchFamily="34" charset="0"/>
                 <a:sym typeface="Wingdings" panose="05000000000000000000" pitchFamily="2" charset="2"/>
@@ -7811,7 +7896,7 @@
               <a:t> de la page de </a:t>
             </a:r>
             <a:r>
-              <a:rPr lang="fr-FR" sz="3200" b="1" dirty="0">
+              <a:rPr lang="fr-FR" sz="2400" b="1" dirty="0">
                 <a:latin typeface="Carlito" panose="020F0502020204030204" pitchFamily="34" charset="0"/>
                 <a:cs typeface="Carlito" panose="020F0502020204030204" pitchFamily="34" charset="0"/>
                 <a:sym typeface="Wingdings" panose="05000000000000000000" pitchFamily="2" charset="2"/>
@@ -7828,7 +7913,7 @@
               <a:buChar char="•"/>
             </a:pPr>
             <a:r>
-              <a:rPr lang="fr-FR" sz="3200" dirty="0">
+              <a:rPr lang="fr-FR" sz="2400" dirty="0">
                 <a:latin typeface="Carlito" panose="020F0502020204030204" pitchFamily="34" charset="0"/>
                 <a:cs typeface="Carlito" panose="020F0502020204030204" pitchFamily="34" charset="0"/>
                 <a:sym typeface="Wingdings" panose="05000000000000000000" pitchFamily="2" charset="2"/>
@@ -7836,7 +7921,7 @@
               <a:t>Difficultés à l’adaptation de </a:t>
             </a:r>
             <a:r>
-              <a:rPr lang="fr-FR" sz="3200" b="1" dirty="0">
+              <a:rPr lang="fr-FR" sz="2400" b="1" dirty="0">
                 <a:latin typeface="Carlito" panose="020F0502020204030204" pitchFamily="34" charset="0"/>
                 <a:cs typeface="Carlito" panose="020F0502020204030204" pitchFamily="34" charset="0"/>
                 <a:sym typeface="Wingdings" panose="05000000000000000000" pitchFamily="2" charset="2"/>
@@ -8092,10 +8177,35 @@
         </p:nvSpPr>
         <p:spPr/>
         <p:txBody>
-          <a:bodyPr/>
+          <a:bodyPr>
+            <a:normAutofit/>
+          </a:bodyPr>
           <a:lstStyle/>
           <a:p>
-            <a:endParaRPr lang="fr-FR"/>
+            <a:pPr>
+              <a:buFont typeface="Arial" panose="020B0604020202020204" pitchFamily="34" charset="0"/>
+              <a:buChar char="•"/>
+            </a:pPr>
+            <a:r>
+              <a:rPr lang="fr-FR" sz="2400" dirty="0">
+                <a:latin typeface="Carlito" panose="020F0502020204030204" pitchFamily="34" charset="0"/>
+                <a:cs typeface="Carlito" panose="020F0502020204030204" pitchFamily="34" charset="0"/>
+              </a:rPr>
+              <a:t>Beaucoup d’entraide</a:t>
+            </a:r>
+          </a:p>
+          <a:p>
+            <a:pPr>
+              <a:buFont typeface="Arial" panose="020B0604020202020204" pitchFamily="34" charset="0"/>
+              <a:buChar char="•"/>
+            </a:pPr>
+            <a:r>
+              <a:rPr lang="fr-FR" sz="2400" dirty="0">
+                <a:latin typeface="Carlito" panose="020F0502020204030204" pitchFamily="34" charset="0"/>
+                <a:cs typeface="Carlito" panose="020F0502020204030204" pitchFamily="34" charset="0"/>
+              </a:rPr>
+              <a:t>Plan de travail en début de semaine</a:t>
+            </a:r>
           </a:p>
         </p:txBody>
       </p:sp>
@@ -8350,6 +8460,599 @@
       </p:grpSpPr>
       <p:sp>
         <p:nvSpPr>
+          <p:cNvPr id="2" name="Espace réservé du numéro de diapositive 1">
+            <a:extLst>
+              <a:ext uri="{FF2B5EF4-FFF2-40B4-BE49-F238E27FC236}">
+                <a16:creationId xmlns:a16="http://schemas.microsoft.com/office/drawing/2014/main" id="{B8BF770C-A3ED-484E-9475-2873AA93A9CC}"/>
+              </a:ext>
+            </a:extLst>
+          </p:cNvPr>
+          <p:cNvSpPr>
+            <a:spLocks noGrp="1"/>
+          </p:cNvSpPr>
+          <p:nvPr>
+            <p:ph type="sldNum" sz="quarter" idx="12"/>
+          </p:nvPr>
+        </p:nvSpPr>
+        <p:spPr/>
+        <p:txBody>
+          <a:bodyPr/>
+          <a:lstStyle/>
+          <a:p>
+            <a:fld id="{D57F1E4F-1CFF-5643-939E-217C01CDF565}" type="slidenum">
+              <a:rPr lang="en-US" smtClean="0"/>
+              <a:pPr/>
+              <a:t>16</a:t>
+            </a:fld>
+            <a:endParaRPr lang="en-US" dirty="0"/>
+          </a:p>
+        </p:txBody>
+      </p:sp>
+      <p:sp>
+        <p:nvSpPr>
+          <p:cNvPr id="5" name="ZoneTexte 4">
+            <a:extLst>
+              <a:ext uri="{FF2B5EF4-FFF2-40B4-BE49-F238E27FC236}">
+                <a16:creationId xmlns:a16="http://schemas.microsoft.com/office/drawing/2014/main" id="{C36EE231-19E9-4DC4-8320-0C6EDF6E0452}"/>
+              </a:ext>
+            </a:extLst>
+          </p:cNvPr>
+          <p:cNvSpPr txBox="1"/>
+          <p:nvPr/>
+        </p:nvSpPr>
+        <p:spPr>
+          <a:xfrm>
+            <a:off x="5209563" y="157281"/>
+            <a:ext cx="6719582" cy="1569660"/>
+          </a:xfrm>
+          <a:prstGeom prst="rect">
+            <a:avLst/>
+          </a:prstGeom>
+          <a:noFill/>
+          <a:ln w="57150">
+            <a:solidFill>
+              <a:schemeClr val="tx1"/>
+            </a:solidFill>
+          </a:ln>
+        </p:spPr>
+        <p:txBody>
+          <a:bodyPr wrap="square" rtlCol="0">
+            <a:spAutoFit/>
+          </a:bodyPr>
+          <a:lstStyle/>
+          <a:p>
+            <a:pPr algn="ctr"/>
+            <a:r>
+              <a:rPr lang="fr-FR" sz="3200" dirty="0">
+                <a:solidFill>
+                  <a:schemeClr val="tx2">
+                    <a:lumMod val="75000"/>
+                  </a:schemeClr>
+                </a:solidFill>
+                <a:latin typeface="Carlito" panose="020F0502020204030204" pitchFamily="34" charset="0"/>
+                <a:cs typeface="Carlito" panose="020F0502020204030204" pitchFamily="34" charset="0"/>
+              </a:rPr>
+              <a:t>Introduction</a:t>
+            </a:r>
+            <a:r>
+              <a:rPr lang="fr-FR" sz="3200" b="1" dirty="0">
+                <a:solidFill>
+                  <a:schemeClr val="bg1"/>
+                </a:solidFill>
+                <a:latin typeface="Carlito" panose="020F0502020204030204" pitchFamily="34" charset="0"/>
+                <a:cs typeface="Carlito" panose="020F0502020204030204" pitchFamily="34" charset="0"/>
+              </a:rPr>
+              <a:t>	</a:t>
+            </a:r>
+            <a:r>
+              <a:rPr lang="fr-FR" sz="3200" dirty="0">
+                <a:solidFill>
+                  <a:schemeClr val="tx2">
+                    <a:lumMod val="75000"/>
+                  </a:schemeClr>
+                </a:solidFill>
+                <a:latin typeface="Carlito" panose="020F0502020204030204" pitchFamily="34" charset="0"/>
+                <a:cs typeface="Carlito" panose="020F0502020204030204" pitchFamily="34" charset="0"/>
+              </a:rPr>
+              <a:t>1. Partie économique et juridique </a:t>
+            </a:r>
+            <a:r>
+              <a:rPr lang="fr-FR" sz="3200" dirty="0">
+                <a:solidFill>
+                  <a:schemeClr val="bg1">
+                    <a:lumMod val="75000"/>
+                    <a:lumOff val="25000"/>
+                  </a:schemeClr>
+                </a:solidFill>
+                <a:latin typeface="Carlito" panose="020F0502020204030204" pitchFamily="34" charset="0"/>
+                <a:cs typeface="Carlito" panose="020F0502020204030204" pitchFamily="34" charset="0"/>
+              </a:rPr>
+              <a:t>2. Présentation du site Web</a:t>
+            </a:r>
+          </a:p>
+          <a:p>
+            <a:pPr algn="ctr"/>
+            <a:r>
+              <a:rPr lang="fr-FR" sz="3200" b="1" dirty="0">
+                <a:solidFill>
+                  <a:schemeClr val="bg1"/>
+                </a:solidFill>
+                <a:latin typeface="Carlito" panose="020F0502020204030204" pitchFamily="34" charset="0"/>
+                <a:cs typeface="Carlito" panose="020F0502020204030204" pitchFamily="34" charset="0"/>
+              </a:rPr>
+              <a:t>3. Travail en groupe</a:t>
+            </a:r>
+            <a:r>
+              <a:rPr lang="fr-FR" sz="3200" b="1" dirty="0">
+                <a:solidFill>
+                  <a:schemeClr val="tx2">
+                    <a:lumMod val="75000"/>
+                  </a:schemeClr>
+                </a:solidFill>
+                <a:latin typeface="Carlito" panose="020F0502020204030204" pitchFamily="34" charset="0"/>
+                <a:cs typeface="Carlito" panose="020F0502020204030204" pitchFamily="34" charset="0"/>
+              </a:rPr>
+              <a:t>	</a:t>
+            </a:r>
+            <a:r>
+              <a:rPr lang="fr-FR" sz="3200" dirty="0">
+                <a:solidFill>
+                  <a:schemeClr val="tx2">
+                    <a:lumMod val="75000"/>
+                  </a:schemeClr>
+                </a:solidFill>
+                <a:latin typeface="Carlito" panose="020F0502020204030204" pitchFamily="34" charset="0"/>
+                <a:cs typeface="Carlito" panose="020F0502020204030204" pitchFamily="34" charset="0"/>
+              </a:rPr>
+              <a:t>Conclusion</a:t>
+            </a:r>
+          </a:p>
+        </p:txBody>
+      </p:sp>
+      <p:sp>
+        <p:nvSpPr>
+          <p:cNvPr id="6" name="ZoneTexte 5">
+            <a:extLst>
+              <a:ext uri="{FF2B5EF4-FFF2-40B4-BE49-F238E27FC236}">
+                <a16:creationId xmlns:a16="http://schemas.microsoft.com/office/drawing/2014/main" id="{3BA74CCC-230B-4719-93A4-E6982438F59B}"/>
+              </a:ext>
+            </a:extLst>
+          </p:cNvPr>
+          <p:cNvSpPr txBox="1"/>
+          <p:nvPr/>
+        </p:nvSpPr>
+        <p:spPr>
+          <a:xfrm>
+            <a:off x="356523" y="526612"/>
+            <a:ext cx="4434138" cy="830997"/>
+          </a:xfrm>
+          <a:prstGeom prst="rect">
+            <a:avLst/>
+          </a:prstGeom>
+          <a:noFill/>
+          <a:ln w="57150">
+            <a:solidFill>
+              <a:schemeClr val="tx1"/>
+            </a:solidFill>
+          </a:ln>
+          <a:effectLst>
+            <a:outerShdw blurRad="50800" dist="38100" dir="2700000" algn="tl" rotWithShape="0">
+              <a:prstClr val="black">
+                <a:alpha val="40000"/>
+              </a:prstClr>
+            </a:outerShdw>
+          </a:effectLst>
+        </p:spPr>
+        <p:style>
+          <a:lnRef idx="2">
+            <a:schemeClr val="accent5"/>
+          </a:lnRef>
+          <a:fillRef idx="1">
+            <a:schemeClr val="lt1"/>
+          </a:fillRef>
+          <a:effectRef idx="0">
+            <a:schemeClr val="accent5"/>
+          </a:effectRef>
+          <a:fontRef idx="minor">
+            <a:schemeClr val="dk1"/>
+          </a:fontRef>
+        </p:style>
+        <p:txBody>
+          <a:bodyPr wrap="square" rtlCol="0">
+            <a:spAutoFit/>
+          </a:bodyPr>
+          <a:lstStyle/>
+          <a:p>
+            <a:pPr algn="ctr"/>
+            <a:r>
+              <a:rPr lang="fr-FR" sz="4800" b="1" dirty="0">
+                <a:solidFill>
+                  <a:schemeClr val="bg1"/>
+                </a:solidFill>
+                <a:latin typeface="Carlito" panose="020F0502020204030204" pitchFamily="34" charset="0"/>
+                <a:cs typeface="Carlito" panose="020F0502020204030204" pitchFamily="34" charset="0"/>
+              </a:rPr>
+              <a:t>3.1. Production</a:t>
+            </a:r>
+          </a:p>
+        </p:txBody>
+      </p:sp>
+      <p:pic>
+        <p:nvPicPr>
+          <p:cNvPr id="7" name="Image 6" descr="Une image contenant capture d’écran&#10;&#10;Description générée automatiquement">
+            <a:extLst>
+              <a:ext uri="{FF2B5EF4-FFF2-40B4-BE49-F238E27FC236}">
+                <a16:creationId xmlns:a16="http://schemas.microsoft.com/office/drawing/2014/main" id="{8C0A01E2-1DD2-489D-A0CF-043534F53A7B}"/>
+              </a:ext>
+            </a:extLst>
+          </p:cNvPr>
+          <p:cNvPicPr>
+            <a:picLocks noChangeAspect="1"/>
+          </p:cNvPicPr>
+          <p:nvPr/>
+        </p:nvPicPr>
+        <p:blipFill>
+          <a:blip r:embed="rId2"/>
+          <a:stretch>
+            <a:fillRect/>
+          </a:stretch>
+        </p:blipFill>
+        <p:spPr>
+          <a:xfrm>
+            <a:off x="268357" y="2224724"/>
+            <a:ext cx="8002656" cy="2174270"/>
+          </a:xfrm>
+          <a:prstGeom prst="rect">
+            <a:avLst/>
+          </a:prstGeom>
+        </p:spPr>
+      </p:pic>
+      <p:pic>
+        <p:nvPicPr>
+          <p:cNvPr id="9" name="Image 8" descr="Une image contenant capture d’écran&#10;&#10;Description générée automatiquement">
+            <a:extLst>
+              <a:ext uri="{FF2B5EF4-FFF2-40B4-BE49-F238E27FC236}">
+                <a16:creationId xmlns:a16="http://schemas.microsoft.com/office/drawing/2014/main" id="{DC0C3E25-23D8-4175-AAF8-BC071D086486}"/>
+              </a:ext>
+            </a:extLst>
+          </p:cNvPr>
+          <p:cNvPicPr>
+            <a:picLocks noChangeAspect="1"/>
+          </p:cNvPicPr>
+          <p:nvPr/>
+        </p:nvPicPr>
+        <p:blipFill>
+          <a:blip r:embed="rId3"/>
+          <a:stretch>
+            <a:fillRect/>
+          </a:stretch>
+        </p:blipFill>
+        <p:spPr>
+          <a:xfrm>
+            <a:off x="3926471" y="4512366"/>
+            <a:ext cx="7997173" cy="2060566"/>
+          </a:xfrm>
+          <a:prstGeom prst="rect">
+            <a:avLst/>
+          </a:prstGeom>
+        </p:spPr>
+      </p:pic>
+      <p:sp>
+        <p:nvSpPr>
+          <p:cNvPr id="10" name="Ellipse 9">
+            <a:extLst>
+              <a:ext uri="{FF2B5EF4-FFF2-40B4-BE49-F238E27FC236}">
+                <a16:creationId xmlns:a16="http://schemas.microsoft.com/office/drawing/2014/main" id="{0D162587-82C8-44C3-99B6-5C442FF66F39}"/>
+              </a:ext>
+            </a:extLst>
+          </p:cNvPr>
+          <p:cNvSpPr/>
+          <p:nvPr/>
+        </p:nvSpPr>
+        <p:spPr>
+          <a:xfrm>
+            <a:off x="6221896" y="4005470"/>
+            <a:ext cx="2049117" cy="506896"/>
+          </a:xfrm>
+          <a:prstGeom prst="ellipse">
+            <a:avLst/>
+          </a:prstGeom>
+          <a:noFill/>
+          <a:ln w="57150">
+            <a:solidFill>
+              <a:schemeClr val="accent6"/>
+            </a:solidFill>
+          </a:ln>
+        </p:spPr>
+        <p:style>
+          <a:lnRef idx="2">
+            <a:schemeClr val="accent1">
+              <a:shade val="50000"/>
+            </a:schemeClr>
+          </a:lnRef>
+          <a:fillRef idx="1">
+            <a:schemeClr val="accent1"/>
+          </a:fillRef>
+          <a:effectRef idx="0">
+            <a:schemeClr val="accent1"/>
+          </a:effectRef>
+          <a:fontRef idx="minor">
+            <a:schemeClr val="lt1"/>
+          </a:fontRef>
+        </p:style>
+        <p:txBody>
+          <a:bodyPr rtlCol="0" anchor="ctr"/>
+          <a:lstStyle/>
+          <a:p>
+            <a:pPr algn="ctr"/>
+            <a:endParaRPr lang="fr-FR"/>
+          </a:p>
+        </p:txBody>
+      </p:sp>
+      <p:sp>
+        <p:nvSpPr>
+          <p:cNvPr id="12" name="Ellipse 11">
+            <a:extLst>
+              <a:ext uri="{FF2B5EF4-FFF2-40B4-BE49-F238E27FC236}">
+                <a16:creationId xmlns:a16="http://schemas.microsoft.com/office/drawing/2014/main" id="{9533E87E-2627-4185-9F8B-BCF734599320}"/>
+              </a:ext>
+            </a:extLst>
+          </p:cNvPr>
+          <p:cNvSpPr/>
+          <p:nvPr/>
+        </p:nvSpPr>
+        <p:spPr>
+          <a:xfrm>
+            <a:off x="9110563" y="6101129"/>
+            <a:ext cx="2468803" cy="610715"/>
+          </a:xfrm>
+          <a:prstGeom prst="ellipse">
+            <a:avLst/>
+          </a:prstGeom>
+          <a:noFill/>
+          <a:ln w="57150">
+            <a:solidFill>
+              <a:schemeClr val="accent6"/>
+            </a:solidFill>
+          </a:ln>
+        </p:spPr>
+        <p:style>
+          <a:lnRef idx="2">
+            <a:schemeClr val="accent1">
+              <a:shade val="50000"/>
+            </a:schemeClr>
+          </a:lnRef>
+          <a:fillRef idx="1">
+            <a:schemeClr val="accent1"/>
+          </a:fillRef>
+          <a:effectRef idx="0">
+            <a:schemeClr val="accent1"/>
+          </a:effectRef>
+          <a:fontRef idx="minor">
+            <a:schemeClr val="lt1"/>
+          </a:fontRef>
+        </p:style>
+        <p:txBody>
+          <a:bodyPr rtlCol="0" anchor="ctr"/>
+          <a:lstStyle/>
+          <a:p>
+            <a:pPr algn="ctr"/>
+            <a:endParaRPr lang="fr-FR"/>
+          </a:p>
+        </p:txBody>
+      </p:sp>
+      <p:sp>
+        <p:nvSpPr>
+          <p:cNvPr id="14" name="Rectangle 13">
+            <a:extLst>
+              <a:ext uri="{FF2B5EF4-FFF2-40B4-BE49-F238E27FC236}">
+                <a16:creationId xmlns:a16="http://schemas.microsoft.com/office/drawing/2014/main" id="{A04BFA44-3561-422C-9424-E87E8118FD63}"/>
+              </a:ext>
+            </a:extLst>
+          </p:cNvPr>
+          <p:cNvSpPr/>
+          <p:nvPr/>
+        </p:nvSpPr>
+        <p:spPr>
+          <a:xfrm>
+            <a:off x="450056" y="3905250"/>
+            <a:ext cx="542925" cy="123825"/>
+          </a:xfrm>
+          <a:prstGeom prst="rect">
+            <a:avLst/>
+          </a:prstGeom>
+          <a:noFill/>
+          <a:ln w="57150">
+            <a:solidFill>
+              <a:schemeClr val="accent6"/>
+            </a:solidFill>
+          </a:ln>
+        </p:spPr>
+        <p:style>
+          <a:lnRef idx="2">
+            <a:schemeClr val="accent1">
+              <a:shade val="50000"/>
+            </a:schemeClr>
+          </a:lnRef>
+          <a:fillRef idx="1">
+            <a:schemeClr val="accent1"/>
+          </a:fillRef>
+          <a:effectRef idx="0">
+            <a:schemeClr val="accent1"/>
+          </a:effectRef>
+          <a:fontRef idx="minor">
+            <a:schemeClr val="lt1"/>
+          </a:fontRef>
+        </p:style>
+        <p:txBody>
+          <a:bodyPr rtlCol="0" anchor="ctr"/>
+          <a:lstStyle/>
+          <a:p>
+            <a:pPr algn="ctr"/>
+            <a:endParaRPr lang="fr-FR"/>
+          </a:p>
+        </p:txBody>
+      </p:sp>
+      <p:sp>
+        <p:nvSpPr>
+          <p:cNvPr id="15" name="Rectangle 14">
+            <a:extLst>
+              <a:ext uri="{FF2B5EF4-FFF2-40B4-BE49-F238E27FC236}">
+                <a16:creationId xmlns:a16="http://schemas.microsoft.com/office/drawing/2014/main" id="{FC765C58-4C4A-4462-B98B-6B7973783ACC}"/>
+              </a:ext>
+            </a:extLst>
+          </p:cNvPr>
+          <p:cNvSpPr/>
+          <p:nvPr/>
+        </p:nvSpPr>
+        <p:spPr>
+          <a:xfrm>
+            <a:off x="4069556" y="6101129"/>
+            <a:ext cx="542925" cy="123825"/>
+          </a:xfrm>
+          <a:prstGeom prst="rect">
+            <a:avLst/>
+          </a:prstGeom>
+          <a:noFill/>
+          <a:ln w="57150">
+            <a:solidFill>
+              <a:schemeClr val="accent6"/>
+            </a:solidFill>
+          </a:ln>
+        </p:spPr>
+        <p:style>
+          <a:lnRef idx="2">
+            <a:schemeClr val="accent1">
+              <a:shade val="50000"/>
+            </a:schemeClr>
+          </a:lnRef>
+          <a:fillRef idx="1">
+            <a:schemeClr val="accent1"/>
+          </a:fillRef>
+          <a:effectRef idx="0">
+            <a:schemeClr val="accent1"/>
+          </a:effectRef>
+          <a:fontRef idx="minor">
+            <a:schemeClr val="lt1"/>
+          </a:fontRef>
+        </p:style>
+        <p:txBody>
+          <a:bodyPr rtlCol="0" anchor="ctr"/>
+          <a:lstStyle/>
+          <a:p>
+            <a:pPr algn="ctr"/>
+            <a:endParaRPr lang="fr-FR"/>
+          </a:p>
+        </p:txBody>
+      </p:sp>
+      <p:sp>
+        <p:nvSpPr>
+          <p:cNvPr id="16" name="ZoneTexte 15">
+            <a:extLst>
+              <a:ext uri="{FF2B5EF4-FFF2-40B4-BE49-F238E27FC236}">
+                <a16:creationId xmlns:a16="http://schemas.microsoft.com/office/drawing/2014/main" id="{94F03310-B295-4DBB-A0AB-3F0ABD2ADD73}"/>
+              </a:ext>
+            </a:extLst>
+          </p:cNvPr>
+          <p:cNvSpPr txBox="1"/>
+          <p:nvPr/>
+        </p:nvSpPr>
+        <p:spPr>
+          <a:xfrm>
+            <a:off x="8494048" y="3127193"/>
+            <a:ext cx="1449436" cy="461665"/>
+          </a:xfrm>
+          <a:prstGeom prst="rect">
+            <a:avLst/>
+          </a:prstGeom>
+          <a:noFill/>
+        </p:spPr>
+        <p:txBody>
+          <a:bodyPr wrap="none" rtlCol="0">
+            <a:spAutoFit/>
+          </a:bodyPr>
+          <a:lstStyle/>
+          <a:p>
+            <a:r>
+              <a:rPr lang="fr-FR" sz="2400" dirty="0">
+                <a:latin typeface="Carlito" panose="020F0502020204030204" pitchFamily="34" charset="0"/>
+                <a:cs typeface="Carlito" panose="020F0502020204030204" pitchFamily="34" charset="0"/>
+              </a:rPr>
+              <a:t>Prévisions</a:t>
+            </a:r>
+          </a:p>
+        </p:txBody>
+      </p:sp>
+      <p:sp>
+        <p:nvSpPr>
+          <p:cNvPr id="18" name="ZoneTexte 17">
+            <a:extLst>
+              <a:ext uri="{FF2B5EF4-FFF2-40B4-BE49-F238E27FC236}">
+                <a16:creationId xmlns:a16="http://schemas.microsoft.com/office/drawing/2014/main" id="{2ECF1B5C-B1FD-4A04-8444-489A6DDC0D12}"/>
+              </a:ext>
+            </a:extLst>
+          </p:cNvPr>
+          <p:cNvSpPr txBox="1"/>
+          <p:nvPr/>
+        </p:nvSpPr>
+        <p:spPr>
+          <a:xfrm>
+            <a:off x="2623930" y="5542649"/>
+            <a:ext cx="1119383" cy="461665"/>
+          </a:xfrm>
+          <a:prstGeom prst="rect">
+            <a:avLst/>
+          </a:prstGeom>
+          <a:noFill/>
+        </p:spPr>
+        <p:txBody>
+          <a:bodyPr wrap="square" rtlCol="0">
+            <a:spAutoFit/>
+          </a:bodyPr>
+          <a:lstStyle/>
+          <a:p>
+            <a:r>
+              <a:rPr lang="fr-FR" sz="2400" dirty="0">
+                <a:latin typeface="Carlito" panose="020F0502020204030204" pitchFamily="34" charset="0"/>
+                <a:cs typeface="Carlito" panose="020F0502020204030204" pitchFamily="34" charset="0"/>
+              </a:rPr>
+              <a:t>Réalité </a:t>
+            </a:r>
+          </a:p>
+        </p:txBody>
+      </p:sp>
+    </p:spTree>
+    <p:extLst>
+      <p:ext uri="{BB962C8B-B14F-4D97-AF65-F5344CB8AC3E}">
+        <p14:creationId xmlns:p14="http://schemas.microsoft.com/office/powerpoint/2010/main" val="3886244174"/>
+      </p:ext>
+    </p:extLst>
+  </p:cSld>
+  <p:clrMapOvr>
+    <a:masterClrMapping/>
+  </p:clrMapOvr>
+</p:sld>
+</file>
+
+<file path=ppt/slides/slide17.xml><?xml version="1.0" encoding="utf-8"?>
+<p:sld xmlns:a="http://schemas.openxmlformats.org/drawingml/2006/main" xmlns:r="http://schemas.openxmlformats.org/officeDocument/2006/relationships" xmlns:p="http://schemas.openxmlformats.org/presentationml/2006/main">
+  <p:cSld>
+    <p:spTree>
+      <p:nvGrpSpPr>
+        <p:cNvPr id="1" name=""/>
+        <p:cNvGrpSpPr/>
+        <p:nvPr/>
+      </p:nvGrpSpPr>
+      <p:grpSpPr>
+        <a:xfrm>
+          <a:off x="0" y="0"/>
+          <a:ext cx="0" cy="0"/>
+          <a:chOff x="0" y="0"/>
+          <a:chExt cx="0" cy="0"/>
+        </a:xfrm>
+      </p:grpSpPr>
+      <p:sp>
+        <p:nvSpPr>
           <p:cNvPr id="4" name="Espace réservé du contenu 3">
             <a:extLst>
               <a:ext uri="{FF2B5EF4-FFF2-40B4-BE49-F238E27FC236}">
@@ -8366,10 +9069,48 @@
         </p:nvSpPr>
         <p:spPr/>
         <p:txBody>
-          <a:bodyPr/>
+          <a:bodyPr>
+            <a:normAutofit/>
+          </a:bodyPr>
           <a:lstStyle/>
           <a:p>
-            <a:endParaRPr lang="fr-FR"/>
+            <a:pPr>
+              <a:buFont typeface="Arial" panose="020B0604020202020204" pitchFamily="34" charset="0"/>
+              <a:buChar char="•"/>
+            </a:pPr>
+            <a:r>
+              <a:rPr lang="fr-FR" sz="2400" dirty="0">
+                <a:latin typeface="Carlito" panose="020F0502020204030204" pitchFamily="34" charset="0"/>
+                <a:cs typeface="Carlito" panose="020F0502020204030204" pitchFamily="34" charset="0"/>
+              </a:rPr>
+              <a:t>Communication via Discord</a:t>
+            </a:r>
+          </a:p>
+          <a:p>
+            <a:pPr>
+              <a:buFont typeface="Arial" panose="020B0604020202020204" pitchFamily="34" charset="0"/>
+              <a:buChar char="•"/>
+            </a:pPr>
+            <a:r>
+              <a:rPr lang="fr-FR" sz="2400" dirty="0">
+                <a:latin typeface="Carlito" panose="020F0502020204030204" pitchFamily="34" charset="0"/>
+                <a:cs typeface="Carlito" panose="020F0502020204030204" pitchFamily="34" charset="0"/>
+              </a:rPr>
+              <a:t>Partage des fichiers via GitHub</a:t>
+            </a:r>
+          </a:p>
+          <a:p>
+            <a:pPr>
+              <a:buFont typeface="Arial" panose="020B0604020202020204" pitchFamily="34" charset="0"/>
+              <a:buChar char="•"/>
+            </a:pPr>
+            <a:r>
+              <a:rPr lang="fr-FR" sz="2400" dirty="0">
+                <a:latin typeface="Carlito" panose="020F0502020204030204" pitchFamily="34" charset="0"/>
+                <a:cs typeface="Carlito" panose="020F0502020204030204" pitchFamily="34" charset="0"/>
+              </a:rPr>
+              <a:t>Travail à la Bibliothèque Universitaire</a:t>
+            </a:r>
           </a:p>
         </p:txBody>
       </p:sp>
@@ -8397,7 +9138,7 @@
             <a:fld id="{D57F1E4F-1CFF-5643-939E-217C01CDF565}" type="slidenum">
               <a:rPr lang="en-US" smtClean="0"/>
               <a:pPr/>
-              <a:t>16</a:t>
+              <a:t>17</a:t>
             </a:fld>
             <a:endParaRPr lang="en-US" dirty="0"/>
           </a:p>
@@ -8592,6 +9333,41 @@
           </a:p>
         </p:txBody>
       </p:sp>
+      <p:pic>
+        <p:nvPicPr>
+          <p:cNvPr id="3" name="Image 2">
+            <a:extLst>
+              <a:ext uri="{FF2B5EF4-FFF2-40B4-BE49-F238E27FC236}">
+                <a16:creationId xmlns:a16="http://schemas.microsoft.com/office/drawing/2014/main" id="{6D5F4312-A72F-4E55-952D-7007A7DA8B3D}"/>
+              </a:ext>
+            </a:extLst>
+          </p:cNvPr>
+          <p:cNvPicPr>
+            <a:picLocks noChangeAspect="1"/>
+          </p:cNvPicPr>
+          <p:nvPr/>
+        </p:nvPicPr>
+        <p:blipFill>
+          <a:blip r:embed="rId2"/>
+          <a:stretch>
+            <a:fillRect/>
+          </a:stretch>
+        </p:blipFill>
+        <p:spPr>
+          <a:xfrm>
+            <a:off x="8741066" y="2354804"/>
+            <a:ext cx="2349875" cy="1332613"/>
+          </a:xfrm>
+          <a:prstGeom prst="rect">
+            <a:avLst/>
+          </a:prstGeom>
+          <a:ln w="19050">
+            <a:solidFill>
+              <a:schemeClr val="tx1"/>
+            </a:solidFill>
+          </a:ln>
+        </p:spPr>
+      </p:pic>
     </p:spTree>
     <p:extLst>
       <p:ext uri="{BB962C8B-B14F-4D97-AF65-F5344CB8AC3E}">
@@ -8605,7 +9381,7 @@
 </p:sld>
 </file>
 
-<file path=ppt/slides/slide17.xml><?xml version="1.0" encoding="utf-8"?>
+<file path=ppt/slides/slide18.xml><?xml version="1.0" encoding="utf-8"?>
 <p:sld xmlns:a="http://schemas.openxmlformats.org/drawingml/2006/main" xmlns:r="http://schemas.openxmlformats.org/officeDocument/2006/relationships" xmlns:p="http://schemas.openxmlformats.org/presentationml/2006/main">
   <p:cSld>
     <p:spTree>
@@ -8646,7 +9422,7 @@
             <a:fld id="{D57F1E4F-1CFF-5643-939E-217C01CDF565}" type="slidenum">
               <a:rPr lang="en-US" smtClean="0"/>
               <a:pPr/>
-              <a:t>17</a:t>
+              <a:t>18</a:t>
             </a:fld>
             <a:endParaRPr lang="en-US" dirty="0"/>
           </a:p>
@@ -8888,7 +9664,14 @@
                 <a:latin typeface="Carlito" panose="020F0502020204030204" pitchFamily="34" charset="0"/>
                 <a:cs typeface="Carlito" panose="020F0502020204030204" pitchFamily="34" charset="0"/>
               </a:rPr>
-              <a:t>Introduction</a:t>
+              <a:t>Introduction </a:t>
+            </a:r>
+            <a:r>
+              <a:rPr lang="fr-FR" sz="2400" b="1" u="sng" dirty="0">
+                <a:latin typeface="Carlito" panose="020F0502020204030204" pitchFamily="34" charset="0"/>
+                <a:cs typeface="Carlito" panose="020F0502020204030204" pitchFamily="34" charset="0"/>
+              </a:rPr>
+              <a:t>Wassim</a:t>
             </a:r>
           </a:p>
           <a:p>
@@ -8923,7 +9706,20 @@
                 <a:latin typeface="Carlito" panose="020F0502020204030204" pitchFamily="34" charset="0"/>
                 <a:cs typeface="Carlito" panose="020F0502020204030204" pitchFamily="34" charset="0"/>
               </a:rPr>
-              <a:t>1.1. Un empire boursier</a:t>
+              <a:t>1.1. Un empire boursier </a:t>
+            </a:r>
+            <a:r>
+              <a:rPr lang="fr-FR" sz="1600" u="sng" dirty="0">
+                <a:solidFill>
+                  <a:schemeClr val="bg2">
+                    <a:lumMod val="50000"/>
+                    <a:lumOff val="50000"/>
+                  </a:schemeClr>
+                </a:solidFill>
+                <a:latin typeface="Carlito" panose="020F0502020204030204" pitchFamily="34" charset="0"/>
+                <a:cs typeface="Carlito" panose="020F0502020204030204" pitchFamily="34" charset="0"/>
+              </a:rPr>
+              <a:t>Jérémy</a:t>
             </a:r>
           </a:p>
           <a:p>
@@ -8943,8 +9739,31 @@
                 <a:latin typeface="Carlito" panose="020F0502020204030204" pitchFamily="34" charset="0"/>
                 <a:cs typeface="Carlito" panose="020F0502020204030204" pitchFamily="34" charset="0"/>
               </a:rPr>
-              <a:t>1.2. Une société à modèle hybride</a:t>
-            </a:r>
+              <a:t>1.2. Une société à modèle hybride </a:t>
+            </a:r>
+            <a:r>
+              <a:rPr lang="fr-FR" sz="1600" u="sng" dirty="0">
+                <a:solidFill>
+                  <a:schemeClr val="bg2">
+                    <a:lumMod val="50000"/>
+                    <a:lumOff val="50000"/>
+                  </a:schemeClr>
+                </a:solidFill>
+                <a:latin typeface="Carlito" panose="020F0502020204030204" pitchFamily="34" charset="0"/>
+                <a:cs typeface="Carlito" panose="020F0502020204030204" pitchFamily="34" charset="0"/>
+              </a:rPr>
+              <a:t>Jérémy</a:t>
+            </a:r>
+            <a:endParaRPr lang="fr-FR" sz="1600" dirty="0">
+              <a:solidFill>
+                <a:schemeClr val="bg2">
+                  <a:lumMod val="50000"/>
+                  <a:lumOff val="50000"/>
+                </a:schemeClr>
+              </a:solidFill>
+              <a:latin typeface="Carlito" panose="020F0502020204030204" pitchFamily="34" charset="0"/>
+              <a:cs typeface="Carlito" panose="020F0502020204030204" pitchFamily="34" charset="0"/>
+            </a:endParaRPr>
           </a:p>
           <a:p>
             <a:pPr algn="ctr">
@@ -8977,7 +9796,20 @@
                 <a:latin typeface="Carlito" panose="020F0502020204030204" pitchFamily="34" charset="0"/>
                 <a:cs typeface="Carlito" panose="020F0502020204030204" pitchFamily="34" charset="0"/>
               </a:rPr>
-              <a:t>2.1. Les principales fonctionnalités</a:t>
+              <a:t>2.1. Les principales fonctionnalités </a:t>
+            </a:r>
+            <a:r>
+              <a:rPr lang="fr-FR" sz="1600" u="sng" dirty="0">
+                <a:solidFill>
+                  <a:schemeClr val="bg2">
+                    <a:lumMod val="50000"/>
+                    <a:lumOff val="50000"/>
+                  </a:schemeClr>
+                </a:solidFill>
+                <a:latin typeface="Carlito" panose="020F0502020204030204" pitchFamily="34" charset="0"/>
+                <a:cs typeface="Carlito" panose="020F0502020204030204" pitchFamily="34" charset="0"/>
+              </a:rPr>
+              <a:t>Samuel le début et chacun sa page</a:t>
             </a:r>
           </a:p>
           <a:p>
@@ -8997,7 +9829,20 @@
                 <a:latin typeface="Carlito" panose="020F0502020204030204" pitchFamily="34" charset="0"/>
                 <a:cs typeface="Carlito" panose="020F0502020204030204" pitchFamily="34" charset="0"/>
               </a:rPr>
-              <a:t>2.2. Choix esthétiques</a:t>
+              <a:t>2.2. Choix esthétiques </a:t>
+            </a:r>
+            <a:r>
+              <a:rPr lang="fr-FR" sz="1600" u="sng" dirty="0">
+                <a:solidFill>
+                  <a:schemeClr val="bg2">
+                    <a:lumMod val="50000"/>
+                    <a:lumOff val="50000"/>
+                  </a:schemeClr>
+                </a:solidFill>
+                <a:latin typeface="Carlito" panose="020F0502020204030204" pitchFamily="34" charset="0"/>
+                <a:cs typeface="Carlito" panose="020F0502020204030204" pitchFamily="34" charset="0"/>
+              </a:rPr>
+              <a:t>Wassim</a:t>
             </a:r>
           </a:p>
           <a:p>
@@ -9017,7 +9862,20 @@
                 <a:latin typeface="Carlito" panose="020F0502020204030204" pitchFamily="34" charset="0"/>
                 <a:cs typeface="Carlito" panose="020F0502020204030204" pitchFamily="34" charset="0"/>
               </a:rPr>
-              <a:t>2.3. Des contraintes techniques</a:t>
+              <a:t>2.3. Des contraintes techniques </a:t>
+            </a:r>
+            <a:r>
+              <a:rPr lang="fr-FR" sz="1600" u="sng" dirty="0">
+                <a:solidFill>
+                  <a:schemeClr val="bg2">
+                    <a:lumMod val="50000"/>
+                    <a:lumOff val="50000"/>
+                  </a:schemeClr>
+                </a:solidFill>
+                <a:latin typeface="Carlito" panose="020F0502020204030204" pitchFamily="34" charset="0"/>
+                <a:cs typeface="Carlito" panose="020F0502020204030204" pitchFamily="34" charset="0"/>
+              </a:rPr>
+              <a:t>Samuel</a:t>
             </a:r>
           </a:p>
           <a:p>
@@ -9051,7 +9909,20 @@
                 <a:latin typeface="Carlito" panose="020F0502020204030204" pitchFamily="34" charset="0"/>
                 <a:cs typeface="Carlito" panose="020F0502020204030204" pitchFamily="34" charset="0"/>
               </a:rPr>
-              <a:t>3.1. Production</a:t>
+              <a:t>3.1. Production </a:t>
+            </a:r>
+            <a:r>
+              <a:rPr lang="fr-FR" sz="1600" u="sng" dirty="0">
+                <a:solidFill>
+                  <a:schemeClr val="bg2">
+                    <a:lumMod val="50000"/>
+                    <a:lumOff val="50000"/>
+                  </a:schemeClr>
+                </a:solidFill>
+                <a:latin typeface="Carlito" panose="020F0502020204030204" pitchFamily="34" charset="0"/>
+                <a:cs typeface="Carlito" panose="020F0502020204030204" pitchFamily="34" charset="0"/>
+              </a:rPr>
+              <a:t>Lucas</a:t>
             </a:r>
           </a:p>
           <a:p>
@@ -9071,7 +9942,20 @@
                 <a:latin typeface="Carlito" panose="020F0502020204030204" pitchFamily="34" charset="0"/>
                 <a:cs typeface="Carlito" panose="020F0502020204030204" pitchFamily="34" charset="0"/>
               </a:rPr>
-              <a:t>3.2. Méthodes de travail</a:t>
+              <a:t>3.2. Méthodes de travail </a:t>
+            </a:r>
+            <a:r>
+              <a:rPr lang="fr-FR" sz="1600" u="sng" dirty="0">
+                <a:solidFill>
+                  <a:schemeClr val="bg2">
+                    <a:lumMod val="50000"/>
+                    <a:lumOff val="50000"/>
+                  </a:schemeClr>
+                </a:solidFill>
+                <a:latin typeface="Carlito" panose="020F0502020204030204" pitchFamily="34" charset="0"/>
+                <a:cs typeface="Carlito" panose="020F0502020204030204" pitchFamily="34" charset="0"/>
+              </a:rPr>
+              <a:t>Lucas</a:t>
             </a:r>
           </a:p>
           <a:p>
@@ -9366,8 +10250,8 @@
         </p:nvSpPr>
         <p:spPr>
           <a:xfrm>
-            <a:off x="155019" y="2339727"/>
-            <a:ext cx="8513726" cy="4175759"/>
+            <a:off x="262855" y="2848314"/>
+            <a:ext cx="8513726" cy="2251065"/>
           </a:xfrm>
           <a:prstGeom prst="rect">
             <a:avLst/>
@@ -9388,21 +10272,21 @@
               <a:buChar char="•"/>
             </a:pPr>
             <a:r>
-              <a:rPr lang="fr-FR" sz="3000" b="1" dirty="0">
+              <a:rPr lang="fr-FR" sz="2400" b="1" dirty="0">
                 <a:latin typeface="Carlito" panose="020F0502020204030204" pitchFamily="34" charset="0"/>
                 <a:cs typeface="Carlito" panose="020F0502020204030204" pitchFamily="34" charset="0"/>
               </a:rPr>
               <a:t>Important</a:t>
             </a:r>
             <a:r>
-              <a:rPr lang="fr-FR" sz="3000" dirty="0">
+              <a:rPr lang="fr-FR" sz="2400" dirty="0">
                 <a:latin typeface="Carlito" panose="020F0502020204030204" pitchFamily="34" charset="0"/>
                 <a:cs typeface="Carlito" panose="020F0502020204030204" pitchFamily="34" charset="0"/>
               </a:rPr>
               <a:t> développeur, éditeur et distributeur de </a:t>
             </a:r>
             <a:r>
-              <a:rPr lang="fr-FR" sz="3000" b="1" dirty="0">
+              <a:rPr lang="fr-FR" sz="2400" b="1" dirty="0">
                 <a:latin typeface="Carlito" panose="020F0502020204030204" pitchFamily="34" charset="0"/>
                 <a:cs typeface="Carlito" panose="020F0502020204030204" pitchFamily="34" charset="0"/>
               </a:rPr>
@@ -9418,14 +10302,14 @@
               <a:buChar char="•"/>
             </a:pPr>
             <a:r>
-              <a:rPr lang="fr-FR" sz="3000" dirty="0">
+              <a:rPr lang="fr-FR" sz="2400" dirty="0">
                 <a:latin typeface="Carlito" panose="020F0502020204030204" pitchFamily="34" charset="0"/>
                 <a:cs typeface="Carlito" panose="020F0502020204030204" pitchFamily="34" charset="0"/>
               </a:rPr>
               <a:t>Siège social à </a:t>
             </a:r>
             <a:r>
-              <a:rPr lang="fr-FR" sz="3000" b="1" dirty="0">
+              <a:rPr lang="fr-FR" sz="2400" b="1" dirty="0">
                 <a:latin typeface="Carlito" panose="020F0502020204030204" pitchFamily="34" charset="0"/>
                 <a:cs typeface="Carlito" panose="020F0502020204030204" pitchFamily="34" charset="0"/>
               </a:rPr>
@@ -9441,28 +10325,28 @@
               <a:buChar char="•"/>
             </a:pPr>
             <a:r>
-              <a:rPr lang="fr-FR" sz="3000" dirty="0">
+              <a:rPr lang="fr-FR" sz="2400" dirty="0">
                 <a:latin typeface="Carlito" panose="020F0502020204030204" pitchFamily="34" charset="0"/>
                 <a:cs typeface="Carlito" panose="020F0502020204030204" pitchFamily="34" charset="0"/>
               </a:rPr>
               <a:t>Produits développés et publiés par </a:t>
             </a:r>
             <a:r>
-              <a:rPr lang="fr-FR" sz="3000" b="1" dirty="0">
+              <a:rPr lang="fr-FR" sz="2400" b="1" dirty="0">
                 <a:latin typeface="Carlito" panose="020F0502020204030204" pitchFamily="34" charset="0"/>
                 <a:cs typeface="Carlito" panose="020F0502020204030204" pitchFamily="34" charset="0"/>
               </a:rPr>
               <a:t>Rockstar Games</a:t>
             </a:r>
             <a:r>
-              <a:rPr lang="fr-FR" sz="3000" dirty="0">
+              <a:rPr lang="fr-FR" sz="2400" dirty="0">
                 <a:latin typeface="Carlito" panose="020F0502020204030204" pitchFamily="34" charset="0"/>
                 <a:cs typeface="Carlito" panose="020F0502020204030204" pitchFamily="34" charset="0"/>
               </a:rPr>
               <a:t> et </a:t>
             </a:r>
             <a:r>
-              <a:rPr lang="fr-FR" sz="3000" b="1" dirty="0">
+              <a:rPr lang="fr-FR" sz="2400" b="1" dirty="0">
                 <a:latin typeface="Carlito" panose="020F0502020204030204" pitchFamily="34" charset="0"/>
                 <a:cs typeface="Carlito" panose="020F0502020204030204" pitchFamily="34" charset="0"/>
               </a:rPr>
@@ -9478,7 +10362,7 @@
               <a:buChar char="•"/>
             </a:pPr>
             <a:r>
-              <a:rPr lang="fr-FR" sz="3000" dirty="0">
+              <a:rPr lang="fr-FR" sz="2400" dirty="0">
                 <a:latin typeface="Carlito" panose="020F0502020204030204" pitchFamily="34" charset="0"/>
                 <a:cs typeface="Carlito" panose="020F0502020204030204" pitchFamily="34" charset="0"/>
                 <a:sym typeface="Wingdings" panose="05000000000000000000" pitchFamily="2" charset="2"/>
@@ -9486,7 +10370,7 @@
               <a:t>Président et chef de la direction : </a:t>
             </a:r>
             <a:r>
-              <a:rPr lang="fr-FR" sz="3000" b="1" dirty="0">
+              <a:rPr lang="fr-FR" sz="2400" b="1" dirty="0">
                 <a:latin typeface="Carlito" panose="020F0502020204030204" pitchFamily="34" charset="0"/>
                 <a:cs typeface="Carlito" panose="020F0502020204030204" pitchFamily="34" charset="0"/>
                 <a:sym typeface="Wingdings" panose="05000000000000000000" pitchFamily="2" charset="2"/>
@@ -9670,13 +10554,13 @@
   <p:clrMapOvr>
     <a:masterClrMapping/>
   </p:clrMapOvr>
-  <mc:AlternateContent xmlns:mc="http://schemas.openxmlformats.org/markup-compatibility/2006">
-    <mc:Choice xmlns:p159="http://schemas.microsoft.com/office/powerpoint/2015/09/main" Requires="p159">
+  <mc:AlternateContent xmlns:mc="http://schemas.openxmlformats.org/markup-compatibility/2006" xmlns:p159="http://schemas.microsoft.com/office/powerpoint/2015/09/main">
+    <mc:Choice Requires="p159">
       <p:transition xmlns:p14="http://schemas.microsoft.com/office/powerpoint/2010/main" spd="slow" p14:dur="2000">
         <p159:morph option="byObject"/>
       </p:transition>
     </mc:Choice>
-    <mc:Fallback>
+    <mc:Fallback xmlns="">
       <p:transition spd="slow">
         <p:fade/>
       </p:transition>
@@ -10011,8 +10895,8 @@
         </p:nvSpPr>
         <p:spPr>
           <a:xfrm>
-            <a:off x="4631961" y="1965699"/>
-            <a:ext cx="7424561" cy="4892301"/>
+            <a:off x="4504584" y="2591331"/>
+            <a:ext cx="7424561" cy="3356303"/>
           </a:xfrm>
           <a:prstGeom prst="rect">
             <a:avLst/>
@@ -10032,19 +10916,19 @@
               <a:buChar char="•"/>
             </a:pPr>
             <a:r>
-              <a:rPr lang="fr-FR" sz="3000" dirty="0">
+              <a:rPr lang="fr-FR" sz="2400" dirty="0">
                 <a:latin typeface="Carlito" panose="020F0502020204030204" pitchFamily="34" charset="0"/>
               </a:rPr>
               <a:t> Côté à la bourse de New York (</a:t>
             </a:r>
             <a:r>
-              <a:rPr lang="fr-FR" sz="3000" b="1" dirty="0">
+              <a:rPr lang="fr-FR" sz="2400" b="1" dirty="0">
                 <a:latin typeface="Carlito" panose="020F0502020204030204" pitchFamily="34" charset="0"/>
               </a:rPr>
               <a:t>120$</a:t>
             </a:r>
             <a:r>
-              <a:rPr lang="fr-FR" sz="3000" dirty="0">
+              <a:rPr lang="fr-FR" sz="2400" dirty="0">
                 <a:latin typeface="Carlito" panose="020F0502020204030204" pitchFamily="34" charset="0"/>
               </a:rPr>
               <a:t>)</a:t>
@@ -10059,25 +10943,25 @@
               <a:buChar char="•"/>
             </a:pPr>
             <a:r>
-              <a:rPr lang="fr-FR" sz="3000" b="1" dirty="0">
+              <a:rPr lang="fr-FR" sz="2400" b="1" dirty="0">
                 <a:latin typeface="Carlito" panose="020F0502020204030204" pitchFamily="34" charset="0"/>
               </a:rPr>
               <a:t>3 400</a:t>
             </a:r>
             <a:r>
-              <a:rPr lang="fr-FR" sz="3000" dirty="0">
+              <a:rPr lang="fr-FR" sz="2400" dirty="0">
                 <a:latin typeface="Carlito" panose="020F0502020204030204" pitchFamily="34" charset="0"/>
               </a:rPr>
               <a:t> employés dans </a:t>
             </a:r>
             <a:r>
-              <a:rPr lang="fr-FR" sz="3000" b="1" dirty="0">
+              <a:rPr lang="fr-FR" sz="2400" b="1" dirty="0">
                 <a:latin typeface="Carlito" panose="020F0502020204030204" pitchFamily="34" charset="0"/>
               </a:rPr>
               <a:t>19</a:t>
             </a:r>
             <a:r>
-              <a:rPr lang="fr-FR" sz="3000" dirty="0">
+              <a:rPr lang="fr-FR" sz="2400" dirty="0">
                 <a:latin typeface="Carlito" panose="020F0502020204030204" pitchFamily="34" charset="0"/>
               </a:rPr>
               <a:t> studios de développement dans le monde </a:t>
@@ -10092,31 +10976,31 @@
               <a:buChar char="•"/>
             </a:pPr>
             <a:r>
-              <a:rPr lang="fr-FR" sz="3000" dirty="0">
+              <a:rPr lang="fr-FR" sz="2400" dirty="0">
                 <a:latin typeface="Carlito" panose="020F0502020204030204" pitchFamily="34" charset="0"/>
               </a:rPr>
               <a:t> Une évolution du chiffre d’affaire à la hausse (plus de </a:t>
             </a:r>
             <a:r>
-              <a:rPr lang="fr-FR" sz="3000" b="1" dirty="0">
+              <a:rPr lang="fr-FR" sz="2400" b="1" dirty="0">
                 <a:latin typeface="Carlito" panose="020F0502020204030204" pitchFamily="34" charset="0"/>
               </a:rPr>
               <a:t>2</a:t>
             </a:r>
             <a:r>
-              <a:rPr lang="fr-FR" sz="3000" dirty="0">
+              <a:rPr lang="fr-FR" sz="2400" dirty="0">
                 <a:latin typeface="Carlito" panose="020F0502020204030204" pitchFamily="34" charset="0"/>
               </a:rPr>
               <a:t> </a:t>
             </a:r>
             <a:r>
-              <a:rPr lang="fr-FR" sz="3000" b="1" dirty="0">
+              <a:rPr lang="fr-FR" sz="2400" b="1" dirty="0">
                 <a:latin typeface="Carlito" panose="020F0502020204030204" pitchFamily="34" charset="0"/>
               </a:rPr>
               <a:t>milliards $ pour 2019</a:t>
             </a:r>
             <a:r>
-              <a:rPr lang="fr-FR" sz="3000" dirty="0">
+              <a:rPr lang="fr-FR" sz="2400" dirty="0">
                 <a:latin typeface="Carlito" panose="020F0502020204030204" pitchFamily="34" charset="0"/>
               </a:rPr>
               <a:t>)</a:t>
@@ -10131,22 +11015,12 @@
               <a:buChar char="•"/>
             </a:pPr>
             <a:r>
-              <a:rPr lang="fr-FR" sz="3000" dirty="0">
+              <a:rPr lang="fr-FR" sz="2400" dirty="0">
                 <a:latin typeface="Carlito" panose="020F0502020204030204" pitchFamily="34" charset="0"/>
               </a:rPr>
               <a:t>Un futur très prometteur </a:t>
             </a:r>
-            <a:endParaRPr lang="fr-FR" sz="3200" dirty="0"/>
-          </a:p>
-          <a:p>
-            <a:pPr marL="457200" indent="-457200">
-              <a:lnSpc>
-                <a:spcPct val="150000"/>
-              </a:lnSpc>
-              <a:buFont typeface="Arial" panose="020B0604020202020204" pitchFamily="34" charset="0"/>
-              <a:buChar char="•"/>
-            </a:pPr>
-            <a:endParaRPr lang="fr-FR" sz="3200" dirty="0"/>
+            <a:endParaRPr lang="fr-FR" sz="2400" dirty="0"/>
           </a:p>
         </p:txBody>
       </p:sp>
@@ -10258,13 +11132,13 @@
   <p:clrMapOvr>
     <a:masterClrMapping/>
   </p:clrMapOvr>
-  <mc:AlternateContent xmlns:mc="http://schemas.openxmlformats.org/markup-compatibility/2006">
-    <mc:Choice xmlns:p14="http://schemas.microsoft.com/office/powerpoint/2010/main" Requires="p14">
+  <mc:AlternateContent xmlns:mc="http://schemas.openxmlformats.org/markup-compatibility/2006" xmlns:p14="http://schemas.microsoft.com/office/powerpoint/2010/main">
+    <mc:Choice Requires="p14">
       <p:transition spd="med" p14:dur="700">
         <p:fade/>
       </p:transition>
     </mc:Choice>
-    <mc:Fallback>
+    <mc:Fallback xmlns="">
       <p:transition spd="med">
         <p:fade/>
       </p:transition>
@@ -10466,8 +11340,8 @@
         </p:nvSpPr>
         <p:spPr>
           <a:xfrm>
-            <a:off x="4631960" y="1901930"/>
-            <a:ext cx="7424561" cy="4892301"/>
+            <a:off x="4315925" y="2469551"/>
+            <a:ext cx="7424561" cy="3359061"/>
           </a:xfrm>
           <a:prstGeom prst="rect">
             <a:avLst/>
@@ -10487,31 +11361,31 @@
               <a:buChar char="•"/>
             </a:pPr>
             <a:r>
-              <a:rPr lang="fr-FR" sz="3000" dirty="0">
+              <a:rPr lang="fr-FR" sz="2400" dirty="0">
                 <a:latin typeface="Carlito" panose="020F0502020204030204" pitchFamily="34" charset="0"/>
               </a:rPr>
               <a:t>Limited </a:t>
             </a:r>
             <a:r>
-              <a:rPr lang="fr-FR" sz="3000" dirty="0" err="1">
+              <a:rPr lang="fr-FR" sz="2400" dirty="0" err="1">
                 <a:latin typeface="Carlito" panose="020F0502020204030204" pitchFamily="34" charset="0"/>
               </a:rPr>
               <a:t>Liability</a:t>
             </a:r>
             <a:r>
-              <a:rPr lang="fr-FR" sz="3000" dirty="0">
+              <a:rPr lang="fr-FR" sz="2400" dirty="0">
                 <a:latin typeface="Carlito" panose="020F0502020204030204" pitchFamily="34" charset="0"/>
               </a:rPr>
               <a:t> </a:t>
             </a:r>
             <a:r>
-              <a:rPr lang="fr-FR" sz="3000" dirty="0" err="1">
+              <a:rPr lang="fr-FR" sz="2400" dirty="0" err="1">
                 <a:latin typeface="Carlito" panose="020F0502020204030204" pitchFamily="34" charset="0"/>
               </a:rPr>
               <a:t>Company</a:t>
             </a:r>
             <a:r>
-              <a:rPr lang="fr-FR" sz="3000" dirty="0">
+              <a:rPr lang="fr-FR" sz="2400" dirty="0">
                 <a:latin typeface="Carlito" panose="020F0502020204030204" pitchFamily="34" charset="0"/>
               </a:rPr>
               <a:t> (LLC)</a:t>
@@ -10526,7 +11400,7 @@
               <a:buChar char="•"/>
             </a:pPr>
             <a:r>
-              <a:rPr lang="fr-FR" sz="3000" dirty="0">
+              <a:rPr lang="fr-FR" sz="2400" dirty="0">
                 <a:latin typeface="Carlito" panose="020F0502020204030204" pitchFamily="34" charset="0"/>
               </a:rPr>
               <a:t>Semblable à une Société À Responsabilité Limitée (SARL) en France</a:t>
@@ -10541,7 +11415,7 @@
               <a:buChar char="•"/>
             </a:pPr>
             <a:r>
-              <a:rPr lang="fr-FR" sz="3000" dirty="0">
+              <a:rPr lang="fr-FR" sz="2400" dirty="0">
                 <a:latin typeface="Carlito" panose="020F0502020204030204" pitchFamily="34" charset="0"/>
               </a:rPr>
               <a:t>Un modèle hybride entre la corporation et le partnership</a:t>
@@ -10556,21 +11430,11 @@
               <a:buChar char="•"/>
             </a:pPr>
             <a:r>
-              <a:rPr lang="fr-FR" sz="3000" dirty="0">
+              <a:rPr lang="fr-FR" sz="2400" dirty="0">
                 <a:latin typeface="Carlito" panose="020F0502020204030204" pitchFamily="34" charset="0"/>
               </a:rPr>
               <a:t>Des avantages et des inconvénients</a:t>
             </a:r>
-          </a:p>
-          <a:p>
-            <a:pPr marL="457200" indent="-457200">
-              <a:lnSpc>
-                <a:spcPct val="150000"/>
-              </a:lnSpc>
-              <a:buFont typeface="Arial" panose="020B0604020202020204" pitchFamily="34" charset="0"/>
-              <a:buChar char="•"/>
-            </a:pPr>
-            <a:endParaRPr lang="fr-FR" sz="3200" dirty="0"/>
           </a:p>
         </p:txBody>
       </p:sp>
@@ -11105,8 +11969,8 @@
         </p:nvSpPr>
         <p:spPr>
           <a:xfrm>
-            <a:off x="3542796" y="1824853"/>
-            <a:ext cx="8513726" cy="4868256"/>
+            <a:off x="3415419" y="2579450"/>
+            <a:ext cx="8513726" cy="3359061"/>
           </a:xfrm>
           <a:prstGeom prst="rect">
             <a:avLst/>
@@ -11127,35 +11991,35 @@
               <a:buChar char="•"/>
             </a:pPr>
             <a:r>
-              <a:rPr lang="fr-FR" sz="3000" b="1" dirty="0">
+              <a:rPr lang="fr-FR" sz="2400" b="1" dirty="0">
                 <a:latin typeface="Carlito" panose="020F0502020204030204" pitchFamily="34" charset="0"/>
                 <a:cs typeface="Carlito" panose="020F0502020204030204" pitchFamily="34" charset="0"/>
               </a:rPr>
               <a:t>Bootstrap</a:t>
             </a:r>
             <a:r>
-              <a:rPr lang="fr-FR" sz="3000" dirty="0">
+              <a:rPr lang="fr-FR" sz="2400" dirty="0">
                 <a:latin typeface="Carlito" panose="020F0502020204030204" pitchFamily="34" charset="0"/>
                 <a:cs typeface="Carlito" panose="020F0502020204030204" pitchFamily="34" charset="0"/>
               </a:rPr>
               <a:t> utilisé pour sa </a:t>
             </a:r>
             <a:r>
-              <a:rPr lang="fr-FR" sz="3000" b="1" dirty="0">
+              <a:rPr lang="fr-FR" sz="2400" b="1" dirty="0">
                 <a:latin typeface="Carlito" panose="020F0502020204030204" pitchFamily="34" charset="0"/>
                 <a:cs typeface="Carlito" panose="020F0502020204030204" pitchFamily="34" charset="0"/>
               </a:rPr>
               <a:t>simplicité</a:t>
             </a:r>
             <a:r>
-              <a:rPr lang="fr-FR" sz="3000" dirty="0">
+              <a:rPr lang="fr-FR" sz="2400" dirty="0">
                 <a:latin typeface="Carlito" panose="020F0502020204030204" pitchFamily="34" charset="0"/>
                 <a:cs typeface="Carlito" panose="020F0502020204030204" pitchFamily="34" charset="0"/>
               </a:rPr>
               <a:t> et sa fonctionnalité </a:t>
             </a:r>
             <a:r>
-              <a:rPr lang="fr-FR" sz="3000" b="1" dirty="0">
+              <a:rPr lang="fr-FR" sz="2400" b="1" dirty="0">
                 <a:latin typeface="Carlito" panose="020F0502020204030204" pitchFamily="34" charset="0"/>
                 <a:cs typeface="Carlito" panose="020F0502020204030204" pitchFamily="34" charset="0"/>
               </a:rPr>
@@ -11171,21 +12035,21 @@
               <a:buChar char="•"/>
             </a:pPr>
             <a:r>
-              <a:rPr lang="fr-FR" sz="3000" dirty="0">
+              <a:rPr lang="fr-FR" sz="2400" dirty="0">
                 <a:latin typeface="Carlito" panose="020F0502020204030204" pitchFamily="34" charset="0"/>
                 <a:cs typeface="Carlito" panose="020F0502020204030204" pitchFamily="34" charset="0"/>
               </a:rPr>
               <a:t>Utilisation de </a:t>
             </a:r>
             <a:r>
-              <a:rPr lang="fr-FR" sz="3000" b="1" dirty="0">
+              <a:rPr lang="fr-FR" sz="2400" b="1" dirty="0">
                 <a:latin typeface="Carlito" panose="020F0502020204030204" pitchFamily="34" charset="0"/>
                 <a:cs typeface="Carlito" panose="020F0502020204030204" pitchFamily="34" charset="0"/>
               </a:rPr>
               <a:t>PHPMailer</a:t>
             </a:r>
             <a:r>
-              <a:rPr lang="fr-FR" sz="3000" dirty="0">
+              <a:rPr lang="fr-FR" sz="2400" dirty="0">
                 <a:latin typeface="Carlito" panose="020F0502020204030204" pitchFamily="34" charset="0"/>
                 <a:cs typeface="Carlito" panose="020F0502020204030204" pitchFamily="34" charset="0"/>
               </a:rPr>
@@ -11201,7 +12065,7 @@
               <a:buChar char="•"/>
             </a:pPr>
             <a:r>
-              <a:rPr lang="fr-FR" sz="3000" b="1" dirty="0">
+              <a:rPr lang="fr-FR" sz="2400" b="1" dirty="0">
                 <a:latin typeface="Carlito" panose="020F0502020204030204" pitchFamily="34" charset="0"/>
                 <a:cs typeface="Carlito" panose="020F0502020204030204" pitchFamily="34" charset="0"/>
                 <a:sym typeface="Wingdings" panose="05000000000000000000" pitchFamily="2" charset="2"/>
@@ -11209,7 +12073,7 @@
               <a:t>Flèche</a:t>
             </a:r>
             <a:r>
-              <a:rPr lang="fr-FR" sz="3000" dirty="0">
+              <a:rPr lang="fr-FR" sz="2400" dirty="0">
                 <a:latin typeface="Carlito" panose="020F0502020204030204" pitchFamily="34" charset="0"/>
                 <a:cs typeface="Carlito" panose="020F0502020204030204" pitchFamily="34" charset="0"/>
                 <a:sym typeface="Wingdings" panose="05000000000000000000" pitchFamily="2" charset="2"/>
@@ -11226,7 +12090,7 @@
               <a:buChar char="•"/>
             </a:pPr>
             <a:r>
-              <a:rPr lang="fr-FR" sz="3000" b="1" dirty="0">
+              <a:rPr lang="fr-FR" sz="2400" b="1" dirty="0">
                 <a:latin typeface="Carlito" panose="020F0502020204030204" pitchFamily="34" charset="0"/>
                 <a:cs typeface="Carlito" panose="020F0502020204030204" pitchFamily="34" charset="0"/>
                 <a:sym typeface="Wingdings" panose="05000000000000000000" pitchFamily="2" charset="2"/>
@@ -11234,7 +12098,7 @@
               <a:t>Scripts PHP</a:t>
             </a:r>
             <a:r>
-              <a:rPr lang="fr-FR" sz="3000" dirty="0">
+              <a:rPr lang="fr-FR" sz="2400" dirty="0">
                 <a:latin typeface="Carlito" panose="020F0502020204030204" pitchFamily="34" charset="0"/>
                 <a:cs typeface="Carlito" panose="020F0502020204030204" pitchFamily="34" charset="0"/>
                 <a:sym typeface="Wingdings" panose="05000000000000000000" pitchFamily="2" charset="2"/>
@@ -11242,7 +12106,7 @@
               <a:t> pour pop-up’s ainsi que </a:t>
             </a:r>
             <a:r>
-              <a:rPr lang="fr-FR" sz="3000" b="1" dirty="0">
+              <a:rPr lang="fr-FR" sz="2400" b="1" dirty="0">
                 <a:latin typeface="Carlito" panose="020F0502020204030204" pitchFamily="34" charset="0"/>
                 <a:cs typeface="Carlito" panose="020F0502020204030204" pitchFamily="34" charset="0"/>
                 <a:sym typeface="Wingdings" panose="05000000000000000000" pitchFamily="2" charset="2"/>
@@ -11250,7 +12114,7 @@
               <a:t>JQuery</a:t>
             </a:r>
             <a:r>
-              <a:rPr lang="fr-FR" sz="3000" dirty="0">
+              <a:rPr lang="fr-FR" sz="2400" dirty="0">
                 <a:latin typeface="Carlito" panose="020F0502020204030204" pitchFamily="34" charset="0"/>
                 <a:cs typeface="Carlito" panose="020F0502020204030204" pitchFamily="34" charset="0"/>
                 <a:sym typeface="Wingdings" panose="05000000000000000000" pitchFamily="2" charset="2"/>

--- a/Documents/Soutenance.pptx
+++ b/Documents/Soutenance.pptx
@@ -6585,6 +6585,9 @@
   <p:clrMapOvr>
     <a:masterClrMapping/>
   </p:clrMapOvr>
+  <p:transition spd="slow">
+    <p:push/>
+  </p:transition>
 </p:sld>
 </file>
 
@@ -7097,6 +7100,9 @@
   <p:clrMapOvr>
     <a:masterClrMapping/>
   </p:clrMapOvr>
+  <p:transition spd="slow">
+    <p:push/>
+  </p:transition>
 </p:sld>
 </file>
 
@@ -7557,6 +7563,9 @@
   <p:clrMapOvr>
     <a:masterClrMapping/>
   </p:clrMapOvr>
+  <p:transition spd="slow">
+    <p:push/>
+  </p:transition>
 </p:sld>
 </file>
 
@@ -8009,6 +8018,9 @@
   <p:clrMapOvr>
     <a:masterClrMapping/>
   </p:clrMapOvr>
+  <p:transition spd="slow">
+    <p:push/>
+  </p:transition>
 </p:sld>
 </file>
 
@@ -8139,6 +8151,9 @@
   <p:clrMapOvr>
     <a:masterClrMapping/>
   </p:clrMapOvr>
+  <p:transition spd="slow">
+    <p:push dir="u"/>
+  </p:transition>
 </p:sld>
 </file>
 
@@ -8438,6 +8453,18 @@
   <p:clrMapOvr>
     <a:masterClrMapping/>
   </p:clrMapOvr>
+  <mc:AlternateContent xmlns:mc="http://schemas.openxmlformats.org/markup-compatibility/2006">
+    <mc:Choice xmlns:p14="http://schemas.microsoft.com/office/powerpoint/2010/main" Requires="p14">
+      <p:transition spd="slow" p14:dur="800">
+        <p14:flythrough/>
+      </p:transition>
+    </mc:Choice>
+    <mc:Fallback>
+      <p:transition spd="slow">
+        <p:fade/>
+      </p:transition>
+    </mc:Fallback>
+  </mc:AlternateContent>
 </p:sld>
 </file>
 
@@ -9031,6 +9058,9 @@
   <p:clrMapOvr>
     <a:masterClrMapping/>
   </p:clrMapOvr>
+  <p:transition spd="slow">
+    <p:push/>
+  </p:transition>
 </p:sld>
 </file>
 
@@ -9378,6 +9408,9 @@
   <p:clrMapOvr>
     <a:masterClrMapping/>
   </p:clrMapOvr>
+  <p:transition spd="slow">
+    <p:push/>
+  </p:transition>
 </p:sld>
 </file>
 
@@ -9507,6 +9540,9 @@
   <p:clrMapOvr>
     <a:masterClrMapping/>
   </p:clrMapOvr>
+  <p:transition spd="slow">
+    <p:push dir="u"/>
+  </p:transition>
 </p:sld>
 </file>
 
@@ -11132,14 +11168,14 @@
   <p:clrMapOvr>
     <a:masterClrMapping/>
   </p:clrMapOvr>
-  <mc:AlternateContent xmlns:mc="http://schemas.openxmlformats.org/markup-compatibility/2006" xmlns:p14="http://schemas.microsoft.com/office/powerpoint/2010/main">
-    <mc:Choice Requires="p14">
-      <p:transition spd="med" p14:dur="700">
-        <p:fade/>
+  <mc:AlternateContent xmlns:mc="http://schemas.openxmlformats.org/markup-compatibility/2006">
+    <mc:Choice xmlns:p14="http://schemas.microsoft.com/office/powerpoint/2010/main" Requires="p14">
+      <p:transition spd="slow" p14:dur="800">
+        <p14:flythrough/>
       </p:transition>
     </mc:Choice>
-    <mc:Fallback xmlns="">
-      <p:transition spd="med">
+    <mc:Fallback>
+      <p:transition spd="slow">
         <p:fade/>
       </p:transition>
     </mc:Fallback>
@@ -12202,6 +12238,18 @@
   <p:clrMapOvr>
     <a:masterClrMapping/>
   </p:clrMapOvr>
+  <mc:AlternateContent xmlns:mc="http://schemas.openxmlformats.org/markup-compatibility/2006">
+    <mc:Choice xmlns:p14="http://schemas.microsoft.com/office/powerpoint/2010/main" Requires="p14">
+      <p:transition spd="slow" p14:dur="800">
+        <p14:flythrough/>
+      </p:transition>
+    </mc:Choice>
+    <mc:Fallback>
+      <p:transition spd="slow">
+        <p:fade/>
+      </p:transition>
+    </mc:Fallback>
+  </mc:AlternateContent>
 </p:sld>
 </file>
 

--- a/Documents/Soutenance.pptx
+++ b/Documents/Soutenance.pptx
@@ -755,7 +755,7 @@
           <a:effectLst/>
           <a:extLst>
             <a:ext uri="{91240B29-F687-4f45-9708-019B960494DF}">
-              <a14:hiddenLine xmlns="" xmlns:a14="http://schemas.microsoft.com/office/drawing/2010/main" w="9525">
+              <a14:hiddenLine xmlns:a14="http://schemas.microsoft.com/office/drawing/2010/main" xmlns="" w="9525">
                 <a:solidFill>
                   <a:srgbClr val="000000"/>
                 </a:solidFill>
@@ -2261,7 +2261,7 @@
           <a:ln/>
           <a:extLst>
             <a:ext uri="{91240B29-F687-4f45-9708-019B960494DF}">
-              <a14:hiddenLine xmlns="" xmlns:a14="http://schemas.microsoft.com/office/drawing/2010/main" w="9525">
+              <a14:hiddenLine xmlns:a14="http://schemas.microsoft.com/office/drawing/2010/main" xmlns="" w="9525">
                 <a:solidFill>
                   <a:srgbClr val="000000"/>
                 </a:solidFill>
@@ -2532,7 +2532,7 @@
           <a:ln/>
           <a:extLst>
             <a:ext uri="{91240B29-F687-4f45-9708-019B960494DF}">
-              <a14:hiddenLine xmlns="" xmlns:a14="http://schemas.microsoft.com/office/drawing/2010/main" w="9525">
+              <a14:hiddenLine xmlns:a14="http://schemas.microsoft.com/office/drawing/2010/main" xmlns="" w="9525">
                 <a:solidFill>
                   <a:srgbClr val="000000"/>
                 </a:solidFill>
@@ -2811,7 +2811,7 @@
           <a:ln/>
           <a:extLst>
             <a:ext uri="{91240B29-F687-4f45-9708-019B960494DF}">
-              <a14:hiddenLine xmlns="" xmlns:a14="http://schemas.microsoft.com/office/drawing/2010/main" w="9525">
+              <a14:hiddenLine xmlns:a14="http://schemas.microsoft.com/office/drawing/2010/main" xmlns="" w="9525">
                 <a:solidFill>
                   <a:srgbClr val="000000"/>
                 </a:solidFill>
@@ -3429,7 +3429,7 @@
           <a:ln/>
           <a:extLst>
             <a:ext uri="{91240B29-F687-4f45-9708-019B960494DF}">
-              <a14:hiddenLine xmlns="" xmlns:a14="http://schemas.microsoft.com/office/drawing/2010/main" w="9525">
+              <a14:hiddenLine xmlns:a14="http://schemas.microsoft.com/office/drawing/2010/main" xmlns="" w="9525">
                 <a:solidFill>
                   <a:srgbClr val="000000"/>
                 </a:solidFill>
@@ -3764,7 +3764,7 @@
           <a:ln/>
           <a:extLst>
             <a:ext uri="{91240B29-F687-4f45-9708-019B960494DF}">
-              <a14:hiddenLine xmlns="" xmlns:a14="http://schemas.microsoft.com/office/drawing/2010/main" w="9525">
+              <a14:hiddenLine xmlns:a14="http://schemas.microsoft.com/office/drawing/2010/main" xmlns="" w="9525">
                 <a:solidFill>
                   <a:srgbClr val="000000"/>
                 </a:solidFill>
@@ -4237,7 +4237,7 @@
           <a:ln/>
           <a:extLst>
             <a:ext uri="{91240B29-F687-4f45-9708-019B960494DF}">
-              <a14:hiddenLine xmlns="" xmlns:a14="http://schemas.microsoft.com/office/drawing/2010/main" w="9525">
+              <a14:hiddenLine xmlns:a14="http://schemas.microsoft.com/office/drawing/2010/main" xmlns="" w="9525">
                 <a:solidFill>
                   <a:srgbClr val="000000"/>
                 </a:solidFill>
@@ -4658,7 +4658,7 @@
           <a:ln/>
           <a:extLst>
             <a:ext uri="{91240B29-F687-4f45-9708-019B960494DF}">
-              <a14:hiddenLine xmlns="" xmlns:a14="http://schemas.microsoft.com/office/drawing/2010/main" w="9525">
+              <a14:hiddenLine xmlns:a14="http://schemas.microsoft.com/office/drawing/2010/main" xmlns="" w="9525">
                 <a:solidFill>
                   <a:srgbClr val="000000"/>
                 </a:solidFill>
@@ -8176,56 +8176,6 @@
       </p:grpSpPr>
       <p:sp>
         <p:nvSpPr>
-          <p:cNvPr id="4" name="Espace réservé du contenu 3">
-            <a:extLst>
-              <a:ext uri="{FF2B5EF4-FFF2-40B4-BE49-F238E27FC236}">
-                <a16:creationId xmlns:a16="http://schemas.microsoft.com/office/drawing/2014/main" id="{E2B773CF-B3AC-419B-B9CC-21A225F190A4}"/>
-              </a:ext>
-            </a:extLst>
-          </p:cNvPr>
-          <p:cNvSpPr>
-            <a:spLocks noGrp="1"/>
-          </p:cNvSpPr>
-          <p:nvPr>
-            <p:ph idx="1"/>
-          </p:nvPr>
-        </p:nvSpPr>
-        <p:spPr/>
-        <p:txBody>
-          <a:bodyPr>
-            <a:normAutofit/>
-          </a:bodyPr>
-          <a:lstStyle/>
-          <a:p>
-            <a:pPr>
-              <a:buFont typeface="Arial" panose="020B0604020202020204" pitchFamily="34" charset="0"/>
-              <a:buChar char="•"/>
-            </a:pPr>
-            <a:r>
-              <a:rPr lang="fr-FR" sz="2400" dirty="0">
-                <a:latin typeface="Carlito" panose="020F0502020204030204" pitchFamily="34" charset="0"/>
-                <a:cs typeface="Carlito" panose="020F0502020204030204" pitchFamily="34" charset="0"/>
-              </a:rPr>
-              <a:t>Beaucoup d’entraide</a:t>
-            </a:r>
-          </a:p>
-          <a:p>
-            <a:pPr>
-              <a:buFont typeface="Arial" panose="020B0604020202020204" pitchFamily="34" charset="0"/>
-              <a:buChar char="•"/>
-            </a:pPr>
-            <a:r>
-              <a:rPr lang="fr-FR" sz="2400" dirty="0">
-                <a:latin typeface="Carlito" panose="020F0502020204030204" pitchFamily="34" charset="0"/>
-                <a:cs typeface="Carlito" panose="020F0502020204030204" pitchFamily="34" charset="0"/>
-              </a:rPr>
-              <a:t>Plan de travail en début de semaine</a:t>
-            </a:r>
-          </a:p>
-        </p:txBody>
-      </p:sp>
-      <p:sp>
-        <p:nvSpPr>
           <p:cNvPr id="2" name="Espace réservé du numéro de diapositive 1">
             <a:extLst>
               <a:ext uri="{FF2B5EF4-FFF2-40B4-BE49-F238E27FC236}">
@@ -8443,6 +8393,102 @@
           </a:p>
         </p:txBody>
       </p:sp>
+      <p:sp>
+        <p:nvSpPr>
+          <p:cNvPr id="9" name="ZoneTexte 8">
+            <a:extLst>
+              <a:ext uri="{FF2B5EF4-FFF2-40B4-BE49-F238E27FC236}">
+                <a16:creationId xmlns:a16="http://schemas.microsoft.com/office/drawing/2014/main" id="{5CC65C1E-2C80-4AB0-ADA9-1DE8F80983F7}"/>
+              </a:ext>
+            </a:extLst>
+          </p:cNvPr>
+          <p:cNvSpPr txBox="1"/>
+          <p:nvPr/>
+        </p:nvSpPr>
+        <p:spPr>
+          <a:xfrm>
+            <a:off x="629636" y="3429000"/>
+            <a:ext cx="5466364" cy="1697068"/>
+          </a:xfrm>
+          <a:prstGeom prst="rect">
+            <a:avLst/>
+          </a:prstGeom>
+          <a:noFill/>
+        </p:spPr>
+        <p:txBody>
+          <a:bodyPr wrap="square" rtlCol="0">
+            <a:spAutoFit/>
+          </a:bodyPr>
+          <a:lstStyle/>
+          <a:p>
+            <a:pPr marL="285750" indent="-285750" algn="just">
+              <a:lnSpc>
+                <a:spcPct val="150000"/>
+              </a:lnSpc>
+              <a:buFont typeface="Arial" panose="020B0604020202020204" pitchFamily="34" charset="0"/>
+              <a:buChar char="•"/>
+            </a:pPr>
+            <a:r>
+              <a:rPr lang="fr-FR" sz="2400" b="1" dirty="0">
+                <a:latin typeface="Carlito" panose="020F0502020204030204" pitchFamily="34" charset="0"/>
+                <a:cs typeface="Carlito" panose="020F0502020204030204" pitchFamily="34" charset="0"/>
+                <a:sym typeface="Wingdings" panose="05000000000000000000" pitchFamily="2" charset="2"/>
+              </a:rPr>
+              <a:t>Beaucoup d’entraide</a:t>
+            </a:r>
+          </a:p>
+          <a:p>
+            <a:pPr marL="285750" indent="-285750" algn="just">
+              <a:lnSpc>
+                <a:spcPct val="150000"/>
+              </a:lnSpc>
+              <a:buFont typeface="Arial" panose="020B0604020202020204" pitchFamily="34" charset="0"/>
+              <a:buChar char="•"/>
+            </a:pPr>
+            <a:r>
+              <a:rPr lang="fr-FR" sz="2400" dirty="0">
+                <a:latin typeface="Carlito" panose="020F0502020204030204" pitchFamily="34" charset="0"/>
+                <a:cs typeface="Carlito" panose="020F0502020204030204" pitchFamily="34" charset="0"/>
+                <a:sym typeface="Wingdings" panose="05000000000000000000" pitchFamily="2" charset="2"/>
+              </a:rPr>
+              <a:t>Plan de travail en </a:t>
+            </a:r>
+            <a:r>
+              <a:rPr lang="fr-FR" sz="2400" b="1" dirty="0">
+                <a:latin typeface="Carlito" panose="020F0502020204030204" pitchFamily="34" charset="0"/>
+                <a:cs typeface="Carlito" panose="020F0502020204030204" pitchFamily="34" charset="0"/>
+                <a:sym typeface="Wingdings" panose="05000000000000000000" pitchFamily="2" charset="2"/>
+              </a:rPr>
+              <a:t>début de semaine</a:t>
+            </a:r>
+          </a:p>
+          <a:p>
+            <a:pPr marL="285750" indent="-285750" algn="just">
+              <a:lnSpc>
+                <a:spcPct val="150000"/>
+              </a:lnSpc>
+              <a:buFont typeface="Arial" panose="020B0604020202020204" pitchFamily="34" charset="0"/>
+              <a:buChar char="•"/>
+            </a:pPr>
+            <a:r>
+              <a:rPr lang="fr-FR" sz="2400" dirty="0">
+                <a:latin typeface="Carlito" panose="020F0502020204030204" pitchFamily="34" charset="0"/>
+                <a:cs typeface="Carlito" panose="020F0502020204030204" pitchFamily="34" charset="0"/>
+                <a:sym typeface="Wingdings" panose="05000000000000000000" pitchFamily="2" charset="2"/>
+              </a:rPr>
+              <a:t>Une entente </a:t>
+            </a:r>
+            <a:r>
+              <a:rPr lang="fr-FR" sz="2400" b="1" dirty="0">
+                <a:latin typeface="Carlito" panose="020F0502020204030204" pitchFamily="34" charset="0"/>
+                <a:cs typeface="Carlito" panose="020F0502020204030204" pitchFamily="34" charset="0"/>
+                <a:sym typeface="Wingdings" panose="05000000000000000000" pitchFamily="2" charset="2"/>
+              </a:rPr>
+              <a:t>parfaite</a:t>
+            </a:r>
+          </a:p>
+        </p:txBody>
+      </p:sp>
     </p:spTree>
     <p:extLst>
       <p:ext uri="{BB962C8B-B14F-4D97-AF65-F5344CB8AC3E}">
@@ -8453,13 +8499,13 @@
   <p:clrMapOvr>
     <a:masterClrMapping/>
   </p:clrMapOvr>
-  <mc:AlternateContent xmlns:mc="http://schemas.openxmlformats.org/markup-compatibility/2006">
-    <mc:Choice xmlns:p14="http://schemas.microsoft.com/office/powerpoint/2010/main" Requires="p14">
+  <mc:AlternateContent xmlns:mc="http://schemas.openxmlformats.org/markup-compatibility/2006" xmlns:p14="http://schemas.microsoft.com/office/powerpoint/2010/main">
+    <mc:Choice Requires="p14">
       <p:transition spd="slow" p14:dur="800">
         <p14:flythrough/>
       </p:transition>
     </mc:Choice>
-    <mc:Fallback>
+    <mc:Fallback xmlns="">
       <p:transition spd="slow">
         <p:fade/>
       </p:transition>
@@ -8726,12 +8772,33 @@
         </p:blipFill>
         <p:spPr>
           <a:xfrm>
-            <a:off x="268357" y="2224724"/>
+            <a:off x="268357" y="2228569"/>
             <a:ext cx="8002656" cy="2174270"/>
           </a:xfrm>
           <a:prstGeom prst="rect">
             <a:avLst/>
           </a:prstGeom>
+          <a:ln>
+            <a:noFill/>
+          </a:ln>
+          <a:effectLst>
+            <a:outerShdw blurRad="149987" dist="250190" dir="8460000" algn="ctr">
+              <a:srgbClr val="000000">
+                <a:alpha val="28000"/>
+              </a:srgbClr>
+            </a:outerShdw>
+          </a:effectLst>
+          <a:scene3d>
+            <a:camera prst="orthographicFront">
+              <a:rot lat="0" lon="0" rev="0"/>
+            </a:camera>
+            <a:lightRig rig="contrasting" dir="t">
+              <a:rot lat="0" lon="0" rev="1500000"/>
+            </a:lightRig>
+          </a:scene3d>
+          <a:sp3d prstMaterial="metal">
+            <a:bevelT w="88900" h="88900"/>
+          </a:sp3d>
         </p:spPr>
       </p:pic>
       <p:pic>
@@ -8762,6 +8829,27 @@
           <a:prstGeom prst="rect">
             <a:avLst/>
           </a:prstGeom>
+          <a:ln>
+            <a:noFill/>
+          </a:ln>
+          <a:effectLst>
+            <a:outerShdw blurRad="149987" dist="250190" dir="8460000" algn="ctr">
+              <a:srgbClr val="000000">
+                <a:alpha val="28000"/>
+              </a:srgbClr>
+            </a:outerShdw>
+          </a:effectLst>
+          <a:scene3d>
+            <a:camera prst="orthographicFront">
+              <a:rot lat="0" lon="0" rev="0"/>
+            </a:camera>
+            <a:lightRig rig="contrasting" dir="t">
+              <a:rot lat="0" lon="0" rev="1500000"/>
+            </a:lightRig>
+          </a:scene3d>
+          <a:sp3d prstMaterial="metal">
+            <a:bevelT w="88900" h="88900"/>
+          </a:sp3d>
         </p:spPr>
       </p:pic>
       <p:sp>
@@ -8986,7 +9074,7 @@
         </p:nvSpPr>
         <p:spPr>
           <a:xfrm>
-            <a:off x="8494048" y="3127193"/>
+            <a:off x="9110563" y="3084871"/>
             <a:ext cx="1449436" cy="461665"/>
           </a:xfrm>
           <a:prstGeom prst="rect">
@@ -9024,7 +9112,7 @@
         </p:nvSpPr>
         <p:spPr>
           <a:xfrm>
-            <a:off x="2623930" y="5542649"/>
+            <a:off x="2285999" y="5311816"/>
             <a:ext cx="1119383" cy="461665"/>
           </a:xfrm>
           <a:prstGeom prst="rect">
@@ -9081,69 +9169,6 @@
           <a:chExt cx="0" cy="0"/>
         </a:xfrm>
       </p:grpSpPr>
-      <p:sp>
-        <p:nvSpPr>
-          <p:cNvPr id="4" name="Espace réservé du contenu 3">
-            <a:extLst>
-              <a:ext uri="{FF2B5EF4-FFF2-40B4-BE49-F238E27FC236}">
-                <a16:creationId xmlns:a16="http://schemas.microsoft.com/office/drawing/2014/main" id="{E2B773CF-B3AC-419B-B9CC-21A225F190A4}"/>
-              </a:ext>
-            </a:extLst>
-          </p:cNvPr>
-          <p:cNvSpPr>
-            <a:spLocks noGrp="1"/>
-          </p:cNvSpPr>
-          <p:nvPr>
-            <p:ph idx="1"/>
-          </p:nvPr>
-        </p:nvSpPr>
-        <p:spPr/>
-        <p:txBody>
-          <a:bodyPr>
-            <a:normAutofit/>
-          </a:bodyPr>
-          <a:lstStyle/>
-          <a:p>
-            <a:pPr>
-              <a:buFont typeface="Arial" panose="020B0604020202020204" pitchFamily="34" charset="0"/>
-              <a:buChar char="•"/>
-            </a:pPr>
-            <a:r>
-              <a:rPr lang="fr-FR" sz="2400" dirty="0">
-                <a:latin typeface="Carlito" panose="020F0502020204030204" pitchFamily="34" charset="0"/>
-                <a:cs typeface="Carlito" panose="020F0502020204030204" pitchFamily="34" charset="0"/>
-              </a:rPr>
-              <a:t>Communication via Discord</a:t>
-            </a:r>
-          </a:p>
-          <a:p>
-            <a:pPr>
-              <a:buFont typeface="Arial" panose="020B0604020202020204" pitchFamily="34" charset="0"/>
-              <a:buChar char="•"/>
-            </a:pPr>
-            <a:r>
-              <a:rPr lang="fr-FR" sz="2400" dirty="0">
-                <a:latin typeface="Carlito" panose="020F0502020204030204" pitchFamily="34" charset="0"/>
-                <a:cs typeface="Carlito" panose="020F0502020204030204" pitchFamily="34" charset="0"/>
-              </a:rPr>
-              <a:t>Partage des fichiers via GitHub</a:t>
-            </a:r>
-          </a:p>
-          <a:p>
-            <a:pPr>
-              <a:buFont typeface="Arial" panose="020B0604020202020204" pitchFamily="34" charset="0"/>
-              <a:buChar char="•"/>
-            </a:pPr>
-            <a:r>
-              <a:rPr lang="fr-FR" sz="2400" dirty="0">
-                <a:latin typeface="Carlito" panose="020F0502020204030204" pitchFamily="34" charset="0"/>
-                <a:cs typeface="Carlito" panose="020F0502020204030204" pitchFamily="34" charset="0"/>
-              </a:rPr>
-              <a:t>Travail à la Bibliothèque Universitaire</a:t>
-            </a:r>
-          </a:p>
-        </p:txBody>
-      </p:sp>
       <p:sp>
         <p:nvSpPr>
           <p:cNvPr id="2" name="Espace réservé du numéro de diapositive 1">
@@ -9385,19 +9410,136 @@
         </p:blipFill>
         <p:spPr>
           <a:xfrm>
-            <a:off x="8741066" y="2354804"/>
-            <a:ext cx="2349875" cy="1332613"/>
+            <a:off x="7793092" y="3073576"/>
+            <a:ext cx="3539214" cy="2007087"/>
           </a:xfrm>
           <a:prstGeom prst="rect">
             <a:avLst/>
           </a:prstGeom>
           <a:ln w="19050">
-            <a:solidFill>
-              <a:schemeClr val="tx1"/>
-            </a:solidFill>
+            <a:noFill/>
           </a:ln>
+          <a:effectLst>
+            <a:outerShdw blurRad="149987" dist="250190" dir="8460000" algn="ctr">
+              <a:srgbClr val="000000">
+                <a:alpha val="28000"/>
+              </a:srgbClr>
+            </a:outerShdw>
+          </a:effectLst>
+          <a:scene3d>
+            <a:camera prst="orthographicFront">
+              <a:rot lat="0" lon="0" rev="0"/>
+            </a:camera>
+            <a:lightRig rig="contrasting" dir="t">
+              <a:rot lat="0" lon="0" rev="1500000"/>
+            </a:lightRig>
+          </a:scene3d>
+          <a:sp3d prstMaterial="metal">
+            <a:bevelT w="88900" h="88900"/>
+          </a:sp3d>
         </p:spPr>
       </p:pic>
+      <p:sp>
+        <p:nvSpPr>
+          <p:cNvPr id="7" name="ZoneTexte 6">
+            <a:extLst>
+              <a:ext uri="{FF2B5EF4-FFF2-40B4-BE49-F238E27FC236}">
+                <a16:creationId xmlns:a16="http://schemas.microsoft.com/office/drawing/2014/main" id="{7B4CAE76-2EB4-4249-990B-FE9BDF089299}"/>
+              </a:ext>
+            </a:extLst>
+          </p:cNvPr>
+          <p:cNvSpPr txBox="1"/>
+          <p:nvPr/>
+        </p:nvSpPr>
+        <p:spPr>
+          <a:xfrm>
+            <a:off x="670851" y="2951588"/>
+            <a:ext cx="5466364" cy="2251065"/>
+          </a:xfrm>
+          <a:prstGeom prst="rect">
+            <a:avLst/>
+          </a:prstGeom>
+          <a:noFill/>
+        </p:spPr>
+        <p:txBody>
+          <a:bodyPr wrap="square" rtlCol="0">
+            <a:spAutoFit/>
+          </a:bodyPr>
+          <a:lstStyle/>
+          <a:p>
+            <a:pPr marL="285750" indent="-285750" algn="just">
+              <a:lnSpc>
+                <a:spcPct val="150000"/>
+              </a:lnSpc>
+              <a:buFont typeface="Arial" panose="020B0604020202020204" pitchFamily="34" charset="0"/>
+              <a:buChar char="•"/>
+            </a:pPr>
+            <a:r>
+              <a:rPr lang="fr-FR" sz="2400" b="1" dirty="0">
+                <a:latin typeface="Carlito" panose="020F0502020204030204" pitchFamily="34" charset="0"/>
+                <a:cs typeface="Carlito" panose="020F0502020204030204" pitchFamily="34" charset="0"/>
+                <a:sym typeface="Wingdings" panose="05000000000000000000" pitchFamily="2" charset="2"/>
+              </a:rPr>
+              <a:t>Communication via Discord</a:t>
+            </a:r>
+          </a:p>
+          <a:p>
+            <a:pPr marL="285750" indent="-285750" algn="just">
+              <a:lnSpc>
+                <a:spcPct val="150000"/>
+              </a:lnSpc>
+              <a:buFont typeface="Arial" panose="020B0604020202020204" pitchFamily="34" charset="0"/>
+              <a:buChar char="•"/>
+            </a:pPr>
+            <a:r>
+              <a:rPr lang="fr-FR" sz="2400" dirty="0">
+                <a:latin typeface="Carlito" panose="020F0502020204030204" pitchFamily="34" charset="0"/>
+                <a:cs typeface="Carlito" panose="020F0502020204030204" pitchFamily="34" charset="0"/>
+                <a:sym typeface="Wingdings" panose="05000000000000000000" pitchFamily="2" charset="2"/>
+              </a:rPr>
+              <a:t>Partage des fichiers via GitHub</a:t>
+            </a:r>
+          </a:p>
+          <a:p>
+            <a:pPr marL="285750" indent="-285750" algn="just">
+              <a:lnSpc>
+                <a:spcPct val="150000"/>
+              </a:lnSpc>
+              <a:buFont typeface="Arial" panose="020B0604020202020204" pitchFamily="34" charset="0"/>
+              <a:buChar char="•"/>
+            </a:pPr>
+            <a:r>
+              <a:rPr lang="fr-FR" sz="2400" dirty="0">
+                <a:latin typeface="Carlito" panose="020F0502020204030204" pitchFamily="34" charset="0"/>
+                <a:cs typeface="Carlito" panose="020F0502020204030204" pitchFamily="34" charset="0"/>
+                <a:sym typeface="Wingdings" panose="05000000000000000000" pitchFamily="2" charset="2"/>
+              </a:rPr>
+              <a:t>Travail à la </a:t>
+            </a:r>
+            <a:r>
+              <a:rPr lang="fr-FR" sz="2400" b="1" dirty="0">
+                <a:latin typeface="Carlito" panose="020F0502020204030204" pitchFamily="34" charset="0"/>
+                <a:cs typeface="Carlito" panose="020F0502020204030204" pitchFamily="34" charset="0"/>
+                <a:sym typeface="Wingdings" panose="05000000000000000000" pitchFamily="2" charset="2"/>
+              </a:rPr>
+              <a:t>bibliothèque universitaire</a:t>
+            </a:r>
+            <a:r>
+              <a:rPr lang="fr-FR" sz="2400" dirty="0">
+                <a:latin typeface="Carlito" panose="020F0502020204030204" pitchFamily="34" charset="0"/>
+                <a:cs typeface="Carlito" panose="020F0502020204030204" pitchFamily="34" charset="0"/>
+                <a:sym typeface="Wingdings" panose="05000000000000000000" pitchFamily="2" charset="2"/>
+              </a:rPr>
+              <a:t> de Belfort</a:t>
+            </a:r>
+            <a:endParaRPr lang="fr-FR" sz="2400" b="1" dirty="0">
+              <a:latin typeface="Carlito" panose="020F0502020204030204" pitchFamily="34" charset="0"/>
+              <a:cs typeface="Carlito" panose="020F0502020204030204" pitchFamily="34" charset="0"/>
+              <a:sym typeface="Wingdings" panose="05000000000000000000" pitchFamily="2" charset="2"/>
+            </a:endParaRPr>
+          </a:p>
+        </p:txBody>
+      </p:sp>
     </p:spTree>
     <p:extLst>
       <p:ext uri="{BB962C8B-B14F-4D97-AF65-F5344CB8AC3E}">
@@ -10955,7 +11097,19 @@
               <a:rPr lang="fr-FR" sz="2400" dirty="0">
                 <a:latin typeface="Carlito" panose="020F0502020204030204" pitchFamily="34" charset="0"/>
               </a:rPr>
-              <a:t> Côté à la bourse de New York (</a:t>
+              <a:t>Côté à la bourse de </a:t>
+            </a:r>
+            <a:r>
+              <a:rPr lang="fr-FR" sz="2400" b="1" dirty="0">
+                <a:latin typeface="Carlito" panose="020F0502020204030204" pitchFamily="34" charset="0"/>
+              </a:rPr>
+              <a:t>New York</a:t>
+            </a:r>
+            <a:r>
+              <a:rPr lang="fr-FR" sz="2400" dirty="0">
+                <a:latin typeface="Carlito" panose="020F0502020204030204" pitchFamily="34" charset="0"/>
+              </a:rPr>
+              <a:t> (</a:t>
             </a:r>
             <a:r>
               <a:rPr lang="fr-FR" sz="2400" b="1" dirty="0">
@@ -11000,7 +11154,7 @@
               <a:rPr lang="fr-FR" sz="2400" dirty="0">
                 <a:latin typeface="Carlito" panose="020F0502020204030204" pitchFamily="34" charset="0"/>
               </a:rPr>
-              <a:t> studios de développement dans le monde </a:t>
+              <a:t> studios de développement dans le monde</a:t>
             </a:r>
           </a:p>
           <a:p>
@@ -11015,7 +11169,7 @@
               <a:rPr lang="fr-FR" sz="2400" dirty="0">
                 <a:latin typeface="Carlito" panose="020F0502020204030204" pitchFamily="34" charset="0"/>
               </a:rPr>
-              <a:t> Une évolution du chiffre d’affaire à la hausse (plus de </a:t>
+              <a:t>Une évolution du chiffre d’affaire à la hausse (plus de </a:t>
             </a:r>
             <a:r>
               <a:rPr lang="fr-FR" sz="2400" b="1" dirty="0">
@@ -11054,9 +11208,15 @@
               <a:rPr lang="fr-FR" sz="2400" dirty="0">
                 <a:latin typeface="Carlito" panose="020F0502020204030204" pitchFamily="34" charset="0"/>
               </a:rPr>
-              <a:t>Un futur très prometteur </a:t>
-            </a:r>
-            <a:endParaRPr lang="fr-FR" sz="2400" dirty="0"/>
+              <a:t>Un futur </a:t>
+            </a:r>
+            <a:r>
+              <a:rPr lang="fr-FR" sz="2400" b="1" dirty="0">
+                <a:latin typeface="Carlito" panose="020F0502020204030204" pitchFamily="34" charset="0"/>
+              </a:rPr>
+              <a:t>très prometteur </a:t>
+            </a:r>
+            <a:endParaRPr lang="fr-FR" sz="2400" b="1" dirty="0"/>
           </a:p>
         </p:txBody>
       </p:sp>
@@ -11156,6 +11316,27 @@
           <a:prstGeom prst="rect">
             <a:avLst/>
           </a:prstGeom>
+          <a:ln>
+            <a:noFill/>
+          </a:ln>
+          <a:effectLst>
+            <a:outerShdw blurRad="149987" dist="250190" dir="8460000" algn="ctr">
+              <a:srgbClr val="000000">
+                <a:alpha val="28000"/>
+              </a:srgbClr>
+            </a:outerShdw>
+          </a:effectLst>
+          <a:scene3d>
+            <a:camera prst="orthographicFront">
+              <a:rot lat="0" lon="0" rev="0"/>
+            </a:camera>
+            <a:lightRig rig="contrasting" dir="t">
+              <a:rot lat="0" lon="0" rev="1500000"/>
+            </a:lightRig>
+          </a:scene3d>
+          <a:sp3d prstMaterial="metal">
+            <a:bevelT w="88900" h="88900"/>
+          </a:sp3d>
         </p:spPr>
       </p:pic>
     </p:spTree>
@@ -11168,13 +11349,13 @@
   <p:clrMapOvr>
     <a:masterClrMapping/>
   </p:clrMapOvr>
-  <mc:AlternateContent xmlns:mc="http://schemas.openxmlformats.org/markup-compatibility/2006">
-    <mc:Choice xmlns:p14="http://schemas.microsoft.com/office/powerpoint/2010/main" Requires="p14">
+  <mc:AlternateContent xmlns:mc="http://schemas.openxmlformats.org/markup-compatibility/2006" xmlns:p14="http://schemas.microsoft.com/office/powerpoint/2010/main">
+    <mc:Choice Requires="p14">
       <p:transition spd="slow" p14:dur="800">
         <p14:flythrough/>
       </p:transition>
     </mc:Choice>
-    <mc:Fallback>
+    <mc:Fallback xmlns="">
       <p:transition spd="slow">
         <p:fade/>
       </p:transition>
@@ -11397,28 +11578,10 @@
               <a:buChar char="•"/>
             </a:pPr>
             <a:r>
-              <a:rPr lang="fr-FR" sz="2400" dirty="0">
-                <a:latin typeface="Carlito" panose="020F0502020204030204" pitchFamily="34" charset="0"/>
-              </a:rPr>
-              <a:t>Limited </a:t>
-            </a:r>
-            <a:r>
-              <a:rPr lang="fr-FR" sz="2400" dirty="0" err="1">
-                <a:latin typeface="Carlito" panose="020F0502020204030204" pitchFamily="34" charset="0"/>
-              </a:rPr>
-              <a:t>Liability</a:t>
-            </a:r>
-            <a:r>
-              <a:rPr lang="fr-FR" sz="2400" dirty="0">
-                <a:latin typeface="Carlito" panose="020F0502020204030204" pitchFamily="34" charset="0"/>
-              </a:rPr>
-              <a:t> </a:t>
-            </a:r>
-            <a:r>
-              <a:rPr lang="fr-FR" sz="2400" dirty="0" err="1">
-                <a:latin typeface="Carlito" panose="020F0502020204030204" pitchFamily="34" charset="0"/>
-              </a:rPr>
-              <a:t>Company</a:t>
+              <a:rPr lang="fr-FR" sz="2400" b="1" dirty="0">
+                <a:latin typeface="Carlito" panose="020F0502020204030204" pitchFamily="34" charset="0"/>
+              </a:rPr>
+              <a:t>Limited Liability Company</a:t>
             </a:r>
             <a:r>
               <a:rPr lang="fr-FR" sz="2400" dirty="0">
@@ -11439,7 +11602,19 @@
               <a:rPr lang="fr-FR" sz="2400" dirty="0">
                 <a:latin typeface="Carlito" panose="020F0502020204030204" pitchFamily="34" charset="0"/>
               </a:rPr>
-              <a:t>Semblable à une Société À Responsabilité Limitée (SARL) en France</a:t>
+              <a:t>Semblable à une </a:t>
+            </a:r>
+            <a:r>
+              <a:rPr lang="fr-FR" sz="2400" b="1" dirty="0">
+                <a:latin typeface="Carlito" panose="020F0502020204030204" pitchFamily="34" charset="0"/>
+              </a:rPr>
+              <a:t>Société À Responsabilité Limitée</a:t>
+            </a:r>
+            <a:r>
+              <a:rPr lang="fr-FR" sz="2400" dirty="0">
+                <a:latin typeface="Carlito" panose="020F0502020204030204" pitchFamily="34" charset="0"/>
+              </a:rPr>
+              <a:t> (SARL) en France</a:t>
             </a:r>
           </a:p>
           <a:p>
@@ -11454,7 +11629,37 @@
               <a:rPr lang="fr-FR" sz="2400" dirty="0">
                 <a:latin typeface="Carlito" panose="020F0502020204030204" pitchFamily="34" charset="0"/>
               </a:rPr>
-              <a:t>Un modèle hybride entre la corporation et le partnership</a:t>
+              <a:t>Un modèle </a:t>
+            </a:r>
+            <a:r>
+              <a:rPr lang="fr-FR" sz="2400" b="1" dirty="0">
+                <a:latin typeface="Carlito" panose="020F0502020204030204" pitchFamily="34" charset="0"/>
+              </a:rPr>
+              <a:t>hybride</a:t>
+            </a:r>
+            <a:r>
+              <a:rPr lang="fr-FR" sz="2400" dirty="0">
+                <a:latin typeface="Carlito" panose="020F0502020204030204" pitchFamily="34" charset="0"/>
+              </a:rPr>
+              <a:t> entre la </a:t>
+            </a:r>
+            <a:r>
+              <a:rPr lang="fr-FR" sz="2400" b="1" dirty="0">
+                <a:latin typeface="Carlito" panose="020F0502020204030204" pitchFamily="34" charset="0"/>
+              </a:rPr>
+              <a:t>corporation</a:t>
+            </a:r>
+            <a:r>
+              <a:rPr lang="fr-FR" sz="2400" dirty="0">
+                <a:latin typeface="Carlito" panose="020F0502020204030204" pitchFamily="34" charset="0"/>
+              </a:rPr>
+              <a:t> et le </a:t>
+            </a:r>
+            <a:r>
+              <a:rPr lang="fr-FR" sz="2400" b="1" dirty="0">
+                <a:latin typeface="Carlito" panose="020F0502020204030204" pitchFamily="34" charset="0"/>
+              </a:rPr>
+              <a:t>partnership</a:t>
             </a:r>
           </a:p>
           <a:p>
@@ -11469,7 +11674,25 @@
               <a:rPr lang="fr-FR" sz="2400" dirty="0">
                 <a:latin typeface="Carlito" panose="020F0502020204030204" pitchFamily="34" charset="0"/>
               </a:rPr>
-              <a:t>Des avantages et des inconvénients</a:t>
+              <a:t>Des </a:t>
+            </a:r>
+            <a:r>
+              <a:rPr lang="fr-FR" sz="2400" b="1" dirty="0">
+                <a:latin typeface="Carlito" panose="020F0502020204030204" pitchFamily="34" charset="0"/>
+              </a:rPr>
+              <a:t>avantages</a:t>
+            </a:r>
+            <a:r>
+              <a:rPr lang="fr-FR" sz="2400" dirty="0">
+                <a:latin typeface="Carlito" panose="020F0502020204030204" pitchFamily="34" charset="0"/>
+              </a:rPr>
+              <a:t> et des </a:t>
+            </a:r>
+            <a:r>
+              <a:rPr lang="fr-FR" sz="2400" b="1" dirty="0">
+                <a:latin typeface="Carlito" panose="020F0502020204030204" pitchFamily="34" charset="0"/>
+              </a:rPr>
+              <a:t>inconvénients</a:t>
             </a:r>
           </a:p>
         </p:txBody>
@@ -11586,12 +11809,33 @@
         </p:blipFill>
         <p:spPr>
           <a:xfrm>
-            <a:off x="890559" y="2576495"/>
+            <a:off x="602324" y="2576493"/>
             <a:ext cx="3145175" cy="3145175"/>
           </a:xfrm>
           <a:prstGeom prst="rect">
             <a:avLst/>
           </a:prstGeom>
+          <a:ln>
+            <a:noFill/>
+          </a:ln>
+          <a:effectLst>
+            <a:outerShdw blurRad="149987" dist="250190" dir="8460000" algn="ctr">
+              <a:srgbClr val="000000">
+                <a:alpha val="28000"/>
+              </a:srgbClr>
+            </a:outerShdw>
+          </a:effectLst>
+          <a:scene3d>
+            <a:camera prst="orthographicFront">
+              <a:rot lat="0" lon="0" rev="0"/>
+            </a:camera>
+            <a:lightRig rig="contrasting" dir="t">
+              <a:rot lat="0" lon="0" rev="1500000"/>
+            </a:lightRig>
+          </a:scene3d>
+          <a:sp3d prstMaterial="metal">
+            <a:bevelT w="88900" h="88900"/>
+          </a:sp3d>
         </p:spPr>
       </p:pic>
     </p:spTree>
@@ -12238,13 +12482,13 @@
   <p:clrMapOvr>
     <a:masterClrMapping/>
   </p:clrMapOvr>
-  <mc:AlternateContent xmlns:mc="http://schemas.openxmlformats.org/markup-compatibility/2006">
-    <mc:Choice xmlns:p14="http://schemas.microsoft.com/office/powerpoint/2010/main" Requires="p14">
+  <mc:AlternateContent xmlns:mc="http://schemas.openxmlformats.org/markup-compatibility/2006" xmlns:p14="http://schemas.microsoft.com/office/powerpoint/2010/main">
+    <mc:Choice Requires="p14">
       <p:transition spd="slow" p14:dur="800">
         <p14:flythrough/>
       </p:transition>
     </mc:Choice>
-    <mc:Fallback>
+    <mc:Fallback xmlns="">
       <p:transition spd="slow">
         <p:fade/>
       </p:transition>

--- a/Documents/Soutenance.pptx
+++ b/Documents/Soutenance.pptx
@@ -660,6 +660,339 @@
 </p:notes>
 </file>
 
+<file path=ppt/notesSlides/notesSlide3.xml><?xml version="1.0" encoding="utf-8"?>
+<p:notes xmlns:a="http://schemas.openxmlformats.org/drawingml/2006/main" xmlns:r="http://schemas.openxmlformats.org/officeDocument/2006/relationships" xmlns:p="http://schemas.openxmlformats.org/presentationml/2006/main">
+  <p:cSld>
+    <p:spTree>
+      <p:nvGrpSpPr>
+        <p:cNvPr id="1" name=""/>
+        <p:cNvGrpSpPr/>
+        <p:nvPr/>
+      </p:nvGrpSpPr>
+      <p:grpSpPr>
+        <a:xfrm>
+          <a:off x="0" y="0"/>
+          <a:ext cx="0" cy="0"/>
+          <a:chOff x="0" y="0"/>
+          <a:chExt cx="0" cy="0"/>
+        </a:xfrm>
+      </p:grpSpPr>
+      <p:sp>
+        <p:nvSpPr>
+          <p:cNvPr id="2" name="Espace réservé de l'image des diapositives 1"/>
+          <p:cNvSpPr>
+            <a:spLocks noGrp="1" noRot="1" noChangeAspect="1"/>
+          </p:cNvSpPr>
+          <p:nvPr>
+            <p:ph type="sldImg"/>
+          </p:nvPr>
+        </p:nvSpPr>
+        <p:spPr/>
+      </p:sp>
+      <p:sp>
+        <p:nvSpPr>
+          <p:cNvPr id="3" name="Espace réservé des notes 2"/>
+          <p:cNvSpPr>
+            <a:spLocks noGrp="1"/>
+          </p:cNvSpPr>
+          <p:nvPr>
+            <p:ph type="body" idx="1"/>
+          </p:nvPr>
+        </p:nvSpPr>
+        <p:spPr/>
+        <p:txBody>
+          <a:bodyPr/>
+          <a:lstStyle/>
+          <a:p>
+            <a:pPr marL="171450" indent="-171450">
+              <a:buFontTx/>
+              <a:buChar char="-"/>
+            </a:pPr>
+            <a:r>
+              <a:rPr lang="fr-FR" dirty="0"/>
+              <a:t>Nous prévoyons un plan de travail en début de semaine pour savoir ce qu’on avait à faire et trier les priorités</a:t>
+            </a:r>
+          </a:p>
+          <a:p>
+            <a:pPr marL="171450" indent="-171450">
+              <a:buFontTx/>
+              <a:buChar char="-"/>
+            </a:pPr>
+            <a:r>
+              <a:rPr lang="fr-FR" dirty="0"/>
+              <a:t>Nous nous aidions beaucoup pour corriger les problèmes des autres</a:t>
+            </a:r>
+          </a:p>
+          <a:p>
+            <a:pPr marL="171450" indent="-171450">
+              <a:buFontTx/>
+              <a:buChar char="-"/>
+            </a:pPr>
+            <a:r>
+              <a:rPr lang="fr-FR" dirty="0"/>
+              <a:t>Nous n’avons eu aucun problème de communication au sein du groupe, tout le monde s’entendait bien</a:t>
+            </a:r>
+          </a:p>
+        </p:txBody>
+      </p:sp>
+      <p:sp>
+        <p:nvSpPr>
+          <p:cNvPr id="4" name="Espace réservé du numéro de diapositive 3"/>
+          <p:cNvSpPr>
+            <a:spLocks noGrp="1"/>
+          </p:cNvSpPr>
+          <p:nvPr>
+            <p:ph type="sldNum" sz="quarter" idx="5"/>
+          </p:nvPr>
+        </p:nvSpPr>
+        <p:spPr/>
+        <p:txBody>
+          <a:bodyPr/>
+          <a:lstStyle/>
+          <a:p>
+            <a:fld id="{1F4BD613-B23A-462C-B9CD-9B4D3E24A162}" type="slidenum">
+              <a:rPr lang="fr-FR" smtClean="0"/>
+              <a:t>15</a:t>
+            </a:fld>
+            <a:endParaRPr lang="fr-FR"/>
+          </a:p>
+        </p:txBody>
+      </p:sp>
+    </p:spTree>
+    <p:extLst>
+      <p:ext uri="{BB962C8B-B14F-4D97-AF65-F5344CB8AC3E}">
+        <p14:creationId xmlns:p14="http://schemas.microsoft.com/office/powerpoint/2010/main" val="595009641"/>
+      </p:ext>
+    </p:extLst>
+  </p:cSld>
+  <p:clrMapOvr>
+    <a:masterClrMapping/>
+  </p:clrMapOvr>
+</p:notes>
+</file>
+
+<file path=ppt/notesSlides/notesSlide4.xml><?xml version="1.0" encoding="utf-8"?>
+<p:notes xmlns:a="http://schemas.openxmlformats.org/drawingml/2006/main" xmlns:r="http://schemas.openxmlformats.org/officeDocument/2006/relationships" xmlns:p="http://schemas.openxmlformats.org/presentationml/2006/main">
+  <p:cSld>
+    <p:spTree>
+      <p:nvGrpSpPr>
+        <p:cNvPr id="1" name=""/>
+        <p:cNvGrpSpPr/>
+        <p:nvPr/>
+      </p:nvGrpSpPr>
+      <p:grpSpPr>
+        <a:xfrm>
+          <a:off x="0" y="0"/>
+          <a:ext cx="0" cy="0"/>
+          <a:chOff x="0" y="0"/>
+          <a:chExt cx="0" cy="0"/>
+        </a:xfrm>
+      </p:grpSpPr>
+      <p:sp>
+        <p:nvSpPr>
+          <p:cNvPr id="2" name="Espace réservé de l'image des diapositives 1"/>
+          <p:cNvSpPr>
+            <a:spLocks noGrp="1" noRot="1" noChangeAspect="1"/>
+          </p:cNvSpPr>
+          <p:nvPr>
+            <p:ph type="sldImg"/>
+          </p:nvPr>
+        </p:nvSpPr>
+        <p:spPr/>
+      </p:sp>
+      <p:sp>
+        <p:nvSpPr>
+          <p:cNvPr id="3" name="Espace réservé des notes 2"/>
+          <p:cNvSpPr>
+            <a:spLocks noGrp="1"/>
+          </p:cNvSpPr>
+          <p:nvPr>
+            <p:ph type="body" idx="1"/>
+          </p:nvPr>
+        </p:nvSpPr>
+        <p:spPr/>
+        <p:txBody>
+          <a:bodyPr/>
+          <a:lstStyle/>
+          <a:p>
+            <a:pPr marL="171450" indent="-171450">
+              <a:buFontTx/>
+              <a:buChar char="-"/>
+            </a:pPr>
+            <a:r>
+              <a:rPr lang="fr-FR" dirty="0"/>
+              <a:t>Changé le micro-trottoir en sondage</a:t>
+            </a:r>
+          </a:p>
+          <a:p>
+            <a:pPr marL="171450" indent="-171450">
+              <a:buFontTx/>
+              <a:buChar char="-"/>
+            </a:pPr>
+            <a:r>
+              <a:rPr lang="fr-FR" dirty="0"/>
+              <a:t>La soutenance a pris un peu de retard</a:t>
+            </a:r>
+          </a:p>
+          <a:p>
+            <a:pPr marL="171450" indent="-171450">
+              <a:buFontTx/>
+              <a:buChar char="-"/>
+            </a:pPr>
+            <a:r>
+              <a:rPr lang="fr-FR" dirty="0"/>
+              <a:t>Le rapport a été commencé plus tôt</a:t>
+            </a:r>
+          </a:p>
+        </p:txBody>
+      </p:sp>
+      <p:sp>
+        <p:nvSpPr>
+          <p:cNvPr id="4" name="Espace réservé du numéro de diapositive 3"/>
+          <p:cNvSpPr>
+            <a:spLocks noGrp="1"/>
+          </p:cNvSpPr>
+          <p:nvPr>
+            <p:ph type="sldNum" sz="quarter" idx="5"/>
+          </p:nvPr>
+        </p:nvSpPr>
+        <p:spPr/>
+        <p:txBody>
+          <a:bodyPr/>
+          <a:lstStyle/>
+          <a:p>
+            <a:fld id="{1F4BD613-B23A-462C-B9CD-9B4D3E24A162}" type="slidenum">
+              <a:rPr lang="fr-FR" smtClean="0"/>
+              <a:t>16</a:t>
+            </a:fld>
+            <a:endParaRPr lang="fr-FR"/>
+          </a:p>
+        </p:txBody>
+      </p:sp>
+    </p:spTree>
+    <p:extLst>
+      <p:ext uri="{BB962C8B-B14F-4D97-AF65-F5344CB8AC3E}">
+        <p14:creationId xmlns:p14="http://schemas.microsoft.com/office/powerpoint/2010/main" val="4171303329"/>
+      </p:ext>
+    </p:extLst>
+  </p:cSld>
+  <p:clrMapOvr>
+    <a:masterClrMapping/>
+  </p:clrMapOvr>
+</p:notes>
+</file>
+
+<file path=ppt/notesSlides/notesSlide5.xml><?xml version="1.0" encoding="utf-8"?>
+<p:notes xmlns:a="http://schemas.openxmlformats.org/drawingml/2006/main" xmlns:r="http://schemas.openxmlformats.org/officeDocument/2006/relationships" xmlns:p="http://schemas.openxmlformats.org/presentationml/2006/main">
+  <p:cSld>
+    <p:spTree>
+      <p:nvGrpSpPr>
+        <p:cNvPr id="1" name=""/>
+        <p:cNvGrpSpPr/>
+        <p:nvPr/>
+      </p:nvGrpSpPr>
+      <p:grpSpPr>
+        <a:xfrm>
+          <a:off x="0" y="0"/>
+          <a:ext cx="0" cy="0"/>
+          <a:chOff x="0" y="0"/>
+          <a:chExt cx="0" cy="0"/>
+        </a:xfrm>
+      </p:grpSpPr>
+      <p:sp>
+        <p:nvSpPr>
+          <p:cNvPr id="2" name="Espace réservé de l'image des diapositives 1"/>
+          <p:cNvSpPr>
+            <a:spLocks noGrp="1" noRot="1" noChangeAspect="1"/>
+          </p:cNvSpPr>
+          <p:nvPr>
+            <p:ph type="sldImg"/>
+          </p:nvPr>
+        </p:nvSpPr>
+        <p:spPr/>
+      </p:sp>
+      <p:sp>
+        <p:nvSpPr>
+          <p:cNvPr id="3" name="Espace réservé des notes 2"/>
+          <p:cNvSpPr>
+            <a:spLocks noGrp="1"/>
+          </p:cNvSpPr>
+          <p:nvPr>
+            <p:ph type="body" idx="1"/>
+          </p:nvPr>
+        </p:nvSpPr>
+        <p:spPr/>
+        <p:txBody>
+          <a:bodyPr/>
+          <a:lstStyle/>
+          <a:p>
+            <a:pPr marL="171450" indent="-171450">
+              <a:buFontTx/>
+              <a:buChar char="-"/>
+            </a:pPr>
+            <a:r>
+              <a:rPr lang="fr-FR" dirty="0"/>
+              <a:t>Nous communiquions via Discord qui est un logiciel de communication permettant de créer des serveurs (groupes privés) et d’avoir plusieurs salons de communication</a:t>
+            </a:r>
+          </a:p>
+          <a:p>
+            <a:pPr marL="171450" indent="-171450">
+              <a:buFontTx/>
+              <a:buChar char="-"/>
+            </a:pPr>
+            <a:r>
+              <a:rPr lang="fr-FR" dirty="0"/>
+              <a:t>Nous nous partagions les fichiers via GitHub, un site web permettant de mettre en commun des fichiers tout en gardant l’avancement de tout le monde</a:t>
+            </a:r>
+          </a:p>
+          <a:p>
+            <a:pPr marL="171450" indent="-171450">
+              <a:buFontTx/>
+              <a:buChar char="-"/>
+            </a:pPr>
+            <a:r>
+              <a:rPr lang="fr-FR" dirty="0"/>
+              <a:t>Nous nous retrouvions parfois le jeudi après-midi à la bibliothèque universitaire afin de communiquer et travailler plus simplement</a:t>
+            </a:r>
+          </a:p>
+        </p:txBody>
+      </p:sp>
+      <p:sp>
+        <p:nvSpPr>
+          <p:cNvPr id="4" name="Espace réservé du numéro de diapositive 3"/>
+          <p:cNvSpPr>
+            <a:spLocks noGrp="1"/>
+          </p:cNvSpPr>
+          <p:nvPr>
+            <p:ph type="sldNum" sz="quarter" idx="5"/>
+          </p:nvPr>
+        </p:nvSpPr>
+        <p:spPr/>
+        <p:txBody>
+          <a:bodyPr/>
+          <a:lstStyle/>
+          <a:p>
+            <a:fld id="{1F4BD613-B23A-462C-B9CD-9B4D3E24A162}" type="slidenum">
+              <a:rPr lang="fr-FR" smtClean="0"/>
+              <a:t>17</a:t>
+            </a:fld>
+            <a:endParaRPr lang="fr-FR"/>
+          </a:p>
+        </p:txBody>
+      </p:sp>
+    </p:spTree>
+    <p:extLst>
+      <p:ext uri="{BB962C8B-B14F-4D97-AF65-F5344CB8AC3E}">
+        <p14:creationId xmlns:p14="http://schemas.microsoft.com/office/powerpoint/2010/main" val="879429187"/>
+      </p:ext>
+    </p:extLst>
+  </p:cSld>
+  <p:clrMapOvr>
+    <a:masterClrMapping/>
+  </p:clrMapOvr>
+</p:notes>
+</file>
+
 <file path=ppt/slideLayouts/slideLayout1.xml><?xml version="1.0" encoding="utf-8"?>
 <p:sldLayout xmlns:a="http://schemas.openxmlformats.org/drawingml/2006/main" xmlns:r="http://schemas.openxmlformats.org/officeDocument/2006/relationships" xmlns:p="http://schemas.openxmlformats.org/presentationml/2006/main" type="title" preserve="1">
   <p:cSld name="Diapositive de titre">
@@ -755,7 +1088,7 @@
           <a:effectLst/>
           <a:extLst>
             <a:ext uri="{91240B29-F687-4f45-9708-019B960494DF}">
-              <a14:hiddenLine xmlns:a14="http://schemas.microsoft.com/office/drawing/2010/main" xmlns="" w="9525">
+              <a14:hiddenLine xmlns="" xmlns:a14="http://schemas.microsoft.com/office/drawing/2010/main" w="9525">
                 <a:solidFill>
                   <a:srgbClr val="000000"/>
                 </a:solidFill>
@@ -2261,7 +2594,7 @@
           <a:ln/>
           <a:extLst>
             <a:ext uri="{91240B29-F687-4f45-9708-019B960494DF}">
-              <a14:hiddenLine xmlns:a14="http://schemas.microsoft.com/office/drawing/2010/main" xmlns="" w="9525">
+              <a14:hiddenLine xmlns="" xmlns:a14="http://schemas.microsoft.com/office/drawing/2010/main" w="9525">
                 <a:solidFill>
                   <a:srgbClr val="000000"/>
                 </a:solidFill>
@@ -2532,7 +2865,7 @@
           <a:ln/>
           <a:extLst>
             <a:ext uri="{91240B29-F687-4f45-9708-019B960494DF}">
-              <a14:hiddenLine xmlns:a14="http://schemas.microsoft.com/office/drawing/2010/main" xmlns="" w="9525">
+              <a14:hiddenLine xmlns="" xmlns:a14="http://schemas.microsoft.com/office/drawing/2010/main" w="9525">
                 <a:solidFill>
                   <a:srgbClr val="000000"/>
                 </a:solidFill>
@@ -2811,7 +3144,7 @@
           <a:ln/>
           <a:extLst>
             <a:ext uri="{91240B29-F687-4f45-9708-019B960494DF}">
-              <a14:hiddenLine xmlns:a14="http://schemas.microsoft.com/office/drawing/2010/main" xmlns="" w="9525">
+              <a14:hiddenLine xmlns="" xmlns:a14="http://schemas.microsoft.com/office/drawing/2010/main" w="9525">
                 <a:solidFill>
                   <a:srgbClr val="000000"/>
                 </a:solidFill>
@@ -3429,7 +3762,7 @@
           <a:ln/>
           <a:extLst>
             <a:ext uri="{91240B29-F687-4f45-9708-019B960494DF}">
-              <a14:hiddenLine xmlns:a14="http://schemas.microsoft.com/office/drawing/2010/main" xmlns="" w="9525">
+              <a14:hiddenLine xmlns="" xmlns:a14="http://schemas.microsoft.com/office/drawing/2010/main" w="9525">
                 <a:solidFill>
                   <a:srgbClr val="000000"/>
                 </a:solidFill>
@@ -3764,7 +4097,7 @@
           <a:ln/>
           <a:extLst>
             <a:ext uri="{91240B29-F687-4f45-9708-019B960494DF}">
-              <a14:hiddenLine xmlns:a14="http://schemas.microsoft.com/office/drawing/2010/main" xmlns="" w="9525">
+              <a14:hiddenLine xmlns="" xmlns:a14="http://schemas.microsoft.com/office/drawing/2010/main" w="9525">
                 <a:solidFill>
                   <a:srgbClr val="000000"/>
                 </a:solidFill>
@@ -4237,7 +4570,7 @@
           <a:ln/>
           <a:extLst>
             <a:ext uri="{91240B29-F687-4f45-9708-019B960494DF}">
-              <a14:hiddenLine xmlns:a14="http://schemas.microsoft.com/office/drawing/2010/main" xmlns="" w="9525">
+              <a14:hiddenLine xmlns="" xmlns:a14="http://schemas.microsoft.com/office/drawing/2010/main" w="9525">
                 <a:solidFill>
                   <a:srgbClr val="000000"/>
                 </a:solidFill>
@@ -4658,7 +4991,7 @@
           <a:ln/>
           <a:extLst>
             <a:ext uri="{91240B29-F687-4f45-9708-019B960494DF}">
-              <a14:hiddenLine xmlns:a14="http://schemas.microsoft.com/office/drawing/2010/main" xmlns="" w="9525">
+              <a14:hiddenLine xmlns="" xmlns:a14="http://schemas.microsoft.com/office/drawing/2010/main" w="9525">
                 <a:solidFill>
                   <a:srgbClr val="000000"/>
                 </a:solidFill>
@@ -8765,7 +9098,7 @@
           <p:nvPr/>
         </p:nvPicPr>
         <p:blipFill>
-          <a:blip r:embed="rId2"/>
+          <a:blip r:embed="rId3"/>
           <a:stretch>
             <a:fillRect/>
           </a:stretch>
@@ -8816,7 +9149,7 @@
           <p:nvPr/>
         </p:nvPicPr>
         <p:blipFill>
-          <a:blip r:embed="rId3"/>
+          <a:blip r:embed="rId4"/>
           <a:stretch>
             <a:fillRect/>
           </a:stretch>
@@ -9403,7 +9736,7 @@
           <p:nvPr/>
         </p:nvPicPr>
         <p:blipFill>
-          <a:blip r:embed="rId2"/>
+          <a:blip r:embed="rId3"/>
           <a:stretch>
             <a:fillRect/>
           </a:stretch>

--- a/Documents/Soutenance.pptx
+++ b/Documents/Soutenance.pptx
@@ -9873,6 +9873,36 @@
           </a:p>
         </p:txBody>
       </p:sp>
+      <p:pic>
+        <p:nvPicPr>
+          <p:cNvPr id="4" name="Image 3">
+            <a:extLst>
+              <a:ext uri="{FF2B5EF4-FFF2-40B4-BE49-F238E27FC236}">
+                <a16:creationId xmlns:a16="http://schemas.microsoft.com/office/drawing/2014/main" id="{1C716CAF-7B5B-4C1E-BA79-9706E2FA4BD4}"/>
+              </a:ext>
+            </a:extLst>
+          </p:cNvPr>
+          <p:cNvPicPr>
+            <a:picLocks noChangeAspect="1"/>
+          </p:cNvPicPr>
+          <p:nvPr/>
+        </p:nvPicPr>
+        <p:blipFill>
+          <a:blip r:embed="rId4"/>
+          <a:stretch>
+            <a:fillRect/>
+          </a:stretch>
+        </p:blipFill>
+        <p:spPr>
+          <a:xfrm>
+            <a:off x="5209563" y="5577703"/>
+            <a:ext cx="2229161" cy="676369"/>
+          </a:xfrm>
+          <a:prstGeom prst="rect">
+            <a:avLst/>
+          </a:prstGeom>
+        </p:spPr>
+      </p:pic>
     </p:spTree>
     <p:extLst>
       <p:ext uri="{BB962C8B-B14F-4D97-AF65-F5344CB8AC3E}">

--- a/Documents/Soutenance.pptx
+++ b/Documents/Soutenance.pptx
@@ -214,7 +214,7 @@
           <a:p>
             <a:fld id="{343186F5-8CA8-4006-A6F7-848E92B45C6D}" type="datetimeFigureOut">
               <a:rPr lang="fr-FR" smtClean="0"/>
-              <a:t>17/12/2019</a:t>
+              <a:t>18/12/2019</a:t>
             </a:fld>
             <a:endParaRPr lang="fr-FR"/>
           </a:p>
@@ -620,7 +620,70 @@
           <a:bodyPr/>
           <a:lstStyle/>
           <a:p>
-            <a:endParaRPr lang="fr-FR" dirty="0"/>
+            <a:r>
+              <a:rPr lang="fr-FR" dirty="0"/>
+              <a:t>L’entreprise </a:t>
+            </a:r>
+            <a:r>
+              <a:rPr lang="fr-FR" dirty="0" err="1"/>
+              <a:t>Take</a:t>
+            </a:r>
+            <a:r>
+              <a:rPr lang="fr-FR" dirty="0"/>
+              <a:t> </a:t>
+            </a:r>
+            <a:r>
+              <a:rPr lang="fr-FR" dirty="0" err="1"/>
+              <a:t>Two</a:t>
+            </a:r>
+            <a:r>
+              <a:rPr lang="fr-FR" dirty="0"/>
+              <a:t> Interactive est considéré comme un des leaders de son domaine, à savoir le développement de jeux vidéo,</a:t>
+            </a:r>
+          </a:p>
+          <a:p>
+            <a:r>
+              <a:rPr lang="fr-FR" dirty="0"/>
+              <a:t>En effet, l’entreprise possède un empire boursier, coter à la bourse de New York, son action se trouve être au environs de 120$.</a:t>
+            </a:r>
+          </a:p>
+          <a:p>
+            <a:r>
+              <a:rPr lang="fr-FR" dirty="0" err="1"/>
+              <a:t>Take</a:t>
+            </a:r>
+            <a:r>
+              <a:rPr lang="fr-FR" dirty="0"/>
+              <a:t> </a:t>
+            </a:r>
+            <a:r>
+              <a:rPr lang="fr-FR" dirty="0" err="1"/>
+              <a:t>Two</a:t>
+            </a:r>
+            <a:r>
+              <a:rPr lang="fr-FR" dirty="0"/>
+              <a:t> c’est aussi 3400 employés réparti dans 19 studios de développement dans le monde.</a:t>
+            </a:r>
+          </a:p>
+          <a:p>
+            <a:r>
+              <a:rPr lang="fr-FR" dirty="0"/>
+              <a:t>L’entreprise à connue une évolution de son chiffre d’affaire à la hausse depuis plus de 5 ans comme le montre ce graphique, aujourd’hui plus de 2,3 milliards.</a:t>
+            </a:r>
+          </a:p>
+          <a:p>
+            <a:r>
+              <a:rPr lang="fr-FR" dirty="0"/>
+              <a:t>En somme l’avenir de l’entreprise est très prometteur notamment grâce a des scores de ventes très élevés sur certains de ces jeux, comme GTA V qui </a:t>
+            </a:r>
+            <a:r>
+              <a:rPr lang="fr-FR" dirty="0" err="1"/>
+              <a:t>malgrès</a:t>
+            </a:r>
+            <a:r>
+              <a:rPr lang="fr-FR" dirty="0"/>
+              <a:t> être sortie en 2015 continue de rapporter chaque années des millions d’euros,</a:t>
+            </a:r>
           </a:p>
         </p:txBody>
       </p:sp>
@@ -641,7 +704,7 @@
           <a:p>
             <a:fld id="{1F4BD613-B23A-462C-B9CD-9B4D3E24A162}" type="slidenum">
               <a:rPr lang="fr-FR" smtClean="0"/>
-              <a:t>8</a:t>
+              <a:t>6</a:t>
             </a:fld>
             <a:endParaRPr lang="fr-FR"/>
           </a:p>
@@ -650,7 +713,7 @@
     </p:spTree>
     <p:extLst>
       <p:ext uri="{BB962C8B-B14F-4D97-AF65-F5344CB8AC3E}">
-        <p14:creationId xmlns:p14="http://schemas.microsoft.com/office/powerpoint/2010/main" val="1473364022"/>
+        <p14:creationId xmlns:p14="http://schemas.microsoft.com/office/powerpoint/2010/main" val="1310361566"/>
       </p:ext>
     </p:extLst>
   </p:cSld>
@@ -704,33 +767,71 @@
           <a:bodyPr/>
           <a:lstStyle/>
           <a:p>
-            <a:pPr marL="171450" indent="-171450">
+            <a:r>
+              <a:rPr lang="fr-FR" dirty="0" err="1"/>
+              <a:t>Take</a:t>
+            </a:r>
+            <a:r>
+              <a:rPr lang="fr-FR" dirty="0"/>
+              <a:t> </a:t>
+            </a:r>
+            <a:r>
+              <a:rPr lang="fr-FR" dirty="0" err="1"/>
+              <a:t>Two</a:t>
+            </a:r>
+            <a:r>
+              <a:rPr lang="fr-FR" dirty="0"/>
+              <a:t> Interactive c’est une société à modèle hybride, c’est en effet une LLC </a:t>
+            </a:r>
+          </a:p>
+          <a:p>
+            <a:endParaRPr lang="fr-FR" dirty="0"/>
+          </a:p>
+          <a:p>
+            <a:r>
+              <a:rPr lang="fr-FR" dirty="0"/>
+              <a:t>Puisque c’est un hybride, la LLC va hérité à la fois des avantages mais aussi des inconvénients des corporations et des partnership.</a:t>
+            </a:r>
+          </a:p>
+          <a:p>
+            <a:r>
+              <a:rPr lang="fr-FR" dirty="0"/>
+              <a:t>A titre d’exemple un </a:t>
+            </a:r>
+          </a:p>
+          <a:p>
+            <a:pPr marL="0" marR="0" lvl="0" indent="0" algn="l" defTabSz="914400" rtl="0" eaLnBrk="1" fontAlgn="auto" latinLnBrk="0" hangingPunct="1">
+              <a:lnSpc>
+                <a:spcPct val="100000"/>
+              </a:lnSpc>
+              <a:spcBef>
+                <a:spcPts val="0"/>
+              </a:spcBef>
+              <a:spcAft>
+                <a:spcPts val="0"/>
+              </a:spcAft>
+              <a:buClrTx/>
+              <a:buSzTx/>
               <a:buFontTx/>
-              <a:buChar char="-"/>
+              <a:buNone/>
+              <a:tabLst/>
+              <a:defRPr/>
             </a:pPr>
             <a:r>
               <a:rPr lang="fr-FR" dirty="0"/>
-              <a:t>Nous prévoyons un plan de travail en début de semaine pour savoir ce qu’on avait à faire et trier les priorités</a:t>
-            </a:r>
-          </a:p>
-          <a:p>
-            <a:pPr marL="171450" indent="-171450">
-              <a:buFontTx/>
-              <a:buChar char="-"/>
-            </a:pPr>
+              <a:t>Avantage : </a:t>
+            </a:r>
+            <a:r>
+              <a:rPr lang="fr-FR" dirty="0">
+                <a:effectLst/>
+              </a:rPr>
+              <a:t>la possibilité de choisir son éligibilité à l’imposition</a:t>
+            </a:r>
+          </a:p>
+          <a:p>
             <a:r>
               <a:rPr lang="fr-FR" dirty="0"/>
-              <a:t>Nous nous aidions beaucoup pour corriger les problèmes des autres</a:t>
-            </a:r>
-          </a:p>
-          <a:p>
-            <a:pPr marL="171450" indent="-171450">
-              <a:buFontTx/>
-              <a:buChar char="-"/>
-            </a:pPr>
-            <a:r>
-              <a:rPr lang="fr-FR" dirty="0"/>
-              <a:t>Nous n’avons eu aucun problème de communication au sein du groupe, tout le monde s’entendait bien</a:t>
+              <a:t>Inconvénient : difficultés à lever des capitaux financiers</a:t>
             </a:r>
           </a:p>
         </p:txBody>
@@ -752,7 +853,7 @@
           <a:p>
             <a:fld id="{1F4BD613-B23A-462C-B9CD-9B4D3E24A162}" type="slidenum">
               <a:rPr lang="fr-FR" smtClean="0"/>
-              <a:t>15</a:t>
+              <a:t>7</a:t>
             </a:fld>
             <a:endParaRPr lang="fr-FR"/>
           </a:p>
@@ -761,7 +862,7 @@
     </p:spTree>
     <p:extLst>
       <p:ext uri="{BB962C8B-B14F-4D97-AF65-F5344CB8AC3E}">
-        <p14:creationId xmlns:p14="http://schemas.microsoft.com/office/powerpoint/2010/main" val="595009641"/>
+        <p14:creationId xmlns:p14="http://schemas.microsoft.com/office/powerpoint/2010/main" val="4066938332"/>
       </p:ext>
     </p:extLst>
   </p:cSld>
@@ -815,6 +916,201 @@
           <a:bodyPr/>
           <a:lstStyle/>
           <a:p>
+            <a:endParaRPr lang="fr-FR" dirty="0"/>
+          </a:p>
+        </p:txBody>
+      </p:sp>
+      <p:sp>
+        <p:nvSpPr>
+          <p:cNvPr id="4" name="Espace réservé du numéro de diapositive 3"/>
+          <p:cNvSpPr>
+            <a:spLocks noGrp="1"/>
+          </p:cNvSpPr>
+          <p:nvPr>
+            <p:ph type="sldNum" sz="quarter" idx="5"/>
+          </p:nvPr>
+        </p:nvSpPr>
+        <p:spPr/>
+        <p:txBody>
+          <a:bodyPr/>
+          <a:lstStyle/>
+          <a:p>
+            <a:fld id="{1F4BD613-B23A-462C-B9CD-9B4D3E24A162}" type="slidenum">
+              <a:rPr lang="fr-FR" smtClean="0"/>
+              <a:t>8</a:t>
+            </a:fld>
+            <a:endParaRPr lang="fr-FR"/>
+          </a:p>
+        </p:txBody>
+      </p:sp>
+    </p:spTree>
+    <p:extLst>
+      <p:ext uri="{BB962C8B-B14F-4D97-AF65-F5344CB8AC3E}">
+        <p14:creationId xmlns:p14="http://schemas.microsoft.com/office/powerpoint/2010/main" val="1473364022"/>
+      </p:ext>
+    </p:extLst>
+  </p:cSld>
+  <p:clrMapOvr>
+    <a:masterClrMapping/>
+  </p:clrMapOvr>
+</p:notes>
+</file>
+
+<file path=ppt/notesSlides/notesSlide5.xml><?xml version="1.0" encoding="utf-8"?>
+<p:notes xmlns:a="http://schemas.openxmlformats.org/drawingml/2006/main" xmlns:r="http://schemas.openxmlformats.org/officeDocument/2006/relationships" xmlns:p="http://schemas.openxmlformats.org/presentationml/2006/main">
+  <p:cSld>
+    <p:spTree>
+      <p:nvGrpSpPr>
+        <p:cNvPr id="1" name=""/>
+        <p:cNvGrpSpPr/>
+        <p:nvPr/>
+      </p:nvGrpSpPr>
+      <p:grpSpPr>
+        <a:xfrm>
+          <a:off x="0" y="0"/>
+          <a:ext cx="0" cy="0"/>
+          <a:chOff x="0" y="0"/>
+          <a:chExt cx="0" cy="0"/>
+        </a:xfrm>
+      </p:grpSpPr>
+      <p:sp>
+        <p:nvSpPr>
+          <p:cNvPr id="2" name="Espace réservé de l'image des diapositives 1"/>
+          <p:cNvSpPr>
+            <a:spLocks noGrp="1" noRot="1" noChangeAspect="1"/>
+          </p:cNvSpPr>
+          <p:nvPr>
+            <p:ph type="sldImg"/>
+          </p:nvPr>
+        </p:nvSpPr>
+        <p:spPr/>
+      </p:sp>
+      <p:sp>
+        <p:nvSpPr>
+          <p:cNvPr id="3" name="Espace réservé des notes 2"/>
+          <p:cNvSpPr>
+            <a:spLocks noGrp="1"/>
+          </p:cNvSpPr>
+          <p:nvPr>
+            <p:ph type="body" idx="1"/>
+          </p:nvPr>
+        </p:nvSpPr>
+        <p:spPr/>
+        <p:txBody>
+          <a:bodyPr/>
+          <a:lstStyle/>
+          <a:p>
+            <a:pPr marL="171450" indent="-171450">
+              <a:buFontTx/>
+              <a:buChar char="-"/>
+            </a:pPr>
+            <a:r>
+              <a:rPr lang="fr-FR" dirty="0"/>
+              <a:t>Nous prévoyons un plan de travail en début de semaine pour savoir ce qu’on avait à faire et trier les priorités</a:t>
+            </a:r>
+          </a:p>
+          <a:p>
+            <a:pPr marL="171450" indent="-171450">
+              <a:buFontTx/>
+              <a:buChar char="-"/>
+            </a:pPr>
+            <a:r>
+              <a:rPr lang="fr-FR" dirty="0"/>
+              <a:t>Nous nous aidions beaucoup pour corriger les problèmes des autres</a:t>
+            </a:r>
+          </a:p>
+          <a:p>
+            <a:pPr marL="171450" indent="-171450">
+              <a:buFontTx/>
+              <a:buChar char="-"/>
+            </a:pPr>
+            <a:r>
+              <a:rPr lang="fr-FR" dirty="0"/>
+              <a:t>Nous n’avons eu aucun problème de communication au sein du groupe, tout le monde s’entendait bien</a:t>
+            </a:r>
+          </a:p>
+        </p:txBody>
+      </p:sp>
+      <p:sp>
+        <p:nvSpPr>
+          <p:cNvPr id="4" name="Espace réservé du numéro de diapositive 3"/>
+          <p:cNvSpPr>
+            <a:spLocks noGrp="1"/>
+          </p:cNvSpPr>
+          <p:nvPr>
+            <p:ph type="sldNum" sz="quarter" idx="5"/>
+          </p:nvPr>
+        </p:nvSpPr>
+        <p:spPr/>
+        <p:txBody>
+          <a:bodyPr/>
+          <a:lstStyle/>
+          <a:p>
+            <a:fld id="{1F4BD613-B23A-462C-B9CD-9B4D3E24A162}" type="slidenum">
+              <a:rPr lang="fr-FR" smtClean="0"/>
+              <a:t>15</a:t>
+            </a:fld>
+            <a:endParaRPr lang="fr-FR"/>
+          </a:p>
+        </p:txBody>
+      </p:sp>
+    </p:spTree>
+    <p:extLst>
+      <p:ext uri="{BB962C8B-B14F-4D97-AF65-F5344CB8AC3E}">
+        <p14:creationId xmlns:p14="http://schemas.microsoft.com/office/powerpoint/2010/main" val="595009641"/>
+      </p:ext>
+    </p:extLst>
+  </p:cSld>
+  <p:clrMapOvr>
+    <a:masterClrMapping/>
+  </p:clrMapOvr>
+</p:notes>
+</file>
+
+<file path=ppt/notesSlides/notesSlide6.xml><?xml version="1.0" encoding="utf-8"?>
+<p:notes xmlns:a="http://schemas.openxmlformats.org/drawingml/2006/main" xmlns:r="http://schemas.openxmlformats.org/officeDocument/2006/relationships" xmlns:p="http://schemas.openxmlformats.org/presentationml/2006/main">
+  <p:cSld>
+    <p:spTree>
+      <p:nvGrpSpPr>
+        <p:cNvPr id="1" name=""/>
+        <p:cNvGrpSpPr/>
+        <p:nvPr/>
+      </p:nvGrpSpPr>
+      <p:grpSpPr>
+        <a:xfrm>
+          <a:off x="0" y="0"/>
+          <a:ext cx="0" cy="0"/>
+          <a:chOff x="0" y="0"/>
+          <a:chExt cx="0" cy="0"/>
+        </a:xfrm>
+      </p:grpSpPr>
+      <p:sp>
+        <p:nvSpPr>
+          <p:cNvPr id="2" name="Espace réservé de l'image des diapositives 1"/>
+          <p:cNvSpPr>
+            <a:spLocks noGrp="1" noRot="1" noChangeAspect="1"/>
+          </p:cNvSpPr>
+          <p:nvPr>
+            <p:ph type="sldImg"/>
+          </p:nvPr>
+        </p:nvSpPr>
+        <p:spPr/>
+      </p:sp>
+      <p:sp>
+        <p:nvSpPr>
+          <p:cNvPr id="3" name="Espace réservé des notes 2"/>
+          <p:cNvSpPr>
+            <a:spLocks noGrp="1"/>
+          </p:cNvSpPr>
+          <p:nvPr>
+            <p:ph type="body" idx="1"/>
+          </p:nvPr>
+        </p:nvSpPr>
+        <p:spPr/>
+        <p:txBody>
+          <a:bodyPr/>
+          <a:lstStyle/>
+          <a:p>
             <a:pPr marL="171450" indent="-171450">
               <a:buFontTx/>
               <a:buChar char="-"/>
@@ -882,7 +1178,7 @@
 </p:notes>
 </file>
 
-<file path=ppt/notesSlides/notesSlide5.xml><?xml version="1.0" encoding="utf-8"?>
+<file path=ppt/notesSlides/notesSlide7.xml><?xml version="1.0" encoding="utf-8"?>
 <p:notes xmlns:a="http://schemas.openxmlformats.org/drawingml/2006/main" xmlns:r="http://schemas.openxmlformats.org/officeDocument/2006/relationships" xmlns:p="http://schemas.openxmlformats.org/presentationml/2006/main">
   <p:cSld>
     <p:spTree>
@@ -1088,7 +1384,7 @@
           <a:effectLst/>
           <a:extLst>
             <a:ext uri="{91240B29-F687-4f45-9708-019B960494DF}">
-              <a14:hiddenLine xmlns="" xmlns:a14="http://schemas.microsoft.com/office/drawing/2010/main" w="9525">
+              <a14:hiddenLine xmlns:a14="http://schemas.microsoft.com/office/drawing/2010/main" xmlns="" w="9525">
                 <a:solidFill>
                   <a:srgbClr val="000000"/>
                 </a:solidFill>
@@ -1280,7 +1576,7 @@
           <a:p>
             <a:fld id="{E8E128D4-2B97-4D00-8C41-A15A8E2CCECC}" type="datetime1">
               <a:rPr lang="en-US" smtClean="0"/>
-              <a:t>12/17/2019</a:t>
+              <a:t>12/18/2019</a:t>
             </a:fld>
             <a:endParaRPr lang="en-US" dirty="0"/>
           </a:p>
@@ -1594,7 +1890,7 @@
           <a:p>
             <a:fld id="{0ADF2495-361B-45CB-857D-390A82607E03}" type="datetime1">
               <a:rPr lang="en-US" smtClean="0"/>
-              <a:t>12/17/2019</a:t>
+              <a:t>12/18/2019</a:t>
             </a:fld>
             <a:endParaRPr lang="en-US" dirty="0"/>
           </a:p>
@@ -2078,7 +2374,7 @@
           <a:p>
             <a:fld id="{A28C0335-E3E1-44D8-A3A1-5B0C46B38F9D}" type="datetime1">
               <a:rPr lang="en-US" smtClean="0"/>
-              <a:t>12/17/2019</a:t>
+              <a:t>12/18/2019</a:t>
             </a:fld>
             <a:endParaRPr lang="en-US" dirty="0"/>
           </a:p>
@@ -2443,7 +2739,7 @@
           <a:p>
             <a:fld id="{B5A23270-DE5F-496B-8618-20F475962898}" type="datetime1">
               <a:rPr lang="en-US" smtClean="0"/>
-              <a:t>12/17/2019</a:t>
+              <a:t>12/18/2019</a:t>
             </a:fld>
             <a:endParaRPr lang="en-US" dirty="0"/>
           </a:p>
@@ -2594,7 +2890,7 @@
           <a:ln/>
           <a:extLst>
             <a:ext uri="{91240B29-F687-4f45-9708-019B960494DF}">
-              <a14:hiddenLine xmlns="" xmlns:a14="http://schemas.microsoft.com/office/drawing/2010/main" w="9525">
+              <a14:hiddenLine xmlns:a14="http://schemas.microsoft.com/office/drawing/2010/main" xmlns="" w="9525">
                 <a:solidFill>
                   <a:srgbClr val="000000"/>
                 </a:solidFill>
@@ -2712,7 +3008,7 @@
           <a:p>
             <a:fld id="{981C065D-8039-45C2-9EFC-A0A7E76FCBF3}" type="datetime1">
               <a:rPr lang="en-US" smtClean="0"/>
-              <a:t>12/17/2019</a:t>
+              <a:t>12/18/2019</a:t>
             </a:fld>
             <a:endParaRPr lang="en-US" dirty="0"/>
           </a:p>
@@ -2865,7 +3161,7 @@
           <a:ln/>
           <a:extLst>
             <a:ext uri="{91240B29-F687-4f45-9708-019B960494DF}">
-              <a14:hiddenLine xmlns="" xmlns:a14="http://schemas.microsoft.com/office/drawing/2010/main" w="9525">
+              <a14:hiddenLine xmlns:a14="http://schemas.microsoft.com/office/drawing/2010/main" xmlns="" w="9525">
                 <a:solidFill>
                   <a:srgbClr val="000000"/>
                 </a:solidFill>
@@ -2993,7 +3289,7 @@
           <a:p>
             <a:fld id="{3506392F-2B30-4259-B6A7-2291A3D54088}" type="datetime1">
               <a:rPr lang="en-US" smtClean="0"/>
-              <a:t>12/17/2019</a:t>
+              <a:t>12/18/2019</a:t>
             </a:fld>
             <a:endParaRPr lang="en-US" dirty="0"/>
           </a:p>
@@ -3144,7 +3440,7 @@
           <a:ln/>
           <a:extLst>
             <a:ext uri="{91240B29-F687-4f45-9708-019B960494DF}">
-              <a14:hiddenLine xmlns="" xmlns:a14="http://schemas.microsoft.com/office/drawing/2010/main" w="9525">
+              <a14:hiddenLine xmlns:a14="http://schemas.microsoft.com/office/drawing/2010/main" xmlns="" w="9525">
                 <a:solidFill>
                   <a:srgbClr val="000000"/>
                 </a:solidFill>
@@ -3272,7 +3568,7 @@
           <a:p>
             <a:fld id="{025D745B-7098-44C1-B3DD-89E9D8CF84AB}" type="datetime1">
               <a:rPr lang="en-US" smtClean="0"/>
-              <a:t>12/17/2019</a:t>
+              <a:t>12/18/2019</a:t>
             </a:fld>
             <a:endParaRPr lang="en-US" dirty="0"/>
           </a:p>
@@ -3611,7 +3907,7 @@
           <a:p>
             <a:fld id="{3F19069D-161A-4725-B5E8-57ED88226824}" type="datetime1">
               <a:rPr lang="en-US" smtClean="0"/>
-              <a:t>12/17/2019</a:t>
+              <a:t>12/18/2019</a:t>
             </a:fld>
             <a:endParaRPr lang="en-US" dirty="0"/>
           </a:p>
@@ -3762,7 +4058,7 @@
           <a:ln/>
           <a:extLst>
             <a:ext uri="{91240B29-F687-4f45-9708-019B960494DF}">
-              <a14:hiddenLine xmlns="" xmlns:a14="http://schemas.microsoft.com/office/drawing/2010/main" w="9525">
+              <a14:hiddenLine xmlns:a14="http://schemas.microsoft.com/office/drawing/2010/main" xmlns="" w="9525">
                 <a:solidFill>
                   <a:srgbClr val="000000"/>
                 </a:solidFill>
@@ -3946,7 +4242,7 @@
           <a:p>
             <a:fld id="{CB61BCF9-CA4A-419C-B350-318DFFC1AA0F}" type="datetime1">
               <a:rPr lang="en-US" smtClean="0"/>
-              <a:t>12/17/2019</a:t>
+              <a:t>12/18/2019</a:t>
             </a:fld>
             <a:endParaRPr lang="en-US" dirty="0"/>
           </a:p>
@@ -4097,7 +4393,7 @@
           <a:ln/>
           <a:extLst>
             <a:ext uri="{91240B29-F687-4f45-9708-019B960494DF}">
-              <a14:hiddenLine xmlns="" xmlns:a14="http://schemas.microsoft.com/office/drawing/2010/main" w="9525">
+              <a14:hiddenLine xmlns:a14="http://schemas.microsoft.com/office/drawing/2010/main" xmlns="" w="9525">
                 <a:solidFill>
                   <a:srgbClr val="000000"/>
                 </a:solidFill>
@@ -4419,7 +4715,7 @@
           <a:p>
             <a:fld id="{B6A20A7B-6AB4-472D-A146-775736AA170D}" type="datetime1">
               <a:rPr lang="en-US" smtClean="0"/>
-              <a:t>12/17/2019</a:t>
+              <a:t>12/18/2019</a:t>
             </a:fld>
             <a:endParaRPr lang="en-US" dirty="0"/>
           </a:p>
@@ -4570,7 +4866,7 @@
           <a:ln/>
           <a:extLst>
             <a:ext uri="{91240B29-F687-4f45-9708-019B960494DF}">
-              <a14:hiddenLine xmlns="" xmlns:a14="http://schemas.microsoft.com/office/drawing/2010/main" w="9525">
+              <a14:hiddenLine xmlns:a14="http://schemas.microsoft.com/office/drawing/2010/main" xmlns="" w="9525">
                 <a:solidFill>
                   <a:srgbClr val="000000"/>
                 </a:solidFill>
@@ -4636,7 +4932,7 @@
           <a:p>
             <a:fld id="{6A05F030-1C8A-458D-9A5F-E00D2780AC95}" type="datetime1">
               <a:rPr lang="en-US" smtClean="0"/>
-              <a:t>12/17/2019</a:t>
+              <a:t>12/18/2019</a:t>
             </a:fld>
             <a:endParaRPr lang="en-US" dirty="0"/>
           </a:p>
@@ -4727,7 +5023,7 @@
           <a:p>
             <a:fld id="{1240D710-5DF4-4012-8BB8-3CF58D6F2A7C}" type="datetime1">
               <a:rPr lang="en-US" smtClean="0"/>
-              <a:t>12/17/2019</a:t>
+              <a:t>12/18/2019</a:t>
             </a:fld>
             <a:endParaRPr lang="en-US" dirty="0"/>
           </a:p>
@@ -4991,7 +5287,7 @@
           <a:ln/>
           <a:extLst>
             <a:ext uri="{91240B29-F687-4f45-9708-019B960494DF}">
-              <a14:hiddenLine xmlns="" xmlns:a14="http://schemas.microsoft.com/office/drawing/2010/main" w="9525">
+              <a14:hiddenLine xmlns:a14="http://schemas.microsoft.com/office/drawing/2010/main" xmlns="" w="9525">
                 <a:solidFill>
                   <a:srgbClr val="000000"/>
                 </a:solidFill>
@@ -5190,7 +5486,7 @@
           <a:p>
             <a:fld id="{99722D52-B400-41CA-B334-A9A689063FEF}" type="datetime1">
               <a:rPr lang="en-US" smtClean="0"/>
-              <a:t>12/17/2019</a:t>
+              <a:t>12/18/2019</a:t>
             </a:fld>
             <a:endParaRPr lang="en-US" dirty="0"/>
           </a:p>
@@ -5499,7 +5795,7 @@
           <a:p>
             <a:fld id="{1BA3EDCC-E7EC-4434-8C60-B9D7A27CCF7C}" type="datetime1">
               <a:rPr lang="en-US" smtClean="0"/>
-              <a:t>12/17/2019</a:t>
+              <a:t>12/18/2019</a:t>
             </a:fld>
             <a:endParaRPr lang="en-US" dirty="0"/>
           </a:p>
@@ -5765,7 +6061,7 @@
           <a:p>
             <a:fld id="{4F8E49D7-EEDD-4A8F-B044-C9278821D1B7}" type="datetime1">
               <a:rPr lang="en-US" smtClean="0"/>
-              <a:t>12/17/2019</a:t>
+              <a:t>12/18/2019</a:t>
             </a:fld>
             <a:endParaRPr lang="en-US" dirty="0"/>
           </a:p>
@@ -11538,7 +11834,7 @@
               <a:rPr lang="fr-FR" sz="2400" b="1" dirty="0">
                 <a:latin typeface="Carlito" panose="020F0502020204030204" pitchFamily="34" charset="0"/>
               </a:rPr>
-              <a:t>2</a:t>
+              <a:t>2,3</a:t>
             </a:r>
             <a:r>
               <a:rPr lang="fr-FR" sz="2400" dirty="0">
@@ -11550,7 +11846,7 @@
               <a:rPr lang="fr-FR" sz="2400" b="1" dirty="0">
                 <a:latin typeface="Carlito" panose="020F0502020204030204" pitchFamily="34" charset="0"/>
               </a:rPr>
-              <a:t>milliards $ pour 2019</a:t>
+              <a:t>milliards € pour 2019</a:t>
             </a:r>
             <a:r>
               <a:rPr lang="fr-FR" sz="2400" dirty="0">
@@ -11666,7 +11962,7 @@
           <p:nvPr/>
         </p:nvPicPr>
         <p:blipFill>
-          <a:blip r:embed="rId2"/>
+          <a:blip r:embed="rId3"/>
           <a:stretch>
             <a:fillRect/>
           </a:stretch>
@@ -11712,13 +12008,13 @@
   <p:clrMapOvr>
     <a:masterClrMapping/>
   </p:clrMapOvr>
-  <mc:AlternateContent xmlns:mc="http://schemas.openxmlformats.org/markup-compatibility/2006" xmlns:p14="http://schemas.microsoft.com/office/powerpoint/2010/main">
-    <mc:Choice Requires="p14">
+  <mc:AlternateContent xmlns:mc="http://schemas.openxmlformats.org/markup-compatibility/2006">
+    <mc:Choice xmlns:p14="http://schemas.microsoft.com/office/powerpoint/2010/main" Requires="p14">
       <p:transition spd="slow" p14:dur="800">
         <p14:flythrough/>
       </p:transition>
     </mc:Choice>
-    <mc:Fallback xmlns="">
+    <mc:Fallback>
       <p:transition spd="slow">
         <p:fade/>
       </p:transition>
@@ -12165,7 +12461,7 @@
           <p:nvPr/>
         </p:nvPicPr>
         <p:blipFill>
-          <a:blip r:embed="rId2"/>
+          <a:blip r:embed="rId3"/>
           <a:stretch>
             <a:fillRect/>
           </a:stretch>

--- a/Documents/Soutenance.pptx
+++ b/Documents/Soutenance.pptx
@@ -214,7 +214,7 @@
           <a:p>
             <a:fld id="{343186F5-8CA8-4006-A6F7-848E92B45C6D}" type="datetimeFigureOut">
               <a:rPr lang="fr-FR" smtClean="0"/>
-              <a:t>18/12/2019</a:t>
+              <a:t>19/12/2019</a:t>
             </a:fld>
             <a:endParaRPr lang="fr-FR"/>
           </a:p>
@@ -834,6 +834,42 @@
               <a:t>Inconvénient : difficultés à lever des capitaux financiers</a:t>
             </a:r>
           </a:p>
+          <a:p>
+            <a:endParaRPr lang="fr-FR" dirty="0"/>
+          </a:p>
+          <a:p>
+            <a:r>
+              <a:rPr lang="fr-FR" dirty="0" err="1"/>
+              <a:t>Élégibilité</a:t>
+            </a:r>
+            <a:r>
+              <a:rPr lang="fr-FR" dirty="0"/>
+              <a:t> : soit comme entreprise individuelle, soit en tant que partnership, soit comme </a:t>
+            </a:r>
+            <a:r>
+              <a:rPr lang="fr-FR" dirty="0" err="1"/>
+              <a:t>coporation</a:t>
+            </a:r>
+            <a:endParaRPr lang="fr-FR" dirty="0"/>
+          </a:p>
+          <a:p>
+            <a:endParaRPr lang="fr-FR" dirty="0"/>
+          </a:p>
+          <a:p>
+            <a:r>
+              <a:rPr lang="fr-FR" sz="1200" b="0" i="0" kern="1200">
+                <a:solidFill>
+                  <a:schemeClr val="tx1"/>
+                </a:solidFill>
+                <a:effectLst/>
+                <a:latin typeface="+mn-lt"/>
+                <a:ea typeface="+mn-ea"/>
+                <a:cs typeface="+mn-cs"/>
+              </a:rPr>
+              <a:t> les investisseurs pouvant être plus à l'aise à investir des fonds sous une forme de corporation mieux comprise </a:t>
+            </a:r>
+            <a:endParaRPr lang="fr-FR" dirty="0"/>
+          </a:p>
         </p:txBody>
       </p:sp>
       <p:sp>
@@ -1384,7 +1420,7 @@
           <a:effectLst/>
           <a:extLst>
             <a:ext uri="{91240B29-F687-4f45-9708-019B960494DF}">
-              <a14:hiddenLine xmlns:a14="http://schemas.microsoft.com/office/drawing/2010/main" xmlns="" w="9525">
+              <a14:hiddenLine xmlns="" xmlns:a14="http://schemas.microsoft.com/office/drawing/2010/main" w="9525">
                 <a:solidFill>
                   <a:srgbClr val="000000"/>
                 </a:solidFill>
@@ -1576,7 +1612,7 @@
           <a:p>
             <a:fld id="{E8E128D4-2B97-4D00-8C41-A15A8E2CCECC}" type="datetime1">
               <a:rPr lang="en-US" smtClean="0"/>
-              <a:t>12/18/2019</a:t>
+              <a:t>12/19/2019</a:t>
             </a:fld>
             <a:endParaRPr lang="en-US" dirty="0"/>
           </a:p>
@@ -1890,7 +1926,7 @@
           <a:p>
             <a:fld id="{0ADF2495-361B-45CB-857D-390A82607E03}" type="datetime1">
               <a:rPr lang="en-US" smtClean="0"/>
-              <a:t>12/18/2019</a:t>
+              <a:t>12/19/2019</a:t>
             </a:fld>
             <a:endParaRPr lang="en-US" dirty="0"/>
           </a:p>
@@ -2374,7 +2410,7 @@
           <a:p>
             <a:fld id="{A28C0335-E3E1-44D8-A3A1-5B0C46B38F9D}" type="datetime1">
               <a:rPr lang="en-US" smtClean="0"/>
-              <a:t>12/18/2019</a:t>
+              <a:t>12/19/2019</a:t>
             </a:fld>
             <a:endParaRPr lang="en-US" dirty="0"/>
           </a:p>
@@ -2739,7 +2775,7 @@
           <a:p>
             <a:fld id="{B5A23270-DE5F-496B-8618-20F475962898}" type="datetime1">
               <a:rPr lang="en-US" smtClean="0"/>
-              <a:t>12/18/2019</a:t>
+              <a:t>12/19/2019</a:t>
             </a:fld>
             <a:endParaRPr lang="en-US" dirty="0"/>
           </a:p>
@@ -2890,7 +2926,7 @@
           <a:ln/>
           <a:extLst>
             <a:ext uri="{91240B29-F687-4f45-9708-019B960494DF}">
-              <a14:hiddenLine xmlns:a14="http://schemas.microsoft.com/office/drawing/2010/main" xmlns="" w="9525">
+              <a14:hiddenLine xmlns="" xmlns:a14="http://schemas.microsoft.com/office/drawing/2010/main" w="9525">
                 <a:solidFill>
                   <a:srgbClr val="000000"/>
                 </a:solidFill>
@@ -3008,7 +3044,7 @@
           <a:p>
             <a:fld id="{981C065D-8039-45C2-9EFC-A0A7E76FCBF3}" type="datetime1">
               <a:rPr lang="en-US" smtClean="0"/>
-              <a:t>12/18/2019</a:t>
+              <a:t>12/19/2019</a:t>
             </a:fld>
             <a:endParaRPr lang="en-US" dirty="0"/>
           </a:p>
@@ -3161,7 +3197,7 @@
           <a:ln/>
           <a:extLst>
             <a:ext uri="{91240B29-F687-4f45-9708-019B960494DF}">
-              <a14:hiddenLine xmlns:a14="http://schemas.microsoft.com/office/drawing/2010/main" xmlns="" w="9525">
+              <a14:hiddenLine xmlns="" xmlns:a14="http://schemas.microsoft.com/office/drawing/2010/main" w="9525">
                 <a:solidFill>
                   <a:srgbClr val="000000"/>
                 </a:solidFill>
@@ -3289,7 +3325,7 @@
           <a:p>
             <a:fld id="{3506392F-2B30-4259-B6A7-2291A3D54088}" type="datetime1">
               <a:rPr lang="en-US" smtClean="0"/>
-              <a:t>12/18/2019</a:t>
+              <a:t>12/19/2019</a:t>
             </a:fld>
             <a:endParaRPr lang="en-US" dirty="0"/>
           </a:p>
@@ -3440,7 +3476,7 @@
           <a:ln/>
           <a:extLst>
             <a:ext uri="{91240B29-F687-4f45-9708-019B960494DF}">
-              <a14:hiddenLine xmlns:a14="http://schemas.microsoft.com/office/drawing/2010/main" xmlns="" w="9525">
+              <a14:hiddenLine xmlns="" xmlns:a14="http://schemas.microsoft.com/office/drawing/2010/main" w="9525">
                 <a:solidFill>
                   <a:srgbClr val="000000"/>
                 </a:solidFill>
@@ -3568,7 +3604,7 @@
           <a:p>
             <a:fld id="{025D745B-7098-44C1-B3DD-89E9D8CF84AB}" type="datetime1">
               <a:rPr lang="en-US" smtClean="0"/>
-              <a:t>12/18/2019</a:t>
+              <a:t>12/19/2019</a:t>
             </a:fld>
             <a:endParaRPr lang="en-US" dirty="0"/>
           </a:p>
@@ -3907,7 +3943,7 @@
           <a:p>
             <a:fld id="{3F19069D-161A-4725-B5E8-57ED88226824}" type="datetime1">
               <a:rPr lang="en-US" smtClean="0"/>
-              <a:t>12/18/2019</a:t>
+              <a:t>12/19/2019</a:t>
             </a:fld>
             <a:endParaRPr lang="en-US" dirty="0"/>
           </a:p>
@@ -4058,7 +4094,7 @@
           <a:ln/>
           <a:extLst>
             <a:ext uri="{91240B29-F687-4f45-9708-019B960494DF}">
-              <a14:hiddenLine xmlns:a14="http://schemas.microsoft.com/office/drawing/2010/main" xmlns="" w="9525">
+              <a14:hiddenLine xmlns="" xmlns:a14="http://schemas.microsoft.com/office/drawing/2010/main" w="9525">
                 <a:solidFill>
                   <a:srgbClr val="000000"/>
                 </a:solidFill>
@@ -4242,7 +4278,7 @@
           <a:p>
             <a:fld id="{CB61BCF9-CA4A-419C-B350-318DFFC1AA0F}" type="datetime1">
               <a:rPr lang="en-US" smtClean="0"/>
-              <a:t>12/18/2019</a:t>
+              <a:t>12/19/2019</a:t>
             </a:fld>
             <a:endParaRPr lang="en-US" dirty="0"/>
           </a:p>
@@ -4393,7 +4429,7 @@
           <a:ln/>
           <a:extLst>
             <a:ext uri="{91240B29-F687-4f45-9708-019B960494DF}">
-              <a14:hiddenLine xmlns:a14="http://schemas.microsoft.com/office/drawing/2010/main" xmlns="" w="9525">
+              <a14:hiddenLine xmlns="" xmlns:a14="http://schemas.microsoft.com/office/drawing/2010/main" w="9525">
                 <a:solidFill>
                   <a:srgbClr val="000000"/>
                 </a:solidFill>
@@ -4715,7 +4751,7 @@
           <a:p>
             <a:fld id="{B6A20A7B-6AB4-472D-A146-775736AA170D}" type="datetime1">
               <a:rPr lang="en-US" smtClean="0"/>
-              <a:t>12/18/2019</a:t>
+              <a:t>12/19/2019</a:t>
             </a:fld>
             <a:endParaRPr lang="en-US" dirty="0"/>
           </a:p>
@@ -4866,7 +4902,7 @@
           <a:ln/>
           <a:extLst>
             <a:ext uri="{91240B29-F687-4f45-9708-019B960494DF}">
-              <a14:hiddenLine xmlns:a14="http://schemas.microsoft.com/office/drawing/2010/main" xmlns="" w="9525">
+              <a14:hiddenLine xmlns="" xmlns:a14="http://schemas.microsoft.com/office/drawing/2010/main" w="9525">
                 <a:solidFill>
                   <a:srgbClr val="000000"/>
                 </a:solidFill>
@@ -4932,7 +4968,7 @@
           <a:p>
             <a:fld id="{6A05F030-1C8A-458D-9A5F-E00D2780AC95}" type="datetime1">
               <a:rPr lang="en-US" smtClean="0"/>
-              <a:t>12/18/2019</a:t>
+              <a:t>12/19/2019</a:t>
             </a:fld>
             <a:endParaRPr lang="en-US" dirty="0"/>
           </a:p>
@@ -5023,7 +5059,7 @@
           <a:p>
             <a:fld id="{1240D710-5DF4-4012-8BB8-3CF58D6F2A7C}" type="datetime1">
               <a:rPr lang="en-US" smtClean="0"/>
-              <a:t>12/18/2019</a:t>
+              <a:t>12/19/2019</a:t>
             </a:fld>
             <a:endParaRPr lang="en-US" dirty="0"/>
           </a:p>
@@ -5287,7 +5323,7 @@
           <a:ln/>
           <a:extLst>
             <a:ext uri="{91240B29-F687-4f45-9708-019B960494DF}">
-              <a14:hiddenLine xmlns:a14="http://schemas.microsoft.com/office/drawing/2010/main" xmlns="" w="9525">
+              <a14:hiddenLine xmlns="" xmlns:a14="http://schemas.microsoft.com/office/drawing/2010/main" w="9525">
                 <a:solidFill>
                   <a:srgbClr val="000000"/>
                 </a:solidFill>
@@ -5486,7 +5522,7 @@
           <a:p>
             <a:fld id="{99722D52-B400-41CA-B334-A9A689063FEF}" type="datetime1">
               <a:rPr lang="en-US" smtClean="0"/>
-              <a:t>12/18/2019</a:t>
+              <a:t>12/19/2019</a:t>
             </a:fld>
             <a:endParaRPr lang="en-US" dirty="0"/>
           </a:p>
@@ -5795,7 +5831,7 @@
           <a:p>
             <a:fld id="{1BA3EDCC-E7EC-4434-8C60-B9D7A27CCF7C}" type="datetime1">
               <a:rPr lang="en-US" smtClean="0"/>
-              <a:t>12/18/2019</a:t>
+              <a:t>12/19/2019</a:t>
             </a:fld>
             <a:endParaRPr lang="en-US" dirty="0"/>
           </a:p>
@@ -6061,7 +6097,7 @@
           <a:p>
             <a:fld id="{4F8E49D7-EEDD-4A8F-B044-C9278821D1B7}" type="datetime1">
               <a:rPr lang="en-US" smtClean="0"/>
-              <a:t>12/18/2019</a:t>
+              <a:t>12/19/2019</a:t>
             </a:fld>
             <a:endParaRPr lang="en-US" dirty="0"/>
           </a:p>
@@ -12008,13 +12044,13 @@
   <p:clrMapOvr>
     <a:masterClrMapping/>
   </p:clrMapOvr>
-  <mc:AlternateContent xmlns:mc="http://schemas.openxmlformats.org/markup-compatibility/2006">
-    <mc:Choice xmlns:p14="http://schemas.microsoft.com/office/powerpoint/2010/main" Requires="p14">
+  <mc:AlternateContent xmlns:mc="http://schemas.openxmlformats.org/markup-compatibility/2006" xmlns:p14="http://schemas.microsoft.com/office/powerpoint/2010/main">
+    <mc:Choice Requires="p14">
       <p:transition spd="slow" p14:dur="800">
         <p14:flythrough/>
       </p:transition>
     </mc:Choice>
-    <mc:Fallback>
+    <mc:Fallback xmlns="">
       <p:transition spd="slow">
         <p:fade/>
       </p:transition>

--- a/Documents/Soutenance.pptx
+++ b/Documents/Soutenance.pptx
@@ -525,17 +525,26 @@
           <a:bodyPr/>
           <a:lstStyle/>
           <a:p>
-            <a:r>
-              <a:rPr lang="fr-FR" sz="2400" dirty="0"/>
-              <a:t>Ayant son siège social à New York, Take-Two Interactive Software, Inc. est un important développeur, éditeur et distributeur de divertissement interactif pour les consommateurs du monde entier. La société développe et publie des produits principalement par le biais de </a:t>
-            </a:r>
-            <a:r>
-              <a:rPr lang="fr-FR" sz="1200" dirty="0"/>
-              <a:t>ses</a:t>
-            </a:r>
-            <a:r>
-              <a:rPr lang="fr-FR" sz="2400" dirty="0"/>
-              <a:t> marques à 100% Rockstar Games et 2K.</a:t>
+            <a:pPr marL="0" marR="0" lvl="0" indent="0" algn="l" defTabSz="914400" rtl="0" eaLnBrk="1" fontAlgn="auto" latinLnBrk="0" hangingPunct="1">
+              <a:lnSpc>
+                <a:spcPct val="100000"/>
+              </a:lnSpc>
+              <a:spcBef>
+                <a:spcPts val="0"/>
+              </a:spcBef>
+              <a:spcAft>
+                <a:spcPts val="0"/>
+              </a:spcAft>
+              <a:buClrTx/>
+              <a:buSzTx/>
+              <a:buFontTx/>
+              <a:buNone/>
+              <a:tabLst/>
+              <a:defRPr/>
+            </a:pPr>
+            <a:r>
+              <a:rPr lang="fr-FR" dirty="0"/>
+              <a:t>Bonjour à tous, aujourd’hui nous allons vous présenter le sujet de notre projet tuteuré dans cette soutenance : l’entreprise Take-Two Interactive. Pour cela je serai accompagné de mes camarades… Le but de ce projet tuteuré était de relever toutes les caractéristiques d’une grande entreprise de jeu vidéo qui s’impose dans l’industrie vidéoludique.</a:t>
             </a:r>
           </a:p>
         </p:txBody>
@@ -557,7 +566,7 @@
           <a:p>
             <a:fld id="{1F4BD613-B23A-462C-B9CD-9B4D3E24A162}" type="slidenum">
               <a:rPr lang="fr-FR" smtClean="0"/>
-              <a:t>4</a:t>
+              <a:t>1</a:t>
             </a:fld>
             <a:endParaRPr lang="fr-FR"/>
           </a:p>
@@ -566,7 +575,229 @@
     </p:spTree>
     <p:extLst>
       <p:ext uri="{BB962C8B-B14F-4D97-AF65-F5344CB8AC3E}">
-        <p14:creationId xmlns:p14="http://schemas.microsoft.com/office/powerpoint/2010/main" val="283884910"/>
+        <p14:creationId xmlns:p14="http://schemas.microsoft.com/office/powerpoint/2010/main" val="2355602505"/>
+      </p:ext>
+    </p:extLst>
+  </p:cSld>
+  <p:clrMapOvr>
+    <a:masterClrMapping/>
+  </p:clrMapOvr>
+</p:notes>
+</file>
+
+<file path=ppt/notesSlides/notesSlide10.xml><?xml version="1.0" encoding="utf-8"?>
+<p:notes xmlns:a="http://schemas.openxmlformats.org/drawingml/2006/main" xmlns:r="http://schemas.openxmlformats.org/officeDocument/2006/relationships" xmlns:p="http://schemas.openxmlformats.org/presentationml/2006/main">
+  <p:cSld>
+    <p:spTree>
+      <p:nvGrpSpPr>
+        <p:cNvPr id="1" name=""/>
+        <p:cNvGrpSpPr/>
+        <p:nvPr/>
+      </p:nvGrpSpPr>
+      <p:grpSpPr>
+        <a:xfrm>
+          <a:off x="0" y="0"/>
+          <a:ext cx="0" cy="0"/>
+          <a:chOff x="0" y="0"/>
+          <a:chExt cx="0" cy="0"/>
+        </a:xfrm>
+      </p:grpSpPr>
+      <p:sp>
+        <p:nvSpPr>
+          <p:cNvPr id="2" name="Espace réservé de l'image des diapositives 1"/>
+          <p:cNvSpPr>
+            <a:spLocks noGrp="1" noRot="1" noChangeAspect="1"/>
+          </p:cNvSpPr>
+          <p:nvPr>
+            <p:ph type="sldImg"/>
+          </p:nvPr>
+        </p:nvSpPr>
+        <p:spPr/>
+      </p:sp>
+      <p:sp>
+        <p:nvSpPr>
+          <p:cNvPr id="3" name="Espace réservé des notes 2"/>
+          <p:cNvSpPr>
+            <a:spLocks noGrp="1"/>
+          </p:cNvSpPr>
+          <p:nvPr>
+            <p:ph type="body" idx="1"/>
+          </p:nvPr>
+        </p:nvSpPr>
+        <p:spPr/>
+        <p:txBody>
+          <a:bodyPr/>
+          <a:lstStyle/>
+          <a:p>
+            <a:pPr marL="171450" indent="-171450">
+              <a:buFontTx/>
+              <a:buChar char="-"/>
+            </a:pPr>
+            <a:r>
+              <a:rPr lang="fr-FR" dirty="0"/>
+              <a:t>Changé le micro-trottoir en sondage</a:t>
+            </a:r>
+          </a:p>
+          <a:p>
+            <a:pPr marL="171450" indent="-171450">
+              <a:buFontTx/>
+              <a:buChar char="-"/>
+            </a:pPr>
+            <a:r>
+              <a:rPr lang="fr-FR" dirty="0"/>
+              <a:t>La soutenance a pris un peu de retard</a:t>
+            </a:r>
+          </a:p>
+          <a:p>
+            <a:pPr marL="171450" indent="-171450">
+              <a:buFontTx/>
+              <a:buChar char="-"/>
+            </a:pPr>
+            <a:r>
+              <a:rPr lang="fr-FR" dirty="0"/>
+              <a:t>Le rapport a été commencé plus tôt</a:t>
+            </a:r>
+          </a:p>
+        </p:txBody>
+      </p:sp>
+      <p:sp>
+        <p:nvSpPr>
+          <p:cNvPr id="4" name="Espace réservé du numéro de diapositive 3"/>
+          <p:cNvSpPr>
+            <a:spLocks noGrp="1"/>
+          </p:cNvSpPr>
+          <p:nvPr>
+            <p:ph type="sldNum" sz="quarter" idx="5"/>
+          </p:nvPr>
+        </p:nvSpPr>
+        <p:spPr/>
+        <p:txBody>
+          <a:bodyPr/>
+          <a:lstStyle/>
+          <a:p>
+            <a:fld id="{1F4BD613-B23A-462C-B9CD-9B4D3E24A162}" type="slidenum">
+              <a:rPr lang="fr-FR" smtClean="0"/>
+              <a:t>16</a:t>
+            </a:fld>
+            <a:endParaRPr lang="fr-FR"/>
+          </a:p>
+        </p:txBody>
+      </p:sp>
+    </p:spTree>
+    <p:extLst>
+      <p:ext uri="{BB962C8B-B14F-4D97-AF65-F5344CB8AC3E}">
+        <p14:creationId xmlns:p14="http://schemas.microsoft.com/office/powerpoint/2010/main" val="4171303329"/>
+      </p:ext>
+    </p:extLst>
+  </p:cSld>
+  <p:clrMapOvr>
+    <a:masterClrMapping/>
+  </p:clrMapOvr>
+</p:notes>
+</file>
+
+<file path=ppt/notesSlides/notesSlide11.xml><?xml version="1.0" encoding="utf-8"?>
+<p:notes xmlns:a="http://schemas.openxmlformats.org/drawingml/2006/main" xmlns:r="http://schemas.openxmlformats.org/officeDocument/2006/relationships" xmlns:p="http://schemas.openxmlformats.org/presentationml/2006/main">
+  <p:cSld>
+    <p:spTree>
+      <p:nvGrpSpPr>
+        <p:cNvPr id="1" name=""/>
+        <p:cNvGrpSpPr/>
+        <p:nvPr/>
+      </p:nvGrpSpPr>
+      <p:grpSpPr>
+        <a:xfrm>
+          <a:off x="0" y="0"/>
+          <a:ext cx="0" cy="0"/>
+          <a:chOff x="0" y="0"/>
+          <a:chExt cx="0" cy="0"/>
+        </a:xfrm>
+      </p:grpSpPr>
+      <p:sp>
+        <p:nvSpPr>
+          <p:cNvPr id="2" name="Espace réservé de l'image des diapositives 1"/>
+          <p:cNvSpPr>
+            <a:spLocks noGrp="1" noRot="1" noChangeAspect="1"/>
+          </p:cNvSpPr>
+          <p:nvPr>
+            <p:ph type="sldImg"/>
+          </p:nvPr>
+        </p:nvSpPr>
+        <p:spPr/>
+      </p:sp>
+      <p:sp>
+        <p:nvSpPr>
+          <p:cNvPr id="3" name="Espace réservé des notes 2"/>
+          <p:cNvSpPr>
+            <a:spLocks noGrp="1"/>
+          </p:cNvSpPr>
+          <p:nvPr>
+            <p:ph type="body" idx="1"/>
+          </p:nvPr>
+        </p:nvSpPr>
+        <p:spPr/>
+        <p:txBody>
+          <a:bodyPr/>
+          <a:lstStyle/>
+          <a:p>
+            <a:pPr marL="171450" indent="-171450">
+              <a:buFontTx/>
+              <a:buChar char="-"/>
+            </a:pPr>
+            <a:r>
+              <a:rPr lang="fr-FR" dirty="0"/>
+              <a:t>Nous communiquions via Discord qui est un logiciel de communication permettant de créer des serveurs (groupes privés) et d’avoir plusieurs salons de communication</a:t>
+            </a:r>
+          </a:p>
+          <a:p>
+            <a:pPr marL="171450" indent="-171450">
+              <a:buFontTx/>
+              <a:buChar char="-"/>
+            </a:pPr>
+            <a:r>
+              <a:rPr lang="fr-FR" dirty="0"/>
+              <a:t>Nous nous partagions les fichiers via GitHub, un site web permettant de mettre en commun des fichiers tout en gardant l’avancement de tout le monde</a:t>
+            </a:r>
+          </a:p>
+          <a:p>
+            <a:pPr marL="171450" indent="-171450">
+              <a:buFontTx/>
+              <a:buChar char="-"/>
+            </a:pPr>
+            <a:r>
+              <a:rPr lang="fr-FR" dirty="0"/>
+              <a:t>Nous nous retrouvions parfois le jeudi après-midi à la bibliothèque universitaire afin de communiquer et travailler plus simplement</a:t>
+            </a:r>
+          </a:p>
+        </p:txBody>
+      </p:sp>
+      <p:sp>
+        <p:nvSpPr>
+          <p:cNvPr id="4" name="Espace réservé du numéro de diapositive 3"/>
+          <p:cNvSpPr>
+            <a:spLocks noGrp="1"/>
+          </p:cNvSpPr>
+          <p:nvPr>
+            <p:ph type="sldNum" sz="quarter" idx="5"/>
+          </p:nvPr>
+        </p:nvSpPr>
+        <p:spPr/>
+        <p:txBody>
+          <a:bodyPr/>
+          <a:lstStyle/>
+          <a:p>
+            <a:fld id="{1F4BD613-B23A-462C-B9CD-9B4D3E24A162}" type="slidenum">
+              <a:rPr lang="fr-FR" smtClean="0"/>
+              <a:t>17</a:t>
+            </a:fld>
+            <a:endParaRPr lang="fr-FR"/>
+          </a:p>
+        </p:txBody>
+      </p:sp>
+    </p:spTree>
+    <p:extLst>
+      <p:ext uri="{BB962C8B-B14F-4D97-AF65-F5344CB8AC3E}">
+        <p14:creationId xmlns:p14="http://schemas.microsoft.com/office/powerpoint/2010/main" val="879429187"/>
       </p:ext>
     </p:extLst>
   </p:cSld>
@@ -620,69 +851,26 @@
           <a:bodyPr/>
           <a:lstStyle/>
           <a:p>
+            <a:pPr marL="0" marR="0" lvl="0" indent="0" algn="l" defTabSz="914400" rtl="0" eaLnBrk="1" fontAlgn="auto" latinLnBrk="0" hangingPunct="1">
+              <a:lnSpc>
+                <a:spcPct val="100000"/>
+              </a:lnSpc>
+              <a:spcBef>
+                <a:spcPts val="0"/>
+              </a:spcBef>
+              <a:spcAft>
+                <a:spcPts val="0"/>
+              </a:spcAft>
+              <a:buClrTx/>
+              <a:buSzTx/>
+              <a:buFontTx/>
+              <a:buNone/>
+              <a:tabLst/>
+              <a:defRPr/>
+            </a:pPr>
             <a:r>
               <a:rPr lang="fr-FR" dirty="0"/>
-              <a:t>L’entreprise </a:t>
-            </a:r>
-            <a:r>
-              <a:rPr lang="fr-FR" dirty="0" err="1"/>
-              <a:t>Take</a:t>
-            </a:r>
-            <a:r>
-              <a:rPr lang="fr-FR" dirty="0"/>
-              <a:t> </a:t>
-            </a:r>
-            <a:r>
-              <a:rPr lang="fr-FR" dirty="0" err="1"/>
-              <a:t>Two</a:t>
-            </a:r>
-            <a:r>
-              <a:rPr lang="fr-FR" dirty="0"/>
-              <a:t> Interactive est considéré comme un des leaders de son domaine, à savoir le développement de jeux vidéo,</a:t>
-            </a:r>
-          </a:p>
-          <a:p>
-            <a:r>
-              <a:rPr lang="fr-FR" dirty="0"/>
-              <a:t>En effet, l’entreprise possède un empire boursier, coter à la bourse de New York, son action se trouve être au environs de 120$.</a:t>
-            </a:r>
-          </a:p>
-          <a:p>
-            <a:r>
-              <a:rPr lang="fr-FR" dirty="0" err="1"/>
-              <a:t>Take</a:t>
-            </a:r>
-            <a:r>
-              <a:rPr lang="fr-FR" dirty="0"/>
-              <a:t> </a:t>
-            </a:r>
-            <a:r>
-              <a:rPr lang="fr-FR" dirty="0" err="1"/>
-              <a:t>Two</a:t>
-            </a:r>
-            <a:r>
-              <a:rPr lang="fr-FR" dirty="0"/>
-              <a:t> c’est aussi 3400 employés réparti dans 19 studios de développement dans le monde.</a:t>
-            </a:r>
-          </a:p>
-          <a:p>
-            <a:r>
-              <a:rPr lang="fr-FR" dirty="0"/>
-              <a:t>L’entreprise à connue une évolution de son chiffre d’affaire à la hausse depuis plus de 5 ans comme le montre ce graphique, aujourd’hui plus de 2,3 milliards.</a:t>
-            </a:r>
-          </a:p>
-          <a:p>
-            <a:r>
-              <a:rPr lang="fr-FR" dirty="0"/>
-              <a:t>En somme l’avenir de l’entreprise est très prometteur notamment grâce a des scores de ventes très élevés sur certains de ces jeux, comme GTA V qui </a:t>
-            </a:r>
-            <a:r>
-              <a:rPr lang="fr-FR" dirty="0" err="1"/>
-              <a:t>malgrès</a:t>
-            </a:r>
-            <a:r>
-              <a:rPr lang="fr-FR" dirty="0"/>
-              <a:t> être sortie en 2015 continue de rapporter chaque années des millions d’euros,</a:t>
+              <a:t>Je vais donc vous présenter le sommaire de notre soutenance. Tout d’abord je vais commencer avec l’introduction. Puis Jérémy traitera la partie économique et juridique de notre projet tuteuré. Ensuite nous ferons une démonstration du site ainsi qu’une présentation de ce dernier. Puis Lucas s’occupera de la présentation de notre travail en groupe. Enfin, nous terminerons avec une conclusion.</a:t>
             </a:r>
           </a:p>
         </p:txBody>
@@ -704,7 +892,7 @@
           <a:p>
             <a:fld id="{1F4BD613-B23A-462C-B9CD-9B4D3E24A162}" type="slidenum">
               <a:rPr lang="fr-FR" smtClean="0"/>
-              <a:t>6</a:t>
+              <a:t>2</a:t>
             </a:fld>
             <a:endParaRPr lang="fr-FR"/>
           </a:p>
@@ -713,7 +901,7 @@
     </p:spTree>
     <p:extLst>
       <p:ext uri="{BB962C8B-B14F-4D97-AF65-F5344CB8AC3E}">
-        <p14:creationId xmlns:p14="http://schemas.microsoft.com/office/powerpoint/2010/main" val="1310361566"/>
+        <p14:creationId xmlns:p14="http://schemas.microsoft.com/office/powerpoint/2010/main" val="2335315174"/>
       </p:ext>
     </p:extLst>
   </p:cSld>
@@ -768,107 +956,9 @@
           <a:lstStyle/>
           <a:p>
             <a:r>
-              <a:rPr lang="fr-FR" dirty="0" err="1"/>
-              <a:t>Take</a:t>
-            </a:r>
-            <a:r>
               <a:rPr lang="fr-FR" dirty="0"/>
-              <a:t> </a:t>
-            </a:r>
-            <a:r>
-              <a:rPr lang="fr-FR" dirty="0" err="1"/>
-              <a:t>Two</a:t>
-            </a:r>
-            <a:r>
-              <a:rPr lang="fr-FR" dirty="0"/>
-              <a:t> Interactive c’est une société à modèle hybride, c’est en effet une LLC </a:t>
-            </a:r>
-          </a:p>
-          <a:p>
-            <a:endParaRPr lang="fr-FR" dirty="0"/>
-          </a:p>
-          <a:p>
-            <a:r>
-              <a:rPr lang="fr-FR" dirty="0"/>
-              <a:t>Puisque c’est un hybride, la LLC va hérité à la fois des avantages mais aussi des inconvénients des corporations et des partnership.</a:t>
-            </a:r>
-          </a:p>
-          <a:p>
-            <a:r>
-              <a:rPr lang="fr-FR" dirty="0"/>
-              <a:t>A titre d’exemple un </a:t>
-            </a:r>
-          </a:p>
-          <a:p>
-            <a:pPr marL="0" marR="0" lvl="0" indent="0" algn="l" defTabSz="914400" rtl="0" eaLnBrk="1" fontAlgn="auto" latinLnBrk="0" hangingPunct="1">
-              <a:lnSpc>
-                <a:spcPct val="100000"/>
-              </a:lnSpc>
-              <a:spcBef>
-                <a:spcPts val="0"/>
-              </a:spcBef>
-              <a:spcAft>
-                <a:spcPts val="0"/>
-              </a:spcAft>
-              <a:buClrTx/>
-              <a:buSzTx/>
-              <a:buFontTx/>
-              <a:buNone/>
-              <a:tabLst/>
-              <a:defRPr/>
-            </a:pPr>
-            <a:r>
-              <a:rPr lang="fr-FR" dirty="0"/>
-              <a:t>Avantage : </a:t>
-            </a:r>
-            <a:r>
-              <a:rPr lang="fr-FR" dirty="0">
-                <a:effectLst/>
-              </a:rPr>
-              <a:t>la possibilité de choisir son éligibilité à l’imposition</a:t>
-            </a:r>
-          </a:p>
-          <a:p>
-            <a:r>
-              <a:rPr lang="fr-FR" dirty="0"/>
-              <a:t>Inconvénient : difficultés à lever des capitaux financiers</a:t>
-            </a:r>
-          </a:p>
-          <a:p>
-            <a:endParaRPr lang="fr-FR" dirty="0"/>
-          </a:p>
-          <a:p>
-            <a:r>
-              <a:rPr lang="fr-FR" dirty="0" err="1"/>
-              <a:t>Élégibilité</a:t>
-            </a:r>
-            <a:r>
-              <a:rPr lang="fr-FR" dirty="0"/>
-              <a:t> : soit comme entreprise individuelle, soit en tant que partnership, soit comme </a:t>
-            </a:r>
-            <a:r>
-              <a:rPr lang="fr-FR" dirty="0" err="1"/>
-              <a:t>coporation</a:t>
-            </a:r>
-            <a:endParaRPr lang="fr-FR" dirty="0"/>
-          </a:p>
-          <a:p>
-            <a:endParaRPr lang="fr-FR" dirty="0"/>
-          </a:p>
-          <a:p>
-            <a:r>
-              <a:rPr lang="fr-FR" sz="1200" b="0" i="0" kern="1200">
-                <a:solidFill>
-                  <a:schemeClr val="tx1"/>
-                </a:solidFill>
-                <a:effectLst/>
-                <a:latin typeface="+mn-lt"/>
-                <a:ea typeface="+mn-ea"/>
-                <a:cs typeface="+mn-cs"/>
-              </a:rPr>
-              <a:t> les investisseurs pouvant être plus à l'aise à investir des fonds sous une forme de corporation mieux comprise </a:t>
-            </a:r>
-            <a:endParaRPr lang="fr-FR" dirty="0"/>
+              <a:t>Débutons avec une introduction.</a:t>
+            </a:r>
           </a:p>
         </p:txBody>
       </p:sp>
@@ -889,7 +979,7 @@
           <a:p>
             <a:fld id="{1F4BD613-B23A-462C-B9CD-9B4D3E24A162}" type="slidenum">
               <a:rPr lang="fr-FR" smtClean="0"/>
-              <a:t>7</a:t>
+              <a:t>3</a:t>
             </a:fld>
             <a:endParaRPr lang="fr-FR"/>
           </a:p>
@@ -898,7 +988,7 @@
     </p:spTree>
     <p:extLst>
       <p:ext uri="{BB962C8B-B14F-4D97-AF65-F5344CB8AC3E}">
-        <p14:creationId xmlns:p14="http://schemas.microsoft.com/office/powerpoint/2010/main" val="4066938332"/>
+        <p14:creationId xmlns:p14="http://schemas.microsoft.com/office/powerpoint/2010/main" val="1702715252"/>
       </p:ext>
     </p:extLst>
   </p:cSld>
@@ -952,7 +1042,290 @@
           <a:bodyPr/>
           <a:lstStyle/>
           <a:p>
-            <a:endParaRPr lang="fr-FR" dirty="0"/>
+            <a:r>
+              <a:rPr lang="fr-FR" sz="2400" dirty="0"/>
+              <a:t>Ayant son siège social à New York et ses bureaux internationaux à Windsor, Take-Two Interactive Software, Inc. est un important développeur, éditeur et distributeur de divertissement interactif pour les consommateurs du monde entier. La société développe et publie des produits principalement par le biais de </a:t>
+            </a:r>
+            <a:r>
+              <a:rPr lang="fr-FR" sz="1200" dirty="0"/>
+              <a:t>ses</a:t>
+            </a:r>
+            <a:r>
+              <a:rPr lang="fr-FR" sz="2400" dirty="0"/>
+              <a:t> marques à 100% Rockstar Games et 2K. Le fondateur s’appelle Ryan Brant, il est décédé le 26 mars 2019.</a:t>
+            </a:r>
+          </a:p>
+          <a:p>
+            <a:r>
+              <a:rPr lang="fr-FR" sz="1200" b="0" i="0" kern="1200" dirty="0">
+                <a:solidFill>
+                  <a:schemeClr val="tx1"/>
+                </a:solidFill>
+                <a:effectLst/>
+                <a:latin typeface="+mn-lt"/>
+                <a:ea typeface="+mn-ea"/>
+                <a:cs typeface="+mn-cs"/>
+              </a:rPr>
+              <a:t>Les studios de production se trouvent à </a:t>
+            </a:r>
+            <a:r>
+              <a:rPr lang="fr-FR" sz="1200" b="0" i="0" u="none" strike="noStrike" kern="1200" dirty="0">
+                <a:solidFill>
+                  <a:schemeClr val="tx1"/>
+                </a:solidFill>
+                <a:effectLst/>
+                <a:latin typeface="+mn-lt"/>
+                <a:ea typeface="+mn-ea"/>
+                <a:cs typeface="+mn-cs"/>
+                <a:hlinkClick r:id="rId3" tooltip="Édimbourg"/>
+              </a:rPr>
+              <a:t>Édimbourg</a:t>
+            </a:r>
+            <a:r>
+              <a:rPr lang="fr-FR" sz="1200" b="0" i="0" kern="1200" dirty="0">
+                <a:solidFill>
+                  <a:schemeClr val="tx1"/>
+                </a:solidFill>
+                <a:effectLst/>
+                <a:latin typeface="+mn-lt"/>
+                <a:ea typeface="+mn-ea"/>
+                <a:cs typeface="+mn-cs"/>
+              </a:rPr>
+              <a:t> (</a:t>
+            </a:r>
+            <a:r>
+              <a:rPr lang="fr-FR" sz="1200" b="0" i="1" kern="1200" dirty="0">
+                <a:solidFill>
+                  <a:schemeClr val="tx1"/>
+                </a:solidFill>
+                <a:effectLst/>
+                <a:latin typeface="+mn-lt"/>
+                <a:ea typeface="+mn-ea"/>
+                <a:cs typeface="+mn-cs"/>
+              </a:rPr>
+              <a:t>Rockstar North)</a:t>
+            </a:r>
+            <a:r>
+              <a:rPr lang="fr-FR" sz="1200" b="0" i="0" kern="1200" dirty="0">
+                <a:solidFill>
+                  <a:schemeClr val="tx1"/>
+                </a:solidFill>
+                <a:effectLst/>
+                <a:latin typeface="+mn-lt"/>
+                <a:ea typeface="+mn-ea"/>
+                <a:cs typeface="+mn-cs"/>
+              </a:rPr>
+              <a:t>, </a:t>
+            </a:r>
+            <a:r>
+              <a:rPr lang="fr-FR" sz="1200" b="0" i="0" u="none" strike="noStrike" kern="1200" dirty="0">
+                <a:solidFill>
+                  <a:schemeClr val="tx1"/>
+                </a:solidFill>
+                <a:effectLst/>
+                <a:latin typeface="+mn-lt"/>
+                <a:ea typeface="+mn-ea"/>
+                <a:cs typeface="+mn-cs"/>
+                <a:hlinkClick r:id="rId4" tooltip="San Diego"/>
+              </a:rPr>
+              <a:t>San Diego</a:t>
+            </a:r>
+            <a:r>
+              <a:rPr lang="fr-FR" sz="1200" b="0" i="0" kern="1200" dirty="0">
+                <a:solidFill>
+                  <a:schemeClr val="tx1"/>
+                </a:solidFill>
+                <a:effectLst/>
+                <a:latin typeface="+mn-lt"/>
+                <a:ea typeface="+mn-ea"/>
+                <a:cs typeface="+mn-cs"/>
+              </a:rPr>
+              <a:t> (</a:t>
+            </a:r>
+            <a:r>
+              <a:rPr lang="fr-FR" sz="1200" b="0" i="1" kern="1200" dirty="0">
+                <a:solidFill>
+                  <a:schemeClr val="tx1"/>
+                </a:solidFill>
+                <a:effectLst/>
+                <a:latin typeface="+mn-lt"/>
+                <a:ea typeface="+mn-ea"/>
+                <a:cs typeface="+mn-cs"/>
+              </a:rPr>
+              <a:t>Rockstar San Diego)</a:t>
+            </a:r>
+            <a:r>
+              <a:rPr lang="fr-FR" sz="1200" b="0" i="0" kern="1200" dirty="0">
+                <a:solidFill>
+                  <a:schemeClr val="tx1"/>
+                </a:solidFill>
+                <a:effectLst/>
+                <a:latin typeface="+mn-lt"/>
+                <a:ea typeface="+mn-ea"/>
+                <a:cs typeface="+mn-cs"/>
+              </a:rPr>
+              <a:t>, </a:t>
+            </a:r>
+            <a:r>
+              <a:rPr lang="fr-FR" sz="1200" b="0" i="0" u="none" strike="noStrike" kern="1200" dirty="0">
+                <a:solidFill>
+                  <a:schemeClr val="tx1"/>
+                </a:solidFill>
+                <a:effectLst/>
+                <a:latin typeface="+mn-lt"/>
+                <a:ea typeface="+mn-ea"/>
+                <a:cs typeface="+mn-cs"/>
+                <a:hlinkClick r:id="rId5" tooltip="Vancouver"/>
+              </a:rPr>
+              <a:t>Vancouver</a:t>
+            </a:r>
+            <a:r>
+              <a:rPr lang="fr-FR" sz="1200" b="0" i="0" kern="1200" dirty="0">
+                <a:solidFill>
+                  <a:schemeClr val="tx1"/>
+                </a:solidFill>
+                <a:effectLst/>
+                <a:latin typeface="+mn-lt"/>
+                <a:ea typeface="+mn-ea"/>
+                <a:cs typeface="+mn-cs"/>
+              </a:rPr>
+              <a:t> (</a:t>
+            </a:r>
+            <a:r>
+              <a:rPr lang="fr-FR" sz="1200" b="0" i="1" kern="1200" dirty="0">
+                <a:solidFill>
+                  <a:schemeClr val="tx1"/>
+                </a:solidFill>
+                <a:effectLst/>
+                <a:latin typeface="+mn-lt"/>
+                <a:ea typeface="+mn-ea"/>
+                <a:cs typeface="+mn-cs"/>
+              </a:rPr>
+              <a:t>Rockstar Vancouver</a:t>
+            </a:r>
+            <a:r>
+              <a:rPr lang="fr-FR" sz="1200" b="0" i="0" kern="1200" dirty="0">
+                <a:solidFill>
+                  <a:schemeClr val="tx1"/>
+                </a:solidFill>
+                <a:effectLst/>
+                <a:latin typeface="+mn-lt"/>
+                <a:ea typeface="+mn-ea"/>
+                <a:cs typeface="+mn-cs"/>
+              </a:rPr>
+              <a:t>), </a:t>
+            </a:r>
+            <a:r>
+              <a:rPr lang="fr-FR" sz="1200" b="0" i="0" u="none" strike="noStrike" kern="1200" dirty="0">
+                <a:solidFill>
+                  <a:schemeClr val="tx1"/>
+                </a:solidFill>
+                <a:effectLst/>
+                <a:latin typeface="+mn-lt"/>
+                <a:ea typeface="+mn-ea"/>
+                <a:cs typeface="+mn-cs"/>
+                <a:hlinkClick r:id="rId6" tooltip="Leeds"/>
+              </a:rPr>
+              <a:t>Leeds</a:t>
+            </a:r>
+            <a:r>
+              <a:rPr lang="fr-FR" sz="1200" b="0" i="0" kern="1200" dirty="0">
+                <a:solidFill>
+                  <a:schemeClr val="tx1"/>
+                </a:solidFill>
+                <a:effectLst/>
+                <a:latin typeface="+mn-lt"/>
+                <a:ea typeface="+mn-ea"/>
+                <a:cs typeface="+mn-cs"/>
+              </a:rPr>
+              <a:t> (</a:t>
+            </a:r>
+            <a:r>
+              <a:rPr lang="fr-FR" sz="1200" b="0" i="0" u="none" strike="noStrike" kern="1200" dirty="0">
+                <a:solidFill>
+                  <a:schemeClr val="tx1"/>
+                </a:solidFill>
+                <a:effectLst/>
+                <a:latin typeface="+mn-lt"/>
+                <a:ea typeface="+mn-ea"/>
+                <a:cs typeface="+mn-cs"/>
+                <a:hlinkClick r:id="rId7" tooltip="Angleterre"/>
+              </a:rPr>
+              <a:t>Angleterre</a:t>
+            </a:r>
+            <a:r>
+              <a:rPr lang="fr-FR" sz="1200" b="0" i="0" kern="1200" dirty="0">
+                <a:solidFill>
+                  <a:schemeClr val="tx1"/>
+                </a:solidFill>
+                <a:effectLst/>
+                <a:latin typeface="+mn-lt"/>
+                <a:ea typeface="+mn-ea"/>
+                <a:cs typeface="+mn-cs"/>
+              </a:rPr>
+              <a:t>) (</a:t>
+            </a:r>
+            <a:r>
+              <a:rPr lang="fr-FR" sz="1200" b="0" i="1" kern="1200" dirty="0">
+                <a:solidFill>
+                  <a:schemeClr val="tx1"/>
+                </a:solidFill>
+                <a:effectLst/>
+                <a:latin typeface="+mn-lt"/>
+                <a:ea typeface="+mn-ea"/>
+                <a:cs typeface="+mn-cs"/>
+              </a:rPr>
+              <a:t>Rockstar Leeds</a:t>
+            </a:r>
+            <a:r>
+              <a:rPr lang="fr-FR" sz="1200" b="0" i="0" kern="1200" dirty="0">
+                <a:solidFill>
+                  <a:schemeClr val="tx1"/>
+                </a:solidFill>
+                <a:effectLst/>
+                <a:latin typeface="+mn-lt"/>
+                <a:ea typeface="+mn-ea"/>
+                <a:cs typeface="+mn-cs"/>
+              </a:rPr>
+              <a:t>), </a:t>
+            </a:r>
+            <a:r>
+              <a:rPr lang="fr-FR" sz="1200" b="0" i="0" u="none" strike="noStrike" kern="1200" dirty="0">
+                <a:solidFill>
+                  <a:schemeClr val="tx1"/>
+                </a:solidFill>
+                <a:effectLst/>
+                <a:latin typeface="+mn-lt"/>
+                <a:ea typeface="+mn-ea"/>
+                <a:cs typeface="+mn-cs"/>
+                <a:hlinkClick r:id="rId8" tooltip="San Francisco"/>
+              </a:rPr>
+              <a:t>San Francisco</a:t>
+            </a:r>
+            <a:r>
+              <a:rPr lang="fr-FR" sz="1200" b="0" i="0" u="none" strike="noStrike" kern="1200" dirty="0">
+                <a:solidFill>
+                  <a:schemeClr val="tx1"/>
+                </a:solidFill>
+                <a:effectLst/>
+                <a:latin typeface="+mn-lt"/>
+                <a:ea typeface="+mn-ea"/>
+                <a:cs typeface="+mn-cs"/>
+              </a:rPr>
+              <a:t>..</a:t>
+            </a:r>
+            <a:r>
+              <a:rPr lang="fr-FR" sz="1200" b="0" i="0" kern="1200" dirty="0">
+                <a:solidFill>
+                  <a:schemeClr val="tx1"/>
+                </a:solidFill>
+                <a:effectLst/>
+                <a:latin typeface="+mn-lt"/>
+                <a:ea typeface="+mn-ea"/>
+                <a:cs typeface="+mn-cs"/>
+              </a:rPr>
+              <a:t>.</a:t>
+            </a:r>
           </a:p>
         </p:txBody>
       </p:sp>
@@ -973,7 +1346,7 @@
           <a:p>
             <a:fld id="{1F4BD613-B23A-462C-B9CD-9B4D3E24A162}" type="slidenum">
               <a:rPr lang="fr-FR" smtClean="0"/>
-              <a:t>8</a:t>
+              <a:t>4</a:t>
             </a:fld>
             <a:endParaRPr lang="fr-FR"/>
           </a:p>
@@ -982,7 +1355,7 @@
     </p:spTree>
     <p:extLst>
       <p:ext uri="{BB962C8B-B14F-4D97-AF65-F5344CB8AC3E}">
-        <p14:creationId xmlns:p14="http://schemas.microsoft.com/office/powerpoint/2010/main" val="1473364022"/>
+        <p14:creationId xmlns:p14="http://schemas.microsoft.com/office/powerpoint/2010/main" val="283884910"/>
       </p:ext>
     </p:extLst>
   </p:cSld>
@@ -1036,33 +1409,69 @@
           <a:bodyPr/>
           <a:lstStyle/>
           <a:p>
-            <a:pPr marL="171450" indent="-171450">
-              <a:buFontTx/>
-              <a:buChar char="-"/>
-            </a:pPr>
             <a:r>
               <a:rPr lang="fr-FR" dirty="0"/>
-              <a:t>Nous prévoyons un plan de travail en début de semaine pour savoir ce qu’on avait à faire et trier les priorités</a:t>
-            </a:r>
-          </a:p>
-          <a:p>
-            <a:pPr marL="171450" indent="-171450">
-              <a:buFontTx/>
-              <a:buChar char="-"/>
-            </a:pPr>
+              <a:t>L’entreprise </a:t>
+            </a:r>
+            <a:r>
+              <a:rPr lang="fr-FR" dirty="0" err="1"/>
+              <a:t>Take</a:t>
+            </a:r>
             <a:r>
               <a:rPr lang="fr-FR" dirty="0"/>
-              <a:t>Nous nous aidions beaucoup pour corriger les problèmes des autres</a:t>
-            </a:r>
-          </a:p>
-          <a:p>
-            <a:pPr marL="171450" indent="-171450">
-              <a:buFontTx/>
-              <a:buChar char="-"/>
-            </a:pPr>
+              <a:t> </a:t>
+            </a:r>
+            <a:r>
+              <a:rPr lang="fr-FR" dirty="0" err="1"/>
+              <a:t>Two</a:t>
+            </a:r>
             <a:r>
               <a:rPr lang="fr-FR" dirty="0"/>
-              <a:t>Nous n’avons eu aucun problème de communication au sein du groupe, tout le monde s’entendait bien</a:t>
+              <a:t> Interactive est considéré comme un des leaders de son domaine, à savoir le développement de jeux vidéo,</a:t>
+            </a:r>
+          </a:p>
+          <a:p>
+            <a:r>
+              <a:rPr lang="fr-FR" dirty="0"/>
+              <a:t>En effet, l’entreprise possède un empire boursier, coter à la bourse de New York, son action se trouve être au environs de 120$.</a:t>
+            </a:r>
+          </a:p>
+          <a:p>
+            <a:r>
+              <a:rPr lang="fr-FR" dirty="0" err="1"/>
+              <a:t>Take</a:t>
+            </a:r>
+            <a:r>
+              <a:rPr lang="fr-FR" dirty="0"/>
+              <a:t> </a:t>
+            </a:r>
+            <a:r>
+              <a:rPr lang="fr-FR" dirty="0" err="1"/>
+              <a:t>Two</a:t>
+            </a:r>
+            <a:r>
+              <a:rPr lang="fr-FR" dirty="0"/>
+              <a:t> c’est aussi 3400 employés réparti dans 19 studios de développement dans le monde.</a:t>
+            </a:r>
+          </a:p>
+          <a:p>
+            <a:r>
+              <a:rPr lang="fr-FR" dirty="0"/>
+              <a:t>L’entreprise à connue une évolution de son chiffre d’affaire à la hausse depuis plus de 5 ans comme le montre ce graphique, aujourd’hui plus de 2,3 milliards.</a:t>
+            </a:r>
+          </a:p>
+          <a:p>
+            <a:r>
+              <a:rPr lang="fr-FR" dirty="0"/>
+              <a:t>En somme l’avenir de l’entreprise est très prometteur notamment grâce a des scores de ventes très élevés sur certains de ces jeux, comme GTA V qui </a:t>
+            </a:r>
+            <a:r>
+              <a:rPr lang="fr-FR" dirty="0" err="1"/>
+              <a:t>malgrès</a:t>
+            </a:r>
+            <a:r>
+              <a:rPr lang="fr-FR" dirty="0"/>
+              <a:t> être sortie en 2015 continue de rapporter chaque années des millions d’euros,</a:t>
             </a:r>
           </a:p>
         </p:txBody>
@@ -1084,7 +1493,7 @@
           <a:p>
             <a:fld id="{1F4BD613-B23A-462C-B9CD-9B4D3E24A162}" type="slidenum">
               <a:rPr lang="fr-FR" smtClean="0"/>
-              <a:t>15</a:t>
+              <a:t>6</a:t>
             </a:fld>
             <a:endParaRPr lang="fr-FR"/>
           </a:p>
@@ -1093,7 +1502,7 @@
     </p:spTree>
     <p:extLst>
       <p:ext uri="{BB962C8B-B14F-4D97-AF65-F5344CB8AC3E}">
-        <p14:creationId xmlns:p14="http://schemas.microsoft.com/office/powerpoint/2010/main" val="595009641"/>
+        <p14:creationId xmlns:p14="http://schemas.microsoft.com/office/powerpoint/2010/main" val="1310361566"/>
       </p:ext>
     </p:extLst>
   </p:cSld>
@@ -1147,34 +1556,108 @@
           <a:bodyPr/>
           <a:lstStyle/>
           <a:p>
-            <a:pPr marL="171450" indent="-171450">
+            <a:r>
+              <a:rPr lang="fr-FR" dirty="0" err="1"/>
+              <a:t>Take</a:t>
+            </a:r>
+            <a:r>
+              <a:rPr lang="fr-FR" dirty="0"/>
+              <a:t> </a:t>
+            </a:r>
+            <a:r>
+              <a:rPr lang="fr-FR" dirty="0" err="1"/>
+              <a:t>Two</a:t>
+            </a:r>
+            <a:r>
+              <a:rPr lang="fr-FR" dirty="0"/>
+              <a:t> Interactive c’est une société à modèle hybride, c’est en effet une LLC </a:t>
+            </a:r>
+          </a:p>
+          <a:p>
+            <a:endParaRPr lang="fr-FR" dirty="0"/>
+          </a:p>
+          <a:p>
+            <a:r>
+              <a:rPr lang="fr-FR" dirty="0"/>
+              <a:t>Puisque c’est un hybride, la LLC va hérité à la fois des avantages mais aussi des inconvénients des corporations et des partnership.</a:t>
+            </a:r>
+          </a:p>
+          <a:p>
+            <a:r>
+              <a:rPr lang="fr-FR" dirty="0"/>
+              <a:t>A titre d’exemple un </a:t>
+            </a:r>
+          </a:p>
+          <a:p>
+            <a:pPr marL="0" marR="0" lvl="0" indent="0" algn="l" defTabSz="914400" rtl="0" eaLnBrk="1" fontAlgn="auto" latinLnBrk="0" hangingPunct="1">
+              <a:lnSpc>
+                <a:spcPct val="100000"/>
+              </a:lnSpc>
+              <a:spcBef>
+                <a:spcPts val="0"/>
+              </a:spcBef>
+              <a:spcAft>
+                <a:spcPts val="0"/>
+              </a:spcAft>
+              <a:buClrTx/>
+              <a:buSzTx/>
               <a:buFontTx/>
-              <a:buChar char="-"/>
+              <a:buNone/>
+              <a:tabLst/>
+              <a:defRPr/>
             </a:pPr>
             <a:r>
               <a:rPr lang="fr-FR" dirty="0"/>
-              <a:t>Changé le micro-trottoir en sondage</a:t>
-            </a:r>
-          </a:p>
-          <a:p>
-            <a:pPr marL="171450" indent="-171450">
-              <a:buFontTx/>
-              <a:buChar char="-"/>
-            </a:pPr>
+              <a:t>Avantage : </a:t>
+            </a:r>
+            <a:r>
+              <a:rPr lang="fr-FR" dirty="0">
+                <a:effectLst/>
+              </a:rPr>
+              <a:t>la possibilité de choisir son éligibilité à l’imposition</a:t>
+            </a:r>
+          </a:p>
+          <a:p>
             <a:r>
               <a:rPr lang="fr-FR" dirty="0"/>
-              <a:t>La soutenance a pris un peu de retard</a:t>
-            </a:r>
-          </a:p>
-          <a:p>
-            <a:pPr marL="171450" indent="-171450">
-              <a:buFontTx/>
-              <a:buChar char="-"/>
-            </a:pPr>
+              <a:t>Inconvénient : difficultés à lever des capitaux financiers</a:t>
+            </a:r>
+          </a:p>
+          <a:p>
+            <a:endParaRPr lang="fr-FR" dirty="0"/>
+          </a:p>
+          <a:p>
+            <a:r>
+              <a:rPr lang="fr-FR" dirty="0" err="1"/>
+              <a:t>Élégibilité</a:t>
+            </a:r>
             <a:r>
               <a:rPr lang="fr-FR" dirty="0"/>
-              <a:t>Le rapport a été commencé plus tôt</a:t>
-            </a:r>
+              <a:t> : soit comme entreprise individuelle, soit en tant que partnership, soit comme </a:t>
+            </a:r>
+            <a:r>
+              <a:rPr lang="fr-FR" dirty="0" err="1"/>
+              <a:t>coporation</a:t>
+            </a:r>
+            <a:endParaRPr lang="fr-FR" dirty="0"/>
+          </a:p>
+          <a:p>
+            <a:endParaRPr lang="fr-FR" dirty="0"/>
+          </a:p>
+          <a:p>
+            <a:r>
+              <a:rPr lang="fr-FR" sz="1200" b="0" i="0" kern="1200">
+                <a:solidFill>
+                  <a:schemeClr val="tx1"/>
+                </a:solidFill>
+                <a:effectLst/>
+                <a:latin typeface="+mn-lt"/>
+                <a:ea typeface="+mn-ea"/>
+                <a:cs typeface="+mn-cs"/>
+              </a:rPr>
+              <a:t> les investisseurs pouvant être plus à l'aise à investir des fonds sous une forme de corporation mieux comprise </a:t>
+            </a:r>
+            <a:endParaRPr lang="fr-FR" dirty="0"/>
           </a:p>
         </p:txBody>
       </p:sp>
@@ -1195,7 +1678,7 @@
           <a:p>
             <a:fld id="{1F4BD613-B23A-462C-B9CD-9B4D3E24A162}" type="slidenum">
               <a:rPr lang="fr-FR" smtClean="0"/>
-              <a:t>16</a:t>
+              <a:t>7</a:t>
             </a:fld>
             <a:endParaRPr lang="fr-FR"/>
           </a:p>
@@ -1204,7 +1687,7 @@
     </p:spTree>
     <p:extLst>
       <p:ext uri="{BB962C8B-B14F-4D97-AF65-F5344CB8AC3E}">
-        <p14:creationId xmlns:p14="http://schemas.microsoft.com/office/powerpoint/2010/main" val="4171303329"/>
+        <p14:creationId xmlns:p14="http://schemas.microsoft.com/office/powerpoint/2010/main" val="4066938332"/>
       </p:ext>
     </p:extLst>
   </p:cSld>
@@ -1258,34 +1741,7 @@
           <a:bodyPr/>
           <a:lstStyle/>
           <a:p>
-            <a:pPr marL="171450" indent="-171450">
-              <a:buFontTx/>
-              <a:buChar char="-"/>
-            </a:pPr>
-            <a:r>
-              <a:rPr lang="fr-FR" dirty="0"/>
-              <a:t>Nous communiquions via Discord qui est un logiciel de communication permettant de créer des serveurs (groupes privés) et d’avoir plusieurs salons de communication</a:t>
-            </a:r>
-          </a:p>
-          <a:p>
-            <a:pPr marL="171450" indent="-171450">
-              <a:buFontTx/>
-              <a:buChar char="-"/>
-            </a:pPr>
-            <a:r>
-              <a:rPr lang="fr-FR" dirty="0"/>
-              <a:t>Nous nous partagions les fichiers via GitHub, un site web permettant de mettre en commun des fichiers tout en gardant l’avancement de tout le monde</a:t>
-            </a:r>
-          </a:p>
-          <a:p>
-            <a:pPr marL="171450" indent="-171450">
-              <a:buFontTx/>
-              <a:buChar char="-"/>
-            </a:pPr>
-            <a:r>
-              <a:rPr lang="fr-FR" dirty="0"/>
-              <a:t>Nous nous retrouvions parfois le jeudi après-midi à la bibliothèque universitaire afin de communiquer et travailler plus simplement</a:t>
-            </a:r>
+            <a:endParaRPr lang="fr-FR" dirty="0"/>
           </a:p>
         </p:txBody>
       </p:sp>
@@ -1306,7 +1762,7 @@
           <a:p>
             <a:fld id="{1F4BD613-B23A-462C-B9CD-9B4D3E24A162}" type="slidenum">
               <a:rPr lang="fr-FR" smtClean="0"/>
-              <a:t>17</a:t>
+              <a:t>8</a:t>
             </a:fld>
             <a:endParaRPr lang="fr-FR"/>
           </a:p>
@@ -1315,7 +1771,216 @@
     </p:spTree>
     <p:extLst>
       <p:ext uri="{BB962C8B-B14F-4D97-AF65-F5344CB8AC3E}">
-        <p14:creationId xmlns:p14="http://schemas.microsoft.com/office/powerpoint/2010/main" val="879429187"/>
+        <p14:creationId xmlns:p14="http://schemas.microsoft.com/office/powerpoint/2010/main" val="1473364022"/>
+      </p:ext>
+    </p:extLst>
+  </p:cSld>
+  <p:clrMapOvr>
+    <a:masterClrMapping/>
+  </p:clrMapOvr>
+</p:notes>
+</file>
+
+<file path=ppt/notesSlides/notesSlide8.xml><?xml version="1.0" encoding="utf-8"?>
+<p:notes xmlns:a="http://schemas.openxmlformats.org/drawingml/2006/main" xmlns:r="http://schemas.openxmlformats.org/officeDocument/2006/relationships" xmlns:p="http://schemas.openxmlformats.org/presentationml/2006/main">
+  <p:cSld>
+    <p:spTree>
+      <p:nvGrpSpPr>
+        <p:cNvPr id="1" name=""/>
+        <p:cNvGrpSpPr/>
+        <p:nvPr/>
+      </p:nvGrpSpPr>
+      <p:grpSpPr>
+        <a:xfrm>
+          <a:off x="0" y="0"/>
+          <a:ext cx="0" cy="0"/>
+          <a:chOff x="0" y="0"/>
+          <a:chExt cx="0" cy="0"/>
+        </a:xfrm>
+      </p:grpSpPr>
+      <p:sp>
+        <p:nvSpPr>
+          <p:cNvPr id="2" name="Espace réservé de l'image des diapositives 1"/>
+          <p:cNvSpPr>
+            <a:spLocks noGrp="1" noRot="1" noChangeAspect="1"/>
+          </p:cNvSpPr>
+          <p:nvPr>
+            <p:ph type="sldImg"/>
+          </p:nvPr>
+        </p:nvSpPr>
+        <p:spPr/>
+      </p:sp>
+      <p:sp>
+        <p:nvSpPr>
+          <p:cNvPr id="3" name="Espace réservé des notes 2"/>
+          <p:cNvSpPr>
+            <a:spLocks noGrp="1"/>
+          </p:cNvSpPr>
+          <p:nvPr>
+            <p:ph type="body" idx="1"/>
+          </p:nvPr>
+        </p:nvSpPr>
+        <p:spPr/>
+        <p:txBody>
+          <a:bodyPr/>
+          <a:lstStyle/>
+          <a:p>
+            <a:r>
+              <a:rPr lang="fr-FR" dirty="0"/>
+              <a:t>UNIQUEMENT les couleurs et rien d’autre.</a:t>
+            </a:r>
+          </a:p>
+          <a:p>
+            <a:r>
+              <a:rPr lang="fr-FR" dirty="0"/>
+              <a:t>Barre de Bootstrap claire = moderne</a:t>
+            </a:r>
+            <a:r>
+              <a:rPr lang="fr-FR"/>
+              <a:t>, propre</a:t>
+            </a:r>
+            <a:endParaRPr lang="fr-FR" dirty="0"/>
+          </a:p>
+        </p:txBody>
+      </p:sp>
+      <p:sp>
+        <p:nvSpPr>
+          <p:cNvPr id="4" name="Espace réservé du numéro de diapositive 3"/>
+          <p:cNvSpPr>
+            <a:spLocks noGrp="1"/>
+          </p:cNvSpPr>
+          <p:nvPr>
+            <p:ph type="sldNum" sz="quarter" idx="5"/>
+          </p:nvPr>
+        </p:nvSpPr>
+        <p:spPr/>
+        <p:txBody>
+          <a:bodyPr/>
+          <a:lstStyle/>
+          <a:p>
+            <a:fld id="{1F4BD613-B23A-462C-B9CD-9B4D3E24A162}" type="slidenum">
+              <a:rPr lang="fr-FR" smtClean="0"/>
+              <a:t>12</a:t>
+            </a:fld>
+            <a:endParaRPr lang="fr-FR"/>
+          </a:p>
+        </p:txBody>
+      </p:sp>
+    </p:spTree>
+    <p:extLst>
+      <p:ext uri="{BB962C8B-B14F-4D97-AF65-F5344CB8AC3E}">
+        <p14:creationId xmlns:p14="http://schemas.microsoft.com/office/powerpoint/2010/main" val="1455384921"/>
+      </p:ext>
+    </p:extLst>
+  </p:cSld>
+  <p:clrMapOvr>
+    <a:masterClrMapping/>
+  </p:clrMapOvr>
+</p:notes>
+</file>
+
+<file path=ppt/notesSlides/notesSlide9.xml><?xml version="1.0" encoding="utf-8"?>
+<p:notes xmlns:a="http://schemas.openxmlformats.org/drawingml/2006/main" xmlns:r="http://schemas.openxmlformats.org/officeDocument/2006/relationships" xmlns:p="http://schemas.openxmlformats.org/presentationml/2006/main">
+  <p:cSld>
+    <p:spTree>
+      <p:nvGrpSpPr>
+        <p:cNvPr id="1" name=""/>
+        <p:cNvGrpSpPr/>
+        <p:nvPr/>
+      </p:nvGrpSpPr>
+      <p:grpSpPr>
+        <a:xfrm>
+          <a:off x="0" y="0"/>
+          <a:ext cx="0" cy="0"/>
+          <a:chOff x="0" y="0"/>
+          <a:chExt cx="0" cy="0"/>
+        </a:xfrm>
+      </p:grpSpPr>
+      <p:sp>
+        <p:nvSpPr>
+          <p:cNvPr id="2" name="Espace réservé de l'image des diapositives 1"/>
+          <p:cNvSpPr>
+            <a:spLocks noGrp="1" noRot="1" noChangeAspect="1"/>
+          </p:cNvSpPr>
+          <p:nvPr>
+            <p:ph type="sldImg"/>
+          </p:nvPr>
+        </p:nvSpPr>
+        <p:spPr/>
+      </p:sp>
+      <p:sp>
+        <p:nvSpPr>
+          <p:cNvPr id="3" name="Espace réservé des notes 2"/>
+          <p:cNvSpPr>
+            <a:spLocks noGrp="1"/>
+          </p:cNvSpPr>
+          <p:nvPr>
+            <p:ph type="body" idx="1"/>
+          </p:nvPr>
+        </p:nvSpPr>
+        <p:spPr/>
+        <p:txBody>
+          <a:bodyPr/>
+          <a:lstStyle/>
+          <a:p>
+            <a:pPr marL="171450" indent="-171450">
+              <a:buFontTx/>
+              <a:buChar char="-"/>
+            </a:pPr>
+            <a:r>
+              <a:rPr lang="fr-FR" dirty="0"/>
+              <a:t>Nous prévoyons un plan de travail en début de semaine pour savoir ce qu’on avait à faire et trier les priorités</a:t>
+            </a:r>
+          </a:p>
+          <a:p>
+            <a:pPr marL="171450" indent="-171450">
+              <a:buFontTx/>
+              <a:buChar char="-"/>
+            </a:pPr>
+            <a:r>
+              <a:rPr lang="fr-FR" dirty="0"/>
+              <a:t>Nous nous aidions beaucoup pour corriger les problèmes des autres</a:t>
+            </a:r>
+          </a:p>
+          <a:p>
+            <a:pPr marL="171450" indent="-171450">
+              <a:buFontTx/>
+              <a:buChar char="-"/>
+            </a:pPr>
+            <a:r>
+              <a:rPr lang="fr-FR" dirty="0"/>
+              <a:t>Nous n’avons eu aucun problème de communication au sein du groupe, tout le monde s’entendait bien</a:t>
+            </a:r>
+          </a:p>
+        </p:txBody>
+      </p:sp>
+      <p:sp>
+        <p:nvSpPr>
+          <p:cNvPr id="4" name="Espace réservé du numéro de diapositive 3"/>
+          <p:cNvSpPr>
+            <a:spLocks noGrp="1"/>
+          </p:cNvSpPr>
+          <p:nvPr>
+            <p:ph type="sldNum" sz="quarter" idx="5"/>
+          </p:nvPr>
+        </p:nvSpPr>
+        <p:spPr/>
+        <p:txBody>
+          <a:bodyPr/>
+          <a:lstStyle/>
+          <a:p>
+            <a:fld id="{1F4BD613-B23A-462C-B9CD-9B4D3E24A162}" type="slidenum">
+              <a:rPr lang="fr-FR" smtClean="0"/>
+              <a:t>15</a:t>
+            </a:fld>
+            <a:endParaRPr lang="fr-FR"/>
+          </a:p>
+        </p:txBody>
+      </p:sp>
+    </p:spTree>
+    <p:extLst>
+      <p:ext uri="{BB962C8B-B14F-4D97-AF65-F5344CB8AC3E}">
+        <p14:creationId xmlns:p14="http://schemas.microsoft.com/office/powerpoint/2010/main" val="595009641"/>
       </p:ext>
     </p:extLst>
   </p:cSld>
@@ -1420,7 +2085,7 @@
           <a:effectLst/>
           <a:extLst>
             <a:ext uri="{91240B29-F687-4f45-9708-019B960494DF}">
-              <a14:hiddenLine xmlns="" xmlns:a14="http://schemas.microsoft.com/office/drawing/2010/main" w="9525">
+              <a14:hiddenLine xmlns:a14="http://schemas.microsoft.com/office/drawing/2010/main" xmlns="" w="9525">
                 <a:solidFill>
                   <a:srgbClr val="000000"/>
                 </a:solidFill>
@@ -2926,7 +3591,7 @@
           <a:ln/>
           <a:extLst>
             <a:ext uri="{91240B29-F687-4f45-9708-019B960494DF}">
-              <a14:hiddenLine xmlns="" xmlns:a14="http://schemas.microsoft.com/office/drawing/2010/main" w="9525">
+              <a14:hiddenLine xmlns:a14="http://schemas.microsoft.com/office/drawing/2010/main" xmlns="" w="9525">
                 <a:solidFill>
                   <a:srgbClr val="000000"/>
                 </a:solidFill>
@@ -3197,7 +3862,7 @@
           <a:ln/>
           <a:extLst>
             <a:ext uri="{91240B29-F687-4f45-9708-019B960494DF}">
-              <a14:hiddenLine xmlns="" xmlns:a14="http://schemas.microsoft.com/office/drawing/2010/main" w="9525">
+              <a14:hiddenLine xmlns:a14="http://schemas.microsoft.com/office/drawing/2010/main" xmlns="" w="9525">
                 <a:solidFill>
                   <a:srgbClr val="000000"/>
                 </a:solidFill>
@@ -3476,7 +4141,7 @@
           <a:ln/>
           <a:extLst>
             <a:ext uri="{91240B29-F687-4f45-9708-019B960494DF}">
-              <a14:hiddenLine xmlns="" xmlns:a14="http://schemas.microsoft.com/office/drawing/2010/main" w="9525">
+              <a14:hiddenLine xmlns:a14="http://schemas.microsoft.com/office/drawing/2010/main" xmlns="" w="9525">
                 <a:solidFill>
                   <a:srgbClr val="000000"/>
                 </a:solidFill>
@@ -4094,7 +4759,7 @@
           <a:ln/>
           <a:extLst>
             <a:ext uri="{91240B29-F687-4f45-9708-019B960494DF}">
-              <a14:hiddenLine xmlns="" xmlns:a14="http://schemas.microsoft.com/office/drawing/2010/main" w="9525">
+              <a14:hiddenLine xmlns:a14="http://schemas.microsoft.com/office/drawing/2010/main" xmlns="" w="9525">
                 <a:solidFill>
                   <a:srgbClr val="000000"/>
                 </a:solidFill>
@@ -4429,7 +5094,7 @@
           <a:ln/>
           <a:extLst>
             <a:ext uri="{91240B29-F687-4f45-9708-019B960494DF}">
-              <a14:hiddenLine xmlns="" xmlns:a14="http://schemas.microsoft.com/office/drawing/2010/main" w="9525">
+              <a14:hiddenLine xmlns:a14="http://schemas.microsoft.com/office/drawing/2010/main" xmlns="" w="9525">
                 <a:solidFill>
                   <a:srgbClr val="000000"/>
                 </a:solidFill>
@@ -4902,7 +5567,7 @@
           <a:ln/>
           <a:extLst>
             <a:ext uri="{91240B29-F687-4f45-9708-019B960494DF}">
-              <a14:hiddenLine xmlns="" xmlns:a14="http://schemas.microsoft.com/office/drawing/2010/main" w="9525">
+              <a14:hiddenLine xmlns:a14="http://schemas.microsoft.com/office/drawing/2010/main" xmlns="" w="9525">
                 <a:solidFill>
                   <a:srgbClr val="000000"/>
                 </a:solidFill>
@@ -5323,7 +5988,7 @@
           <a:ln/>
           <a:extLst>
             <a:ext uri="{91240B29-F687-4f45-9708-019B960494DF}">
-              <a14:hiddenLine xmlns="" xmlns:a14="http://schemas.microsoft.com/office/drawing/2010/main" w="9525">
+              <a14:hiddenLine xmlns:a14="http://schemas.microsoft.com/office/drawing/2010/main" xmlns="" w="9525">
                 <a:solidFill>
                   <a:srgbClr val="000000"/>
                 </a:solidFill>
@@ -6607,7 +7272,7 @@
           <p:nvPr/>
         </p:nvPicPr>
         <p:blipFill rotWithShape="1">
-          <a:blip r:embed="rId2"/>
+          <a:blip r:embed="rId3"/>
           <a:srcRect r="19588"/>
           <a:stretch/>
         </p:blipFill>
@@ -6636,7 +7301,7 @@
           <p:nvPr/>
         </p:nvPicPr>
         <p:blipFill>
-          <a:blip r:embed="rId3"/>
+          <a:blip r:embed="rId4"/>
           <a:stretch>
             <a:fillRect/>
           </a:stretch>
@@ -6666,7 +7331,7 @@
           <p:nvPr/>
         </p:nvPicPr>
         <p:blipFill>
-          <a:blip r:embed="rId4"/>
+          <a:blip r:embed="rId5"/>
           <a:stretch>
             <a:fillRect/>
           </a:stretch>
@@ -8165,7 +8830,7 @@
           <p:nvPr/>
         </p:nvPicPr>
         <p:blipFill>
-          <a:blip r:embed="rId2">
+          <a:blip r:embed="rId3">
             <a:extLst>
               <a:ext uri="{28A0092B-C50C-407E-A947-70E740481C1C}">
                 <a14:useLocalDpi xmlns:a14="http://schemas.microsoft.com/office/drawing/2010/main" val="0"/>
@@ -10537,15 +11202,12 @@
                 <a:latin typeface="Carlito" panose="020F0502020204030204" pitchFamily="34" charset="0"/>
                 <a:cs typeface="Carlito" panose="020F0502020204030204" pitchFamily="34" charset="0"/>
               </a:rPr>
-              <a:t>Introduction </a:t>
-            </a:r>
-            <a:r>
-              <a:rPr lang="fr-FR" sz="2400" b="1" u="sng" dirty="0">
-                <a:latin typeface="Carlito" panose="020F0502020204030204" pitchFamily="34" charset="0"/>
-                <a:cs typeface="Carlito" panose="020F0502020204030204" pitchFamily="34" charset="0"/>
-              </a:rPr>
-              <a:t>Wassim</a:t>
-            </a:r>
+              <a:t>Introduction</a:t>
+            </a:r>
+            <a:endParaRPr lang="fr-FR" sz="2400" b="1" u="sng" dirty="0">
+              <a:latin typeface="Carlito" panose="020F0502020204030204" pitchFamily="34" charset="0"/>
+              <a:cs typeface="Carlito" panose="020F0502020204030204" pitchFamily="34" charset="0"/>
+            </a:endParaRPr>
           </a:p>
           <a:p>
             <a:pPr marL="457200" indent="-457200" algn="ctr">
@@ -10579,55 +11241,9 @@
                 <a:latin typeface="Carlito" panose="020F0502020204030204" pitchFamily="34" charset="0"/>
                 <a:cs typeface="Carlito" panose="020F0502020204030204" pitchFamily="34" charset="0"/>
               </a:rPr>
-              <a:t>1.1. Un empire boursier </a:t>
-            </a:r>
-            <a:r>
-              <a:rPr lang="fr-FR" sz="1600" u="sng" dirty="0">
-                <a:solidFill>
-                  <a:schemeClr val="bg2">
-                    <a:lumMod val="50000"/>
-                    <a:lumOff val="50000"/>
-                  </a:schemeClr>
-                </a:solidFill>
-                <a:latin typeface="Carlito" panose="020F0502020204030204" pitchFamily="34" charset="0"/>
-                <a:cs typeface="Carlito" panose="020F0502020204030204" pitchFamily="34" charset="0"/>
-              </a:rPr>
-              <a:t>Jérémy</a:t>
-            </a:r>
-          </a:p>
-          <a:p>
-            <a:pPr algn="ctr">
-              <a:lnSpc>
-                <a:spcPct val="150000"/>
-              </a:lnSpc>
-            </a:pPr>
-            <a:r>
-              <a:rPr lang="fr-FR" sz="1600" dirty="0">
-                <a:solidFill>
-                  <a:schemeClr val="bg2">
-                    <a:lumMod val="50000"/>
-                    <a:lumOff val="50000"/>
-                  </a:schemeClr>
-                </a:solidFill>
-                <a:latin typeface="Carlito" panose="020F0502020204030204" pitchFamily="34" charset="0"/>
-                <a:cs typeface="Carlito" panose="020F0502020204030204" pitchFamily="34" charset="0"/>
-              </a:rPr>
-              <a:t>1.2. Une société à modèle hybride </a:t>
-            </a:r>
-            <a:r>
-              <a:rPr lang="fr-FR" sz="1600" u="sng" dirty="0">
-                <a:solidFill>
-                  <a:schemeClr val="bg2">
-                    <a:lumMod val="50000"/>
-                    <a:lumOff val="50000"/>
-                  </a:schemeClr>
-                </a:solidFill>
-                <a:latin typeface="Carlito" panose="020F0502020204030204" pitchFamily="34" charset="0"/>
-                <a:cs typeface="Carlito" panose="020F0502020204030204" pitchFamily="34" charset="0"/>
-              </a:rPr>
-              <a:t>Jérémy</a:t>
-            </a:r>
-            <a:endParaRPr lang="fr-FR" sz="1600" dirty="0">
+              <a:t>1.1. Un empire boursier</a:t>
+            </a:r>
+            <a:endParaRPr lang="fr-FR" sz="1600" u="sng" dirty="0">
               <a:solidFill>
                 <a:schemeClr val="bg2">
                   <a:lumMod val="50000"/>
@@ -10645,11 +11261,17 @@
               </a:lnSpc>
             </a:pPr>
             <a:r>
-              <a:rPr lang="fr-FR" sz="2400" b="1" dirty="0">
-                <a:latin typeface="Carlito" panose="020F0502020204030204" pitchFamily="34" charset="0"/>
-                <a:cs typeface="Carlito" panose="020F0502020204030204" pitchFamily="34" charset="0"/>
-              </a:rPr>
-              <a:t>2. Présentation détaillée du site Web</a:t>
+              <a:rPr lang="fr-FR" sz="1600" dirty="0">
+                <a:solidFill>
+                  <a:schemeClr val="bg2">
+                    <a:lumMod val="50000"/>
+                    <a:lumOff val="50000"/>
+                  </a:schemeClr>
+                </a:solidFill>
+                <a:latin typeface="Carlito" panose="020F0502020204030204" pitchFamily="34" charset="0"/>
+                <a:cs typeface="Carlito" panose="020F0502020204030204" pitchFamily="34" charset="0"/>
+              </a:rPr>
+              <a:t>1.2. Une société à modèle hybride</a:t>
             </a:r>
           </a:p>
           <a:p>
@@ -10659,30 +11281,11 @@
               </a:lnSpc>
             </a:pPr>
             <a:r>
-              <a:rPr lang="fr-FR" sz="1600" dirty="0">
-                <a:solidFill>
-                  <a:schemeClr val="bg2">
-                    <a:lumMod val="50000"/>
-                    <a:lumOff val="50000"/>
-                  </a:schemeClr>
-                </a:solidFill>
-                <a:latin typeface="Carlito" panose="020F0502020204030204" pitchFamily="34" charset="0"/>
-                <a:cs typeface="Carlito" panose="020F0502020204030204" pitchFamily="34" charset="0"/>
-              </a:rPr>
-              <a:t>2.1. Les principales fonctionnalités </a:t>
-            </a:r>
-            <a:r>
-              <a:rPr lang="fr-FR" sz="1600" u="sng" dirty="0">
-                <a:solidFill>
-                  <a:schemeClr val="bg2">
-                    <a:lumMod val="50000"/>
-                    <a:lumOff val="50000"/>
-                  </a:schemeClr>
-                </a:solidFill>
-                <a:latin typeface="Carlito" panose="020F0502020204030204" pitchFamily="34" charset="0"/>
-                <a:cs typeface="Carlito" panose="020F0502020204030204" pitchFamily="34" charset="0"/>
-              </a:rPr>
-              <a:t>Samuel le début et chacun sa page</a:t>
+              <a:rPr lang="fr-FR" sz="2400" b="1" dirty="0">
+                <a:latin typeface="Carlito" panose="020F0502020204030204" pitchFamily="34" charset="0"/>
+                <a:cs typeface="Carlito" panose="020F0502020204030204" pitchFamily="34" charset="0"/>
+              </a:rPr>
+              <a:t>2. Présentation détaillée du site Web</a:t>
             </a:r>
           </a:p>
           <a:p>
@@ -10702,7 +11305,7 @@
                 <a:latin typeface="Carlito" panose="020F0502020204030204" pitchFamily="34" charset="0"/>
                 <a:cs typeface="Carlito" panose="020F0502020204030204" pitchFamily="34" charset="0"/>
               </a:rPr>
-              <a:t>2.2. Choix esthétiques </a:t>
+              <a:t>2.1. Les principales fonctionnalités </a:t>
             </a:r>
             <a:r>
               <a:rPr lang="fr-FR" sz="1600" u="sng" dirty="0">
@@ -10715,8 +11318,57 @@
                 <a:latin typeface="Carlito" panose="020F0502020204030204" pitchFamily="34" charset="0"/>
                 <a:cs typeface="Carlito" panose="020F0502020204030204" pitchFamily="34" charset="0"/>
               </a:rPr>
-              <a:t>Wassim</a:t>
-            </a:r>
+              <a:t>Samuel</a:t>
+            </a:r>
+            <a:r>
+              <a:rPr lang="fr-FR" sz="1600" dirty="0">
+                <a:solidFill>
+                  <a:schemeClr val="bg2">
+                    <a:lumMod val="50000"/>
+                    <a:lumOff val="50000"/>
+                  </a:schemeClr>
+                </a:solidFill>
+                <a:latin typeface="Carlito" panose="020F0502020204030204" pitchFamily="34" charset="0"/>
+                <a:cs typeface="Carlito" panose="020F0502020204030204" pitchFamily="34" charset="0"/>
+              </a:rPr>
+              <a:t> (démonstration du site : </a:t>
+            </a:r>
+            <a:r>
+              <a:rPr lang="fr-FR" sz="1600" u="sng" dirty="0">
+                <a:solidFill>
+                  <a:schemeClr val="bg2">
+                    <a:lumMod val="50000"/>
+                    <a:lumOff val="50000"/>
+                  </a:schemeClr>
+                </a:solidFill>
+                <a:latin typeface="Carlito" panose="020F0502020204030204" pitchFamily="34" charset="0"/>
+                <a:cs typeface="Carlito" panose="020F0502020204030204" pitchFamily="34" charset="0"/>
+              </a:rPr>
+              <a:t>chacun sa page</a:t>
+            </a:r>
+            <a:r>
+              <a:rPr lang="fr-FR" sz="1600" dirty="0">
+                <a:solidFill>
+                  <a:schemeClr val="bg2">
+                    <a:lumMod val="50000"/>
+                    <a:lumOff val="50000"/>
+                  </a:schemeClr>
+                </a:solidFill>
+                <a:latin typeface="Carlito" panose="020F0502020204030204" pitchFamily="34" charset="0"/>
+                <a:cs typeface="Carlito" panose="020F0502020204030204" pitchFamily="34" charset="0"/>
+              </a:rPr>
+              <a:t>)</a:t>
+            </a:r>
+            <a:endParaRPr lang="fr-FR" sz="1600" u="sng" dirty="0">
+              <a:solidFill>
+                <a:schemeClr val="bg2">
+                  <a:lumMod val="50000"/>
+                  <a:lumOff val="50000"/>
+                </a:schemeClr>
+              </a:solidFill>
+              <a:latin typeface="Carlito" panose="020F0502020204030204" pitchFamily="34" charset="0"/>
+              <a:cs typeface="Carlito" panose="020F0502020204030204" pitchFamily="34" charset="0"/>
+            </a:endParaRPr>
           </a:p>
           <a:p>
             <a:pPr algn="ctr">
@@ -10735,7 +11387,7 @@
                 <a:latin typeface="Carlito" panose="020F0502020204030204" pitchFamily="34" charset="0"/>
                 <a:cs typeface="Carlito" panose="020F0502020204030204" pitchFamily="34" charset="0"/>
               </a:rPr>
-              <a:t>2.3. Des contraintes techniques </a:t>
+              <a:t>2.2. Choix esthétiques </a:t>
             </a:r>
             <a:r>
               <a:rPr lang="fr-FR" sz="1600" u="sng" dirty="0">
@@ -10748,7 +11400,7 @@
                 <a:latin typeface="Carlito" panose="020F0502020204030204" pitchFamily="34" charset="0"/>
                 <a:cs typeface="Carlito" panose="020F0502020204030204" pitchFamily="34" charset="0"/>
               </a:rPr>
-              <a:t>Samuel</a:t>
+              <a:t>Wassim</a:t>
             </a:r>
           </a:p>
           <a:p>
@@ -10758,11 +11410,30 @@
               </a:lnSpc>
             </a:pPr>
             <a:r>
-              <a:rPr lang="fr-FR" sz="2400" b="1" dirty="0">
-                <a:latin typeface="Carlito" panose="020F0502020204030204" pitchFamily="34" charset="0"/>
-                <a:cs typeface="Carlito" panose="020F0502020204030204" pitchFamily="34" charset="0"/>
-              </a:rPr>
-              <a:t>3. Présentation du travail en groupe</a:t>
+              <a:rPr lang="fr-FR" sz="1600" dirty="0">
+                <a:solidFill>
+                  <a:schemeClr val="bg2">
+                    <a:lumMod val="50000"/>
+                    <a:lumOff val="50000"/>
+                  </a:schemeClr>
+                </a:solidFill>
+                <a:latin typeface="Carlito" panose="020F0502020204030204" pitchFamily="34" charset="0"/>
+                <a:cs typeface="Carlito" panose="020F0502020204030204" pitchFamily="34" charset="0"/>
+              </a:rPr>
+              <a:t>2.3. Des contraintes techniques </a:t>
+            </a:r>
+            <a:r>
+              <a:rPr lang="fr-FR" sz="1600" u="sng" dirty="0">
+                <a:solidFill>
+                  <a:schemeClr val="bg2">
+                    <a:lumMod val="50000"/>
+                    <a:lumOff val="50000"/>
+                  </a:schemeClr>
+                </a:solidFill>
+                <a:latin typeface="Carlito" panose="020F0502020204030204" pitchFamily="34" charset="0"/>
+                <a:cs typeface="Carlito" panose="020F0502020204030204" pitchFamily="34" charset="0"/>
+              </a:rPr>
+              <a:t>Samuel</a:t>
             </a:r>
           </a:p>
           <a:p>
@@ -10772,30 +11443,11 @@
               </a:lnSpc>
             </a:pPr>
             <a:r>
-              <a:rPr lang="fr-FR" sz="1600" dirty="0">
-                <a:solidFill>
-                  <a:schemeClr val="bg2">
-                    <a:lumMod val="50000"/>
-                    <a:lumOff val="50000"/>
-                  </a:schemeClr>
-                </a:solidFill>
-                <a:latin typeface="Carlito" panose="020F0502020204030204" pitchFamily="34" charset="0"/>
-                <a:cs typeface="Carlito" panose="020F0502020204030204" pitchFamily="34" charset="0"/>
-              </a:rPr>
-              <a:t>3.1. Production </a:t>
-            </a:r>
-            <a:r>
-              <a:rPr lang="fr-FR" sz="1600" u="sng" dirty="0">
-                <a:solidFill>
-                  <a:schemeClr val="bg2">
-                    <a:lumMod val="50000"/>
-                    <a:lumOff val="50000"/>
-                  </a:schemeClr>
-                </a:solidFill>
-                <a:latin typeface="Carlito" panose="020F0502020204030204" pitchFamily="34" charset="0"/>
-                <a:cs typeface="Carlito" panose="020F0502020204030204" pitchFamily="34" charset="0"/>
-              </a:rPr>
-              <a:t>Lucas</a:t>
+              <a:rPr lang="fr-FR" sz="2400" b="1" dirty="0">
+                <a:latin typeface="Carlito" panose="020F0502020204030204" pitchFamily="34" charset="0"/>
+                <a:cs typeface="Carlito" panose="020F0502020204030204" pitchFamily="34" charset="0"/>
+              </a:rPr>
+              <a:t>3. Présentation du travail en groupe</a:t>
             </a:r>
           </a:p>
           <a:p>
@@ -10815,10 +11467,27 @@
                 <a:latin typeface="Carlito" panose="020F0502020204030204" pitchFamily="34" charset="0"/>
                 <a:cs typeface="Carlito" panose="020F0502020204030204" pitchFamily="34" charset="0"/>
               </a:rPr>
-              <a:t>3.2. Méthodes de travail </a:t>
-            </a:r>
-            <a:r>
-              <a:rPr lang="fr-FR" sz="1600" u="sng" dirty="0">
+              <a:t>3.1. Production</a:t>
+            </a:r>
+            <a:endParaRPr lang="fr-FR" sz="1600" u="sng" dirty="0">
+              <a:solidFill>
+                <a:schemeClr val="bg2">
+                  <a:lumMod val="50000"/>
+                  <a:lumOff val="50000"/>
+                </a:schemeClr>
+              </a:solidFill>
+              <a:latin typeface="Carlito" panose="020F0502020204030204" pitchFamily="34" charset="0"/>
+              <a:cs typeface="Carlito" panose="020F0502020204030204" pitchFamily="34" charset="0"/>
+            </a:endParaRPr>
+          </a:p>
+          <a:p>
+            <a:pPr algn="ctr">
+              <a:lnSpc>
+                <a:spcPct val="150000"/>
+              </a:lnSpc>
+            </a:pPr>
+            <a:r>
+              <a:rPr lang="fr-FR" sz="1600" dirty="0">
                 <a:solidFill>
                   <a:schemeClr val="bg2">
                     <a:lumMod val="50000"/>
@@ -10828,8 +11497,18 @@
                 <a:latin typeface="Carlito" panose="020F0502020204030204" pitchFamily="34" charset="0"/>
                 <a:cs typeface="Carlito" panose="020F0502020204030204" pitchFamily="34" charset="0"/>
               </a:rPr>
-              <a:t>Lucas</a:t>
-            </a:r>
+              <a:t>3.2. Méthodes de travail</a:t>
+            </a:r>
+            <a:endParaRPr lang="fr-FR" sz="1600" u="sng" dirty="0">
+              <a:solidFill>
+                <a:schemeClr val="bg2">
+                  <a:lumMod val="50000"/>
+                  <a:lumOff val="50000"/>
+                </a:schemeClr>
+              </a:solidFill>
+              <a:latin typeface="Carlito" panose="020F0502020204030204" pitchFamily="34" charset="0"/>
+              <a:cs typeface="Carlito" panose="020F0502020204030204" pitchFamily="34" charset="0"/>
+            </a:endParaRPr>
           </a:p>
           <a:p>
             <a:pPr algn="ctr">

--- a/Documents/Soutenance.pptx
+++ b/Documents/Soutenance.pptx
@@ -181,7 +181,7 @@
             </a:lvl1pPr>
           </a:lstStyle>
           <a:p>
-            <a:endParaRPr lang="fr-FR"/>
+            <a:endParaRPr lang="fr-FR" dirty="0"/>
           </a:p>
         </p:txBody>
       </p:sp>
@@ -214,9 +214,9 @@
           <a:p>
             <a:fld id="{343186F5-8CA8-4006-A6F7-848E92B45C6D}" type="datetimeFigureOut">
               <a:rPr lang="fr-FR" smtClean="0"/>
-              <a:t>19/12/2019</a:t>
+              <a:t>20/12/2019</a:t>
             </a:fld>
-            <a:endParaRPr lang="fr-FR"/>
+            <a:endParaRPr lang="fr-FR" dirty="0"/>
           </a:p>
         </p:txBody>
       </p:sp>
@@ -249,7 +249,7 @@
           <a:bodyPr vert="horz" lIns="91440" tIns="45720" rIns="91440" bIns="45720" rtlCol="0" anchor="ctr"/>
           <a:lstStyle/>
           <a:p>
-            <a:endParaRPr lang="fr-FR"/>
+            <a:endParaRPr lang="fr-FR" dirty="0"/>
           </a:p>
         </p:txBody>
       </p:sp>
@@ -339,7 +339,7 @@
             </a:lvl1pPr>
           </a:lstStyle>
           <a:p>
-            <a:endParaRPr lang="fr-FR"/>
+            <a:endParaRPr lang="fr-FR" dirty="0"/>
           </a:p>
         </p:txBody>
       </p:sp>
@@ -374,7 +374,7 @@
               <a:rPr lang="fr-FR" smtClean="0"/>
               <a:t>‹N°›</a:t>
             </a:fld>
-            <a:endParaRPr lang="fr-FR"/>
+            <a:endParaRPr lang="fr-FR" dirty="0"/>
           </a:p>
         </p:txBody>
       </p:sp>
@@ -568,7 +568,7 @@
               <a:rPr lang="fr-FR" smtClean="0"/>
               <a:t>1</a:t>
             </a:fld>
-            <a:endParaRPr lang="fr-FR"/>
+            <a:endParaRPr lang="fr-FR" dirty="0"/>
           </a:p>
         </p:txBody>
       </p:sp>
@@ -629,33 +629,17 @@
           <a:bodyPr/>
           <a:lstStyle/>
           <a:p>
-            <a:pPr marL="171450" indent="-171450">
-              <a:buFontTx/>
-              <a:buChar char="-"/>
-            </a:pPr>
             <a:r>
               <a:rPr lang="fr-FR" dirty="0"/>
-              <a:t>Changé le micro-trottoir en sondage</a:t>
-            </a:r>
-          </a:p>
-          <a:p>
-            <a:pPr marL="171450" indent="-171450">
-              <a:buFontTx/>
-              <a:buChar char="-"/>
-            </a:pPr>
+              <a:t>La page de contact est simple d’utilisation elle demande juste le nom l’email et le message de la personne et envoie automatique un mail a l’adresse </a:t>
+            </a:r>
+            <a:r>
+              <a:rPr lang="fr-FR" dirty="0" err="1"/>
+              <a:t>parrametrer</a:t>
+            </a:r>
             <a:r>
               <a:rPr lang="fr-FR" dirty="0"/>
-              <a:t>La soutenance a pris un peu de retard</a:t>
-            </a:r>
-          </a:p>
-          <a:p>
-            <a:pPr marL="171450" indent="-171450">
-              <a:buFontTx/>
-              <a:buChar char="-"/>
-            </a:pPr>
-            <a:r>
-              <a:rPr lang="fr-FR" dirty="0"/>
-              <a:t>Le rapport a été commencé plus tôt</a:t>
+              <a:t> dans le code.</a:t>
             </a:r>
           </a:p>
         </p:txBody>
@@ -677,7 +661,7 @@
           <a:p>
             <a:fld id="{1F4BD613-B23A-462C-B9CD-9B4D3E24A162}" type="slidenum">
               <a:rPr lang="fr-FR" smtClean="0"/>
-              <a:t>16</a:t>
+              <a:t>11</a:t>
             </a:fld>
             <a:endParaRPr lang="fr-FR"/>
           </a:p>
@@ -686,7 +670,7 @@
     </p:spTree>
     <p:extLst>
       <p:ext uri="{BB962C8B-B14F-4D97-AF65-F5344CB8AC3E}">
-        <p14:creationId xmlns:p14="http://schemas.microsoft.com/office/powerpoint/2010/main" val="4171303329"/>
+        <p14:creationId xmlns:p14="http://schemas.microsoft.com/office/powerpoint/2010/main" val="2474629656"/>
       </p:ext>
     </p:extLst>
   </p:cSld>
@@ -740,14 +724,147 @@
           <a:bodyPr/>
           <a:lstStyle/>
           <a:p>
+            <a:r>
+              <a:rPr lang="fr-FR" dirty="0"/>
+              <a:t>UNIQUEMENT les couleurs et rien d’autre.</a:t>
+            </a:r>
+          </a:p>
+          <a:p>
+            <a:r>
+              <a:rPr lang="fr-FR" dirty="0"/>
+              <a:t>Barre de Bootstrap claire = moderne</a:t>
+            </a:r>
+            <a:r>
+              <a:rPr lang="fr-FR"/>
+              <a:t>, propre</a:t>
+            </a:r>
+            <a:endParaRPr lang="fr-FR" dirty="0"/>
+          </a:p>
+        </p:txBody>
+      </p:sp>
+      <p:sp>
+        <p:nvSpPr>
+          <p:cNvPr id="4" name="Espace réservé du numéro de diapositive 3"/>
+          <p:cNvSpPr>
+            <a:spLocks noGrp="1"/>
+          </p:cNvSpPr>
+          <p:nvPr>
+            <p:ph type="sldNum" sz="quarter" idx="5"/>
+          </p:nvPr>
+        </p:nvSpPr>
+        <p:spPr/>
+        <p:txBody>
+          <a:bodyPr/>
+          <a:lstStyle/>
+          <a:p>
+            <a:fld id="{1F4BD613-B23A-462C-B9CD-9B4D3E24A162}" type="slidenum">
+              <a:rPr lang="fr-FR" smtClean="0"/>
+              <a:t>12</a:t>
+            </a:fld>
+            <a:endParaRPr lang="fr-FR"/>
+          </a:p>
+        </p:txBody>
+      </p:sp>
+    </p:spTree>
+    <p:extLst>
+      <p:ext uri="{BB962C8B-B14F-4D97-AF65-F5344CB8AC3E}">
+        <p14:creationId xmlns:p14="http://schemas.microsoft.com/office/powerpoint/2010/main" val="1455384921"/>
+      </p:ext>
+    </p:extLst>
+  </p:cSld>
+  <p:clrMapOvr>
+    <a:masterClrMapping/>
+  </p:clrMapOvr>
+</p:notes>
+</file>
+
+<file path=ppt/notesSlides/notesSlide12.xml><?xml version="1.0" encoding="utf-8"?>
+<p:notes xmlns:a="http://schemas.openxmlformats.org/drawingml/2006/main" xmlns:r="http://schemas.openxmlformats.org/officeDocument/2006/relationships" xmlns:p="http://schemas.openxmlformats.org/presentationml/2006/main">
+  <p:cSld>
+    <p:spTree>
+      <p:nvGrpSpPr>
+        <p:cNvPr id="1" name=""/>
+        <p:cNvGrpSpPr/>
+        <p:nvPr/>
+      </p:nvGrpSpPr>
+      <p:grpSpPr>
+        <a:xfrm>
+          <a:off x="0" y="0"/>
+          <a:ext cx="0" cy="0"/>
+          <a:chOff x="0" y="0"/>
+          <a:chExt cx="0" cy="0"/>
+        </a:xfrm>
+      </p:grpSpPr>
+      <p:sp>
+        <p:nvSpPr>
+          <p:cNvPr id="2" name="Espace réservé de l'image des diapositives 1"/>
+          <p:cNvSpPr>
+            <a:spLocks noGrp="1" noRot="1" noChangeAspect="1"/>
+          </p:cNvSpPr>
+          <p:nvPr>
+            <p:ph type="sldImg"/>
+          </p:nvPr>
+        </p:nvSpPr>
+        <p:spPr/>
+      </p:sp>
+      <p:sp>
+        <p:nvSpPr>
+          <p:cNvPr id="3" name="Espace réservé des notes 2"/>
+          <p:cNvSpPr>
+            <a:spLocks noGrp="1"/>
+          </p:cNvSpPr>
+          <p:nvPr>
+            <p:ph type="body" idx="1"/>
+          </p:nvPr>
+        </p:nvSpPr>
+        <p:spPr/>
+        <p:txBody>
+          <a:bodyPr/>
+          <a:lstStyle/>
+          <a:p>
             <a:pPr marL="171450" indent="-171450">
               <a:buFontTx/>
               <a:buChar char="-"/>
             </a:pPr>
             <a:r>
               <a:rPr lang="fr-FR" dirty="0"/>
-              <a:t>Nous communiquions via Discord qui est un logiciel de communication permettant de créer des serveurs (groupes privés) et d’avoir plusieurs salons de communication</a:t>
-            </a:r>
+              <a:t>La barre de navigation a poser des </a:t>
+            </a:r>
+            <a:r>
+              <a:rPr lang="fr-FR" dirty="0" err="1"/>
+              <a:t>sousis</a:t>
+            </a:r>
+            <a:r>
+              <a:rPr lang="fr-FR" dirty="0"/>
+              <a:t> du a la taille du texte des lien qui avaient du mal a s’adapter et s’écrivait sur 2 ligne. Un changement dans le </a:t>
+            </a:r>
+            <a:r>
+              <a:rPr lang="fr-FR" dirty="0" err="1"/>
+              <a:t>css</a:t>
+            </a:r>
+            <a:r>
+              <a:rPr lang="fr-FR" dirty="0"/>
+              <a:t> a </a:t>
+            </a:r>
+            <a:r>
+              <a:rPr lang="fr-FR" dirty="0" err="1"/>
+              <a:t>resolut</a:t>
+            </a:r>
+            <a:r>
+              <a:rPr lang="fr-FR" dirty="0"/>
+              <a:t> ce </a:t>
+            </a:r>
+            <a:r>
+              <a:rPr lang="fr-FR" dirty="0" err="1"/>
+              <a:t>probleme</a:t>
+            </a:r>
+            <a:r>
+              <a:rPr lang="fr-FR" dirty="0"/>
+              <a:t>.</a:t>
+            </a:r>
+          </a:p>
+          <a:p>
+            <a:endParaRPr lang="fr-FR" dirty="0"/>
           </a:p>
           <a:p>
             <a:pPr marL="171450" indent="-171450">
@@ -755,8 +872,44 @@
               <a:buChar char="-"/>
             </a:pPr>
             <a:r>
-              <a:rPr lang="fr-FR" dirty="0"/>
-              <a:t>Nous nous partagions les fichiers via GitHub, un site web permettant de mettre en commun des fichiers tout en gardant l’avancement de tout le monde</a:t>
+              <a:rPr lang="fr-FR" b="1" dirty="0"/>
+              <a:t>La page de contact </a:t>
+            </a:r>
+            <a:r>
+              <a:rPr lang="fr-FR" b="0" dirty="0"/>
+              <a:t>utilisait au </a:t>
+            </a:r>
+            <a:r>
+              <a:rPr lang="fr-FR" b="0" dirty="0" err="1"/>
+              <a:t>depart</a:t>
+            </a:r>
+            <a:r>
+              <a:rPr lang="fr-FR" b="0" dirty="0"/>
+              <a:t> la </a:t>
+            </a:r>
+            <a:r>
+              <a:rPr lang="fr-FR" b="1" dirty="0"/>
+              <a:t>fonction mail() </a:t>
+            </a:r>
+            <a:r>
+              <a:rPr lang="fr-FR" b="0" dirty="0"/>
+              <a:t>ceci fonctionnait sur notre serveur de test car le serveur été configurer avec un serveur mail. Cependant, cela ne fonctionne pas sur les serveur de l’iut et en local on c’est </a:t>
+            </a:r>
+            <a:r>
+              <a:rPr lang="fr-FR" b="1" dirty="0"/>
+              <a:t>tourner vers </a:t>
+            </a:r>
+            <a:r>
+              <a:rPr lang="fr-FR" b="1" dirty="0" err="1"/>
+              <a:t>phpmailer</a:t>
+            </a:r>
+            <a:r>
+              <a:rPr lang="fr-FR" b="1" dirty="0"/>
+              <a:t> </a:t>
+            </a:r>
+            <a:r>
+              <a:rPr lang="fr-FR" b="0" dirty="0"/>
+              <a:t>. Ce module accepte des lui préciser un serveur mail manuellement.</a:t>
             </a:r>
           </a:p>
           <a:p>
@@ -764,6 +917,377 @@
               <a:buFontTx/>
               <a:buChar char="-"/>
             </a:pPr>
+            <a:endParaRPr lang="fr-FR" b="1" dirty="0"/>
+          </a:p>
+          <a:p>
+            <a:pPr marL="171450" indent="-171450">
+              <a:buFontTx/>
+              <a:buChar char="-"/>
+            </a:pPr>
+            <a:r>
+              <a:rPr lang="fr-FR" b="1" dirty="0"/>
+              <a:t>L’adaptation mobile </a:t>
+            </a:r>
+            <a:r>
+              <a:rPr lang="fr-FR" dirty="0"/>
+              <a:t>a été l’un des plus gros </a:t>
+            </a:r>
+            <a:r>
+              <a:rPr lang="fr-FR" dirty="0" err="1"/>
+              <a:t>probleme</a:t>
+            </a:r>
+            <a:r>
+              <a:rPr lang="fr-FR" dirty="0"/>
+              <a:t> due principalement a </a:t>
+            </a:r>
+            <a:r>
+              <a:rPr lang="fr-FR" b="1" dirty="0"/>
+              <a:t>taille texte </a:t>
+            </a:r>
+            <a:r>
+              <a:rPr lang="fr-FR" b="0" dirty="0"/>
+              <a:t> et l’adaptation </a:t>
+            </a:r>
+            <a:r>
+              <a:rPr lang="fr-FR" b="1" dirty="0"/>
+              <a:t>des images d’arrière plan.</a:t>
+            </a:r>
+          </a:p>
+          <a:p>
+            <a:pPr marL="171450" indent="-171450">
+              <a:buFontTx/>
+              <a:buChar char="-"/>
+            </a:pPr>
+            <a:endParaRPr lang="fr-FR" b="1" dirty="0"/>
+          </a:p>
+        </p:txBody>
+      </p:sp>
+      <p:sp>
+        <p:nvSpPr>
+          <p:cNvPr id="4" name="Espace réservé du numéro de diapositive 3"/>
+          <p:cNvSpPr>
+            <a:spLocks noGrp="1"/>
+          </p:cNvSpPr>
+          <p:nvPr>
+            <p:ph type="sldNum" sz="quarter" idx="5"/>
+          </p:nvPr>
+        </p:nvSpPr>
+        <p:spPr/>
+        <p:txBody>
+          <a:bodyPr/>
+          <a:lstStyle/>
+          <a:p>
+            <a:fld id="{1F4BD613-B23A-462C-B9CD-9B4D3E24A162}" type="slidenum">
+              <a:rPr lang="fr-FR" smtClean="0"/>
+              <a:t>13</a:t>
+            </a:fld>
+            <a:endParaRPr lang="fr-FR" dirty="0"/>
+          </a:p>
+        </p:txBody>
+      </p:sp>
+    </p:spTree>
+    <p:extLst>
+      <p:ext uri="{BB962C8B-B14F-4D97-AF65-F5344CB8AC3E}">
+        <p14:creationId xmlns:p14="http://schemas.microsoft.com/office/powerpoint/2010/main" val="1409634132"/>
+      </p:ext>
+    </p:extLst>
+  </p:cSld>
+  <p:clrMapOvr>
+    <a:masterClrMapping/>
+  </p:clrMapOvr>
+</p:notes>
+</file>
+
+<file path=ppt/notesSlides/notesSlide13.xml><?xml version="1.0" encoding="utf-8"?>
+<p:notes xmlns:a="http://schemas.openxmlformats.org/drawingml/2006/main" xmlns:r="http://schemas.openxmlformats.org/officeDocument/2006/relationships" xmlns:p="http://schemas.openxmlformats.org/presentationml/2006/main">
+  <p:cSld>
+    <p:spTree>
+      <p:nvGrpSpPr>
+        <p:cNvPr id="1" name=""/>
+        <p:cNvGrpSpPr/>
+        <p:nvPr/>
+      </p:nvGrpSpPr>
+      <p:grpSpPr>
+        <a:xfrm>
+          <a:off x="0" y="0"/>
+          <a:ext cx="0" cy="0"/>
+          <a:chOff x="0" y="0"/>
+          <a:chExt cx="0" cy="0"/>
+        </a:xfrm>
+      </p:grpSpPr>
+      <p:sp>
+        <p:nvSpPr>
+          <p:cNvPr id="2" name="Espace réservé de l'image des diapositives 1"/>
+          <p:cNvSpPr>
+            <a:spLocks noGrp="1" noRot="1" noChangeAspect="1"/>
+          </p:cNvSpPr>
+          <p:nvPr>
+            <p:ph type="sldImg"/>
+          </p:nvPr>
+        </p:nvSpPr>
+        <p:spPr/>
+      </p:sp>
+      <p:sp>
+        <p:nvSpPr>
+          <p:cNvPr id="3" name="Espace réservé des notes 2"/>
+          <p:cNvSpPr>
+            <a:spLocks noGrp="1"/>
+          </p:cNvSpPr>
+          <p:nvPr>
+            <p:ph type="body" idx="1"/>
+          </p:nvPr>
+        </p:nvSpPr>
+        <p:spPr/>
+        <p:txBody>
+          <a:bodyPr/>
+          <a:lstStyle/>
+          <a:p>
+            <a:pPr marL="171450" indent="-171450">
+              <a:buFontTx/>
+              <a:buChar char="-"/>
+            </a:pPr>
+            <a:r>
+              <a:rPr lang="fr-FR" dirty="0"/>
+              <a:t>Nous prévoyons un plan de travail en début de semaine pour savoir ce qu’on avait à faire et trier les priorités</a:t>
+            </a:r>
+          </a:p>
+          <a:p>
+            <a:pPr marL="171450" indent="-171450">
+              <a:buFontTx/>
+              <a:buChar char="-"/>
+            </a:pPr>
+            <a:r>
+              <a:rPr lang="fr-FR" dirty="0"/>
+              <a:t>Nous nous aidions beaucoup pour corriger les problèmes des autres</a:t>
+            </a:r>
+          </a:p>
+          <a:p>
+            <a:pPr marL="171450" indent="-171450">
+              <a:buFontTx/>
+              <a:buChar char="-"/>
+            </a:pPr>
+            <a:r>
+              <a:rPr lang="fr-FR" dirty="0"/>
+              <a:t>Nous n’avons eu aucun problème de communication au sein du groupe, tout le monde s’entendait bien</a:t>
+            </a:r>
+          </a:p>
+        </p:txBody>
+      </p:sp>
+      <p:sp>
+        <p:nvSpPr>
+          <p:cNvPr id="4" name="Espace réservé du numéro de diapositive 3"/>
+          <p:cNvSpPr>
+            <a:spLocks noGrp="1"/>
+          </p:cNvSpPr>
+          <p:nvPr>
+            <p:ph type="sldNum" sz="quarter" idx="5"/>
+          </p:nvPr>
+        </p:nvSpPr>
+        <p:spPr/>
+        <p:txBody>
+          <a:bodyPr/>
+          <a:lstStyle/>
+          <a:p>
+            <a:fld id="{1F4BD613-B23A-462C-B9CD-9B4D3E24A162}" type="slidenum">
+              <a:rPr lang="fr-FR" smtClean="0"/>
+              <a:t>15</a:t>
+            </a:fld>
+            <a:endParaRPr lang="fr-FR" dirty="0"/>
+          </a:p>
+        </p:txBody>
+      </p:sp>
+    </p:spTree>
+    <p:extLst>
+      <p:ext uri="{BB962C8B-B14F-4D97-AF65-F5344CB8AC3E}">
+        <p14:creationId xmlns:p14="http://schemas.microsoft.com/office/powerpoint/2010/main" val="595009641"/>
+      </p:ext>
+    </p:extLst>
+  </p:cSld>
+  <p:clrMapOvr>
+    <a:masterClrMapping/>
+  </p:clrMapOvr>
+</p:notes>
+</file>
+
+<file path=ppt/notesSlides/notesSlide14.xml><?xml version="1.0" encoding="utf-8"?>
+<p:notes xmlns:a="http://schemas.openxmlformats.org/drawingml/2006/main" xmlns:r="http://schemas.openxmlformats.org/officeDocument/2006/relationships" xmlns:p="http://schemas.openxmlformats.org/presentationml/2006/main">
+  <p:cSld>
+    <p:spTree>
+      <p:nvGrpSpPr>
+        <p:cNvPr id="1" name=""/>
+        <p:cNvGrpSpPr/>
+        <p:nvPr/>
+      </p:nvGrpSpPr>
+      <p:grpSpPr>
+        <a:xfrm>
+          <a:off x="0" y="0"/>
+          <a:ext cx="0" cy="0"/>
+          <a:chOff x="0" y="0"/>
+          <a:chExt cx="0" cy="0"/>
+        </a:xfrm>
+      </p:grpSpPr>
+      <p:sp>
+        <p:nvSpPr>
+          <p:cNvPr id="2" name="Espace réservé de l'image des diapositives 1"/>
+          <p:cNvSpPr>
+            <a:spLocks noGrp="1" noRot="1" noChangeAspect="1"/>
+          </p:cNvSpPr>
+          <p:nvPr>
+            <p:ph type="sldImg"/>
+          </p:nvPr>
+        </p:nvSpPr>
+        <p:spPr/>
+      </p:sp>
+      <p:sp>
+        <p:nvSpPr>
+          <p:cNvPr id="3" name="Espace réservé des notes 2"/>
+          <p:cNvSpPr>
+            <a:spLocks noGrp="1"/>
+          </p:cNvSpPr>
+          <p:nvPr>
+            <p:ph type="body" idx="1"/>
+          </p:nvPr>
+        </p:nvSpPr>
+        <p:spPr/>
+        <p:txBody>
+          <a:bodyPr/>
+          <a:lstStyle/>
+          <a:p>
+            <a:pPr marL="171450" indent="-171450">
+              <a:buFontTx/>
+              <a:buChar char="-"/>
+            </a:pPr>
+            <a:r>
+              <a:rPr lang="fr-FR" dirty="0"/>
+              <a:t>Changé le micro-trottoir en sondage</a:t>
+            </a:r>
+          </a:p>
+          <a:p>
+            <a:pPr marL="171450" indent="-171450">
+              <a:buFontTx/>
+              <a:buChar char="-"/>
+            </a:pPr>
+            <a:r>
+              <a:rPr lang="fr-FR" dirty="0"/>
+              <a:t>La soutenance a pris un peu de retard</a:t>
+            </a:r>
+          </a:p>
+          <a:p>
+            <a:pPr marL="171450" indent="-171450">
+              <a:buFontTx/>
+              <a:buChar char="-"/>
+            </a:pPr>
+            <a:r>
+              <a:rPr lang="fr-FR" dirty="0"/>
+              <a:t>Le rapport a été commencé plus tôt</a:t>
+            </a:r>
+          </a:p>
+        </p:txBody>
+      </p:sp>
+      <p:sp>
+        <p:nvSpPr>
+          <p:cNvPr id="4" name="Espace réservé du numéro de diapositive 3"/>
+          <p:cNvSpPr>
+            <a:spLocks noGrp="1"/>
+          </p:cNvSpPr>
+          <p:nvPr>
+            <p:ph type="sldNum" sz="quarter" idx="5"/>
+          </p:nvPr>
+        </p:nvSpPr>
+        <p:spPr/>
+        <p:txBody>
+          <a:bodyPr/>
+          <a:lstStyle/>
+          <a:p>
+            <a:fld id="{1F4BD613-B23A-462C-B9CD-9B4D3E24A162}" type="slidenum">
+              <a:rPr lang="fr-FR" smtClean="0"/>
+              <a:t>16</a:t>
+            </a:fld>
+            <a:endParaRPr lang="fr-FR" dirty="0"/>
+          </a:p>
+        </p:txBody>
+      </p:sp>
+    </p:spTree>
+    <p:extLst>
+      <p:ext uri="{BB962C8B-B14F-4D97-AF65-F5344CB8AC3E}">
+        <p14:creationId xmlns:p14="http://schemas.microsoft.com/office/powerpoint/2010/main" val="4171303329"/>
+      </p:ext>
+    </p:extLst>
+  </p:cSld>
+  <p:clrMapOvr>
+    <a:masterClrMapping/>
+  </p:clrMapOvr>
+</p:notes>
+</file>
+
+<file path=ppt/notesSlides/notesSlide15.xml><?xml version="1.0" encoding="utf-8"?>
+<p:notes xmlns:a="http://schemas.openxmlformats.org/drawingml/2006/main" xmlns:r="http://schemas.openxmlformats.org/officeDocument/2006/relationships" xmlns:p="http://schemas.openxmlformats.org/presentationml/2006/main">
+  <p:cSld>
+    <p:spTree>
+      <p:nvGrpSpPr>
+        <p:cNvPr id="1" name=""/>
+        <p:cNvGrpSpPr/>
+        <p:nvPr/>
+      </p:nvGrpSpPr>
+      <p:grpSpPr>
+        <a:xfrm>
+          <a:off x="0" y="0"/>
+          <a:ext cx="0" cy="0"/>
+          <a:chOff x="0" y="0"/>
+          <a:chExt cx="0" cy="0"/>
+        </a:xfrm>
+      </p:grpSpPr>
+      <p:sp>
+        <p:nvSpPr>
+          <p:cNvPr id="2" name="Espace réservé de l'image des diapositives 1"/>
+          <p:cNvSpPr>
+            <a:spLocks noGrp="1" noRot="1" noChangeAspect="1"/>
+          </p:cNvSpPr>
+          <p:nvPr>
+            <p:ph type="sldImg"/>
+          </p:nvPr>
+        </p:nvSpPr>
+        <p:spPr/>
+      </p:sp>
+      <p:sp>
+        <p:nvSpPr>
+          <p:cNvPr id="3" name="Espace réservé des notes 2"/>
+          <p:cNvSpPr>
+            <a:spLocks noGrp="1"/>
+          </p:cNvSpPr>
+          <p:nvPr>
+            <p:ph type="body" idx="1"/>
+          </p:nvPr>
+        </p:nvSpPr>
+        <p:spPr/>
+        <p:txBody>
+          <a:bodyPr/>
+          <a:lstStyle/>
+          <a:p>
+            <a:pPr marL="171450" indent="-171450">
+              <a:buFontTx/>
+              <a:buChar char="-"/>
+            </a:pPr>
+            <a:r>
+              <a:rPr lang="fr-FR" dirty="0"/>
+              <a:t>Nous communiquions via Discord qui est un logiciel de communication permettant de créer des serveurs (groupes privés) et d’avoir plusieurs salons de communication</a:t>
+            </a:r>
+          </a:p>
+          <a:p>
+            <a:pPr marL="171450" indent="-171450">
+              <a:buFontTx/>
+              <a:buChar char="-"/>
+            </a:pPr>
+            <a:r>
+              <a:rPr lang="fr-FR" dirty="0"/>
+              <a:t>Nous nous partagions les fichiers via GitHub, un site web permettant de mettre en commun des fichiers tout en gardant l’avancement de tout le monde</a:t>
+            </a:r>
+          </a:p>
+          <a:p>
+            <a:pPr marL="171450" indent="-171450">
+              <a:buFontTx/>
+              <a:buChar char="-"/>
+            </a:pPr>
             <a:r>
               <a:rPr lang="fr-FR" dirty="0"/>
               <a:t>Nous nous retrouvions parfois le jeudi après-midi à la bibliothèque universitaire afin de communiquer et travailler plus simplement</a:t>
@@ -790,7 +1314,7 @@
               <a:rPr lang="fr-FR" smtClean="0"/>
               <a:t>17</a:t>
             </a:fld>
-            <a:endParaRPr lang="fr-FR"/>
+            <a:endParaRPr lang="fr-FR" dirty="0"/>
           </a:p>
         </p:txBody>
       </p:sp>
@@ -894,7 +1418,7 @@
               <a:rPr lang="fr-FR" smtClean="0"/>
               <a:t>2</a:t>
             </a:fld>
-            <a:endParaRPr lang="fr-FR"/>
+            <a:endParaRPr lang="fr-FR" dirty="0"/>
           </a:p>
         </p:txBody>
       </p:sp>
@@ -981,7 +1505,7 @@
               <a:rPr lang="fr-FR" smtClean="0"/>
               <a:t>3</a:t>
             </a:fld>
-            <a:endParaRPr lang="fr-FR"/>
+            <a:endParaRPr lang="fr-FR" dirty="0"/>
           </a:p>
         </p:txBody>
       </p:sp>
@@ -1348,7 +1872,7 @@
               <a:rPr lang="fr-FR" smtClean="0"/>
               <a:t>4</a:t>
             </a:fld>
-            <a:endParaRPr lang="fr-FR"/>
+            <a:endParaRPr lang="fr-FR" dirty="0"/>
           </a:p>
         </p:txBody>
       </p:sp>
@@ -1741,7 +2265,18 @@
           <a:bodyPr/>
           <a:lstStyle/>
           <a:p>
-            <a:endParaRPr lang="fr-FR" dirty="0"/>
+            <a:r>
+              <a:rPr lang="fr-FR" dirty="0"/>
+              <a:t>Je vais débuter la </a:t>
+            </a:r>
+            <a:r>
+              <a:rPr lang="fr-FR" dirty="0" err="1"/>
+              <a:t>presentaton</a:t>
+            </a:r>
+            <a:r>
+              <a:rPr lang="fr-FR" dirty="0"/>
+              <a:t> du site web.</a:t>
+            </a:r>
           </a:p>
         </p:txBody>
       </p:sp>
@@ -1827,17 +2362,116 @@
           <a:p>
             <a:r>
               <a:rPr lang="fr-FR" dirty="0"/>
-              <a:t>UNIQUEMENT les couleurs et rien d’autre.</a:t>
-            </a:r>
-          </a:p>
-          <a:p>
+              <a:t>Nous </a:t>
+            </a:r>
+            <a:r>
+              <a:rPr lang="fr-FR" dirty="0" err="1"/>
+              <a:t>avont</a:t>
+            </a:r>
             <a:r>
               <a:rPr lang="fr-FR" dirty="0"/>
-              <a:t>Barre de Bootstrap claire = moderne</a:t>
-            </a:r>
-            <a:r>
-              <a:rPr lang="fr-FR"/>
-              <a:t>, propre</a:t>
+              <a:t> utiliser </a:t>
+            </a:r>
+            <a:r>
+              <a:rPr lang="fr-FR" dirty="0" err="1"/>
+              <a:t>bootstrap</a:t>
+            </a:r>
+            <a:r>
+              <a:rPr lang="fr-FR" dirty="0"/>
+              <a:t> pour la </a:t>
+            </a:r>
+            <a:r>
+              <a:rPr lang="fr-FR" dirty="0" err="1"/>
+              <a:t>simplicitée</a:t>
+            </a:r>
+            <a:r>
+              <a:rPr lang="fr-FR" dirty="0"/>
+              <a:t> de dev et la </a:t>
+            </a:r>
+            <a:r>
+              <a:rPr lang="fr-FR" dirty="0" err="1"/>
+              <a:t>func</a:t>
+            </a:r>
+            <a:r>
+              <a:rPr lang="fr-FR" dirty="0"/>
+              <a:t> responsive</a:t>
+            </a:r>
+          </a:p>
+          <a:p>
+            <a:r>
+              <a:rPr lang="fr-FR" dirty="0" err="1"/>
+              <a:t>PHPMailer</a:t>
+            </a:r>
+            <a:r>
+              <a:rPr lang="fr-FR" dirty="0"/>
+              <a:t> pour l’envois d’un mail</a:t>
+            </a:r>
+          </a:p>
+          <a:p>
+            <a:r>
+              <a:rPr lang="fr-FR" dirty="0"/>
+              <a:t>Une animation en pur </a:t>
+            </a:r>
+            <a:r>
+              <a:rPr lang="fr-FR" dirty="0" err="1"/>
+              <a:t>css</a:t>
+            </a:r>
+            <a:r>
+              <a:rPr lang="fr-FR" dirty="0"/>
+              <a:t> pour une </a:t>
+            </a:r>
+            <a:r>
+              <a:rPr lang="fr-FR" dirty="0" err="1"/>
+              <a:t>fleche</a:t>
+            </a:r>
+            <a:endParaRPr lang="fr-FR" dirty="0"/>
+          </a:p>
+          <a:p>
+            <a:r>
+              <a:rPr lang="fr-FR" dirty="0"/>
+              <a:t>Ainsi qu’un script </a:t>
+            </a:r>
+            <a:r>
+              <a:rPr lang="fr-FR" dirty="0" err="1"/>
+              <a:t>php</a:t>
+            </a:r>
+            <a:r>
+              <a:rPr lang="fr-FR" dirty="0"/>
+              <a:t> </a:t>
+            </a:r>
+            <a:r>
+              <a:rPr lang="fr-FR" dirty="0" err="1"/>
+              <a:t>prermetant</a:t>
+            </a:r>
+            <a:r>
+              <a:rPr lang="fr-FR" dirty="0"/>
+              <a:t> l’</a:t>
+            </a:r>
+            <a:r>
+              <a:rPr lang="fr-FR" dirty="0" err="1"/>
+              <a:t>insersion</a:t>
+            </a:r>
+            <a:r>
+              <a:rPr lang="fr-FR" dirty="0"/>
+              <a:t> facile des </a:t>
+            </a:r>
+            <a:r>
+              <a:rPr lang="fr-FR" dirty="0" err="1"/>
+              <a:t>popups</a:t>
+            </a:r>
+            <a:r>
+              <a:rPr lang="fr-FR" dirty="0"/>
+              <a:t> pour les images</a:t>
+            </a:r>
+          </a:p>
+          <a:p>
+            <a:r>
+              <a:rPr lang="fr-FR" dirty="0"/>
+              <a:t>Et un petit peu de javascript pour le défilement d’image sur la page d’</a:t>
+            </a:r>
+            <a:r>
+              <a:rPr lang="fr-FR" dirty="0" err="1"/>
+              <a:t>acceuil</a:t>
             </a:r>
             <a:endParaRPr lang="fr-FR" dirty="0"/>
           </a:p>
@@ -1860,7 +2494,7 @@
           <a:p>
             <a:fld id="{1F4BD613-B23A-462C-B9CD-9B4D3E24A162}" type="slidenum">
               <a:rPr lang="fr-FR" smtClean="0"/>
-              <a:t>12</a:t>
+              <a:t>9</a:t>
             </a:fld>
             <a:endParaRPr lang="fr-FR"/>
           </a:p>
@@ -1869,7 +2503,7 @@
     </p:spTree>
     <p:extLst>
       <p:ext uri="{BB962C8B-B14F-4D97-AF65-F5344CB8AC3E}">
-        <p14:creationId xmlns:p14="http://schemas.microsoft.com/office/powerpoint/2010/main" val="1455384921"/>
+        <p14:creationId xmlns:p14="http://schemas.microsoft.com/office/powerpoint/2010/main" val="282747052"/>
       </p:ext>
     </p:extLst>
   </p:cSld>
@@ -1923,34 +2557,7 @@
           <a:bodyPr/>
           <a:lstStyle/>
           <a:p>
-            <a:pPr marL="171450" indent="-171450">
-              <a:buFontTx/>
-              <a:buChar char="-"/>
-            </a:pPr>
-            <a:r>
-              <a:rPr lang="fr-FR" dirty="0"/>
-              <a:t>Nous prévoyons un plan de travail en début de semaine pour savoir ce qu’on avait à faire et trier les priorités</a:t>
-            </a:r>
-          </a:p>
-          <a:p>
-            <a:pPr marL="171450" indent="-171450">
-              <a:buFontTx/>
-              <a:buChar char="-"/>
-            </a:pPr>
-            <a:r>
-              <a:rPr lang="fr-FR" dirty="0"/>
-              <a:t>Nous nous aidions beaucoup pour corriger les problèmes des autres</a:t>
-            </a:r>
-          </a:p>
-          <a:p>
-            <a:pPr marL="171450" indent="-171450">
-              <a:buFontTx/>
-              <a:buChar char="-"/>
-            </a:pPr>
-            <a:r>
-              <a:rPr lang="fr-FR" dirty="0"/>
-              <a:t>Nous n’avons eu aucun problème de communication au sein du groupe, tout le monde s’entendait bien</a:t>
-            </a:r>
+            <a:endParaRPr lang="fr-FR" dirty="0"/>
           </a:p>
         </p:txBody>
       </p:sp>
@@ -1971,7 +2578,7 @@
           <a:p>
             <a:fld id="{1F4BD613-B23A-462C-B9CD-9B4D3E24A162}" type="slidenum">
               <a:rPr lang="fr-FR" smtClean="0"/>
-              <a:t>15</a:t>
+              <a:t>10</a:t>
             </a:fld>
             <a:endParaRPr lang="fr-FR"/>
           </a:p>
@@ -1980,7 +2587,7 @@
     </p:spTree>
     <p:extLst>
       <p:ext uri="{BB962C8B-B14F-4D97-AF65-F5344CB8AC3E}">
-        <p14:creationId xmlns:p14="http://schemas.microsoft.com/office/powerpoint/2010/main" val="595009641"/>
+        <p14:creationId xmlns:p14="http://schemas.microsoft.com/office/powerpoint/2010/main" val="3471020938"/>
       </p:ext>
     </p:extLst>
   </p:cSld>
@@ -2277,7 +2884,7 @@
           <a:p>
             <a:fld id="{E8E128D4-2B97-4D00-8C41-A15A8E2CCECC}" type="datetime1">
               <a:rPr lang="en-US" smtClean="0"/>
-              <a:t>12/19/2019</a:t>
+              <a:t>12/20/2019</a:t>
             </a:fld>
             <a:endParaRPr lang="en-US" dirty="0"/>
           </a:p>
@@ -2500,7 +3107,7 @@
           </a:lstStyle>
           <a:p>
             <a:r>
-              <a:rPr lang="fr-FR"/>
+              <a:rPr lang="fr-FR" dirty="0"/>
               <a:t>Cliquez sur l'icône pour ajouter une image</a:t>
             </a:r>
             <a:endParaRPr lang="en-US" dirty="0"/>
@@ -2591,7 +3198,7 @@
           <a:p>
             <a:fld id="{0ADF2495-361B-45CB-857D-390A82607E03}" type="datetime1">
               <a:rPr lang="en-US" smtClean="0"/>
-              <a:t>12/19/2019</a:t>
+              <a:t>12/20/2019</a:t>
             </a:fld>
             <a:endParaRPr lang="en-US" dirty="0"/>
           </a:p>
@@ -3075,7 +3682,7 @@
           <a:p>
             <a:fld id="{A28C0335-E3E1-44D8-A3A1-5B0C46B38F9D}" type="datetime1">
               <a:rPr lang="en-US" smtClean="0"/>
-              <a:t>12/19/2019</a:t>
+              <a:t>12/20/2019</a:t>
             </a:fld>
             <a:endParaRPr lang="en-US" dirty="0"/>
           </a:p>
@@ -3440,7 +4047,7 @@
           <a:p>
             <a:fld id="{B5A23270-DE5F-496B-8618-20F475962898}" type="datetime1">
               <a:rPr lang="en-US" smtClean="0"/>
-              <a:t>12/19/2019</a:t>
+              <a:t>12/20/2019</a:t>
             </a:fld>
             <a:endParaRPr lang="en-US" dirty="0"/>
           </a:p>
@@ -3709,7 +4316,7 @@
           <a:p>
             <a:fld id="{981C065D-8039-45C2-9EFC-A0A7E76FCBF3}" type="datetime1">
               <a:rPr lang="en-US" smtClean="0"/>
-              <a:t>12/19/2019</a:t>
+              <a:t>12/20/2019</a:t>
             </a:fld>
             <a:endParaRPr lang="en-US" dirty="0"/>
           </a:p>
@@ -3990,7 +4597,7 @@
           <a:p>
             <a:fld id="{3506392F-2B30-4259-B6A7-2291A3D54088}" type="datetime1">
               <a:rPr lang="en-US" smtClean="0"/>
-              <a:t>12/19/2019</a:t>
+              <a:t>12/20/2019</a:t>
             </a:fld>
             <a:endParaRPr lang="en-US" dirty="0"/>
           </a:p>
@@ -4269,7 +4876,7 @@
           <a:p>
             <a:fld id="{025D745B-7098-44C1-B3DD-89E9D8CF84AB}" type="datetime1">
               <a:rPr lang="en-US" smtClean="0"/>
-              <a:t>12/19/2019</a:t>
+              <a:t>12/20/2019</a:t>
             </a:fld>
             <a:endParaRPr lang="en-US" dirty="0"/>
           </a:p>
@@ -4608,7 +5215,7 @@
           <a:p>
             <a:fld id="{3F19069D-161A-4725-B5E8-57ED88226824}" type="datetime1">
               <a:rPr lang="en-US" smtClean="0"/>
-              <a:t>12/19/2019</a:t>
+              <a:t>12/20/2019</a:t>
             </a:fld>
             <a:endParaRPr lang="en-US" dirty="0"/>
           </a:p>
@@ -4943,7 +5550,7 @@
           <a:p>
             <a:fld id="{CB61BCF9-CA4A-419C-B350-318DFFC1AA0F}" type="datetime1">
               <a:rPr lang="en-US" smtClean="0"/>
-              <a:t>12/19/2019</a:t>
+              <a:t>12/20/2019</a:t>
             </a:fld>
             <a:endParaRPr lang="en-US" dirty="0"/>
           </a:p>
@@ -5416,7 +6023,7 @@
           <a:p>
             <a:fld id="{B6A20A7B-6AB4-472D-A146-775736AA170D}" type="datetime1">
               <a:rPr lang="en-US" smtClean="0"/>
-              <a:t>12/19/2019</a:t>
+              <a:t>12/20/2019</a:t>
             </a:fld>
             <a:endParaRPr lang="en-US" dirty="0"/>
           </a:p>
@@ -5633,7 +6240,7 @@
           <a:p>
             <a:fld id="{6A05F030-1C8A-458D-9A5F-E00D2780AC95}" type="datetime1">
               <a:rPr lang="en-US" smtClean="0"/>
-              <a:t>12/19/2019</a:t>
+              <a:t>12/20/2019</a:t>
             </a:fld>
             <a:endParaRPr lang="en-US" dirty="0"/>
           </a:p>
@@ -5724,7 +6331,7 @@
           <a:p>
             <a:fld id="{1240D710-5DF4-4012-8BB8-3CF58D6F2A7C}" type="datetime1">
               <a:rPr lang="en-US" smtClean="0"/>
-              <a:t>12/19/2019</a:t>
+              <a:t>12/20/2019</a:t>
             </a:fld>
             <a:endParaRPr lang="en-US" dirty="0"/>
           </a:p>
@@ -6187,7 +6794,7 @@
           <a:p>
             <a:fld id="{99722D52-B400-41CA-B334-A9A689063FEF}" type="datetime1">
               <a:rPr lang="en-US" smtClean="0"/>
-              <a:t>12/19/2019</a:t>
+              <a:t>12/20/2019</a:t>
             </a:fld>
             <a:endParaRPr lang="en-US" dirty="0"/>
           </a:p>
@@ -6400,7 +7007,7 @@
           </a:lstStyle>
           <a:p>
             <a:r>
-              <a:rPr lang="fr-FR"/>
+              <a:rPr lang="fr-FR" dirty="0"/>
               <a:t>Cliquez sur l'icône pour ajouter une image</a:t>
             </a:r>
             <a:endParaRPr lang="en-US" dirty="0"/>
@@ -6496,7 +7103,7 @@
           <a:p>
             <a:fld id="{1BA3EDCC-E7EC-4434-8C60-B9D7A27CCF7C}" type="datetime1">
               <a:rPr lang="en-US" smtClean="0"/>
-              <a:t>12/19/2019</a:t>
+              <a:t>12/20/2019</a:t>
             </a:fld>
             <a:endParaRPr lang="en-US" dirty="0"/>
           </a:p>
@@ -6762,7 +7369,7 @@
           <a:p>
             <a:fld id="{4F8E49D7-EEDD-4A8F-B044-C9278821D1B7}" type="datetime1">
               <a:rPr lang="en-US" smtClean="0"/>
-              <a:t>12/19/2019</a:t>
+              <a:t>12/20/2019</a:t>
             </a:fld>
             <a:endParaRPr lang="en-US" dirty="0"/>
           </a:p>
@@ -7784,7 +8391,7 @@
           <p:nvPr/>
         </p:nvPicPr>
         <p:blipFill>
-          <a:blip r:embed="rId2">
+          <a:blip r:embed="rId3">
             <a:extLst>
               <a:ext uri="{28A0092B-C50C-407E-A947-70E740481C1C}">
                 <a14:useLocalDpi xmlns:a14="http://schemas.microsoft.com/office/drawing/2010/main" val="0"/>
@@ -7852,7 +8459,7 @@
           <p:nvPr/>
         </p:nvPicPr>
         <p:blipFill>
-          <a:blip r:embed="rId3">
+          <a:blip r:embed="rId4">
             <a:extLst>
               <a:ext uri="{28A0092B-C50C-407E-A947-70E740481C1C}">
                 <a14:useLocalDpi xmlns:a14="http://schemas.microsoft.com/office/drawing/2010/main" val="0"/>
@@ -8299,7 +8906,7 @@
           <p:nvPr/>
         </p:nvPicPr>
         <p:blipFill>
-          <a:blip r:embed="rId2">
+          <a:blip r:embed="rId3">
             <a:extLst>
               <a:ext uri="{28A0092B-C50C-407E-A947-70E740481C1C}">
                 <a14:useLocalDpi xmlns:a14="http://schemas.microsoft.com/office/drawing/2010/main" val="0"/>
@@ -8367,7 +8974,7 @@
           <p:nvPr/>
         </p:nvPicPr>
         <p:blipFill>
-          <a:blip r:embed="rId3">
+          <a:blip r:embed="rId4">
             <a:extLst>
               <a:ext uri="{28A0092B-C50C-407E-A947-70E740481C1C}">
                 <a14:useLocalDpi xmlns:a14="http://schemas.microsoft.com/office/drawing/2010/main" val="0"/>
@@ -9285,7 +9892,7 @@
           <p:nvPr/>
         </p:nvPicPr>
         <p:blipFill>
-          <a:blip r:embed="rId2">
+          <a:blip r:embed="rId3">
             <a:extLst>
               <a:ext uri="{28A0092B-C50C-407E-A947-70E740481C1C}">
                 <a14:useLocalDpi xmlns:a14="http://schemas.microsoft.com/office/drawing/2010/main" val="0"/>
@@ -10230,7 +10837,7 @@
           <a:lstStyle/>
           <a:p>
             <a:pPr algn="ctr"/>
-            <a:endParaRPr lang="fr-FR"/>
+            <a:endParaRPr lang="fr-FR" dirty="0"/>
           </a:p>
         </p:txBody>
       </p:sp>
@@ -10282,7 +10889,7 @@
           <a:lstStyle/>
           <a:p>
             <a:pPr algn="ctr"/>
-            <a:endParaRPr lang="fr-FR"/>
+            <a:endParaRPr lang="fr-FR" dirty="0"/>
           </a:p>
         </p:txBody>
       </p:sp>
@@ -10334,7 +10941,7 @@
           <a:lstStyle/>
           <a:p>
             <a:pPr algn="ctr"/>
-            <a:endParaRPr lang="fr-FR"/>
+            <a:endParaRPr lang="fr-FR" dirty="0"/>
           </a:p>
         </p:txBody>
       </p:sp>
@@ -10386,7 +10993,7 @@
           <a:lstStyle/>
           <a:p>
             <a:pPr algn="ctr"/>
-            <a:endParaRPr lang="fr-FR"/>
+            <a:endParaRPr lang="fr-FR" dirty="0"/>
           </a:p>
         </p:txBody>
       </p:sp>
@@ -12341,7 +12948,7 @@
           <a:p>
             <a:pPr algn="ctr"/>
             <a:r>
-              <a:rPr lang="fr-FR" sz="3200">
+              <a:rPr lang="fr-FR" sz="3200" dirty="0">
                 <a:solidFill>
                   <a:schemeClr val="tx2">
                     <a:lumMod val="75000"/>
@@ -12353,7 +12960,7 @@
               <a:t>Introduction</a:t>
             </a:r>
             <a:r>
-              <a:rPr lang="fr-FR" sz="3200" b="1">
+              <a:rPr lang="fr-FR" sz="3200" b="1" dirty="0">
                 <a:solidFill>
                   <a:schemeClr val="bg1"/>
                 </a:solidFill>
@@ -12363,7 +12970,7 @@
               <a:t>	</a:t>
             </a:r>
             <a:r>
-              <a:rPr lang="fr-FR" sz="3200" b="1">
+              <a:rPr lang="fr-FR" sz="3200" b="1" dirty="0">
                 <a:solidFill>
                   <a:schemeClr val="bg1"/>
                 </a:solidFill>
@@ -12372,7 +12979,7 @@
               <a:t>1. Partie économique et juridique </a:t>
             </a:r>
             <a:r>
-              <a:rPr lang="fr-FR" sz="3200">
+              <a:rPr lang="fr-FR" sz="3200" dirty="0">
                 <a:solidFill>
                   <a:schemeClr val="tx2">
                     <a:lumMod val="75000"/>
@@ -12386,7 +12993,7 @@
           <a:p>
             <a:pPr algn="ctr"/>
             <a:r>
-              <a:rPr lang="fr-FR" sz="3200">
+              <a:rPr lang="fr-FR" sz="3200" dirty="0">
                 <a:solidFill>
                   <a:schemeClr val="tx2">
                     <a:lumMod val="75000"/>
@@ -12398,7 +13005,7 @@
               <a:t>3. Travail en groupe</a:t>
             </a:r>
             <a:r>
-              <a:rPr lang="fr-FR" sz="3200" b="1">
+              <a:rPr lang="fr-FR" sz="3200" b="1" dirty="0">
                 <a:solidFill>
                   <a:schemeClr val="tx2">
                     <a:lumMod val="75000"/>
@@ -12410,7 +13017,7 @@
               <a:t>	</a:t>
             </a:r>
             <a:r>
-              <a:rPr lang="fr-FR" sz="3200">
+              <a:rPr lang="fr-FR" sz="3200" dirty="0">
                 <a:solidFill>
                   <a:schemeClr val="tx2">
                     <a:lumMod val="75000"/>
@@ -12421,15 +13028,6 @@
               </a:rPr>
               <a:t>Conclusion</a:t>
             </a:r>
-            <a:endParaRPr lang="fr-FR" sz="3200" dirty="0">
-              <a:solidFill>
-                <a:schemeClr val="tx2">
-                  <a:lumMod val="75000"/>
-                </a:schemeClr>
-              </a:solidFill>
-              <a:latin typeface="Carlito" panose="020F0502020204030204" pitchFamily="34" charset="0"/>
-              <a:cs typeface="Carlito" panose="020F0502020204030204" pitchFamily="34" charset="0"/>
-            </a:endParaRPr>
           </a:p>
         </p:txBody>
       </p:sp>
@@ -13793,7 +14391,7 @@
           <p:nvPr/>
         </p:nvPicPr>
         <p:blipFill>
-          <a:blip r:embed="rId2">
+          <a:blip r:embed="rId3">
             <a:extLst>
               <a:ext uri="{28A0092B-C50C-407E-A947-70E740481C1C}">
                 <a14:useLocalDpi xmlns:a14="http://schemas.microsoft.com/office/drawing/2010/main" val="0"/>

--- a/Documents/Soutenance.pptx
+++ b/Documents/Soutenance.pptx
@@ -2692,7 +2692,7 @@
           <a:effectLst/>
           <a:extLst>
             <a:ext uri="{91240B29-F687-4f45-9708-019B960494DF}">
-              <a14:hiddenLine xmlns:a14="http://schemas.microsoft.com/office/drawing/2010/main" xmlns="" w="9525">
+              <a14:hiddenLine xmlns="" xmlns:a14="http://schemas.microsoft.com/office/drawing/2010/main" w="9525">
                 <a:solidFill>
                   <a:srgbClr val="000000"/>
                 </a:solidFill>
@@ -4198,7 +4198,7 @@
           <a:ln/>
           <a:extLst>
             <a:ext uri="{91240B29-F687-4f45-9708-019B960494DF}">
-              <a14:hiddenLine xmlns:a14="http://schemas.microsoft.com/office/drawing/2010/main" xmlns="" w="9525">
+              <a14:hiddenLine xmlns="" xmlns:a14="http://schemas.microsoft.com/office/drawing/2010/main" w="9525">
                 <a:solidFill>
                   <a:srgbClr val="000000"/>
                 </a:solidFill>
@@ -4469,7 +4469,7 @@
           <a:ln/>
           <a:extLst>
             <a:ext uri="{91240B29-F687-4f45-9708-019B960494DF}">
-              <a14:hiddenLine xmlns:a14="http://schemas.microsoft.com/office/drawing/2010/main" xmlns="" w="9525">
+              <a14:hiddenLine xmlns="" xmlns:a14="http://schemas.microsoft.com/office/drawing/2010/main" w="9525">
                 <a:solidFill>
                   <a:srgbClr val="000000"/>
                 </a:solidFill>
@@ -4748,7 +4748,7 @@
           <a:ln/>
           <a:extLst>
             <a:ext uri="{91240B29-F687-4f45-9708-019B960494DF}">
-              <a14:hiddenLine xmlns:a14="http://schemas.microsoft.com/office/drawing/2010/main" xmlns="" w="9525">
+              <a14:hiddenLine xmlns="" xmlns:a14="http://schemas.microsoft.com/office/drawing/2010/main" w="9525">
                 <a:solidFill>
                   <a:srgbClr val="000000"/>
                 </a:solidFill>
@@ -5366,7 +5366,7 @@
           <a:ln/>
           <a:extLst>
             <a:ext uri="{91240B29-F687-4f45-9708-019B960494DF}">
-              <a14:hiddenLine xmlns:a14="http://schemas.microsoft.com/office/drawing/2010/main" xmlns="" w="9525">
+              <a14:hiddenLine xmlns="" xmlns:a14="http://schemas.microsoft.com/office/drawing/2010/main" w="9525">
                 <a:solidFill>
                   <a:srgbClr val="000000"/>
                 </a:solidFill>
@@ -5701,7 +5701,7 @@
           <a:ln/>
           <a:extLst>
             <a:ext uri="{91240B29-F687-4f45-9708-019B960494DF}">
-              <a14:hiddenLine xmlns:a14="http://schemas.microsoft.com/office/drawing/2010/main" xmlns="" w="9525">
+              <a14:hiddenLine xmlns="" xmlns:a14="http://schemas.microsoft.com/office/drawing/2010/main" w="9525">
                 <a:solidFill>
                   <a:srgbClr val="000000"/>
                 </a:solidFill>
@@ -6174,7 +6174,7 @@
           <a:ln/>
           <a:extLst>
             <a:ext uri="{91240B29-F687-4f45-9708-019B960494DF}">
-              <a14:hiddenLine xmlns:a14="http://schemas.microsoft.com/office/drawing/2010/main" xmlns="" w="9525">
+              <a14:hiddenLine xmlns="" xmlns:a14="http://schemas.microsoft.com/office/drawing/2010/main" w="9525">
                 <a:solidFill>
                   <a:srgbClr val="000000"/>
                 </a:solidFill>
@@ -6595,7 +6595,7 @@
           <a:ln/>
           <a:extLst>
             <a:ext uri="{91240B29-F687-4f45-9708-019B960494DF}">
-              <a14:hiddenLine xmlns:a14="http://schemas.microsoft.com/office/drawing/2010/main" xmlns="" w="9525">
+              <a14:hiddenLine xmlns="" xmlns:a14="http://schemas.microsoft.com/office/drawing/2010/main" w="9525">
                 <a:solidFill>
                   <a:srgbClr val="000000"/>
                 </a:solidFill>
@@ -11912,10 +11912,17 @@
                 <a:latin typeface="Carlito" panose="020F0502020204030204" pitchFamily="34" charset="0"/>
                 <a:cs typeface="Carlito" panose="020F0502020204030204" pitchFamily="34" charset="0"/>
               </a:rPr>
-              <a:t>2.1. Les principales fonctionnalités </a:t>
-            </a:r>
-            <a:r>
-              <a:rPr lang="fr-FR" sz="1600" u="sng" dirty="0">
+              <a:t>2.1. Les principales</a:t>
+            </a:r>
+          </a:p>
+          <a:p>
+            <a:pPr algn="ctr">
+              <a:lnSpc>
+                <a:spcPct val="150000"/>
+              </a:lnSpc>
+            </a:pPr>
+            <a:r>
+              <a:rPr lang="fr-FR" sz="1600" dirty="0">
                 <a:solidFill>
                   <a:schemeClr val="bg2">
                     <a:lumMod val="50000"/>
@@ -11925,46 +11932,7 @@
                 <a:latin typeface="Carlito" panose="020F0502020204030204" pitchFamily="34" charset="0"/>
                 <a:cs typeface="Carlito" panose="020F0502020204030204" pitchFamily="34" charset="0"/>
               </a:rPr>
-              <a:t>Samuel</a:t>
-            </a:r>
-            <a:r>
-              <a:rPr lang="fr-FR" sz="1600" dirty="0">
-                <a:solidFill>
-                  <a:schemeClr val="bg2">
-                    <a:lumMod val="50000"/>
-                    <a:lumOff val="50000"/>
-                  </a:schemeClr>
-                </a:solidFill>
-                <a:latin typeface="Carlito" panose="020F0502020204030204" pitchFamily="34" charset="0"/>
-                <a:cs typeface="Carlito" panose="020F0502020204030204" pitchFamily="34" charset="0"/>
-              </a:rPr>
-              <a:t> (démonstration du site : </a:t>
-            </a:r>
-            <a:r>
-              <a:rPr lang="fr-FR" sz="1600" u="sng" dirty="0">
-                <a:solidFill>
-                  <a:schemeClr val="bg2">
-                    <a:lumMod val="50000"/>
-                    <a:lumOff val="50000"/>
-                  </a:schemeClr>
-                </a:solidFill>
-                <a:latin typeface="Carlito" panose="020F0502020204030204" pitchFamily="34" charset="0"/>
-                <a:cs typeface="Carlito" panose="020F0502020204030204" pitchFamily="34" charset="0"/>
-              </a:rPr>
-              <a:t>chacun sa page</a:t>
-            </a:r>
-            <a:r>
-              <a:rPr lang="fr-FR" sz="1600" dirty="0">
-                <a:solidFill>
-                  <a:schemeClr val="bg2">
-                    <a:lumMod val="50000"/>
-                    <a:lumOff val="50000"/>
-                  </a:schemeClr>
-                </a:solidFill>
-                <a:latin typeface="Carlito" panose="020F0502020204030204" pitchFamily="34" charset="0"/>
-                <a:cs typeface="Carlito" panose="020F0502020204030204" pitchFamily="34" charset="0"/>
-              </a:rPr>
-              <a:t>)</a:t>
+              <a:t>2.2. Choix esthétiques</a:t>
             </a:r>
             <a:endParaRPr lang="fr-FR" sz="1600" u="sng" dirty="0">
               <a:solidFill>
@@ -11994,54 +11962,18 @@
                 <a:latin typeface="Carlito" panose="020F0502020204030204" pitchFamily="34" charset="0"/>
                 <a:cs typeface="Carlito" panose="020F0502020204030204" pitchFamily="34" charset="0"/>
               </a:rPr>
-              <a:t>2.2. Choix esthétiques </a:t>
-            </a:r>
-            <a:r>
-              <a:rPr lang="fr-FR" sz="1600" u="sng" dirty="0">
-                <a:solidFill>
-                  <a:schemeClr val="bg2">
-                    <a:lumMod val="50000"/>
-                    <a:lumOff val="50000"/>
-                  </a:schemeClr>
-                </a:solidFill>
-                <a:latin typeface="Carlito" panose="020F0502020204030204" pitchFamily="34" charset="0"/>
-                <a:cs typeface="Carlito" panose="020F0502020204030204" pitchFamily="34" charset="0"/>
-              </a:rPr>
-              <a:t>Wassim</a:t>
-            </a:r>
-          </a:p>
-          <a:p>
-            <a:pPr algn="ctr">
-              <a:lnSpc>
-                <a:spcPct val="150000"/>
-              </a:lnSpc>
-            </a:pPr>
-            <a:r>
-              <a:rPr lang="fr-FR" sz="1600" dirty="0">
-                <a:solidFill>
-                  <a:schemeClr val="bg2">
-                    <a:lumMod val="50000"/>
-                    <a:lumOff val="50000"/>
-                  </a:schemeClr>
-                </a:solidFill>
-                <a:latin typeface="Carlito" panose="020F0502020204030204" pitchFamily="34" charset="0"/>
-                <a:cs typeface="Carlito" panose="020F0502020204030204" pitchFamily="34" charset="0"/>
-              </a:rPr>
-              <a:t>2.3. Des contraintes techniques </a:t>
-            </a:r>
-            <a:r>
-              <a:rPr lang="fr-FR" sz="1600" u="sng" dirty="0">
-                <a:solidFill>
-                  <a:schemeClr val="bg2">
-                    <a:lumMod val="50000"/>
-                    <a:lumOff val="50000"/>
-                  </a:schemeClr>
-                </a:solidFill>
-                <a:latin typeface="Carlito" panose="020F0502020204030204" pitchFamily="34" charset="0"/>
-                <a:cs typeface="Carlito" panose="020F0502020204030204" pitchFamily="34" charset="0"/>
-              </a:rPr>
-              <a:t>Samuel</a:t>
-            </a:r>
+              <a:t>2.3. Des contraintes techniques</a:t>
+            </a:r>
+            <a:endParaRPr lang="fr-FR" sz="1600" u="sng" dirty="0">
+              <a:solidFill>
+                <a:schemeClr val="bg2">
+                  <a:lumMod val="50000"/>
+                  <a:lumOff val="50000"/>
+                </a:schemeClr>
+              </a:solidFill>
+              <a:latin typeface="Carlito" panose="020F0502020204030204" pitchFamily="34" charset="0"/>
+              <a:cs typeface="Carlito" panose="020F0502020204030204" pitchFamily="34" charset="0"/>
+            </a:endParaRPr>
           </a:p>
           <a:p>
             <a:pPr algn="ctr">
